--- a/presentasjoner/Grunnkurs elektro.pptx
+++ b/presentasjoner/Grunnkurs elektro.pptx
@@ -5,7 +5,7 @@
     <p:sldMasterId id="2147483648" r:id="rId1"/>
   </p:sldMasterIdLst>
   <p:notesMasterIdLst>
-    <p:notesMasterId r:id="rId18"/>
+    <p:notesMasterId r:id="rId20"/>
   </p:notesMasterIdLst>
   <p:sldIdLst>
     <p:sldId id="256" r:id="rId2"/>
@@ -18,12 +18,14 @@
     <p:sldId id="263" r:id="rId9"/>
     <p:sldId id="264" r:id="rId10"/>
     <p:sldId id="265" r:id="rId11"/>
-    <p:sldId id="267" r:id="rId12"/>
-    <p:sldId id="268" r:id="rId13"/>
-    <p:sldId id="269" r:id="rId14"/>
-    <p:sldId id="270" r:id="rId15"/>
-    <p:sldId id="271" r:id="rId16"/>
-    <p:sldId id="266" r:id="rId17"/>
+    <p:sldId id="273" r:id="rId12"/>
+    <p:sldId id="266" r:id="rId13"/>
+    <p:sldId id="267" r:id="rId14"/>
+    <p:sldId id="268" r:id="rId15"/>
+    <p:sldId id="269" r:id="rId16"/>
+    <p:sldId id="270" r:id="rId17"/>
+    <p:sldId id="271" r:id="rId18"/>
+    <p:sldId id="272" r:id="rId19"/>
   </p:sldIdLst>
   <p:sldSz cx="12192000" cy="6858000"/>
   <p:notesSz cx="6858000" cy="9144000"/>
@@ -122,6 +124,11 @@
       </a:defRPr>
     </a:lvl9pPr>
   </p:defaultTextStyle>
+  <p:extLst>
+    <p:ext uri="{EFAFB233-063F-42B5-8137-9DF3F51BA10A}">
+      <p15:sldGuideLst xmlns:p15="http://schemas.microsoft.com/office/powerpoint/2012/main"/>
+    </p:ext>
+  </p:extLst>
 </p:presentation>
 </file>
 
@@ -207,7 +214,7 @@
           <a:p>
             <a:fld id="{AE456D22-4CF1-4FB7-ADAA-93A011485EEB}" type="datetimeFigureOut">
               <a:rPr lang="nb-NO" smtClean="0"/>
-              <a:t>21.02.2016</a:t>
+              <a:t>22.02.2016</a:t>
             </a:fld>
             <a:endParaRPr lang="nb-NO"/>
           </a:p>
@@ -596,6 +603,691 @@
 </p:notes>
 </file>
 
+<file path=ppt/notesSlides/notesSlide10.xml><?xml version="1.0" encoding="utf-8"?>
+<p:notes xmlns:a="http://schemas.openxmlformats.org/drawingml/2006/main" xmlns:r="http://schemas.openxmlformats.org/officeDocument/2006/relationships" xmlns:p="http://schemas.openxmlformats.org/presentationml/2006/main">
+  <p:cSld>
+    <p:spTree>
+      <p:nvGrpSpPr>
+        <p:cNvPr id="1" name=""/>
+        <p:cNvGrpSpPr/>
+        <p:nvPr/>
+      </p:nvGrpSpPr>
+      <p:grpSpPr>
+        <a:xfrm>
+          <a:off x="0" y="0"/>
+          <a:ext cx="0" cy="0"/>
+          <a:chOff x="0" y="0"/>
+          <a:chExt cx="0" cy="0"/>
+        </a:xfrm>
+      </p:grpSpPr>
+      <p:sp>
+        <p:nvSpPr>
+          <p:cNvPr id="2" name="Slide Image Placeholder 1"/>
+          <p:cNvSpPr>
+            <a:spLocks noGrp="1" noRot="1" noChangeAspect="1"/>
+          </p:cNvSpPr>
+          <p:nvPr>
+            <p:ph type="sldImg"/>
+          </p:nvPr>
+        </p:nvSpPr>
+        <p:spPr/>
+      </p:sp>
+      <p:sp>
+        <p:nvSpPr>
+          <p:cNvPr id="3" name="Notes Placeholder 2"/>
+          <p:cNvSpPr>
+            <a:spLocks noGrp="1"/>
+          </p:cNvSpPr>
+          <p:nvPr>
+            <p:ph type="body" idx="1"/>
+          </p:nvPr>
+        </p:nvSpPr>
+        <p:spPr/>
+        <p:txBody>
+          <a:bodyPr/>
+          <a:lstStyle/>
+          <a:p>
+            <a:r>
+              <a:rPr lang="nb-NO" dirty="0" smtClean="0"/>
+              <a:t>Tegne kobling til LED Strøm -&gt; </a:t>
+            </a:r>
+            <a:r>
+              <a:rPr lang="nb-NO" dirty="0" err="1" smtClean="0"/>
+              <a:t>resistor</a:t>
+            </a:r>
+            <a:r>
+              <a:rPr lang="nb-NO" baseline="0" dirty="0" smtClean="0"/>
+              <a:t> -&gt; LED -&gt; </a:t>
+            </a:r>
+            <a:r>
+              <a:rPr lang="nb-NO" baseline="0" dirty="0" smtClean="0"/>
+              <a:t>jord / minus. I vårt tilfelle, vil typisk strøm være 5V på </a:t>
+            </a:r>
+            <a:r>
+              <a:rPr lang="nb-NO" baseline="0" dirty="0" err="1" smtClean="0"/>
+              <a:t>Arduino</a:t>
+            </a:r>
+            <a:r>
+              <a:rPr lang="nb-NO" baseline="0" dirty="0" smtClean="0"/>
+              <a:t>-en og jord GND, men det kan også være pluss og minus på et batteri</a:t>
+            </a:r>
+            <a:endParaRPr lang="nb-NO" dirty="0"/>
+          </a:p>
+        </p:txBody>
+      </p:sp>
+      <p:sp>
+        <p:nvSpPr>
+          <p:cNvPr id="4" name="Slide Number Placeholder 3"/>
+          <p:cNvSpPr>
+            <a:spLocks noGrp="1"/>
+          </p:cNvSpPr>
+          <p:nvPr>
+            <p:ph type="sldNum" sz="quarter" idx="10"/>
+          </p:nvPr>
+        </p:nvSpPr>
+        <p:spPr/>
+        <p:txBody>
+          <a:bodyPr/>
+          <a:lstStyle/>
+          <a:p>
+            <a:fld id="{8EEB3E16-4FD6-4D05-BF61-9D5522FF8233}" type="slidenum">
+              <a:rPr lang="nb-NO" smtClean="0"/>
+              <a:t>12</a:t>
+            </a:fld>
+            <a:endParaRPr lang="nb-NO"/>
+          </a:p>
+        </p:txBody>
+      </p:sp>
+    </p:spTree>
+    <p:extLst>
+      <p:ext uri="{BB962C8B-B14F-4D97-AF65-F5344CB8AC3E}">
+        <p14:creationId xmlns:p14="http://schemas.microsoft.com/office/powerpoint/2010/main" val="3387208259"/>
+      </p:ext>
+    </p:extLst>
+  </p:cSld>
+  <p:clrMapOvr>
+    <a:masterClrMapping/>
+  </p:clrMapOvr>
+</p:notes>
+</file>
+
+<file path=ppt/notesSlides/notesSlide11.xml><?xml version="1.0" encoding="utf-8"?>
+<p:notes xmlns:a="http://schemas.openxmlformats.org/drawingml/2006/main" xmlns:r="http://schemas.openxmlformats.org/officeDocument/2006/relationships" xmlns:p="http://schemas.openxmlformats.org/presentationml/2006/main">
+  <p:cSld>
+    <p:spTree>
+      <p:nvGrpSpPr>
+        <p:cNvPr id="1" name=""/>
+        <p:cNvGrpSpPr/>
+        <p:nvPr/>
+      </p:nvGrpSpPr>
+      <p:grpSpPr>
+        <a:xfrm>
+          <a:off x="0" y="0"/>
+          <a:ext cx="0" cy="0"/>
+          <a:chOff x="0" y="0"/>
+          <a:chExt cx="0" cy="0"/>
+        </a:xfrm>
+      </p:grpSpPr>
+      <p:sp>
+        <p:nvSpPr>
+          <p:cNvPr id="2" name="Slide Image Placeholder 1"/>
+          <p:cNvSpPr>
+            <a:spLocks noGrp="1" noRot="1" noChangeAspect="1"/>
+          </p:cNvSpPr>
+          <p:nvPr>
+            <p:ph type="sldImg"/>
+          </p:nvPr>
+        </p:nvSpPr>
+        <p:spPr/>
+      </p:sp>
+      <p:sp>
+        <p:nvSpPr>
+          <p:cNvPr id="3" name="Notes Placeholder 2"/>
+          <p:cNvSpPr>
+            <a:spLocks noGrp="1"/>
+          </p:cNvSpPr>
+          <p:nvPr>
+            <p:ph type="body" idx="1"/>
+          </p:nvPr>
+        </p:nvSpPr>
+        <p:spPr/>
+        <p:txBody>
+          <a:bodyPr/>
+          <a:lstStyle/>
+          <a:p>
+            <a:r>
+              <a:rPr lang="nb-NO" dirty="0" smtClean="0"/>
+              <a:t>For</a:t>
+            </a:r>
+            <a:r>
+              <a:rPr lang="nb-NO" baseline="0" dirty="0" smtClean="0"/>
+              <a:t> at vi skal kunne benytte oss av strøm, trenger den et sted å gå. Ta vanntanken, for eksempel. Hvis ikke vannet har noe sted å renne, beveger det seg ikke. Slik er det også med strøm. For at spenningen i plusspunktet i et batteri skal kunne gå noe sted, må det kobles til minuspunktet. </a:t>
+            </a:r>
+            <a:endParaRPr lang="nb-NO" dirty="0"/>
+          </a:p>
+        </p:txBody>
+      </p:sp>
+      <p:sp>
+        <p:nvSpPr>
+          <p:cNvPr id="4" name="Slide Number Placeholder 3"/>
+          <p:cNvSpPr>
+            <a:spLocks noGrp="1"/>
+          </p:cNvSpPr>
+          <p:nvPr>
+            <p:ph type="sldNum" sz="quarter" idx="10"/>
+          </p:nvPr>
+        </p:nvSpPr>
+        <p:spPr/>
+        <p:txBody>
+          <a:bodyPr/>
+          <a:lstStyle/>
+          <a:p>
+            <a:fld id="{8EEB3E16-4FD6-4D05-BF61-9D5522FF8233}" type="slidenum">
+              <a:rPr lang="nb-NO" smtClean="0"/>
+              <a:t>13</a:t>
+            </a:fld>
+            <a:endParaRPr lang="nb-NO"/>
+          </a:p>
+        </p:txBody>
+      </p:sp>
+    </p:spTree>
+    <p:extLst>
+      <p:ext uri="{BB962C8B-B14F-4D97-AF65-F5344CB8AC3E}">
+        <p14:creationId xmlns:p14="http://schemas.microsoft.com/office/powerpoint/2010/main" val="353448765"/>
+      </p:ext>
+    </p:extLst>
+  </p:cSld>
+  <p:clrMapOvr>
+    <a:masterClrMapping/>
+  </p:clrMapOvr>
+</p:notes>
+</file>
+
+<file path=ppt/notesSlides/notesSlide12.xml><?xml version="1.0" encoding="utf-8"?>
+<p:notes xmlns:a="http://schemas.openxmlformats.org/drawingml/2006/main" xmlns:r="http://schemas.openxmlformats.org/officeDocument/2006/relationships" xmlns:p="http://schemas.openxmlformats.org/presentationml/2006/main">
+  <p:cSld>
+    <p:spTree>
+      <p:nvGrpSpPr>
+        <p:cNvPr id="1" name=""/>
+        <p:cNvGrpSpPr/>
+        <p:nvPr/>
+      </p:nvGrpSpPr>
+      <p:grpSpPr>
+        <a:xfrm>
+          <a:off x="0" y="0"/>
+          <a:ext cx="0" cy="0"/>
+          <a:chOff x="0" y="0"/>
+          <a:chExt cx="0" cy="0"/>
+        </a:xfrm>
+      </p:grpSpPr>
+      <p:sp>
+        <p:nvSpPr>
+          <p:cNvPr id="2" name="Slide Image Placeholder 1"/>
+          <p:cNvSpPr>
+            <a:spLocks noGrp="1" noRot="1" noChangeAspect="1"/>
+          </p:cNvSpPr>
+          <p:nvPr>
+            <p:ph type="sldImg"/>
+          </p:nvPr>
+        </p:nvSpPr>
+        <p:spPr/>
+      </p:sp>
+      <p:sp>
+        <p:nvSpPr>
+          <p:cNvPr id="3" name="Notes Placeholder 2"/>
+          <p:cNvSpPr>
+            <a:spLocks noGrp="1"/>
+          </p:cNvSpPr>
+          <p:nvPr>
+            <p:ph type="body" idx="1"/>
+          </p:nvPr>
+        </p:nvSpPr>
+        <p:spPr/>
+        <p:txBody>
+          <a:bodyPr/>
+          <a:lstStyle/>
+          <a:p>
+            <a:r>
+              <a:rPr lang="nb-NO" dirty="0" smtClean="0"/>
+              <a:t>Ingentin</a:t>
+            </a:r>
+            <a:r>
+              <a:rPr lang="nb-NO" baseline="0" dirty="0" smtClean="0"/>
+              <a:t>g skjer. Strømmen går ikke noe sted. Men den potensielle spenningen vil være lik i alt som er koblet til pluss.</a:t>
+            </a:r>
+            <a:endParaRPr lang="nb-NO" dirty="0"/>
+          </a:p>
+        </p:txBody>
+      </p:sp>
+      <p:sp>
+        <p:nvSpPr>
+          <p:cNvPr id="4" name="Slide Number Placeholder 3"/>
+          <p:cNvSpPr>
+            <a:spLocks noGrp="1"/>
+          </p:cNvSpPr>
+          <p:nvPr>
+            <p:ph type="sldNum" sz="quarter" idx="10"/>
+          </p:nvPr>
+        </p:nvSpPr>
+        <p:spPr/>
+        <p:txBody>
+          <a:bodyPr/>
+          <a:lstStyle/>
+          <a:p>
+            <a:fld id="{8EEB3E16-4FD6-4D05-BF61-9D5522FF8233}" type="slidenum">
+              <a:rPr lang="nb-NO" smtClean="0"/>
+              <a:t>14</a:t>
+            </a:fld>
+            <a:endParaRPr lang="nb-NO"/>
+          </a:p>
+        </p:txBody>
+      </p:sp>
+    </p:spTree>
+    <p:extLst>
+      <p:ext uri="{BB962C8B-B14F-4D97-AF65-F5344CB8AC3E}">
+        <p14:creationId xmlns:p14="http://schemas.microsoft.com/office/powerpoint/2010/main" val="1543244200"/>
+      </p:ext>
+    </p:extLst>
+  </p:cSld>
+  <p:clrMapOvr>
+    <a:masterClrMapping/>
+  </p:clrMapOvr>
+</p:notes>
+</file>
+
+<file path=ppt/notesSlides/notesSlide13.xml><?xml version="1.0" encoding="utf-8"?>
+<p:notes xmlns:a="http://schemas.openxmlformats.org/drawingml/2006/main" xmlns:r="http://schemas.openxmlformats.org/officeDocument/2006/relationships" xmlns:p="http://schemas.openxmlformats.org/presentationml/2006/main">
+  <p:cSld>
+    <p:spTree>
+      <p:nvGrpSpPr>
+        <p:cNvPr id="1" name=""/>
+        <p:cNvGrpSpPr/>
+        <p:nvPr/>
+      </p:nvGrpSpPr>
+      <p:grpSpPr>
+        <a:xfrm>
+          <a:off x="0" y="0"/>
+          <a:ext cx="0" cy="0"/>
+          <a:chOff x="0" y="0"/>
+          <a:chExt cx="0" cy="0"/>
+        </a:xfrm>
+      </p:grpSpPr>
+      <p:sp>
+        <p:nvSpPr>
+          <p:cNvPr id="2" name="Slide Image Placeholder 1"/>
+          <p:cNvSpPr>
+            <a:spLocks noGrp="1" noRot="1" noChangeAspect="1"/>
+          </p:cNvSpPr>
+          <p:nvPr>
+            <p:ph type="sldImg"/>
+          </p:nvPr>
+        </p:nvSpPr>
+        <p:spPr/>
+      </p:sp>
+      <p:sp>
+        <p:nvSpPr>
+          <p:cNvPr id="3" name="Notes Placeholder 2"/>
+          <p:cNvSpPr>
+            <a:spLocks noGrp="1"/>
+          </p:cNvSpPr>
+          <p:nvPr>
+            <p:ph type="body" idx="1"/>
+          </p:nvPr>
+        </p:nvSpPr>
+        <p:spPr/>
+        <p:txBody>
+          <a:bodyPr/>
+          <a:lstStyle/>
+          <a:p>
+            <a:r>
+              <a:rPr lang="nb-NO" dirty="0" smtClean="0"/>
+              <a:t>Ingen motstand, strømforsyningen forsøker å levere</a:t>
+            </a:r>
+            <a:r>
+              <a:rPr lang="nb-NO" baseline="0" dirty="0" smtClean="0"/>
+              <a:t> uendelig med strøm, ting kan svis osv.</a:t>
+            </a:r>
+            <a:endParaRPr lang="nb-NO" dirty="0"/>
+          </a:p>
+        </p:txBody>
+      </p:sp>
+      <p:sp>
+        <p:nvSpPr>
+          <p:cNvPr id="4" name="Slide Number Placeholder 3"/>
+          <p:cNvSpPr>
+            <a:spLocks noGrp="1"/>
+          </p:cNvSpPr>
+          <p:nvPr>
+            <p:ph type="sldNum" sz="quarter" idx="10"/>
+          </p:nvPr>
+        </p:nvSpPr>
+        <p:spPr/>
+        <p:txBody>
+          <a:bodyPr/>
+          <a:lstStyle/>
+          <a:p>
+            <a:fld id="{8EEB3E16-4FD6-4D05-BF61-9D5522FF8233}" type="slidenum">
+              <a:rPr lang="nb-NO" smtClean="0"/>
+              <a:t>15</a:t>
+            </a:fld>
+            <a:endParaRPr lang="nb-NO"/>
+          </a:p>
+        </p:txBody>
+      </p:sp>
+    </p:spTree>
+    <p:extLst>
+      <p:ext uri="{BB962C8B-B14F-4D97-AF65-F5344CB8AC3E}">
+        <p14:creationId xmlns:p14="http://schemas.microsoft.com/office/powerpoint/2010/main" val="3215770740"/>
+      </p:ext>
+    </p:extLst>
+  </p:cSld>
+  <p:clrMapOvr>
+    <a:masterClrMapping/>
+  </p:clrMapOvr>
+</p:notes>
+</file>
+
+<file path=ppt/notesSlides/notesSlide14.xml><?xml version="1.0" encoding="utf-8"?>
+<p:notes xmlns:a="http://schemas.openxmlformats.org/drawingml/2006/main" xmlns:r="http://schemas.openxmlformats.org/officeDocument/2006/relationships" xmlns:p="http://schemas.openxmlformats.org/presentationml/2006/main">
+  <p:cSld>
+    <p:spTree>
+      <p:nvGrpSpPr>
+        <p:cNvPr id="1" name=""/>
+        <p:cNvGrpSpPr/>
+        <p:nvPr/>
+      </p:nvGrpSpPr>
+      <p:grpSpPr>
+        <a:xfrm>
+          <a:off x="0" y="0"/>
+          <a:ext cx="0" cy="0"/>
+          <a:chOff x="0" y="0"/>
+          <a:chExt cx="0" cy="0"/>
+        </a:xfrm>
+      </p:grpSpPr>
+      <p:sp>
+        <p:nvSpPr>
+          <p:cNvPr id="2" name="Slide Image Placeholder 1"/>
+          <p:cNvSpPr>
+            <a:spLocks noGrp="1" noRot="1" noChangeAspect="1"/>
+          </p:cNvSpPr>
+          <p:nvPr>
+            <p:ph type="sldImg"/>
+          </p:nvPr>
+        </p:nvSpPr>
+        <p:spPr/>
+      </p:sp>
+      <p:sp>
+        <p:nvSpPr>
+          <p:cNvPr id="3" name="Notes Placeholder 2"/>
+          <p:cNvSpPr>
+            <a:spLocks noGrp="1"/>
+          </p:cNvSpPr>
+          <p:nvPr>
+            <p:ph type="body" idx="1"/>
+          </p:nvPr>
+        </p:nvSpPr>
+        <p:spPr/>
+        <p:txBody>
+          <a:bodyPr/>
+          <a:lstStyle/>
+          <a:p>
+            <a:r>
+              <a:rPr lang="nb-NO" dirty="0" smtClean="0"/>
+              <a:t>Tegne</a:t>
+            </a:r>
+            <a:r>
+              <a:rPr lang="nb-NO" baseline="0" dirty="0" smtClean="0"/>
+              <a:t> serie- og parallellkobling. </a:t>
+            </a:r>
+          </a:p>
+          <a:p>
+            <a:r>
+              <a:rPr lang="nb-NO" baseline="0" dirty="0" smtClean="0"/>
+              <a:t>Serie – samme strøm over hele kretsen, parallell – samme spenning</a:t>
+            </a:r>
+          </a:p>
+          <a:p>
+            <a:r>
+              <a:rPr lang="nb-NO" baseline="0" dirty="0" smtClean="0"/>
+              <a:t>Ta med </a:t>
+            </a:r>
+            <a:r>
+              <a:rPr lang="nb-NO" baseline="0" dirty="0" err="1" smtClean="0"/>
+              <a:t>resistor</a:t>
+            </a:r>
+            <a:r>
+              <a:rPr lang="nb-NO" baseline="0" dirty="0" smtClean="0"/>
+              <a:t> og LED</a:t>
+            </a:r>
+          </a:p>
+          <a:p>
+            <a:r>
+              <a:rPr lang="nb-NO" baseline="0" dirty="0" smtClean="0"/>
+              <a:t>Quiz, bytte plass på </a:t>
+            </a:r>
+            <a:r>
+              <a:rPr lang="nb-NO" baseline="0" dirty="0" err="1" smtClean="0"/>
+              <a:t>resistor</a:t>
+            </a:r>
+            <a:r>
+              <a:rPr lang="nb-NO" baseline="0" dirty="0" smtClean="0"/>
+              <a:t> og LED</a:t>
+            </a:r>
+          </a:p>
+        </p:txBody>
+      </p:sp>
+      <p:sp>
+        <p:nvSpPr>
+          <p:cNvPr id="4" name="Slide Number Placeholder 3"/>
+          <p:cNvSpPr>
+            <a:spLocks noGrp="1"/>
+          </p:cNvSpPr>
+          <p:nvPr>
+            <p:ph type="sldNum" sz="quarter" idx="10"/>
+          </p:nvPr>
+        </p:nvSpPr>
+        <p:spPr/>
+        <p:txBody>
+          <a:bodyPr/>
+          <a:lstStyle/>
+          <a:p>
+            <a:fld id="{8EEB3E16-4FD6-4D05-BF61-9D5522FF8233}" type="slidenum">
+              <a:rPr lang="nb-NO" smtClean="0"/>
+              <a:t>16</a:t>
+            </a:fld>
+            <a:endParaRPr lang="nb-NO"/>
+          </a:p>
+        </p:txBody>
+      </p:sp>
+    </p:spTree>
+    <p:extLst>
+      <p:ext uri="{BB962C8B-B14F-4D97-AF65-F5344CB8AC3E}">
+        <p14:creationId xmlns:p14="http://schemas.microsoft.com/office/powerpoint/2010/main" val="3837673665"/>
+      </p:ext>
+    </p:extLst>
+  </p:cSld>
+  <p:clrMapOvr>
+    <a:masterClrMapping/>
+  </p:clrMapOvr>
+</p:notes>
+</file>
+
+<file path=ppt/notesSlides/notesSlide15.xml><?xml version="1.0" encoding="utf-8"?>
+<p:notes xmlns:a="http://schemas.openxmlformats.org/drawingml/2006/main" xmlns:r="http://schemas.openxmlformats.org/officeDocument/2006/relationships" xmlns:p="http://schemas.openxmlformats.org/presentationml/2006/main">
+  <p:cSld>
+    <p:spTree>
+      <p:nvGrpSpPr>
+        <p:cNvPr id="1" name=""/>
+        <p:cNvGrpSpPr/>
+        <p:nvPr/>
+      </p:nvGrpSpPr>
+      <p:grpSpPr>
+        <a:xfrm>
+          <a:off x="0" y="0"/>
+          <a:ext cx="0" cy="0"/>
+          <a:chOff x="0" y="0"/>
+          <a:chExt cx="0" cy="0"/>
+        </a:xfrm>
+      </p:grpSpPr>
+      <p:sp>
+        <p:nvSpPr>
+          <p:cNvPr id="2" name="Slide Image Placeholder 1"/>
+          <p:cNvSpPr>
+            <a:spLocks noGrp="1" noRot="1" noChangeAspect="1"/>
+          </p:cNvSpPr>
+          <p:nvPr>
+            <p:ph type="sldImg"/>
+          </p:nvPr>
+        </p:nvSpPr>
+        <p:spPr/>
+      </p:sp>
+      <p:sp>
+        <p:nvSpPr>
+          <p:cNvPr id="3" name="Notes Placeholder 2"/>
+          <p:cNvSpPr>
+            <a:spLocks noGrp="1"/>
+          </p:cNvSpPr>
+          <p:nvPr>
+            <p:ph type="body" idx="1"/>
+          </p:nvPr>
+        </p:nvSpPr>
+        <p:spPr/>
+        <p:txBody>
+          <a:bodyPr/>
+          <a:lstStyle/>
+          <a:p>
+            <a:r>
+              <a:rPr lang="nb-NO" dirty="0" smtClean="0"/>
+              <a:t>Vise og tegne</a:t>
+            </a:r>
+            <a:endParaRPr lang="nb-NO" dirty="0"/>
+          </a:p>
+        </p:txBody>
+      </p:sp>
+      <p:sp>
+        <p:nvSpPr>
+          <p:cNvPr id="4" name="Slide Number Placeholder 3"/>
+          <p:cNvSpPr>
+            <a:spLocks noGrp="1"/>
+          </p:cNvSpPr>
+          <p:nvPr>
+            <p:ph type="sldNum" sz="quarter" idx="10"/>
+          </p:nvPr>
+        </p:nvSpPr>
+        <p:spPr/>
+        <p:txBody>
+          <a:bodyPr/>
+          <a:lstStyle/>
+          <a:p>
+            <a:fld id="{8EEB3E16-4FD6-4D05-BF61-9D5522FF8233}" type="slidenum">
+              <a:rPr lang="nb-NO" smtClean="0"/>
+              <a:t>17</a:t>
+            </a:fld>
+            <a:endParaRPr lang="nb-NO"/>
+          </a:p>
+        </p:txBody>
+      </p:sp>
+    </p:spTree>
+    <p:extLst>
+      <p:ext uri="{BB962C8B-B14F-4D97-AF65-F5344CB8AC3E}">
+        <p14:creationId xmlns:p14="http://schemas.microsoft.com/office/powerpoint/2010/main" val="3795964080"/>
+      </p:ext>
+    </p:extLst>
+  </p:cSld>
+  <p:clrMapOvr>
+    <a:masterClrMapping/>
+  </p:clrMapOvr>
+</p:notes>
+</file>
+
+<file path=ppt/notesSlides/notesSlide16.xml><?xml version="1.0" encoding="utf-8"?>
+<p:notes xmlns:a="http://schemas.openxmlformats.org/drawingml/2006/main" xmlns:r="http://schemas.openxmlformats.org/officeDocument/2006/relationships" xmlns:p="http://schemas.openxmlformats.org/presentationml/2006/main">
+  <p:cSld>
+    <p:spTree>
+      <p:nvGrpSpPr>
+        <p:cNvPr id="1" name=""/>
+        <p:cNvGrpSpPr/>
+        <p:nvPr/>
+      </p:nvGrpSpPr>
+      <p:grpSpPr>
+        <a:xfrm>
+          <a:off x="0" y="0"/>
+          <a:ext cx="0" cy="0"/>
+          <a:chOff x="0" y="0"/>
+          <a:chExt cx="0" cy="0"/>
+        </a:xfrm>
+      </p:grpSpPr>
+      <p:sp>
+        <p:nvSpPr>
+          <p:cNvPr id="2" name="Slide Image Placeholder 1"/>
+          <p:cNvSpPr>
+            <a:spLocks noGrp="1" noRot="1" noChangeAspect="1"/>
+          </p:cNvSpPr>
+          <p:nvPr>
+            <p:ph type="sldImg"/>
+          </p:nvPr>
+        </p:nvSpPr>
+        <p:spPr/>
+      </p:sp>
+      <p:sp>
+        <p:nvSpPr>
+          <p:cNvPr id="3" name="Notes Placeholder 2"/>
+          <p:cNvSpPr>
+            <a:spLocks noGrp="1"/>
+          </p:cNvSpPr>
+          <p:nvPr>
+            <p:ph type="body" idx="1"/>
+          </p:nvPr>
+        </p:nvSpPr>
+        <p:spPr/>
+        <p:txBody>
+          <a:bodyPr/>
+          <a:lstStyle/>
+          <a:p>
+            <a:r>
+              <a:rPr lang="nb-NO" smtClean="0"/>
+              <a:t>Vise</a:t>
+            </a:r>
+            <a:endParaRPr lang="nb-NO"/>
+          </a:p>
+        </p:txBody>
+      </p:sp>
+      <p:sp>
+        <p:nvSpPr>
+          <p:cNvPr id="4" name="Slide Number Placeholder 3"/>
+          <p:cNvSpPr>
+            <a:spLocks noGrp="1"/>
+          </p:cNvSpPr>
+          <p:nvPr>
+            <p:ph type="sldNum" sz="quarter" idx="10"/>
+          </p:nvPr>
+        </p:nvSpPr>
+        <p:spPr/>
+        <p:txBody>
+          <a:bodyPr/>
+          <a:lstStyle/>
+          <a:p>
+            <a:fld id="{8EEB3E16-4FD6-4D05-BF61-9D5522FF8233}" type="slidenum">
+              <a:rPr lang="nb-NO" smtClean="0"/>
+              <a:t>18</a:t>
+            </a:fld>
+            <a:endParaRPr lang="nb-NO"/>
+          </a:p>
+        </p:txBody>
+      </p:sp>
+    </p:spTree>
+    <p:extLst>
+      <p:ext uri="{BB962C8B-B14F-4D97-AF65-F5344CB8AC3E}">
+        <p14:creationId xmlns:p14="http://schemas.microsoft.com/office/powerpoint/2010/main" val="57263838"/>
+      </p:ext>
+    </p:extLst>
+  </p:cSld>
+  <p:clrMapOvr>
+    <a:masterClrMapping/>
+  </p:clrMapOvr>
+</p:notes>
+</file>
+
 <file path=ppt/notesSlides/notesSlide2.xml><?xml version="1.0" encoding="utf-8"?>
 <p:notes xmlns:a="http://schemas.openxmlformats.org/drawingml/2006/main" xmlns:r="http://schemas.openxmlformats.org/officeDocument/2006/relationships" xmlns:p="http://schemas.openxmlformats.org/presentationml/2006/main">
   <p:cSld>
@@ -705,7 +1397,6 @@
               <a:rPr lang="nb-NO" baseline="0" dirty="0" smtClean="0"/>
               <a:t> (volt * ampere)</a:t>
             </a:r>
-            <a:endParaRPr lang="nb-NO" baseline="0" dirty="0" smtClean="0"/>
           </a:p>
           <a:p>
             <a:pPr marL="171450" indent="-171450">
@@ -1326,7 +2017,19 @@
               <a:rPr lang="nb-NO" baseline="0" dirty="0" smtClean="0">
                 <a:sym typeface="Wingdings" panose="05000000000000000000" pitchFamily="2" charset="2"/>
               </a:rPr>
-              <a:t> Motstand = Spenning / Strøm  5V / 0.018A = 277,8Ω. Må altså bruke 1k Ω. Bytte til 3V-utgang, 166,7Ω</a:t>
+              <a:t> Motstand = Spenning / Strøm  5V / 0.018A = 277,8Ω. Må altså bruke 1k </a:t>
+            </a:r>
+            <a:r>
+              <a:rPr lang="nb-NO" baseline="0" dirty="0" smtClean="0">
+                <a:sym typeface="Wingdings" panose="05000000000000000000" pitchFamily="2" charset="2"/>
+              </a:rPr>
+              <a:t>Ω, ev, 2x 220Ω seriekoblet. </a:t>
+            </a:r>
+            <a:r>
+              <a:rPr lang="nb-NO" baseline="0" dirty="0" smtClean="0">
+                <a:sym typeface="Wingdings" panose="05000000000000000000" pitchFamily="2" charset="2"/>
+              </a:rPr>
+              <a:t>Bytte til 3V-utgang, 166,7Ω</a:t>
             </a:r>
             <a:endParaRPr lang="nb-NO" dirty="0"/>
           </a:p>
@@ -1412,26 +2115,6 @@
           <a:bodyPr/>
           <a:lstStyle/>
           <a:p>
-            <a:r>
-              <a:rPr lang="nb-NO" dirty="0" smtClean="0"/>
-              <a:t>Tegne kobling til LED Strøm -&gt; </a:t>
-            </a:r>
-            <a:r>
-              <a:rPr lang="nb-NO" dirty="0" err="1" smtClean="0"/>
-              <a:t>resistor</a:t>
-            </a:r>
-            <a:r>
-              <a:rPr lang="nb-NO" baseline="0" dirty="0" smtClean="0"/>
-              <a:t> -&gt; LED -&gt; jord. Quiz, bytte plass på </a:t>
-            </a:r>
-            <a:r>
-              <a:rPr lang="nb-NO" baseline="0" dirty="0" err="1" smtClean="0"/>
-              <a:t>resistor</a:t>
-            </a:r>
-            <a:r>
-              <a:rPr lang="nb-NO" baseline="0" dirty="0" smtClean="0"/>
-              <a:t> og LED</a:t>
-            </a:r>
             <a:endParaRPr lang="nb-NO" dirty="0"/>
           </a:p>
         </p:txBody>
@@ -1453,7 +2136,7 @@
           <a:p>
             <a:fld id="{8EEB3E16-4FD6-4D05-BF61-9D5522FF8233}" type="slidenum">
               <a:rPr lang="nb-NO" smtClean="0"/>
-              <a:t>16</a:t>
+              <a:t>11</a:t>
             </a:fld>
             <a:endParaRPr lang="nb-NO"/>
           </a:p>
@@ -1462,7 +2145,7 @@
     </p:spTree>
     <p:extLst>
       <p:ext uri="{BB962C8B-B14F-4D97-AF65-F5344CB8AC3E}">
-        <p14:creationId xmlns:p14="http://schemas.microsoft.com/office/powerpoint/2010/main" val="3387208259"/>
+        <p14:creationId xmlns:p14="http://schemas.microsoft.com/office/powerpoint/2010/main" val="3661334898"/>
       </p:ext>
     </p:extLst>
   </p:cSld>
@@ -1603,7 +2286,7 @@
           <a:p>
             <a:fld id="{2F9E49A8-3045-41A6-8CC2-689B62FE881E}" type="datetimeFigureOut">
               <a:rPr lang="nb-NO" smtClean="0"/>
-              <a:t>21.02.2016</a:t>
+              <a:t>22.02.2016</a:t>
             </a:fld>
             <a:endParaRPr lang="nb-NO"/>
           </a:p>
@@ -1773,7 +2456,7 @@
           <a:p>
             <a:fld id="{2F9E49A8-3045-41A6-8CC2-689B62FE881E}" type="datetimeFigureOut">
               <a:rPr lang="nb-NO" smtClean="0"/>
-              <a:t>21.02.2016</a:t>
+              <a:t>22.02.2016</a:t>
             </a:fld>
             <a:endParaRPr lang="nb-NO"/>
           </a:p>
@@ -1953,7 +2636,7 @@
           <a:p>
             <a:fld id="{2F9E49A8-3045-41A6-8CC2-689B62FE881E}" type="datetimeFigureOut">
               <a:rPr lang="nb-NO" smtClean="0"/>
-              <a:t>21.02.2016</a:t>
+              <a:t>22.02.2016</a:t>
             </a:fld>
             <a:endParaRPr lang="nb-NO"/>
           </a:p>
@@ -2123,7 +2806,7 @@
           <a:p>
             <a:fld id="{2F9E49A8-3045-41A6-8CC2-689B62FE881E}" type="datetimeFigureOut">
               <a:rPr lang="nb-NO" smtClean="0"/>
-              <a:t>21.02.2016</a:t>
+              <a:t>22.02.2016</a:t>
             </a:fld>
             <a:endParaRPr lang="nb-NO"/>
           </a:p>
@@ -2369,7 +3052,7 @@
           <a:p>
             <a:fld id="{2F9E49A8-3045-41A6-8CC2-689B62FE881E}" type="datetimeFigureOut">
               <a:rPr lang="nb-NO" smtClean="0"/>
-              <a:t>21.02.2016</a:t>
+              <a:t>22.02.2016</a:t>
             </a:fld>
             <a:endParaRPr lang="nb-NO"/>
           </a:p>
@@ -2601,7 +3284,7 @@
           <a:p>
             <a:fld id="{2F9E49A8-3045-41A6-8CC2-689B62FE881E}" type="datetimeFigureOut">
               <a:rPr lang="nb-NO" smtClean="0"/>
-              <a:t>21.02.2016</a:t>
+              <a:t>22.02.2016</a:t>
             </a:fld>
             <a:endParaRPr lang="nb-NO"/>
           </a:p>
@@ -2968,7 +3651,7 @@
           <a:p>
             <a:fld id="{2F9E49A8-3045-41A6-8CC2-689B62FE881E}" type="datetimeFigureOut">
               <a:rPr lang="nb-NO" smtClean="0"/>
-              <a:t>21.02.2016</a:t>
+              <a:t>22.02.2016</a:t>
             </a:fld>
             <a:endParaRPr lang="nb-NO"/>
           </a:p>
@@ -3086,7 +3769,7 @@
           <a:p>
             <a:fld id="{2F9E49A8-3045-41A6-8CC2-689B62FE881E}" type="datetimeFigureOut">
               <a:rPr lang="nb-NO" smtClean="0"/>
-              <a:t>21.02.2016</a:t>
+              <a:t>22.02.2016</a:t>
             </a:fld>
             <a:endParaRPr lang="nb-NO"/>
           </a:p>
@@ -3181,7 +3864,7 @@
           <a:p>
             <a:fld id="{2F9E49A8-3045-41A6-8CC2-689B62FE881E}" type="datetimeFigureOut">
               <a:rPr lang="nb-NO" smtClean="0"/>
-              <a:t>21.02.2016</a:t>
+              <a:t>22.02.2016</a:t>
             </a:fld>
             <a:endParaRPr lang="nb-NO"/>
           </a:p>
@@ -3458,7 +4141,7 @@
           <a:p>
             <a:fld id="{2F9E49A8-3045-41A6-8CC2-689B62FE881E}" type="datetimeFigureOut">
               <a:rPr lang="nb-NO" smtClean="0"/>
-              <a:t>21.02.2016</a:t>
+              <a:t>22.02.2016</a:t>
             </a:fld>
             <a:endParaRPr lang="nb-NO"/>
           </a:p>
@@ -3711,7 +4394,7 @@
           <a:p>
             <a:fld id="{2F9E49A8-3045-41A6-8CC2-689B62FE881E}" type="datetimeFigureOut">
               <a:rPr lang="nb-NO" smtClean="0"/>
-              <a:t>21.02.2016</a:t>
+              <a:t>22.02.2016</a:t>
             </a:fld>
             <a:endParaRPr lang="nb-NO"/>
           </a:p>
@@ -3924,7 +4607,7 @@
           <a:p>
             <a:fld id="{2F9E49A8-3045-41A6-8CC2-689B62FE881E}" type="datetimeFigureOut">
               <a:rPr lang="nb-NO" smtClean="0"/>
-              <a:t>21.02.2016</a:t>
+              <a:t>22.02.2016</a:t>
             </a:fld>
             <a:endParaRPr lang="nb-NO"/>
           </a:p>
@@ -4510,19 +5193,202 @@
             <p:ph idx="1"/>
           </p:nvPr>
         </p:nvSpPr>
-        <p:spPr/>
-        <p:txBody>
-          <a:bodyPr/>
-          <a:lstStyle/>
-          <a:p>
-            <a:endParaRPr lang="nb-NO"/>
-          </a:p>
-        </p:txBody>
-      </p:sp>
+        <p:spPr>
+          <a:xfrm>
+            <a:off x="838200" y="1374363"/>
+            <a:ext cx="7723909" cy="917575"/>
+          </a:xfrm>
+        </p:spPr>
+        <p:txBody>
+          <a:bodyPr>
+            <a:normAutofit/>
+          </a:bodyPr>
+          <a:lstStyle/>
+          <a:p>
+            <a:r>
+              <a:rPr lang="nb-NO" dirty="0" err="1" smtClean="0"/>
+              <a:t>Resistorverdier</a:t>
+            </a:r>
+            <a:r>
+              <a:rPr lang="nb-NO" dirty="0"/>
+              <a:t> - </a:t>
+            </a:r>
+            <a:r>
+              <a:rPr lang="nb-NO" sz="2000" dirty="0"/>
+              <a:t>http://www.ladyada.net/images/metertutorial/rescolorcode.jpg</a:t>
+            </a:r>
+            <a:endParaRPr lang="nb-NO" sz="2400" dirty="0"/>
+          </a:p>
+        </p:txBody>
+      </p:sp>
+      <p:pic>
+        <p:nvPicPr>
+          <p:cNvPr id="6146" name="Picture 2" descr="http://www.ladyada.net/images/metertutorial/rescolorcode.jpg"/>
+          <p:cNvPicPr>
+            <a:picLocks noChangeAspect="1" noChangeArrowheads="1"/>
+          </p:cNvPicPr>
+          <p:nvPr/>
+        </p:nvPicPr>
+        <p:blipFill>
+          <a:blip r:embed="rId3">
+            <a:extLst>
+              <a:ext uri="{28A0092B-C50C-407E-A947-70E740481C1C}">
+                <a14:useLocalDpi xmlns:a14="http://schemas.microsoft.com/office/drawing/2010/main" val="0"/>
+              </a:ext>
+            </a:extLst>
+          </a:blip>
+          <a:srcRect/>
+          <a:stretch>
+            <a:fillRect/>
+          </a:stretch>
+        </p:blipFill>
+        <p:spPr bwMode="auto">
+          <a:xfrm>
+            <a:off x="8245759" y="773890"/>
+            <a:ext cx="3795821" cy="5947544"/>
+          </a:xfrm>
+          <a:prstGeom prst="rect">
+            <a:avLst/>
+          </a:prstGeom>
+          <a:noFill/>
+          <a:extLst>
+            <a:ext uri="{909E8E84-426E-40DD-AFC4-6F175D3DCCD1}">
+              <a14:hiddenFill xmlns:a14="http://schemas.microsoft.com/office/drawing/2010/main">
+                <a:solidFill>
+                  <a:srgbClr val="FFFFFF"/>
+                </a:solidFill>
+              </a14:hiddenFill>
+            </a:ext>
+          </a:extLst>
+        </p:spPr>
+      </p:pic>
+      <p:pic>
+        <p:nvPicPr>
+          <p:cNvPr id="6150" name="Picture 6" descr="https://s-media-cache-ak0.pinimg.com/736x/bf/97/84/bf9784c8faf8693a35b4034d94c2af90.jpg"/>
+          <p:cNvPicPr>
+            <a:picLocks noChangeAspect="1" noChangeArrowheads="1"/>
+          </p:cNvPicPr>
+          <p:nvPr/>
+        </p:nvPicPr>
+        <p:blipFill>
+          <a:blip r:embed="rId4">
+            <a:extLst>
+              <a:ext uri="{28A0092B-C50C-407E-A947-70E740481C1C}">
+                <a14:useLocalDpi xmlns:a14="http://schemas.microsoft.com/office/drawing/2010/main" val="0"/>
+              </a:ext>
+            </a:extLst>
+          </a:blip>
+          <a:srcRect/>
+          <a:stretch>
+            <a:fillRect/>
+          </a:stretch>
+        </p:blipFill>
+        <p:spPr bwMode="auto">
+          <a:xfrm>
+            <a:off x="618711" y="2592062"/>
+            <a:ext cx="3356620" cy="1440000"/>
+          </a:xfrm>
+          <a:prstGeom prst="rect">
+            <a:avLst/>
+          </a:prstGeom>
+          <a:noFill/>
+          <a:extLst>
+            <a:ext uri="{909E8E84-426E-40DD-AFC4-6F175D3DCCD1}">
+              <a14:hiddenFill xmlns:a14="http://schemas.microsoft.com/office/drawing/2010/main">
+                <a:solidFill>
+                  <a:srgbClr val="FFFFFF"/>
+                </a:solidFill>
+              </a14:hiddenFill>
+            </a:ext>
+          </a:extLst>
+        </p:spPr>
+      </p:pic>
+      <p:pic>
+        <p:nvPicPr>
+          <p:cNvPr id="6152" name="Picture 8" descr="http://iamtechnical.com/sites/default/files/1k-ohm-resistor-color-code.jpg"/>
+          <p:cNvPicPr>
+            <a:picLocks noChangeAspect="1" noChangeArrowheads="1"/>
+          </p:cNvPicPr>
+          <p:nvPr/>
+        </p:nvPicPr>
+        <p:blipFill>
+          <a:blip r:embed="rId5">
+            <a:extLst>
+              <a:ext uri="{28A0092B-C50C-407E-A947-70E740481C1C}">
+                <a14:useLocalDpi xmlns:a14="http://schemas.microsoft.com/office/drawing/2010/main" val="0"/>
+              </a:ext>
+            </a:extLst>
+          </a:blip>
+          <a:srcRect/>
+          <a:stretch>
+            <a:fillRect/>
+          </a:stretch>
+        </p:blipFill>
+        <p:spPr bwMode="auto">
+          <a:xfrm>
+            <a:off x="4440251" y="2581176"/>
+            <a:ext cx="3311497" cy="1440000"/>
+          </a:xfrm>
+          <a:prstGeom prst="rect">
+            <a:avLst/>
+          </a:prstGeom>
+          <a:noFill/>
+          <a:extLst>
+            <a:ext uri="{909E8E84-426E-40DD-AFC4-6F175D3DCCD1}">
+              <a14:hiddenFill xmlns:a14="http://schemas.microsoft.com/office/drawing/2010/main">
+                <a:solidFill>
+                  <a:srgbClr val="FFFFFF"/>
+                </a:solidFill>
+              </a14:hiddenFill>
+            </a:ext>
+          </a:extLst>
+        </p:spPr>
+      </p:pic>
+      <p:pic>
+        <p:nvPicPr>
+          <p:cNvPr id="6154" name="Picture 10" descr="http://iamtechnical.com/sites/default/files/10k-ohm-resistor-color-code.jpg"/>
+          <p:cNvPicPr>
+            <a:picLocks noChangeAspect="1" noChangeArrowheads="1"/>
+          </p:cNvPicPr>
+          <p:nvPr/>
+        </p:nvPicPr>
+        <p:blipFill>
+          <a:blip r:embed="rId6">
+            <a:extLst>
+              <a:ext uri="{28A0092B-C50C-407E-A947-70E740481C1C}">
+                <a14:useLocalDpi xmlns:a14="http://schemas.microsoft.com/office/drawing/2010/main" val="0"/>
+              </a:ext>
+            </a:extLst>
+          </a:blip>
+          <a:srcRect/>
+          <a:stretch>
+            <a:fillRect/>
+          </a:stretch>
+        </p:blipFill>
+        <p:spPr bwMode="auto">
+          <a:xfrm>
+            <a:off x="2509338" y="4882712"/>
+            <a:ext cx="3321930" cy="1440000"/>
+          </a:xfrm>
+          <a:prstGeom prst="rect">
+            <a:avLst/>
+          </a:prstGeom>
+          <a:noFill/>
+          <a:extLst>
+            <a:ext uri="{909E8E84-426E-40DD-AFC4-6F175D3DCCD1}">
+              <a14:hiddenFill xmlns:a14="http://schemas.microsoft.com/office/drawing/2010/main">
+                <a:solidFill>
+                  <a:srgbClr val="FFFFFF"/>
+                </a:solidFill>
+              </a14:hiddenFill>
+            </a:ext>
+          </a:extLst>
+        </p:spPr>
+      </p:pic>
     </p:spTree>
     <p:extLst>
       <p:ext uri="{BB962C8B-B14F-4D97-AF65-F5344CB8AC3E}">
-        <p14:creationId xmlns:p14="http://schemas.microsoft.com/office/powerpoint/2010/main" val="292277651"/>
+        <p14:creationId xmlns:p14="http://schemas.microsoft.com/office/powerpoint/2010/main" val="1460757533"/>
       </p:ext>
     </p:extLst>
   </p:cSld>
@@ -4533,294 +5399,6 @@
 </file>
 
 <file path=ppt/slides/slide12.xml><?xml version="1.0" encoding="utf-8"?>
-<p:sld xmlns:a="http://schemas.openxmlformats.org/drawingml/2006/main" xmlns:r="http://schemas.openxmlformats.org/officeDocument/2006/relationships" xmlns:p="http://schemas.openxmlformats.org/presentationml/2006/main">
-  <p:cSld>
-    <p:spTree>
-      <p:nvGrpSpPr>
-        <p:cNvPr id="1" name=""/>
-        <p:cNvGrpSpPr/>
-        <p:nvPr/>
-      </p:nvGrpSpPr>
-      <p:grpSpPr>
-        <a:xfrm>
-          <a:off x="0" y="0"/>
-          <a:ext cx="0" cy="0"/>
-          <a:chOff x="0" y="0"/>
-          <a:chExt cx="0" cy="0"/>
-        </a:xfrm>
-      </p:grpSpPr>
-      <p:sp>
-        <p:nvSpPr>
-          <p:cNvPr id="2" name="Title 1"/>
-          <p:cNvSpPr>
-            <a:spLocks noGrp="1"/>
-          </p:cNvSpPr>
-          <p:nvPr>
-            <p:ph type="title"/>
-          </p:nvPr>
-        </p:nvSpPr>
-        <p:spPr/>
-        <p:txBody>
-          <a:bodyPr/>
-          <a:lstStyle/>
-          <a:p>
-            <a:r>
-              <a:rPr lang="nb-NO" dirty="0" smtClean="0"/>
-              <a:t>Innføring i strøm og slikt</a:t>
-            </a:r>
-            <a:endParaRPr lang="nb-NO" dirty="0"/>
-          </a:p>
-        </p:txBody>
-      </p:sp>
-      <p:sp>
-        <p:nvSpPr>
-          <p:cNvPr id="3" name="Content Placeholder 2"/>
-          <p:cNvSpPr>
-            <a:spLocks noGrp="1"/>
-          </p:cNvSpPr>
-          <p:nvPr>
-            <p:ph idx="1"/>
-          </p:nvPr>
-        </p:nvSpPr>
-        <p:spPr/>
-        <p:txBody>
-          <a:bodyPr/>
-          <a:lstStyle/>
-          <a:p>
-            <a:endParaRPr lang="nb-NO"/>
-          </a:p>
-        </p:txBody>
-      </p:sp>
-    </p:spTree>
-    <p:extLst>
-      <p:ext uri="{BB962C8B-B14F-4D97-AF65-F5344CB8AC3E}">
-        <p14:creationId xmlns:p14="http://schemas.microsoft.com/office/powerpoint/2010/main" val="2584857807"/>
-      </p:ext>
-    </p:extLst>
-  </p:cSld>
-  <p:clrMapOvr>
-    <a:masterClrMapping/>
-  </p:clrMapOvr>
-</p:sld>
-</file>
-
-<file path=ppt/slides/slide13.xml><?xml version="1.0" encoding="utf-8"?>
-<p:sld xmlns:a="http://schemas.openxmlformats.org/drawingml/2006/main" xmlns:r="http://schemas.openxmlformats.org/officeDocument/2006/relationships" xmlns:p="http://schemas.openxmlformats.org/presentationml/2006/main">
-  <p:cSld>
-    <p:spTree>
-      <p:nvGrpSpPr>
-        <p:cNvPr id="1" name=""/>
-        <p:cNvGrpSpPr/>
-        <p:nvPr/>
-      </p:nvGrpSpPr>
-      <p:grpSpPr>
-        <a:xfrm>
-          <a:off x="0" y="0"/>
-          <a:ext cx="0" cy="0"/>
-          <a:chOff x="0" y="0"/>
-          <a:chExt cx="0" cy="0"/>
-        </a:xfrm>
-      </p:grpSpPr>
-      <p:sp>
-        <p:nvSpPr>
-          <p:cNvPr id="2" name="Title 1"/>
-          <p:cNvSpPr>
-            <a:spLocks noGrp="1"/>
-          </p:cNvSpPr>
-          <p:nvPr>
-            <p:ph type="title"/>
-          </p:nvPr>
-        </p:nvSpPr>
-        <p:spPr/>
-        <p:txBody>
-          <a:bodyPr/>
-          <a:lstStyle/>
-          <a:p>
-            <a:r>
-              <a:rPr lang="nb-NO" dirty="0" smtClean="0"/>
-              <a:t>Innføring i strøm og slikt</a:t>
-            </a:r>
-            <a:endParaRPr lang="nb-NO" dirty="0"/>
-          </a:p>
-        </p:txBody>
-      </p:sp>
-      <p:sp>
-        <p:nvSpPr>
-          <p:cNvPr id="3" name="Content Placeholder 2"/>
-          <p:cNvSpPr>
-            <a:spLocks noGrp="1"/>
-          </p:cNvSpPr>
-          <p:nvPr>
-            <p:ph idx="1"/>
-          </p:nvPr>
-        </p:nvSpPr>
-        <p:spPr/>
-        <p:txBody>
-          <a:bodyPr/>
-          <a:lstStyle/>
-          <a:p>
-            <a:endParaRPr lang="nb-NO"/>
-          </a:p>
-        </p:txBody>
-      </p:sp>
-    </p:spTree>
-    <p:extLst>
-      <p:ext uri="{BB962C8B-B14F-4D97-AF65-F5344CB8AC3E}">
-        <p14:creationId xmlns:p14="http://schemas.microsoft.com/office/powerpoint/2010/main" val="1221808897"/>
-      </p:ext>
-    </p:extLst>
-  </p:cSld>
-  <p:clrMapOvr>
-    <a:masterClrMapping/>
-  </p:clrMapOvr>
-</p:sld>
-</file>
-
-<file path=ppt/slides/slide14.xml><?xml version="1.0" encoding="utf-8"?>
-<p:sld xmlns:a="http://schemas.openxmlformats.org/drawingml/2006/main" xmlns:r="http://schemas.openxmlformats.org/officeDocument/2006/relationships" xmlns:p="http://schemas.openxmlformats.org/presentationml/2006/main">
-  <p:cSld>
-    <p:spTree>
-      <p:nvGrpSpPr>
-        <p:cNvPr id="1" name=""/>
-        <p:cNvGrpSpPr/>
-        <p:nvPr/>
-      </p:nvGrpSpPr>
-      <p:grpSpPr>
-        <a:xfrm>
-          <a:off x="0" y="0"/>
-          <a:ext cx="0" cy="0"/>
-          <a:chOff x="0" y="0"/>
-          <a:chExt cx="0" cy="0"/>
-        </a:xfrm>
-      </p:grpSpPr>
-      <p:sp>
-        <p:nvSpPr>
-          <p:cNvPr id="2" name="Title 1"/>
-          <p:cNvSpPr>
-            <a:spLocks noGrp="1"/>
-          </p:cNvSpPr>
-          <p:nvPr>
-            <p:ph type="title"/>
-          </p:nvPr>
-        </p:nvSpPr>
-        <p:spPr/>
-        <p:txBody>
-          <a:bodyPr/>
-          <a:lstStyle/>
-          <a:p>
-            <a:r>
-              <a:rPr lang="nb-NO" dirty="0" smtClean="0"/>
-              <a:t>Innføring i strøm og slikt</a:t>
-            </a:r>
-            <a:endParaRPr lang="nb-NO" dirty="0"/>
-          </a:p>
-        </p:txBody>
-      </p:sp>
-      <p:sp>
-        <p:nvSpPr>
-          <p:cNvPr id="3" name="Content Placeholder 2"/>
-          <p:cNvSpPr>
-            <a:spLocks noGrp="1"/>
-          </p:cNvSpPr>
-          <p:nvPr>
-            <p:ph idx="1"/>
-          </p:nvPr>
-        </p:nvSpPr>
-        <p:spPr/>
-        <p:txBody>
-          <a:bodyPr/>
-          <a:lstStyle/>
-          <a:p>
-            <a:endParaRPr lang="nb-NO"/>
-          </a:p>
-        </p:txBody>
-      </p:sp>
-    </p:spTree>
-    <p:extLst>
-      <p:ext uri="{BB962C8B-B14F-4D97-AF65-F5344CB8AC3E}">
-        <p14:creationId xmlns:p14="http://schemas.microsoft.com/office/powerpoint/2010/main" val="2041544060"/>
-      </p:ext>
-    </p:extLst>
-  </p:cSld>
-  <p:clrMapOvr>
-    <a:masterClrMapping/>
-  </p:clrMapOvr>
-</p:sld>
-</file>
-
-<file path=ppt/slides/slide15.xml><?xml version="1.0" encoding="utf-8"?>
-<p:sld xmlns:a="http://schemas.openxmlformats.org/drawingml/2006/main" xmlns:r="http://schemas.openxmlformats.org/officeDocument/2006/relationships" xmlns:p="http://schemas.openxmlformats.org/presentationml/2006/main">
-  <p:cSld>
-    <p:spTree>
-      <p:nvGrpSpPr>
-        <p:cNvPr id="1" name=""/>
-        <p:cNvGrpSpPr/>
-        <p:nvPr/>
-      </p:nvGrpSpPr>
-      <p:grpSpPr>
-        <a:xfrm>
-          <a:off x="0" y="0"/>
-          <a:ext cx="0" cy="0"/>
-          <a:chOff x="0" y="0"/>
-          <a:chExt cx="0" cy="0"/>
-        </a:xfrm>
-      </p:grpSpPr>
-      <p:sp>
-        <p:nvSpPr>
-          <p:cNvPr id="2" name="Title 1"/>
-          <p:cNvSpPr>
-            <a:spLocks noGrp="1"/>
-          </p:cNvSpPr>
-          <p:nvPr>
-            <p:ph type="title"/>
-          </p:nvPr>
-        </p:nvSpPr>
-        <p:spPr/>
-        <p:txBody>
-          <a:bodyPr/>
-          <a:lstStyle/>
-          <a:p>
-            <a:r>
-              <a:rPr lang="nb-NO" dirty="0" smtClean="0"/>
-              <a:t>Innføring i strøm og slikt</a:t>
-            </a:r>
-            <a:endParaRPr lang="nb-NO" dirty="0"/>
-          </a:p>
-        </p:txBody>
-      </p:sp>
-      <p:sp>
-        <p:nvSpPr>
-          <p:cNvPr id="3" name="Content Placeholder 2"/>
-          <p:cNvSpPr>
-            <a:spLocks noGrp="1"/>
-          </p:cNvSpPr>
-          <p:nvPr>
-            <p:ph idx="1"/>
-          </p:nvPr>
-        </p:nvSpPr>
-        <p:spPr/>
-        <p:txBody>
-          <a:bodyPr/>
-          <a:lstStyle/>
-          <a:p>
-            <a:endParaRPr lang="nb-NO"/>
-          </a:p>
-        </p:txBody>
-      </p:sp>
-    </p:spTree>
-    <p:extLst>
-      <p:ext uri="{BB962C8B-B14F-4D97-AF65-F5344CB8AC3E}">
-        <p14:creationId xmlns:p14="http://schemas.microsoft.com/office/powerpoint/2010/main" val="3970697742"/>
-      </p:ext>
-    </p:extLst>
-  </p:cSld>
-  <p:clrMapOvr>
-    <a:masterClrMapping/>
-  </p:clrMapOvr>
-</p:sld>
-</file>
-
-<file path=ppt/slides/slide16.xml><?xml version="1.0" encoding="utf-8"?>
 <p:sld xmlns:a="http://schemas.openxmlformats.org/drawingml/2006/main" xmlns:r="http://schemas.openxmlformats.org/officeDocument/2006/relationships" xmlns:p="http://schemas.openxmlformats.org/presentationml/2006/main">
   <p:cSld>
     <p:spTree>
@@ -5202,10 +5780,687 @@
           </a:p>
         </p:txBody>
       </p:sp>
+      <p:pic>
+        <p:nvPicPr>
+          <p:cNvPr id="1026" name="Picture 2" descr="http://www.ladyada.net/images/arduino/switch1.png"/>
+          <p:cNvPicPr>
+            <a:picLocks noChangeAspect="1" noChangeArrowheads="1"/>
+          </p:cNvPicPr>
+          <p:nvPr/>
+        </p:nvPicPr>
+        <p:blipFill rotWithShape="1">
+          <a:blip r:embed="rId7">
+            <a:extLst>
+              <a:ext uri="{28A0092B-C50C-407E-A947-70E740481C1C}">
+                <a14:useLocalDpi xmlns:a14="http://schemas.microsoft.com/office/drawing/2010/main" val="0"/>
+              </a:ext>
+            </a:extLst>
+          </a:blip>
+          <a:srcRect l="55897" t="27293" r="3252" b="61248"/>
+          <a:stretch/>
+        </p:blipFill>
+        <p:spPr bwMode="auto">
+          <a:xfrm>
+            <a:off x="5356645" y="2553781"/>
+            <a:ext cx="839354" cy="556888"/>
+          </a:xfrm>
+          <a:prstGeom prst="rect">
+            <a:avLst/>
+          </a:prstGeom>
+          <a:noFill/>
+          <a:extLst>
+            <a:ext uri="{909E8E84-426E-40DD-AFC4-6F175D3DCCD1}">
+              <a14:hiddenFill xmlns:a14="http://schemas.microsoft.com/office/drawing/2010/main">
+                <a:solidFill>
+                  <a:srgbClr val="FFFFFF"/>
+                </a:solidFill>
+              </a14:hiddenFill>
+            </a:ext>
+          </a:extLst>
+        </p:spPr>
+      </p:pic>
+      <p:sp>
+        <p:nvSpPr>
+          <p:cNvPr id="3" name="TextBox 2"/>
+          <p:cNvSpPr txBox="1"/>
+          <p:nvPr/>
+        </p:nvSpPr>
+        <p:spPr>
+          <a:xfrm>
+            <a:off x="5236927" y="2136938"/>
+            <a:ext cx="852103" cy="369332"/>
+          </a:xfrm>
+          <a:prstGeom prst="rect">
+            <a:avLst/>
+          </a:prstGeom>
+          <a:noFill/>
+        </p:spPr>
+        <p:txBody>
+          <a:bodyPr wrap="square" rtlCol="0">
+            <a:spAutoFit/>
+          </a:bodyPr>
+          <a:lstStyle/>
+          <a:p>
+            <a:r>
+              <a:rPr lang="nb-NO" dirty="0" smtClean="0"/>
+              <a:t>Bryter</a:t>
+            </a:r>
+            <a:endParaRPr lang="nb-NO" dirty="0"/>
+          </a:p>
+        </p:txBody>
+      </p:sp>
     </p:spTree>
     <p:extLst>
       <p:ext uri="{BB962C8B-B14F-4D97-AF65-F5344CB8AC3E}">
         <p14:creationId xmlns:p14="http://schemas.microsoft.com/office/powerpoint/2010/main" val="3444012206"/>
+      </p:ext>
+    </p:extLst>
+  </p:cSld>
+  <p:clrMapOvr>
+    <a:masterClrMapping/>
+  </p:clrMapOvr>
+</p:sld>
+</file>
+
+<file path=ppt/slides/slide13.xml><?xml version="1.0" encoding="utf-8"?>
+<p:sld xmlns:a="http://schemas.openxmlformats.org/drawingml/2006/main" xmlns:r="http://schemas.openxmlformats.org/officeDocument/2006/relationships" xmlns:p="http://schemas.openxmlformats.org/presentationml/2006/main">
+  <p:cSld>
+    <p:spTree>
+      <p:nvGrpSpPr>
+        <p:cNvPr id="1" name=""/>
+        <p:cNvGrpSpPr/>
+        <p:nvPr/>
+      </p:nvGrpSpPr>
+      <p:grpSpPr>
+        <a:xfrm>
+          <a:off x="0" y="0"/>
+          <a:ext cx="0" cy="0"/>
+          <a:chOff x="0" y="0"/>
+          <a:chExt cx="0" cy="0"/>
+        </a:xfrm>
+      </p:grpSpPr>
+      <p:sp>
+        <p:nvSpPr>
+          <p:cNvPr id="2" name="Title 1"/>
+          <p:cNvSpPr>
+            <a:spLocks noGrp="1"/>
+          </p:cNvSpPr>
+          <p:nvPr>
+            <p:ph type="title"/>
+          </p:nvPr>
+        </p:nvSpPr>
+        <p:spPr/>
+        <p:txBody>
+          <a:bodyPr/>
+          <a:lstStyle/>
+          <a:p>
+            <a:r>
+              <a:rPr lang="nb-NO" dirty="0" smtClean="0"/>
+              <a:t>Kretser</a:t>
+            </a:r>
+            <a:endParaRPr lang="nb-NO" dirty="0"/>
+          </a:p>
+        </p:txBody>
+      </p:sp>
+      <p:pic>
+        <p:nvPicPr>
+          <p:cNvPr id="2050" name="Picture 2" descr="alt text"/>
+          <p:cNvPicPr>
+            <a:picLocks noChangeAspect="1" noChangeArrowheads="1"/>
+          </p:cNvPicPr>
+          <p:nvPr/>
+        </p:nvPicPr>
+        <p:blipFill>
+          <a:blip r:embed="rId3">
+            <a:extLst>
+              <a:ext uri="{28A0092B-C50C-407E-A947-70E740481C1C}">
+                <a14:useLocalDpi xmlns:a14="http://schemas.microsoft.com/office/drawing/2010/main" val="0"/>
+              </a:ext>
+            </a:extLst>
+          </a:blip>
+          <a:srcRect/>
+          <a:stretch>
+            <a:fillRect/>
+          </a:stretch>
+        </p:blipFill>
+        <p:spPr bwMode="auto">
+          <a:xfrm>
+            <a:off x="1684230" y="2791899"/>
+            <a:ext cx="6596130" cy="2880000"/>
+          </a:xfrm>
+          <a:prstGeom prst="rect">
+            <a:avLst/>
+          </a:prstGeom>
+          <a:noFill/>
+          <a:extLst>
+            <a:ext uri="{909E8E84-426E-40DD-AFC4-6F175D3DCCD1}">
+              <a14:hiddenFill xmlns:a14="http://schemas.microsoft.com/office/drawing/2010/main">
+                <a:solidFill>
+                  <a:srgbClr val="FFFFFF"/>
+                </a:solidFill>
+              </a14:hiddenFill>
+            </a:ext>
+          </a:extLst>
+        </p:spPr>
+      </p:pic>
+      <p:sp>
+        <p:nvSpPr>
+          <p:cNvPr id="5" name="TextBox 4"/>
+          <p:cNvSpPr txBox="1"/>
+          <p:nvPr/>
+        </p:nvSpPr>
+        <p:spPr>
+          <a:xfrm>
+            <a:off x="3417829" y="2327564"/>
+            <a:ext cx="3128933" cy="369332"/>
+          </a:xfrm>
+          <a:prstGeom prst="rect">
+            <a:avLst/>
+          </a:prstGeom>
+          <a:noFill/>
+        </p:spPr>
+        <p:txBody>
+          <a:bodyPr wrap="none" rtlCol="0">
+            <a:spAutoFit/>
+          </a:bodyPr>
+          <a:lstStyle/>
+          <a:p>
+            <a:r>
+              <a:rPr lang="nb-NO" dirty="0" smtClean="0"/>
+              <a:t>Lukket krets – slik skal det være</a:t>
+            </a:r>
+          </a:p>
+        </p:txBody>
+      </p:sp>
+    </p:spTree>
+    <p:extLst>
+      <p:ext uri="{BB962C8B-B14F-4D97-AF65-F5344CB8AC3E}">
+        <p14:creationId xmlns:p14="http://schemas.microsoft.com/office/powerpoint/2010/main" val="292277651"/>
+      </p:ext>
+    </p:extLst>
+  </p:cSld>
+  <p:clrMapOvr>
+    <a:masterClrMapping/>
+  </p:clrMapOvr>
+</p:sld>
+</file>
+
+<file path=ppt/slides/slide14.xml><?xml version="1.0" encoding="utf-8"?>
+<p:sld xmlns:a="http://schemas.openxmlformats.org/drawingml/2006/main" xmlns:r="http://schemas.openxmlformats.org/officeDocument/2006/relationships" xmlns:p="http://schemas.openxmlformats.org/presentationml/2006/main">
+  <p:cSld>
+    <p:spTree>
+      <p:nvGrpSpPr>
+        <p:cNvPr id="1" name=""/>
+        <p:cNvGrpSpPr/>
+        <p:nvPr/>
+      </p:nvGrpSpPr>
+      <p:grpSpPr>
+        <a:xfrm>
+          <a:off x="0" y="0"/>
+          <a:ext cx="0" cy="0"/>
+          <a:chOff x="0" y="0"/>
+          <a:chExt cx="0" cy="0"/>
+        </a:xfrm>
+      </p:grpSpPr>
+      <p:sp>
+        <p:nvSpPr>
+          <p:cNvPr id="2" name="Title 1"/>
+          <p:cNvSpPr>
+            <a:spLocks noGrp="1"/>
+          </p:cNvSpPr>
+          <p:nvPr>
+            <p:ph type="title"/>
+          </p:nvPr>
+        </p:nvSpPr>
+        <p:spPr/>
+        <p:txBody>
+          <a:bodyPr/>
+          <a:lstStyle/>
+          <a:p>
+            <a:r>
+              <a:rPr lang="nb-NO" dirty="0"/>
+              <a:t>Kretser</a:t>
+            </a:r>
+            <a:endParaRPr lang="nb-NO" dirty="0"/>
+          </a:p>
+        </p:txBody>
+      </p:sp>
+      <p:pic>
+        <p:nvPicPr>
+          <p:cNvPr id="3074" name="Picture 2" descr="alt text"/>
+          <p:cNvPicPr>
+            <a:picLocks noChangeAspect="1" noChangeArrowheads="1"/>
+          </p:cNvPicPr>
+          <p:nvPr/>
+        </p:nvPicPr>
+        <p:blipFill>
+          <a:blip r:embed="rId3">
+            <a:extLst>
+              <a:ext uri="{28A0092B-C50C-407E-A947-70E740481C1C}">
+                <a14:useLocalDpi xmlns:a14="http://schemas.microsoft.com/office/drawing/2010/main" val="0"/>
+              </a:ext>
+            </a:extLst>
+          </a:blip>
+          <a:srcRect/>
+          <a:stretch>
+            <a:fillRect/>
+          </a:stretch>
+        </p:blipFill>
+        <p:spPr bwMode="auto">
+          <a:xfrm>
+            <a:off x="1668657" y="2696896"/>
+            <a:ext cx="5845203" cy="2880000"/>
+          </a:xfrm>
+          <a:prstGeom prst="rect">
+            <a:avLst/>
+          </a:prstGeom>
+          <a:noFill/>
+          <a:extLst>
+            <a:ext uri="{909E8E84-426E-40DD-AFC4-6F175D3DCCD1}">
+              <a14:hiddenFill xmlns:a14="http://schemas.microsoft.com/office/drawing/2010/main">
+                <a:solidFill>
+                  <a:srgbClr val="FFFFFF"/>
+                </a:solidFill>
+              </a14:hiddenFill>
+            </a:ext>
+          </a:extLst>
+        </p:spPr>
+      </p:pic>
+      <p:sp>
+        <p:nvSpPr>
+          <p:cNvPr id="5" name="TextBox 4"/>
+          <p:cNvSpPr txBox="1"/>
+          <p:nvPr/>
+        </p:nvSpPr>
+        <p:spPr>
+          <a:xfrm>
+            <a:off x="3417829" y="2327564"/>
+            <a:ext cx="2346861" cy="369332"/>
+          </a:xfrm>
+          <a:prstGeom prst="rect">
+            <a:avLst/>
+          </a:prstGeom>
+          <a:noFill/>
+        </p:spPr>
+        <p:txBody>
+          <a:bodyPr wrap="none" rtlCol="0">
+            <a:spAutoFit/>
+          </a:bodyPr>
+          <a:lstStyle/>
+          <a:p>
+            <a:r>
+              <a:rPr lang="nb-NO" dirty="0" smtClean="0"/>
+              <a:t>Åpen krets – hva skjer?</a:t>
+            </a:r>
+          </a:p>
+        </p:txBody>
+      </p:sp>
+    </p:spTree>
+    <p:extLst>
+      <p:ext uri="{BB962C8B-B14F-4D97-AF65-F5344CB8AC3E}">
+        <p14:creationId xmlns:p14="http://schemas.microsoft.com/office/powerpoint/2010/main" val="2584857807"/>
+      </p:ext>
+    </p:extLst>
+  </p:cSld>
+  <p:clrMapOvr>
+    <a:masterClrMapping/>
+  </p:clrMapOvr>
+</p:sld>
+</file>
+
+<file path=ppt/slides/slide15.xml><?xml version="1.0" encoding="utf-8"?>
+<p:sld xmlns:a="http://schemas.openxmlformats.org/drawingml/2006/main" xmlns:r="http://schemas.openxmlformats.org/officeDocument/2006/relationships" xmlns:p="http://schemas.openxmlformats.org/presentationml/2006/main">
+  <p:cSld>
+    <p:spTree>
+      <p:nvGrpSpPr>
+        <p:cNvPr id="1" name=""/>
+        <p:cNvGrpSpPr/>
+        <p:nvPr/>
+      </p:nvGrpSpPr>
+      <p:grpSpPr>
+        <a:xfrm>
+          <a:off x="0" y="0"/>
+          <a:ext cx="0" cy="0"/>
+          <a:chOff x="0" y="0"/>
+          <a:chExt cx="0" cy="0"/>
+        </a:xfrm>
+      </p:grpSpPr>
+      <p:sp>
+        <p:nvSpPr>
+          <p:cNvPr id="2" name="Title 1"/>
+          <p:cNvSpPr>
+            <a:spLocks noGrp="1"/>
+          </p:cNvSpPr>
+          <p:nvPr>
+            <p:ph type="title"/>
+          </p:nvPr>
+        </p:nvSpPr>
+        <p:spPr/>
+        <p:txBody>
+          <a:bodyPr/>
+          <a:lstStyle/>
+          <a:p>
+            <a:r>
+              <a:rPr lang="nb-NO" dirty="0"/>
+              <a:t>Kretser</a:t>
+            </a:r>
+            <a:endParaRPr lang="nb-NO" dirty="0"/>
+          </a:p>
+        </p:txBody>
+      </p:sp>
+      <p:sp>
+        <p:nvSpPr>
+          <p:cNvPr id="4" name="TextBox 3"/>
+          <p:cNvSpPr txBox="1"/>
+          <p:nvPr/>
+        </p:nvSpPr>
+        <p:spPr>
+          <a:xfrm>
+            <a:off x="3417829" y="2327564"/>
+            <a:ext cx="2481577" cy="369332"/>
+          </a:xfrm>
+          <a:prstGeom prst="rect">
+            <a:avLst/>
+          </a:prstGeom>
+          <a:noFill/>
+        </p:spPr>
+        <p:txBody>
+          <a:bodyPr wrap="none" rtlCol="0">
+            <a:spAutoFit/>
+          </a:bodyPr>
+          <a:lstStyle/>
+          <a:p>
+            <a:r>
+              <a:rPr lang="nb-NO" dirty="0" smtClean="0"/>
+              <a:t>Kortslutning – hva skjer?</a:t>
+            </a:r>
+          </a:p>
+        </p:txBody>
+      </p:sp>
+      <p:pic>
+        <p:nvPicPr>
+          <p:cNvPr id="4098" name="Picture 2" descr="alt text"/>
+          <p:cNvPicPr>
+            <a:picLocks noChangeAspect="1" noChangeArrowheads="1"/>
+          </p:cNvPicPr>
+          <p:nvPr/>
+        </p:nvPicPr>
+        <p:blipFill>
+          <a:blip r:embed="rId3">
+            <a:extLst>
+              <a:ext uri="{28A0092B-C50C-407E-A947-70E740481C1C}">
+                <a14:useLocalDpi xmlns:a14="http://schemas.microsoft.com/office/drawing/2010/main" val="0"/>
+              </a:ext>
+            </a:extLst>
+          </a:blip>
+          <a:srcRect/>
+          <a:stretch>
+            <a:fillRect/>
+          </a:stretch>
+        </p:blipFill>
+        <p:spPr bwMode="auto">
+          <a:xfrm>
+            <a:off x="1494408" y="2809482"/>
+            <a:ext cx="6328417" cy="2880000"/>
+          </a:xfrm>
+          <a:prstGeom prst="rect">
+            <a:avLst/>
+          </a:prstGeom>
+          <a:noFill/>
+          <a:extLst>
+            <a:ext uri="{909E8E84-426E-40DD-AFC4-6F175D3DCCD1}">
+              <a14:hiddenFill xmlns:a14="http://schemas.microsoft.com/office/drawing/2010/main">
+                <a:solidFill>
+                  <a:srgbClr val="FFFFFF"/>
+                </a:solidFill>
+              </a14:hiddenFill>
+            </a:ext>
+          </a:extLst>
+        </p:spPr>
+      </p:pic>
+    </p:spTree>
+    <p:extLst>
+      <p:ext uri="{BB962C8B-B14F-4D97-AF65-F5344CB8AC3E}">
+        <p14:creationId xmlns:p14="http://schemas.microsoft.com/office/powerpoint/2010/main" val="1221808897"/>
+      </p:ext>
+    </p:extLst>
+  </p:cSld>
+  <p:clrMapOvr>
+    <a:masterClrMapping/>
+  </p:clrMapOvr>
+</p:sld>
+</file>
+
+<file path=ppt/slides/slide16.xml><?xml version="1.0" encoding="utf-8"?>
+<p:sld xmlns:a="http://schemas.openxmlformats.org/drawingml/2006/main" xmlns:r="http://schemas.openxmlformats.org/officeDocument/2006/relationships" xmlns:p="http://schemas.openxmlformats.org/presentationml/2006/main">
+  <p:cSld>
+    <p:spTree>
+      <p:nvGrpSpPr>
+        <p:cNvPr id="1" name=""/>
+        <p:cNvGrpSpPr/>
+        <p:nvPr/>
+      </p:nvGrpSpPr>
+      <p:grpSpPr>
+        <a:xfrm>
+          <a:off x="0" y="0"/>
+          <a:ext cx="0" cy="0"/>
+          <a:chOff x="0" y="0"/>
+          <a:chExt cx="0" cy="0"/>
+        </a:xfrm>
+      </p:grpSpPr>
+      <p:sp>
+        <p:nvSpPr>
+          <p:cNvPr id="2" name="Title 1"/>
+          <p:cNvSpPr>
+            <a:spLocks noGrp="1"/>
+          </p:cNvSpPr>
+          <p:nvPr>
+            <p:ph type="title"/>
+          </p:nvPr>
+        </p:nvSpPr>
+        <p:spPr/>
+        <p:txBody>
+          <a:bodyPr/>
+          <a:lstStyle/>
+          <a:p>
+            <a:r>
+              <a:rPr lang="nb-NO" dirty="0"/>
+              <a:t>Kretser</a:t>
+            </a:r>
+            <a:endParaRPr lang="nb-NO" dirty="0"/>
+          </a:p>
+        </p:txBody>
+      </p:sp>
+      <p:sp>
+        <p:nvSpPr>
+          <p:cNvPr id="3" name="Content Placeholder 2"/>
+          <p:cNvSpPr>
+            <a:spLocks noGrp="1"/>
+          </p:cNvSpPr>
+          <p:nvPr>
+            <p:ph idx="1"/>
+          </p:nvPr>
+        </p:nvSpPr>
+        <p:spPr>
+          <a:xfrm>
+            <a:off x="2358241" y="2007898"/>
+            <a:ext cx="4707578" cy="747177"/>
+          </a:xfrm>
+        </p:spPr>
+        <p:txBody>
+          <a:bodyPr/>
+          <a:lstStyle/>
+          <a:p>
+            <a:pPr marL="0" indent="0">
+              <a:buNone/>
+            </a:pPr>
+            <a:r>
+              <a:rPr lang="nb-NO" dirty="0" smtClean="0"/>
+              <a:t>Parallellkobling </a:t>
+            </a:r>
+            <a:r>
+              <a:rPr lang="nb-NO" dirty="0" err="1" smtClean="0"/>
+              <a:t>vs</a:t>
+            </a:r>
+            <a:r>
+              <a:rPr lang="nb-NO" dirty="0" smtClean="0"/>
+              <a:t> seriekobling</a:t>
+            </a:r>
+            <a:endParaRPr lang="nb-NO" dirty="0"/>
+          </a:p>
+        </p:txBody>
+      </p:sp>
+    </p:spTree>
+    <p:extLst>
+      <p:ext uri="{BB962C8B-B14F-4D97-AF65-F5344CB8AC3E}">
+        <p14:creationId xmlns:p14="http://schemas.microsoft.com/office/powerpoint/2010/main" val="2041544060"/>
+      </p:ext>
+    </p:extLst>
+  </p:cSld>
+  <p:clrMapOvr>
+    <a:masterClrMapping/>
+  </p:clrMapOvr>
+</p:sld>
+</file>
+
+<file path=ppt/slides/slide17.xml><?xml version="1.0" encoding="utf-8"?>
+<p:sld xmlns:a="http://schemas.openxmlformats.org/drawingml/2006/main" xmlns:r="http://schemas.openxmlformats.org/officeDocument/2006/relationships" xmlns:p="http://schemas.openxmlformats.org/presentationml/2006/main">
+  <p:cSld>
+    <p:spTree>
+      <p:nvGrpSpPr>
+        <p:cNvPr id="1" name=""/>
+        <p:cNvGrpSpPr/>
+        <p:nvPr/>
+      </p:nvGrpSpPr>
+      <p:grpSpPr>
+        <a:xfrm>
+          <a:off x="0" y="0"/>
+          <a:ext cx="0" cy="0"/>
+          <a:chOff x="0" y="0"/>
+          <a:chExt cx="0" cy="0"/>
+        </a:xfrm>
+      </p:grpSpPr>
+      <p:sp>
+        <p:nvSpPr>
+          <p:cNvPr id="2" name="Title 1"/>
+          <p:cNvSpPr>
+            <a:spLocks noGrp="1"/>
+          </p:cNvSpPr>
+          <p:nvPr>
+            <p:ph type="title"/>
+          </p:nvPr>
+        </p:nvSpPr>
+        <p:spPr/>
+        <p:txBody>
+          <a:bodyPr/>
+          <a:lstStyle/>
+          <a:p>
+            <a:r>
+              <a:rPr lang="nb-NO" dirty="0" err="1" smtClean="0"/>
+              <a:t>Breadboard</a:t>
+            </a:r>
+            <a:endParaRPr lang="nb-NO" dirty="0"/>
+          </a:p>
+        </p:txBody>
+      </p:sp>
+    </p:spTree>
+    <p:extLst>
+      <p:ext uri="{BB962C8B-B14F-4D97-AF65-F5344CB8AC3E}">
+        <p14:creationId xmlns:p14="http://schemas.microsoft.com/office/powerpoint/2010/main" val="3970697742"/>
+      </p:ext>
+    </p:extLst>
+  </p:cSld>
+  <p:clrMapOvr>
+    <a:masterClrMapping/>
+  </p:clrMapOvr>
+</p:sld>
+</file>
+
+<file path=ppt/slides/slide18.xml><?xml version="1.0" encoding="utf-8"?>
+<p:sld xmlns:a="http://schemas.openxmlformats.org/drawingml/2006/main" xmlns:r="http://schemas.openxmlformats.org/officeDocument/2006/relationships" xmlns:p="http://schemas.openxmlformats.org/presentationml/2006/main">
+  <p:cSld>
+    <p:spTree>
+      <p:nvGrpSpPr>
+        <p:cNvPr id="1" name=""/>
+        <p:cNvGrpSpPr/>
+        <p:nvPr/>
+      </p:nvGrpSpPr>
+      <p:grpSpPr>
+        <a:xfrm>
+          <a:off x="0" y="0"/>
+          <a:ext cx="0" cy="0"/>
+          <a:chOff x="0" y="0"/>
+          <a:chExt cx="0" cy="0"/>
+        </a:xfrm>
+      </p:grpSpPr>
+      <p:sp>
+        <p:nvSpPr>
+          <p:cNvPr id="2" name="Title 1"/>
+          <p:cNvSpPr>
+            <a:spLocks noGrp="1"/>
+          </p:cNvSpPr>
+          <p:nvPr>
+            <p:ph type="title"/>
+          </p:nvPr>
+        </p:nvSpPr>
+        <p:spPr/>
+        <p:txBody>
+          <a:bodyPr/>
+          <a:lstStyle/>
+          <a:p>
+            <a:r>
+              <a:rPr lang="nb-NO" dirty="0" err="1" smtClean="0"/>
+              <a:t>Arduino</a:t>
+            </a:r>
+            <a:endParaRPr lang="nb-NO" dirty="0"/>
+          </a:p>
+        </p:txBody>
+      </p:sp>
+      <p:pic>
+        <p:nvPicPr>
+          <p:cNvPr id="5122" name="Picture 2" descr="http://106.186.29.59/pic/159441.jpg"/>
+          <p:cNvPicPr>
+            <a:picLocks noChangeAspect="1" noChangeArrowheads="1"/>
+          </p:cNvPicPr>
+          <p:nvPr/>
+        </p:nvPicPr>
+        <p:blipFill>
+          <a:blip r:embed="rId3">
+            <a:extLst>
+              <a:ext uri="{28A0092B-C50C-407E-A947-70E740481C1C}">
+                <a14:useLocalDpi xmlns:a14="http://schemas.microsoft.com/office/drawing/2010/main" val="0"/>
+              </a:ext>
+            </a:extLst>
+          </a:blip>
+          <a:srcRect/>
+          <a:stretch>
+            <a:fillRect/>
+          </a:stretch>
+        </p:blipFill>
+        <p:spPr bwMode="auto">
+          <a:xfrm>
+            <a:off x="3051958" y="261732"/>
+            <a:ext cx="8511369" cy="6383527"/>
+          </a:xfrm>
+          <a:prstGeom prst="rect">
+            <a:avLst/>
+          </a:prstGeom>
+          <a:noFill/>
+          <a:extLst>
+            <a:ext uri="{909E8E84-426E-40DD-AFC4-6F175D3DCCD1}">
+              <a14:hiddenFill xmlns:a14="http://schemas.microsoft.com/office/drawing/2010/main">
+                <a:solidFill>
+                  <a:srgbClr val="FFFFFF"/>
+                </a:solidFill>
+              </a14:hiddenFill>
+            </a:ext>
+          </a:extLst>
+        </p:spPr>
+      </p:pic>
+    </p:spTree>
+    <p:extLst>
+      <p:ext uri="{BB962C8B-B14F-4D97-AF65-F5344CB8AC3E}">
+        <p14:creationId xmlns:p14="http://schemas.microsoft.com/office/powerpoint/2010/main" val="2116030240"/>
       </p:ext>
     </p:extLst>
   </p:cSld>
@@ -5512,13 +6767,8 @@
             <a:pPr lvl="3"/>
             <a:r>
               <a:rPr lang="nb-NO" dirty="0" smtClean="0"/>
-              <a:t>(Kilo)</a:t>
-            </a:r>
-            <a:r>
-              <a:rPr lang="nb-NO" dirty="0" smtClean="0"/>
-              <a:t>Watt-timer</a:t>
-            </a:r>
-            <a:endParaRPr lang="nb-NO" dirty="0" smtClean="0"/>
+              <a:t>(Kilo)Watt-timer</a:t>
+            </a:r>
           </a:p>
           <a:p>
             <a:pPr lvl="2"/>

--- a/presentasjoner/Grunnkurs elektro.pptx
+++ b/presentasjoner/Grunnkurs elektro.pptx
@@ -214,7 +214,7 @@
           <a:p>
             <a:fld id="{AE456D22-4CF1-4FB7-ADAA-93A011485EEB}" type="datetimeFigureOut">
               <a:rPr lang="nb-NO" smtClean="0"/>
-              <a:t>22.02.2016</a:t>
+              <a:t>23.02.2016</a:t>
             </a:fld>
             <a:endParaRPr lang="nb-NO"/>
           </a:p>
@@ -553,7 +553,212 @@
                 <a:ea typeface="+mn-ea"/>
                 <a:cs typeface="+mn-cs"/>
               </a:rPr>
-              <a:t>Jeg skal gå gjennom en del konsepter som kan være greit å ha en oversikt over når man skal koble litt sensorer og annen elektronikk sammen, for f.eks. å få lys i en LED-pære eller andre, litt mer spennende, ting. Jeg kommer ikke til å gå helt ned på detaljnivå, ettersom jeg i stor grad verken forstår eller kan alle detaljene, men skal forsøke å gi en liten innføring i konsepter som er nyttige i det vi skal gjøre i dag. </a:t>
+              <a:t>Jeg skal gå gjennom en del konsepter som kan være greit å ha en oversikt over når man skal koble litt sensorer og annen elektronikk sammen, for f.eks. å få lys i en LED-pære eller andre, litt mer spennende, ting. </a:t>
+            </a:r>
+            <a:endParaRPr lang="nb-NO" sz="1200" kern="1200" dirty="0" smtClean="0">
+              <a:solidFill>
+                <a:schemeClr val="tx1"/>
+              </a:solidFill>
+              <a:effectLst/>
+              <a:latin typeface="+mn-lt"/>
+              <a:ea typeface="+mn-ea"/>
+              <a:cs typeface="+mn-cs"/>
+            </a:endParaRPr>
+          </a:p>
+          <a:p>
+            <a:pPr marL="171450" marR="0" lvl="1" indent="-171450" algn="l" defTabSz="914400" rtl="0" eaLnBrk="1" fontAlgn="auto" latinLnBrk="0" hangingPunct="1">
+              <a:lnSpc>
+                <a:spcPct val="100000"/>
+              </a:lnSpc>
+              <a:spcBef>
+                <a:spcPts val="0"/>
+              </a:spcBef>
+              <a:spcAft>
+                <a:spcPts val="0"/>
+              </a:spcAft>
+              <a:buClrTx/>
+              <a:buSzTx/>
+              <a:buFontTx/>
+              <a:buChar char="-"/>
+              <a:tabLst/>
+              <a:defRPr/>
+            </a:pPr>
+            <a:r>
+              <a:rPr lang="nb-NO" sz="1200" kern="1200" baseline="0" dirty="0" smtClean="0">
+                <a:solidFill>
+                  <a:schemeClr val="tx1"/>
+                </a:solidFill>
+                <a:effectLst/>
+                <a:latin typeface="+mn-lt"/>
+                <a:ea typeface="+mn-ea"/>
+                <a:cs typeface="+mn-cs"/>
+              </a:rPr>
+              <a:t>Innføring i strøm og slikt -&gt; gå gjennom ting som strøm, spenning og motstand, inkl. ohms lov og hvordan man kan regne seg frem til de forskjellige</a:t>
+            </a:r>
+          </a:p>
+          <a:p>
+            <a:pPr marL="171450" marR="0" lvl="1" indent="-171450" algn="l" defTabSz="914400" rtl="0" eaLnBrk="1" fontAlgn="auto" latinLnBrk="0" hangingPunct="1">
+              <a:lnSpc>
+                <a:spcPct val="100000"/>
+              </a:lnSpc>
+              <a:spcBef>
+                <a:spcPts val="0"/>
+              </a:spcBef>
+              <a:spcAft>
+                <a:spcPts val="0"/>
+              </a:spcAft>
+              <a:buClrTx/>
+              <a:buSzTx/>
+              <a:buFontTx/>
+              <a:buChar char="-"/>
+              <a:tabLst/>
+              <a:defRPr/>
+            </a:pPr>
+            <a:r>
+              <a:rPr lang="nb-NO" sz="1200" kern="1200" baseline="0" dirty="0" smtClean="0">
+                <a:solidFill>
+                  <a:schemeClr val="tx1"/>
+                </a:solidFill>
+                <a:effectLst/>
+                <a:latin typeface="+mn-lt"/>
+                <a:ea typeface="+mn-ea"/>
+                <a:cs typeface="+mn-cs"/>
+              </a:rPr>
+              <a:t>Kretser -&gt; Hva er en elektrisk krets, forskjellige typer kretser, hvordan man tegner en krets</a:t>
+            </a:r>
+          </a:p>
+          <a:p>
+            <a:pPr marL="171450" marR="0" lvl="1" indent="-171450" algn="l" defTabSz="914400" rtl="0" eaLnBrk="1" fontAlgn="auto" latinLnBrk="0" hangingPunct="1">
+              <a:lnSpc>
+                <a:spcPct val="100000"/>
+              </a:lnSpc>
+              <a:spcBef>
+                <a:spcPts val="0"/>
+              </a:spcBef>
+              <a:spcAft>
+                <a:spcPts val="0"/>
+              </a:spcAft>
+              <a:buClrTx/>
+              <a:buSzTx/>
+              <a:buFontTx/>
+              <a:buChar char="-"/>
+              <a:tabLst/>
+              <a:defRPr/>
+            </a:pPr>
+            <a:r>
+              <a:rPr lang="nb-NO" sz="1200" kern="1200" baseline="0" dirty="0" err="1" smtClean="0">
+                <a:solidFill>
+                  <a:schemeClr val="tx1"/>
+                </a:solidFill>
+                <a:effectLst/>
+                <a:latin typeface="+mn-lt"/>
+                <a:ea typeface="+mn-ea"/>
+                <a:cs typeface="+mn-cs"/>
+              </a:rPr>
+              <a:t>Breadboard</a:t>
+            </a:r>
+            <a:r>
+              <a:rPr lang="nb-NO" sz="1200" kern="1200" baseline="0" dirty="0" smtClean="0">
+                <a:solidFill>
+                  <a:schemeClr val="tx1"/>
+                </a:solidFill>
+                <a:effectLst/>
+                <a:latin typeface="+mn-lt"/>
+                <a:ea typeface="+mn-ea"/>
+                <a:cs typeface="+mn-cs"/>
+              </a:rPr>
+              <a:t> -&gt; Hva er et </a:t>
+            </a:r>
+            <a:r>
+              <a:rPr lang="nb-NO" sz="1200" kern="1200" baseline="0" dirty="0" err="1" smtClean="0">
+                <a:solidFill>
+                  <a:schemeClr val="tx1"/>
+                </a:solidFill>
+                <a:effectLst/>
+                <a:latin typeface="+mn-lt"/>
+                <a:ea typeface="+mn-ea"/>
+                <a:cs typeface="+mn-cs"/>
+              </a:rPr>
+              <a:t>breadboard</a:t>
+            </a:r>
+            <a:r>
+              <a:rPr lang="nb-NO" sz="1200" kern="1200" baseline="0" dirty="0" smtClean="0">
+                <a:solidFill>
+                  <a:schemeClr val="tx1"/>
+                </a:solidFill>
+                <a:effectLst/>
+                <a:latin typeface="+mn-lt"/>
+                <a:ea typeface="+mn-ea"/>
+                <a:cs typeface="+mn-cs"/>
+              </a:rPr>
+              <a:t>? Hvordan bruker vi det?</a:t>
+            </a:r>
+          </a:p>
+          <a:p>
+            <a:pPr marL="171450" marR="0" lvl="1" indent="-171450" algn="l" defTabSz="914400" rtl="0" eaLnBrk="1" fontAlgn="auto" latinLnBrk="0" hangingPunct="1">
+              <a:lnSpc>
+                <a:spcPct val="100000"/>
+              </a:lnSpc>
+              <a:spcBef>
+                <a:spcPts val="0"/>
+              </a:spcBef>
+              <a:spcAft>
+                <a:spcPts val="0"/>
+              </a:spcAft>
+              <a:buClrTx/>
+              <a:buSzTx/>
+              <a:buFontTx/>
+              <a:buChar char="-"/>
+              <a:tabLst/>
+              <a:defRPr/>
+            </a:pPr>
+            <a:r>
+              <a:rPr lang="nb-NO" sz="1200" kern="1200" baseline="0" dirty="0" err="1" smtClean="0">
+                <a:solidFill>
+                  <a:schemeClr val="tx1"/>
+                </a:solidFill>
+                <a:effectLst/>
+                <a:latin typeface="+mn-lt"/>
+                <a:ea typeface="+mn-ea"/>
+                <a:cs typeface="+mn-cs"/>
+              </a:rPr>
+              <a:t>Arduino</a:t>
+            </a:r>
+            <a:r>
+              <a:rPr lang="nb-NO" sz="1200" kern="1200" baseline="0" dirty="0" smtClean="0">
+                <a:solidFill>
+                  <a:schemeClr val="tx1"/>
+                </a:solidFill>
+                <a:effectLst/>
+                <a:latin typeface="+mn-lt"/>
+                <a:ea typeface="+mn-ea"/>
+                <a:cs typeface="+mn-cs"/>
+              </a:rPr>
+              <a:t> -&gt; Kort om komponentene vår </a:t>
+            </a:r>
+            <a:r>
+              <a:rPr lang="nb-NO" sz="1200" kern="1200" baseline="0" dirty="0" err="1" smtClean="0">
+                <a:solidFill>
+                  <a:schemeClr val="tx1"/>
+                </a:solidFill>
+                <a:effectLst/>
+                <a:latin typeface="+mn-lt"/>
+                <a:ea typeface="+mn-ea"/>
+                <a:cs typeface="+mn-cs"/>
+              </a:rPr>
+              <a:t>Arduino</a:t>
+            </a:r>
+            <a:r>
+              <a:rPr lang="nb-NO" sz="1200" kern="1200" baseline="0" dirty="0" smtClean="0">
+                <a:solidFill>
+                  <a:schemeClr val="tx1"/>
+                </a:solidFill>
+                <a:effectLst/>
+                <a:latin typeface="+mn-lt"/>
+                <a:ea typeface="+mn-ea"/>
+                <a:cs typeface="+mn-cs"/>
+              </a:rPr>
+              <a:t> Uno består av, input og output og slikt</a:t>
             </a:r>
             <a:endParaRPr lang="nb-NO" sz="800" kern="1200" dirty="0" smtClean="0">
               <a:solidFill>
@@ -657,11 +862,7 @@
             </a:r>
             <a:r>
               <a:rPr lang="nb-NO" baseline="0" dirty="0" smtClean="0"/>
-              <a:t> -&gt; LED -&gt; </a:t>
-            </a:r>
-            <a:r>
-              <a:rPr lang="nb-NO" baseline="0" dirty="0" smtClean="0"/>
-              <a:t>jord / minus. I vårt tilfelle, vil typisk strøm være 5V på </a:t>
+              <a:t> -&gt; LED -&gt; jord / minus. I vårt tilfelle, vil typisk strøm være 5V på </a:t>
             </a:r>
             <a:r>
               <a:rPr lang="nb-NO" baseline="0" dirty="0" err="1" smtClean="0"/>
@@ -1244,11 +1445,156 @@
           <a:bodyPr/>
           <a:lstStyle/>
           <a:p>
-            <a:r>
-              <a:rPr lang="nb-NO" smtClean="0"/>
-              <a:t>Vise</a:t>
-            </a:r>
-            <a:endParaRPr lang="nb-NO"/>
+            <a:pPr marL="228600" indent="-228600">
+              <a:buAutoNum type="arabicPeriod"/>
+            </a:pPr>
+            <a:r>
+              <a:rPr lang="nb-NO" baseline="0" dirty="0" smtClean="0"/>
+              <a:t>USB</a:t>
+            </a:r>
+          </a:p>
+          <a:p>
+            <a:pPr marL="228600" indent="-228600">
+              <a:buAutoNum type="arabicPeriod"/>
+            </a:pPr>
+            <a:r>
+              <a:rPr lang="nb-NO" baseline="0" dirty="0" smtClean="0"/>
+              <a:t>Strøminngang for adapter/batteri</a:t>
+            </a:r>
+          </a:p>
+          <a:p>
+            <a:pPr marL="228600" indent="-228600">
+              <a:buAutoNum type="arabicPeriod"/>
+            </a:pPr>
+            <a:r>
+              <a:rPr lang="nb-NO" baseline="0" dirty="0" smtClean="0"/>
+              <a:t>Jord / minus</a:t>
+            </a:r>
+          </a:p>
+          <a:p>
+            <a:pPr marL="228600" indent="-228600">
+              <a:buAutoNum type="arabicPeriod"/>
+            </a:pPr>
+            <a:r>
+              <a:rPr lang="nb-NO" baseline="0" dirty="0" smtClean="0"/>
+              <a:t>+ 5. 3,3 og 5V utgang</a:t>
+            </a:r>
+          </a:p>
+          <a:p>
+            <a:pPr marL="228600" indent="-228600">
+              <a:buAutoNum type="arabicPeriod" startAt="6"/>
+            </a:pPr>
+            <a:r>
+              <a:rPr lang="nb-NO" baseline="0" dirty="0" smtClean="0"/>
+              <a:t>Analog input</a:t>
+            </a:r>
+          </a:p>
+          <a:p>
+            <a:pPr marL="228600" indent="-228600">
+              <a:buAutoNum type="arabicPeriod" startAt="6"/>
+            </a:pPr>
+            <a:r>
+              <a:rPr lang="nb-NO" baseline="0" dirty="0" smtClean="0"/>
+              <a:t>Digital input/output</a:t>
+            </a:r>
+          </a:p>
+          <a:p>
+            <a:pPr marL="228600" indent="-228600">
+              <a:buAutoNum type="arabicPeriod" startAt="6"/>
+            </a:pPr>
+            <a:r>
+              <a:rPr lang="nb-NO" baseline="0" dirty="0" smtClean="0"/>
+              <a:t>De med ~ -&gt; PWM, for vårt bruk, kan simulere analog output</a:t>
+            </a:r>
+          </a:p>
+          <a:p>
+            <a:pPr marL="228600" indent="-228600">
+              <a:buAutoNum type="arabicPeriod" startAt="6"/>
+            </a:pPr>
+            <a:r>
+              <a:rPr lang="nb-NO" baseline="0" dirty="0" smtClean="0"/>
+              <a:t>Analog </a:t>
+            </a:r>
+            <a:r>
+              <a:rPr lang="nb-NO" baseline="0" dirty="0" err="1" smtClean="0"/>
+              <a:t>reference</a:t>
+            </a:r>
+            <a:r>
+              <a:rPr lang="nb-NO" baseline="0" dirty="0" smtClean="0"/>
+              <a:t> –&gt; </a:t>
+            </a:r>
+            <a:r>
+              <a:rPr lang="nb-NO" baseline="0" dirty="0" err="1" smtClean="0"/>
+              <a:t>vetsje</a:t>
+            </a:r>
+            <a:endParaRPr lang="nb-NO" baseline="0" dirty="0" smtClean="0"/>
+          </a:p>
+          <a:p>
+            <a:pPr marL="228600" indent="-228600">
+              <a:buAutoNum type="arabicPeriod" startAt="6"/>
+            </a:pPr>
+            <a:r>
+              <a:rPr lang="nb-NO" baseline="0" dirty="0" smtClean="0"/>
+              <a:t>Reset </a:t>
+            </a:r>
+            <a:r>
+              <a:rPr lang="nb-NO" baseline="0" dirty="0" err="1" smtClean="0"/>
+              <a:t>button</a:t>
+            </a:r>
+            <a:r>
+              <a:rPr lang="nb-NO" baseline="0" dirty="0" smtClean="0"/>
+              <a:t> -&gt; kan f.eks. starte kode på nytt</a:t>
+            </a:r>
+          </a:p>
+          <a:p>
+            <a:pPr marL="228600" indent="-228600">
+              <a:buAutoNum type="arabicPeriod" startAt="6"/>
+            </a:pPr>
+            <a:r>
+              <a:rPr lang="nb-NO" baseline="0" dirty="0" smtClean="0"/>
+              <a:t>Power LED indikator</a:t>
+            </a:r>
+          </a:p>
+          <a:p>
+            <a:pPr marL="228600" indent="-228600">
+              <a:buAutoNum type="arabicPeriod" startAt="6"/>
+            </a:pPr>
+            <a:r>
+              <a:rPr lang="nb-NO" baseline="0" dirty="0" smtClean="0"/>
+              <a:t>TX/RX -&gt; transfer and </a:t>
+            </a:r>
+            <a:r>
+              <a:rPr lang="nb-NO" baseline="0" dirty="0" err="1" smtClean="0"/>
+              <a:t>receive</a:t>
+            </a:r>
+            <a:r>
+              <a:rPr lang="nb-NO" baseline="0" dirty="0" smtClean="0"/>
+              <a:t>-indikatorer</a:t>
+            </a:r>
+          </a:p>
+          <a:p>
+            <a:pPr marL="228600" indent="-228600">
+              <a:buAutoNum type="arabicPeriod" startAt="6"/>
+            </a:pPr>
+            <a:r>
+              <a:rPr lang="nb-NO" baseline="0" dirty="0" smtClean="0"/>
+              <a:t>Integrated Circuit -&gt; systembrikken/CPU-en</a:t>
+            </a:r>
+          </a:p>
+          <a:p>
+            <a:pPr marL="228600" indent="-228600">
+              <a:buAutoNum type="arabicPeriod" startAt="6"/>
+            </a:pPr>
+            <a:r>
+              <a:rPr lang="nb-NO" baseline="0" dirty="0" smtClean="0"/>
+              <a:t>Spenningsregulator / overspenningsvern. Takler opp til 20 Volt.</a:t>
+            </a:r>
+          </a:p>
+          <a:p>
+            <a:pPr marL="228600" indent="-228600">
+              <a:buAutoNum type="arabicPeriod" startAt="6"/>
+            </a:pPr>
+            <a:endParaRPr lang="nb-NO" dirty="0"/>
           </a:p>
         </p:txBody>
       </p:sp>
@@ -2017,19 +2363,7 @@
               <a:rPr lang="nb-NO" baseline="0" dirty="0" smtClean="0">
                 <a:sym typeface="Wingdings" panose="05000000000000000000" pitchFamily="2" charset="2"/>
               </a:rPr>
-              <a:t> Motstand = Spenning / Strøm  5V / 0.018A = 277,8Ω. Må altså bruke 1k </a:t>
-            </a:r>
-            <a:r>
-              <a:rPr lang="nb-NO" baseline="0" dirty="0" smtClean="0">
-                <a:sym typeface="Wingdings" panose="05000000000000000000" pitchFamily="2" charset="2"/>
-              </a:rPr>
-              <a:t>Ω, ev, 2x 220Ω seriekoblet. </a:t>
-            </a:r>
-            <a:r>
-              <a:rPr lang="nb-NO" baseline="0" dirty="0" smtClean="0">
-                <a:sym typeface="Wingdings" panose="05000000000000000000" pitchFamily="2" charset="2"/>
-              </a:rPr>
-              <a:t>Bytte til 3V-utgang, 166,7Ω</a:t>
+              <a:t> Motstand = Spenning / Strøm  5V / 0.018A = 277,8Ω. Må altså bruke 1k Ω, ev, 2x 220Ω seriekoblet. Bytte til 3V-utgang, 166,7Ω</a:t>
             </a:r>
             <a:endParaRPr lang="nb-NO" dirty="0"/>
           </a:p>
@@ -2286,7 +2620,7 @@
           <a:p>
             <a:fld id="{2F9E49A8-3045-41A6-8CC2-689B62FE881E}" type="datetimeFigureOut">
               <a:rPr lang="nb-NO" smtClean="0"/>
-              <a:t>22.02.2016</a:t>
+              <a:t>23.02.2016</a:t>
             </a:fld>
             <a:endParaRPr lang="nb-NO"/>
           </a:p>
@@ -2456,7 +2790,7 @@
           <a:p>
             <a:fld id="{2F9E49A8-3045-41A6-8CC2-689B62FE881E}" type="datetimeFigureOut">
               <a:rPr lang="nb-NO" smtClean="0"/>
-              <a:t>22.02.2016</a:t>
+              <a:t>23.02.2016</a:t>
             </a:fld>
             <a:endParaRPr lang="nb-NO"/>
           </a:p>
@@ -2636,7 +2970,7 @@
           <a:p>
             <a:fld id="{2F9E49A8-3045-41A6-8CC2-689B62FE881E}" type="datetimeFigureOut">
               <a:rPr lang="nb-NO" smtClean="0"/>
-              <a:t>22.02.2016</a:t>
+              <a:t>23.02.2016</a:t>
             </a:fld>
             <a:endParaRPr lang="nb-NO"/>
           </a:p>
@@ -2806,7 +3140,7 @@
           <a:p>
             <a:fld id="{2F9E49A8-3045-41A6-8CC2-689B62FE881E}" type="datetimeFigureOut">
               <a:rPr lang="nb-NO" smtClean="0"/>
-              <a:t>22.02.2016</a:t>
+              <a:t>23.02.2016</a:t>
             </a:fld>
             <a:endParaRPr lang="nb-NO"/>
           </a:p>
@@ -3052,7 +3386,7 @@
           <a:p>
             <a:fld id="{2F9E49A8-3045-41A6-8CC2-689B62FE881E}" type="datetimeFigureOut">
               <a:rPr lang="nb-NO" smtClean="0"/>
-              <a:t>22.02.2016</a:t>
+              <a:t>23.02.2016</a:t>
             </a:fld>
             <a:endParaRPr lang="nb-NO"/>
           </a:p>
@@ -3284,7 +3618,7 @@
           <a:p>
             <a:fld id="{2F9E49A8-3045-41A6-8CC2-689B62FE881E}" type="datetimeFigureOut">
               <a:rPr lang="nb-NO" smtClean="0"/>
-              <a:t>22.02.2016</a:t>
+              <a:t>23.02.2016</a:t>
             </a:fld>
             <a:endParaRPr lang="nb-NO"/>
           </a:p>
@@ -3651,7 +3985,7 @@
           <a:p>
             <a:fld id="{2F9E49A8-3045-41A6-8CC2-689B62FE881E}" type="datetimeFigureOut">
               <a:rPr lang="nb-NO" smtClean="0"/>
-              <a:t>22.02.2016</a:t>
+              <a:t>23.02.2016</a:t>
             </a:fld>
             <a:endParaRPr lang="nb-NO"/>
           </a:p>
@@ -3769,7 +4103,7 @@
           <a:p>
             <a:fld id="{2F9E49A8-3045-41A6-8CC2-689B62FE881E}" type="datetimeFigureOut">
               <a:rPr lang="nb-NO" smtClean="0"/>
-              <a:t>22.02.2016</a:t>
+              <a:t>23.02.2016</a:t>
             </a:fld>
             <a:endParaRPr lang="nb-NO"/>
           </a:p>
@@ -3864,7 +4198,7 @@
           <a:p>
             <a:fld id="{2F9E49A8-3045-41A6-8CC2-689B62FE881E}" type="datetimeFigureOut">
               <a:rPr lang="nb-NO" smtClean="0"/>
-              <a:t>22.02.2016</a:t>
+              <a:t>23.02.2016</a:t>
             </a:fld>
             <a:endParaRPr lang="nb-NO"/>
           </a:p>
@@ -4141,7 +4475,7 @@
           <a:p>
             <a:fld id="{2F9E49A8-3045-41A6-8CC2-689B62FE881E}" type="datetimeFigureOut">
               <a:rPr lang="nb-NO" smtClean="0"/>
-              <a:t>22.02.2016</a:t>
+              <a:t>23.02.2016</a:t>
             </a:fld>
             <a:endParaRPr lang="nb-NO"/>
           </a:p>
@@ -4394,7 +4728,7 @@
           <a:p>
             <a:fld id="{2F9E49A8-3045-41A6-8CC2-689B62FE881E}" type="datetimeFigureOut">
               <a:rPr lang="nb-NO" smtClean="0"/>
-              <a:t>22.02.2016</a:t>
+              <a:t>23.02.2016</a:t>
             </a:fld>
             <a:endParaRPr lang="nb-NO"/>
           </a:p>
@@ -4607,7 +4941,7 @@
           <a:p>
             <a:fld id="{2F9E49A8-3045-41A6-8CC2-689B62FE881E}" type="datetimeFigureOut">
               <a:rPr lang="nb-NO" smtClean="0"/>
-              <a:t>22.02.2016</a:t>
+              <a:t>23.02.2016</a:t>
             </a:fld>
             <a:endParaRPr lang="nb-NO"/>
           </a:p>
@@ -6021,7 +6355,6 @@
               <a:rPr lang="nb-NO" dirty="0"/>
               <a:t>Kretser</a:t>
             </a:r>
-            <a:endParaRPr lang="nb-NO" dirty="0"/>
           </a:p>
         </p:txBody>
       </p:sp>
@@ -6144,7 +6477,6 @@
               <a:rPr lang="nb-NO" dirty="0"/>
               <a:t>Kretser</a:t>
             </a:r>
-            <a:endParaRPr lang="nb-NO" dirty="0"/>
           </a:p>
         </p:txBody>
       </p:sp>
@@ -6267,7 +6599,6 @@
               <a:rPr lang="nb-NO" dirty="0"/>
               <a:t>Kretser</a:t>
             </a:r>
-            <a:endParaRPr lang="nb-NO" dirty="0"/>
           </a:p>
         </p:txBody>
       </p:sp>
@@ -6363,6 +6694,47 @@
           </a:p>
         </p:txBody>
       </p:sp>
+      <p:pic>
+        <p:nvPicPr>
+          <p:cNvPr id="1026" name="Picture 2" descr="https://www.pjrc.com/store/breadboard.jpg"/>
+          <p:cNvPicPr>
+            <a:picLocks noChangeAspect="1" noChangeArrowheads="1"/>
+          </p:cNvPicPr>
+          <p:nvPr/>
+        </p:nvPicPr>
+        <p:blipFill>
+          <a:blip r:embed="rId3">
+            <a:extLst>
+              <a:ext uri="{28A0092B-C50C-407E-A947-70E740481C1C}">
+                <a14:useLocalDpi xmlns:a14="http://schemas.microsoft.com/office/drawing/2010/main" val="0"/>
+              </a:ext>
+            </a:extLst>
+          </a:blip>
+          <a:srcRect/>
+          <a:stretch>
+            <a:fillRect/>
+          </a:stretch>
+        </p:blipFill>
+        <p:spPr bwMode="auto">
+          <a:xfrm>
+            <a:off x="838200" y="1690688"/>
+            <a:ext cx="10114052" cy="4266867"/>
+          </a:xfrm>
+          <a:prstGeom prst="rect">
+            <a:avLst/>
+          </a:prstGeom>
+          <a:noFill/>
+          <a:extLst>
+            <a:ext uri="{909E8E84-426E-40DD-AFC4-6F175D3DCCD1}">
+              <a14:hiddenFill xmlns:a14="http://schemas.microsoft.com/office/drawing/2010/main">
+                <a:solidFill>
+                  <a:srgbClr val="FFFFFF"/>
+                </a:solidFill>
+              </a14:hiddenFill>
+            </a:ext>
+          </a:extLst>
+        </p:spPr>
+      </p:pic>
     </p:spTree>
     <p:extLst>
       <p:ext uri="{BB962C8B-B14F-4D97-AF65-F5344CB8AC3E}">
@@ -6418,7 +6790,7 @@
       </p:sp>
       <p:pic>
         <p:nvPicPr>
-          <p:cNvPr id="5122" name="Picture 2" descr="http://106.186.29.59/pic/159441.jpg"/>
+          <p:cNvPr id="2050" name="Picture 2" descr="alt text"/>
           <p:cNvPicPr>
             <a:picLocks noChangeAspect="1" noChangeArrowheads="1"/>
           </p:cNvPicPr>
@@ -6439,8 +6811,8 @@
         </p:blipFill>
         <p:spPr bwMode="auto">
           <a:xfrm>
-            <a:off x="3051958" y="261732"/>
-            <a:ext cx="8511369" cy="6383527"/>
+            <a:off x="4419349" y="462336"/>
+            <a:ext cx="5715000" cy="5715000"/>
           </a:xfrm>
           <a:prstGeom prst="rect">
             <a:avLst/>
@@ -6527,8 +6899,19 @@
           <a:p>
             <a:r>
               <a:rPr lang="nb-NO" dirty="0" smtClean="0"/>
-              <a:t>Innføring i strøm og slikt</a:t>
-            </a:r>
+              <a:t>Innføring i strøm og </a:t>
+            </a:r>
+            <a:r>
+              <a:rPr lang="nb-NO" dirty="0" smtClean="0"/>
+              <a:t>slikt</a:t>
+            </a:r>
+          </a:p>
+          <a:p>
+            <a:r>
+              <a:rPr lang="nb-NO" dirty="0" smtClean="0"/>
+              <a:t>Kretser</a:t>
+            </a:r>
+            <a:endParaRPr lang="nb-NO" dirty="0" smtClean="0"/>
           </a:p>
           <a:p>
             <a:r>

--- a/presentasjoner/Grunnkurs elektro.pptx
+++ b/presentasjoner/Grunnkurs elektro.pptx
@@ -5,27 +5,32 @@
     <p:sldMasterId id="2147483648" r:id="rId1"/>
   </p:sldMasterIdLst>
   <p:notesMasterIdLst>
-    <p:notesMasterId r:id="rId20"/>
+    <p:notesMasterId r:id="rId25"/>
   </p:notesMasterIdLst>
   <p:sldIdLst>
-    <p:sldId id="256" r:id="rId2"/>
-    <p:sldId id="257" r:id="rId3"/>
-    <p:sldId id="258" r:id="rId4"/>
-    <p:sldId id="259" r:id="rId5"/>
-    <p:sldId id="260" r:id="rId6"/>
-    <p:sldId id="261" r:id="rId7"/>
-    <p:sldId id="262" r:id="rId8"/>
-    <p:sldId id="263" r:id="rId9"/>
-    <p:sldId id="264" r:id="rId10"/>
-    <p:sldId id="265" r:id="rId11"/>
-    <p:sldId id="273" r:id="rId12"/>
-    <p:sldId id="266" r:id="rId13"/>
-    <p:sldId id="267" r:id="rId14"/>
-    <p:sldId id="268" r:id="rId15"/>
-    <p:sldId id="269" r:id="rId16"/>
-    <p:sldId id="270" r:id="rId17"/>
-    <p:sldId id="271" r:id="rId18"/>
-    <p:sldId id="272" r:id="rId19"/>
+    <p:sldId id="278" r:id="rId2"/>
+    <p:sldId id="275" r:id="rId3"/>
+    <p:sldId id="277" r:id="rId4"/>
+    <p:sldId id="276" r:id="rId5"/>
+    <p:sldId id="279" r:id="rId6"/>
+    <p:sldId id="256" r:id="rId7"/>
+    <p:sldId id="257" r:id="rId8"/>
+    <p:sldId id="259" r:id="rId9"/>
+    <p:sldId id="260" r:id="rId10"/>
+    <p:sldId id="261" r:id="rId11"/>
+    <p:sldId id="262" r:id="rId12"/>
+    <p:sldId id="263" r:id="rId13"/>
+    <p:sldId id="264" r:id="rId14"/>
+    <p:sldId id="273" r:id="rId15"/>
+    <p:sldId id="265" r:id="rId16"/>
+    <p:sldId id="266" r:id="rId17"/>
+    <p:sldId id="267" r:id="rId18"/>
+    <p:sldId id="268" r:id="rId19"/>
+    <p:sldId id="269" r:id="rId20"/>
+    <p:sldId id="270" r:id="rId21"/>
+    <p:sldId id="271" r:id="rId22"/>
+    <p:sldId id="272" r:id="rId23"/>
+    <p:sldId id="280" r:id="rId24"/>
   </p:sldIdLst>
   <p:sldSz cx="12192000" cy="6858000"/>
   <p:notesSz cx="6858000" cy="9144000"/>
@@ -214,7 +219,7 @@
           <a:p>
             <a:fld id="{AE456D22-4CF1-4FB7-ADAA-93A011485EEB}" type="datetimeFigureOut">
               <a:rPr lang="nb-NO" smtClean="0"/>
-              <a:t>23.02.2016</a:t>
+              <a:t>25.02.2016</a:t>
             </a:fld>
             <a:endParaRPr lang="nb-NO"/>
           </a:p>
@@ -526,249 +531,15 @@
           <a:bodyPr/>
           <a:lstStyle/>
           <a:p>
-            <a:pPr marL="0" marR="0" lvl="1" indent="0" algn="l" defTabSz="914400" rtl="0" eaLnBrk="1" fontAlgn="auto" latinLnBrk="0" hangingPunct="1">
-              <a:lnSpc>
-                <a:spcPct val="100000"/>
-              </a:lnSpc>
-              <a:spcBef>
-                <a:spcPts val="0"/>
-              </a:spcBef>
-              <a:spcAft>
-                <a:spcPts val="0"/>
-              </a:spcAft>
-              <a:buClrTx/>
-              <a:buSzTx/>
-              <a:buFontTx/>
-              <a:buNone/>
-              <a:tabLst/>
-              <a:defRPr/>
-            </a:pPr>
-            <a:r>
-              <a:rPr lang="nb-NO" sz="1200" kern="1200" dirty="0" smtClean="0">
-                <a:solidFill>
-                  <a:schemeClr val="tx1"/>
-                </a:solidFill>
-                <a:effectLst/>
-                <a:latin typeface="+mn-lt"/>
-                <a:ea typeface="+mn-ea"/>
-                <a:cs typeface="+mn-cs"/>
-              </a:rPr>
-              <a:t>Jeg skal gå gjennom en del konsepter som kan være greit å ha en oversikt over når man skal koble litt sensorer og annen elektronikk sammen, for f.eks. å få lys i en LED-pære eller andre, litt mer spennende, ting. </a:t>
-            </a:r>
-            <a:endParaRPr lang="nb-NO" sz="1200" kern="1200" dirty="0" smtClean="0">
-              <a:solidFill>
-                <a:schemeClr val="tx1"/>
-              </a:solidFill>
-              <a:effectLst/>
-              <a:latin typeface="+mn-lt"/>
-              <a:ea typeface="+mn-ea"/>
-              <a:cs typeface="+mn-cs"/>
-            </a:endParaRPr>
-          </a:p>
-          <a:p>
-            <a:pPr marL="171450" marR="0" lvl="1" indent="-171450" algn="l" defTabSz="914400" rtl="0" eaLnBrk="1" fontAlgn="auto" latinLnBrk="0" hangingPunct="1">
-              <a:lnSpc>
-                <a:spcPct val="100000"/>
-              </a:lnSpc>
-              <a:spcBef>
-                <a:spcPts val="0"/>
-              </a:spcBef>
-              <a:spcAft>
-                <a:spcPts val="0"/>
-              </a:spcAft>
-              <a:buClrTx/>
-              <a:buSzTx/>
-              <a:buFontTx/>
-              <a:buChar char="-"/>
-              <a:tabLst/>
-              <a:defRPr/>
-            </a:pPr>
-            <a:r>
-              <a:rPr lang="nb-NO" sz="1200" kern="1200" baseline="0" dirty="0" smtClean="0">
-                <a:solidFill>
-                  <a:schemeClr val="tx1"/>
-                </a:solidFill>
-                <a:effectLst/>
-                <a:latin typeface="+mn-lt"/>
-                <a:ea typeface="+mn-ea"/>
-                <a:cs typeface="+mn-cs"/>
-              </a:rPr>
-              <a:t>Innføring i strøm og slikt -&gt; gå gjennom ting som strøm, spenning og motstand, inkl. ohms lov og hvordan man kan regne seg frem til de forskjellige</a:t>
-            </a:r>
-          </a:p>
-          <a:p>
-            <a:pPr marL="171450" marR="0" lvl="1" indent="-171450" algn="l" defTabSz="914400" rtl="0" eaLnBrk="1" fontAlgn="auto" latinLnBrk="0" hangingPunct="1">
-              <a:lnSpc>
-                <a:spcPct val="100000"/>
-              </a:lnSpc>
-              <a:spcBef>
-                <a:spcPts val="0"/>
-              </a:spcBef>
-              <a:spcAft>
-                <a:spcPts val="0"/>
-              </a:spcAft>
-              <a:buClrTx/>
-              <a:buSzTx/>
-              <a:buFontTx/>
-              <a:buChar char="-"/>
-              <a:tabLst/>
-              <a:defRPr/>
-            </a:pPr>
-            <a:r>
-              <a:rPr lang="nb-NO" sz="1200" kern="1200" baseline="0" dirty="0" smtClean="0">
-                <a:solidFill>
-                  <a:schemeClr val="tx1"/>
-                </a:solidFill>
-                <a:effectLst/>
-                <a:latin typeface="+mn-lt"/>
-                <a:ea typeface="+mn-ea"/>
-                <a:cs typeface="+mn-cs"/>
-              </a:rPr>
-              <a:t>Kretser -&gt; Hva er en elektrisk krets, forskjellige typer kretser, hvordan man tegner en krets</a:t>
-            </a:r>
-          </a:p>
-          <a:p>
-            <a:pPr marL="171450" marR="0" lvl="1" indent="-171450" algn="l" defTabSz="914400" rtl="0" eaLnBrk="1" fontAlgn="auto" latinLnBrk="0" hangingPunct="1">
-              <a:lnSpc>
-                <a:spcPct val="100000"/>
-              </a:lnSpc>
-              <a:spcBef>
-                <a:spcPts val="0"/>
-              </a:spcBef>
-              <a:spcAft>
-                <a:spcPts val="0"/>
-              </a:spcAft>
-              <a:buClrTx/>
-              <a:buSzTx/>
-              <a:buFontTx/>
-              <a:buChar char="-"/>
-              <a:tabLst/>
-              <a:defRPr/>
-            </a:pPr>
-            <a:r>
-              <a:rPr lang="nb-NO" sz="1200" kern="1200" baseline="0" dirty="0" err="1" smtClean="0">
-                <a:solidFill>
-                  <a:schemeClr val="tx1"/>
-                </a:solidFill>
-                <a:effectLst/>
-                <a:latin typeface="+mn-lt"/>
-                <a:ea typeface="+mn-ea"/>
-                <a:cs typeface="+mn-cs"/>
-              </a:rPr>
-              <a:t>Breadboard</a:t>
-            </a:r>
-            <a:r>
-              <a:rPr lang="nb-NO" sz="1200" kern="1200" baseline="0" dirty="0" smtClean="0">
-                <a:solidFill>
-                  <a:schemeClr val="tx1"/>
-                </a:solidFill>
-                <a:effectLst/>
-                <a:latin typeface="+mn-lt"/>
-                <a:ea typeface="+mn-ea"/>
-                <a:cs typeface="+mn-cs"/>
-              </a:rPr>
-              <a:t> -&gt; Hva er et </a:t>
-            </a:r>
-            <a:r>
-              <a:rPr lang="nb-NO" sz="1200" kern="1200" baseline="0" dirty="0" err="1" smtClean="0">
-                <a:solidFill>
-                  <a:schemeClr val="tx1"/>
-                </a:solidFill>
-                <a:effectLst/>
-                <a:latin typeface="+mn-lt"/>
-                <a:ea typeface="+mn-ea"/>
-                <a:cs typeface="+mn-cs"/>
-              </a:rPr>
-              <a:t>breadboard</a:t>
-            </a:r>
-            <a:r>
-              <a:rPr lang="nb-NO" sz="1200" kern="1200" baseline="0" dirty="0" smtClean="0">
-                <a:solidFill>
-                  <a:schemeClr val="tx1"/>
-                </a:solidFill>
-                <a:effectLst/>
-                <a:latin typeface="+mn-lt"/>
-                <a:ea typeface="+mn-ea"/>
-                <a:cs typeface="+mn-cs"/>
-              </a:rPr>
-              <a:t>? Hvordan bruker vi det?</a:t>
-            </a:r>
-          </a:p>
-          <a:p>
-            <a:pPr marL="171450" marR="0" lvl="1" indent="-171450" algn="l" defTabSz="914400" rtl="0" eaLnBrk="1" fontAlgn="auto" latinLnBrk="0" hangingPunct="1">
-              <a:lnSpc>
-                <a:spcPct val="100000"/>
-              </a:lnSpc>
-              <a:spcBef>
-                <a:spcPts val="0"/>
-              </a:spcBef>
-              <a:spcAft>
-                <a:spcPts val="0"/>
-              </a:spcAft>
-              <a:buClrTx/>
-              <a:buSzTx/>
-              <a:buFontTx/>
-              <a:buChar char="-"/>
-              <a:tabLst/>
-              <a:defRPr/>
-            </a:pPr>
-            <a:r>
-              <a:rPr lang="nb-NO" sz="1200" kern="1200" baseline="0" dirty="0" err="1" smtClean="0">
-                <a:solidFill>
-                  <a:schemeClr val="tx1"/>
-                </a:solidFill>
-                <a:effectLst/>
-                <a:latin typeface="+mn-lt"/>
-                <a:ea typeface="+mn-ea"/>
-                <a:cs typeface="+mn-cs"/>
-              </a:rPr>
-              <a:t>Arduino</a:t>
-            </a:r>
-            <a:r>
-              <a:rPr lang="nb-NO" sz="1200" kern="1200" baseline="0" dirty="0" smtClean="0">
-                <a:solidFill>
-                  <a:schemeClr val="tx1"/>
-                </a:solidFill>
-                <a:effectLst/>
-                <a:latin typeface="+mn-lt"/>
-                <a:ea typeface="+mn-ea"/>
-                <a:cs typeface="+mn-cs"/>
-              </a:rPr>
-              <a:t> -&gt; Kort om komponentene vår </a:t>
-            </a:r>
-            <a:r>
-              <a:rPr lang="nb-NO" sz="1200" kern="1200" baseline="0" dirty="0" err="1" smtClean="0">
-                <a:solidFill>
-                  <a:schemeClr val="tx1"/>
-                </a:solidFill>
-                <a:effectLst/>
-                <a:latin typeface="+mn-lt"/>
-                <a:ea typeface="+mn-ea"/>
-                <a:cs typeface="+mn-cs"/>
-              </a:rPr>
-              <a:t>Arduino</a:t>
-            </a:r>
-            <a:r>
-              <a:rPr lang="nb-NO" sz="1200" kern="1200" baseline="0" dirty="0" smtClean="0">
-                <a:solidFill>
-                  <a:schemeClr val="tx1"/>
-                </a:solidFill>
-                <a:effectLst/>
-                <a:latin typeface="+mn-lt"/>
-                <a:ea typeface="+mn-ea"/>
-                <a:cs typeface="+mn-cs"/>
-              </a:rPr>
-              <a:t> Uno består av, input og output og slikt</a:t>
-            </a:r>
-            <a:endParaRPr lang="nb-NO" sz="800" kern="1200" dirty="0" smtClean="0">
-              <a:solidFill>
-                <a:schemeClr val="tx1"/>
-              </a:solidFill>
-              <a:effectLst/>
-              <a:latin typeface="+mn-lt"/>
-              <a:ea typeface="+mn-ea"/>
-              <a:cs typeface="+mn-cs"/>
-            </a:endParaRPr>
+            <a:r>
+              <a:rPr lang="nb-NO" dirty="0" smtClean="0"/>
+              <a:t>Når vi etter lunsj</a:t>
+            </a:r>
+            <a:r>
+              <a:rPr lang="nb-NO" baseline="0" dirty="0" smtClean="0"/>
+              <a:t> skal i gang med litt praktiske oppgaver, skal vi leke litt med…</a:t>
+            </a:r>
+            <a:endParaRPr lang="nb-NO" dirty="0"/>
           </a:p>
         </p:txBody>
       </p:sp>
@@ -789,7 +560,7 @@
           <a:p>
             <a:fld id="{8EEB3E16-4FD6-4D05-BF61-9D5522FF8233}" type="slidenum">
               <a:rPr lang="nb-NO" smtClean="0"/>
-              <a:t>2</a:t>
+              <a:t>1</a:t>
             </a:fld>
             <a:endParaRPr lang="nb-NO"/>
           </a:p>
@@ -798,7 +569,7 @@
     </p:spTree>
     <p:extLst>
       <p:ext uri="{BB962C8B-B14F-4D97-AF65-F5344CB8AC3E}">
-        <p14:creationId xmlns:p14="http://schemas.microsoft.com/office/powerpoint/2010/main" val="1504841711"/>
+        <p14:creationId xmlns:p14="http://schemas.microsoft.com/office/powerpoint/2010/main" val="1063924221"/>
       </p:ext>
     </p:extLst>
   </p:cSld>
@@ -854,23 +625,41 @@
           <a:p>
             <a:r>
               <a:rPr lang="nb-NO" dirty="0" smtClean="0"/>
-              <a:t>Tegne kobling til LED Strøm -&gt; </a:t>
-            </a:r>
-            <a:r>
-              <a:rPr lang="nb-NO" dirty="0" err="1" smtClean="0"/>
-              <a:t>resistor</a:t>
+              <a:t>Oversatt</a:t>
             </a:r>
             <a:r>
               <a:rPr lang="nb-NO" baseline="0" dirty="0" smtClean="0"/>
-              <a:t> -&gt; LED -&gt; jord / minus. I vårt tilfelle, vil typisk strøm være 5V på </a:t>
+              <a:t> til vanntankanalogien vår. TEGNE: 1V </a:t>
+            </a:r>
+            <a:r>
+              <a:rPr lang="nb-NO" baseline="0" dirty="0" smtClean="0"/>
+              <a:t>= </a:t>
             </a:r>
             <a:r>
               <a:rPr lang="nb-NO" baseline="0" dirty="0" err="1" smtClean="0"/>
-              <a:t>Arduino</a:t>
+              <a:t>xA</a:t>
             </a:r>
             <a:r>
               <a:rPr lang="nb-NO" baseline="0" dirty="0" smtClean="0"/>
-              <a:t>-en og jord GND, men det kan også være pluss og minus på et batteri</a:t>
+              <a:t> * 2Ω </a:t>
+            </a:r>
+            <a:r>
+              <a:rPr lang="nb-NO" baseline="0" dirty="0" smtClean="0">
+                <a:sym typeface="Wingdings" panose="05000000000000000000" pitchFamily="2" charset="2"/>
+              </a:rPr>
+              <a:t> </a:t>
+            </a:r>
+            <a:r>
+              <a:rPr lang="nb-NO" baseline="0" dirty="0" err="1" smtClean="0">
+                <a:sym typeface="Wingdings" panose="05000000000000000000" pitchFamily="2" charset="2"/>
+              </a:rPr>
+              <a:t>xA</a:t>
+            </a:r>
+            <a:r>
+              <a:rPr lang="nb-NO" baseline="0" dirty="0" smtClean="0">
+                <a:sym typeface="Wingdings" panose="05000000000000000000" pitchFamily="2" charset="2"/>
+              </a:rPr>
+              <a:t> = 1V / 2Ω</a:t>
             </a:r>
             <a:endParaRPr lang="nb-NO" dirty="0"/>
           </a:p>
@@ -893,7 +682,7 @@
           <a:p>
             <a:fld id="{8EEB3E16-4FD6-4D05-BF61-9D5522FF8233}" type="slidenum">
               <a:rPr lang="nb-NO" smtClean="0"/>
-              <a:t>12</a:t>
+              <a:t>13</a:t>
             </a:fld>
             <a:endParaRPr lang="nb-NO"/>
           </a:p>
@@ -902,7 +691,7 @@
     </p:spTree>
     <p:extLst>
       <p:ext uri="{BB962C8B-B14F-4D97-AF65-F5344CB8AC3E}">
-        <p14:creationId xmlns:p14="http://schemas.microsoft.com/office/powerpoint/2010/main" val="3387208259"/>
+        <p14:creationId xmlns:p14="http://schemas.microsoft.com/office/powerpoint/2010/main" val="2080682984"/>
       </p:ext>
     </p:extLst>
   </p:cSld>
@@ -958,11 +747,35 @@
           <a:p>
             <a:r>
               <a:rPr lang="nb-NO" dirty="0" smtClean="0"/>
-              <a:t>For</a:t>
+              <a:t>En </a:t>
+            </a:r>
+            <a:r>
+              <a:rPr lang="nb-NO" dirty="0" err="1" smtClean="0"/>
+              <a:t>resistor</a:t>
+            </a:r>
+            <a:r>
+              <a:rPr lang="nb-NO" dirty="0" smtClean="0"/>
+              <a:t> som dette er en liten </a:t>
+            </a:r>
+            <a:r>
+              <a:rPr lang="nb-NO" dirty="0" err="1" smtClean="0"/>
+              <a:t>porselensdings</a:t>
+            </a:r>
+            <a:r>
+              <a:rPr lang="nb-NO" dirty="0" smtClean="0"/>
+              <a:t> som kan motstå</a:t>
             </a:r>
             <a:r>
               <a:rPr lang="nb-NO" baseline="0" dirty="0" smtClean="0"/>
-              <a:t> at vi skal kunne benytte oss av strøm, trenger den et sted å gå. Ta vanntanken, for eksempel. Hvis ikke vannet har noe sted å renne, beveger det seg ikke. Slik er det også med strøm. For at spenningen i plusspunktet i et batteri skal kunne gå noe sted, må det kobles til minuspunktet. </a:t>
+              <a:t> strøm. Størrelsen på motstanden er dokumentert med fargekoder. Selv om fargene leses fra venstre mot høyre, har ikke en </a:t>
+            </a:r>
+            <a:r>
+              <a:rPr lang="nb-NO" baseline="0" dirty="0" err="1" smtClean="0"/>
+              <a:t>resistor</a:t>
+            </a:r>
+            <a:r>
+              <a:rPr lang="nb-NO" baseline="0" dirty="0" smtClean="0"/>
+              <a:t> noen retning. Motstanden er helt lik begge veier.</a:t>
             </a:r>
             <a:endParaRPr lang="nb-NO" dirty="0"/>
           </a:p>
@@ -985,7 +798,7 @@
           <a:p>
             <a:fld id="{8EEB3E16-4FD6-4D05-BF61-9D5522FF8233}" type="slidenum">
               <a:rPr lang="nb-NO" smtClean="0"/>
-              <a:t>13</a:t>
+              <a:t>14</a:t>
             </a:fld>
             <a:endParaRPr lang="nb-NO"/>
           </a:p>
@@ -994,7 +807,7 @@
     </p:spTree>
     <p:extLst>
       <p:ext uri="{BB962C8B-B14F-4D97-AF65-F5344CB8AC3E}">
-        <p14:creationId xmlns:p14="http://schemas.microsoft.com/office/powerpoint/2010/main" val="353448765"/>
+        <p14:creationId xmlns:p14="http://schemas.microsoft.com/office/powerpoint/2010/main" val="3661334898"/>
       </p:ext>
     </p:extLst>
   </p:cSld>
@@ -1050,11 +863,55 @@
           <a:p>
             <a:r>
               <a:rPr lang="nb-NO" dirty="0" smtClean="0"/>
-              <a:t>Ingentin</a:t>
+              <a:t>Få</a:t>
             </a:r>
             <a:r>
               <a:rPr lang="nb-NO" baseline="0" dirty="0" smtClean="0"/>
-              <a:t>g skjer. Strømmen går ikke noe sted. Men den potensielle spenningen vil være lik i alt som er koblet til pluss.</a:t>
+              <a:t> en LED til å lyse ved å koble den til en </a:t>
+            </a:r>
+            <a:r>
+              <a:rPr lang="nb-NO" baseline="0" dirty="0" err="1" smtClean="0"/>
+              <a:t>Arduino</a:t>
+            </a:r>
+            <a:r>
+              <a:rPr lang="nb-NO" baseline="0" dirty="0" smtClean="0"/>
+              <a:t>. Bare vise ligningen. Spenning = Motstand * Strøm </a:t>
+            </a:r>
+            <a:r>
+              <a:rPr lang="nb-NO" baseline="0" dirty="0" smtClean="0">
+                <a:sym typeface="Wingdings" panose="05000000000000000000" pitchFamily="2" charset="2"/>
+              </a:rPr>
+              <a:t> Motstand = Spenning / Strøm  5V / </a:t>
+            </a:r>
+            <a:r>
+              <a:rPr lang="nb-NO" baseline="0" dirty="0" smtClean="0">
+                <a:sym typeface="Wingdings" panose="05000000000000000000" pitchFamily="2" charset="2"/>
+              </a:rPr>
+              <a:t>0,01A </a:t>
+            </a:r>
+            <a:r>
+              <a:rPr lang="nb-NO" baseline="0" dirty="0" smtClean="0">
+                <a:sym typeface="Wingdings" panose="05000000000000000000" pitchFamily="2" charset="2"/>
+              </a:rPr>
+              <a:t>= </a:t>
+            </a:r>
+            <a:r>
+              <a:rPr lang="nb-NO" baseline="0" dirty="0" smtClean="0">
+                <a:sym typeface="Wingdings" panose="05000000000000000000" pitchFamily="2" charset="2"/>
+              </a:rPr>
+              <a:t>500Ω. Bytter vi til 3,3V, som er den andre spenningen vi har på et </a:t>
+            </a:r>
+            <a:r>
+              <a:rPr lang="nb-NO" baseline="0" dirty="0" err="1" smtClean="0">
+                <a:sym typeface="Wingdings" panose="05000000000000000000" pitchFamily="2" charset="2"/>
+              </a:rPr>
+              <a:t>Arduino</a:t>
+            </a:r>
+            <a:r>
+              <a:rPr lang="nb-NO" baseline="0" dirty="0" smtClean="0">
+                <a:sym typeface="Wingdings" panose="05000000000000000000" pitchFamily="2" charset="2"/>
+              </a:rPr>
+              <a:t>-brett, får vi da 3,3/0,001A = 330Ω</a:t>
             </a:r>
             <a:endParaRPr lang="nb-NO" dirty="0"/>
           </a:p>
@@ -1077,7 +934,7 @@
           <a:p>
             <a:fld id="{8EEB3E16-4FD6-4D05-BF61-9D5522FF8233}" type="slidenum">
               <a:rPr lang="nb-NO" smtClean="0"/>
-              <a:t>14</a:t>
+              <a:t>15</a:t>
             </a:fld>
             <a:endParaRPr lang="nb-NO"/>
           </a:p>
@@ -1086,7 +943,7 @@
     </p:spTree>
     <p:extLst>
       <p:ext uri="{BB962C8B-B14F-4D97-AF65-F5344CB8AC3E}">
-        <p14:creationId xmlns:p14="http://schemas.microsoft.com/office/powerpoint/2010/main" val="1543244200"/>
+        <p14:creationId xmlns:p14="http://schemas.microsoft.com/office/powerpoint/2010/main" val="3368038656"/>
       </p:ext>
     </p:extLst>
   </p:cSld>
@@ -1142,11 +999,23 @@
           <a:p>
             <a:r>
               <a:rPr lang="nb-NO" dirty="0" smtClean="0"/>
-              <a:t>Ingen motstand, strømforsyningen forsøker å levere</a:t>
+              <a:t>Tegne kobling til LED Strøm -&gt; </a:t>
+            </a:r>
+            <a:r>
+              <a:rPr lang="nb-NO" dirty="0" err="1" smtClean="0"/>
+              <a:t>resistor</a:t>
             </a:r>
             <a:r>
               <a:rPr lang="nb-NO" baseline="0" dirty="0" smtClean="0"/>
-              <a:t> uendelig med strøm, ting kan svis osv.</a:t>
+              <a:t> -&gt; LED -&gt; jord / minus. I vårt tilfelle, vil typisk strøm være 5V på </a:t>
+            </a:r>
+            <a:r>
+              <a:rPr lang="nb-NO" baseline="0" dirty="0" err="1" smtClean="0"/>
+              <a:t>Arduino</a:t>
+            </a:r>
+            <a:r>
+              <a:rPr lang="nb-NO" baseline="0" dirty="0" smtClean="0"/>
+              <a:t>-en og jord GND, men det kan også være pluss og minus på et batteri</a:t>
             </a:r>
             <a:endParaRPr lang="nb-NO" dirty="0"/>
           </a:p>
@@ -1169,7 +1038,7 @@
           <a:p>
             <a:fld id="{8EEB3E16-4FD6-4D05-BF61-9D5522FF8233}" type="slidenum">
               <a:rPr lang="nb-NO" smtClean="0"/>
-              <a:t>15</a:t>
+              <a:t>16</a:t>
             </a:fld>
             <a:endParaRPr lang="nb-NO"/>
           </a:p>
@@ -1178,7 +1047,7 @@
     </p:spTree>
     <p:extLst>
       <p:ext uri="{BB962C8B-B14F-4D97-AF65-F5344CB8AC3E}">
-        <p14:creationId xmlns:p14="http://schemas.microsoft.com/office/powerpoint/2010/main" val="3215770740"/>
+        <p14:creationId xmlns:p14="http://schemas.microsoft.com/office/powerpoint/2010/main" val="3387208259"/>
       </p:ext>
     </p:extLst>
   </p:cSld>
@@ -1234,46 +1103,13 @@
           <a:p>
             <a:r>
               <a:rPr lang="nb-NO" dirty="0" smtClean="0"/>
-              <a:t>Tegne</a:t>
+              <a:t>For</a:t>
             </a:r>
             <a:r>
               <a:rPr lang="nb-NO" baseline="0" dirty="0" smtClean="0"/>
-              <a:t> serie- og parallellkobling. </a:t>
-            </a:r>
-          </a:p>
-          <a:p>
-            <a:r>
-              <a:rPr lang="nb-NO" baseline="0" dirty="0" smtClean="0"/>
-              <a:t>Serie – samme strøm over hele kretsen, parallell – samme spenning</a:t>
-            </a:r>
-          </a:p>
-          <a:p>
-            <a:r>
-              <a:rPr lang="nb-NO" baseline="0" dirty="0" smtClean="0"/>
-              <a:t>Ta med </a:t>
-            </a:r>
-            <a:r>
-              <a:rPr lang="nb-NO" baseline="0" dirty="0" err="1" smtClean="0"/>
-              <a:t>resistor</a:t>
-            </a:r>
-            <a:r>
-              <a:rPr lang="nb-NO" baseline="0" dirty="0" smtClean="0"/>
-              <a:t> og LED</a:t>
-            </a:r>
-          </a:p>
-          <a:p>
-            <a:r>
-              <a:rPr lang="nb-NO" baseline="0" dirty="0" smtClean="0"/>
-              <a:t>Quiz, bytte plass på </a:t>
-            </a:r>
-            <a:r>
-              <a:rPr lang="nb-NO" baseline="0" dirty="0" err="1" smtClean="0"/>
-              <a:t>resistor</a:t>
-            </a:r>
-            <a:r>
-              <a:rPr lang="nb-NO" baseline="0" dirty="0" smtClean="0"/>
-              <a:t> og LED</a:t>
-            </a:r>
+              <a:t> at vi skal kunne benytte oss av strøm, trenger den et sted å gå. Ta vanntanken, for eksempel. Hvis ikke vannet har noe sted å renne, beveger det seg ikke. Slik er det også med strøm. For at spenningen i plusspunktet i et batteri skal kunne gå noe sted, må det kobles til minuspunktet. </a:t>
+            </a:r>
+            <a:endParaRPr lang="nb-NO" dirty="0"/>
           </a:p>
         </p:txBody>
       </p:sp>
@@ -1294,7 +1130,7 @@
           <a:p>
             <a:fld id="{8EEB3E16-4FD6-4D05-BF61-9D5522FF8233}" type="slidenum">
               <a:rPr lang="nb-NO" smtClean="0"/>
-              <a:t>16</a:t>
+              <a:t>17</a:t>
             </a:fld>
             <a:endParaRPr lang="nb-NO"/>
           </a:p>
@@ -1303,7 +1139,7 @@
     </p:spTree>
     <p:extLst>
       <p:ext uri="{BB962C8B-B14F-4D97-AF65-F5344CB8AC3E}">
-        <p14:creationId xmlns:p14="http://schemas.microsoft.com/office/powerpoint/2010/main" val="3837673665"/>
+        <p14:creationId xmlns:p14="http://schemas.microsoft.com/office/powerpoint/2010/main" val="353448765"/>
       </p:ext>
     </p:extLst>
   </p:cSld>
@@ -1359,7 +1195,11 @@
           <a:p>
             <a:r>
               <a:rPr lang="nb-NO" dirty="0" smtClean="0"/>
-              <a:t>Vise og tegne</a:t>
+              <a:t>Ingentin</a:t>
+            </a:r>
+            <a:r>
+              <a:rPr lang="nb-NO" baseline="0" dirty="0" smtClean="0"/>
+              <a:t>g skjer. Strømmen går ikke noe sted. Men den potensielle spenningen vil være lik i alt som er koblet til pluss.</a:t>
             </a:r>
             <a:endParaRPr lang="nb-NO" dirty="0"/>
           </a:p>
@@ -1382,7 +1222,7 @@
           <a:p>
             <a:fld id="{8EEB3E16-4FD6-4D05-BF61-9D5522FF8233}" type="slidenum">
               <a:rPr lang="nb-NO" smtClean="0"/>
-              <a:t>17</a:t>
+              <a:t>18</a:t>
             </a:fld>
             <a:endParaRPr lang="nb-NO"/>
           </a:p>
@@ -1391,7 +1231,7 @@
     </p:spTree>
     <p:extLst>
       <p:ext uri="{BB962C8B-B14F-4D97-AF65-F5344CB8AC3E}">
-        <p14:creationId xmlns:p14="http://schemas.microsoft.com/office/powerpoint/2010/main" val="3795964080"/>
+        <p14:creationId xmlns:p14="http://schemas.microsoft.com/office/powerpoint/2010/main" val="1543244200"/>
       </p:ext>
     </p:extLst>
   </p:cSld>
@@ -1445,6 +1285,311 @@
           <a:bodyPr/>
           <a:lstStyle/>
           <a:p>
+            <a:r>
+              <a:rPr lang="nb-NO" dirty="0" smtClean="0"/>
+              <a:t>Ingen motstand, strømforsyningen forsøker å levere</a:t>
+            </a:r>
+            <a:r>
+              <a:rPr lang="nb-NO" baseline="0" dirty="0" smtClean="0"/>
+              <a:t> uendelig med strøm, ting kan svis osv.</a:t>
+            </a:r>
+            <a:endParaRPr lang="nb-NO" dirty="0"/>
+          </a:p>
+        </p:txBody>
+      </p:sp>
+      <p:sp>
+        <p:nvSpPr>
+          <p:cNvPr id="4" name="Slide Number Placeholder 3"/>
+          <p:cNvSpPr>
+            <a:spLocks noGrp="1"/>
+          </p:cNvSpPr>
+          <p:nvPr>
+            <p:ph type="sldNum" sz="quarter" idx="10"/>
+          </p:nvPr>
+        </p:nvSpPr>
+        <p:spPr/>
+        <p:txBody>
+          <a:bodyPr/>
+          <a:lstStyle/>
+          <a:p>
+            <a:fld id="{8EEB3E16-4FD6-4D05-BF61-9D5522FF8233}" type="slidenum">
+              <a:rPr lang="nb-NO" smtClean="0"/>
+              <a:t>19</a:t>
+            </a:fld>
+            <a:endParaRPr lang="nb-NO"/>
+          </a:p>
+        </p:txBody>
+      </p:sp>
+    </p:spTree>
+    <p:extLst>
+      <p:ext uri="{BB962C8B-B14F-4D97-AF65-F5344CB8AC3E}">
+        <p14:creationId xmlns:p14="http://schemas.microsoft.com/office/powerpoint/2010/main" val="3215770740"/>
+      </p:ext>
+    </p:extLst>
+  </p:cSld>
+  <p:clrMapOvr>
+    <a:masterClrMapping/>
+  </p:clrMapOvr>
+</p:notes>
+</file>
+
+<file path=ppt/notesSlides/notesSlide17.xml><?xml version="1.0" encoding="utf-8"?>
+<p:notes xmlns:a="http://schemas.openxmlformats.org/drawingml/2006/main" xmlns:r="http://schemas.openxmlformats.org/officeDocument/2006/relationships" xmlns:p="http://schemas.openxmlformats.org/presentationml/2006/main">
+  <p:cSld>
+    <p:spTree>
+      <p:nvGrpSpPr>
+        <p:cNvPr id="1" name=""/>
+        <p:cNvGrpSpPr/>
+        <p:nvPr/>
+      </p:nvGrpSpPr>
+      <p:grpSpPr>
+        <a:xfrm>
+          <a:off x="0" y="0"/>
+          <a:ext cx="0" cy="0"/>
+          <a:chOff x="0" y="0"/>
+          <a:chExt cx="0" cy="0"/>
+        </a:xfrm>
+      </p:grpSpPr>
+      <p:sp>
+        <p:nvSpPr>
+          <p:cNvPr id="2" name="Slide Image Placeholder 1"/>
+          <p:cNvSpPr>
+            <a:spLocks noGrp="1" noRot="1" noChangeAspect="1"/>
+          </p:cNvSpPr>
+          <p:nvPr>
+            <p:ph type="sldImg"/>
+          </p:nvPr>
+        </p:nvSpPr>
+        <p:spPr/>
+      </p:sp>
+      <p:sp>
+        <p:nvSpPr>
+          <p:cNvPr id="3" name="Notes Placeholder 2"/>
+          <p:cNvSpPr>
+            <a:spLocks noGrp="1"/>
+          </p:cNvSpPr>
+          <p:nvPr>
+            <p:ph type="body" idx="1"/>
+          </p:nvPr>
+        </p:nvSpPr>
+        <p:spPr/>
+        <p:txBody>
+          <a:bodyPr/>
+          <a:lstStyle/>
+          <a:p>
+            <a:r>
+              <a:rPr lang="nb-NO" dirty="0" smtClean="0"/>
+              <a:t>Tegne</a:t>
+            </a:r>
+            <a:r>
+              <a:rPr lang="nb-NO" baseline="0" dirty="0" smtClean="0"/>
+              <a:t> serie- og parallellkobling. </a:t>
+            </a:r>
+          </a:p>
+          <a:p>
+            <a:r>
+              <a:rPr lang="nb-NO" baseline="0" dirty="0" smtClean="0"/>
+              <a:t>Serie – samme strøm over hele kretsen, parallell – samme spenning</a:t>
+            </a:r>
+          </a:p>
+          <a:p>
+            <a:r>
+              <a:rPr lang="nb-NO" baseline="0" dirty="0" smtClean="0"/>
+              <a:t>Ta med </a:t>
+            </a:r>
+            <a:r>
+              <a:rPr lang="nb-NO" baseline="0" dirty="0" err="1" smtClean="0"/>
+              <a:t>resistor</a:t>
+            </a:r>
+            <a:r>
+              <a:rPr lang="nb-NO" baseline="0" dirty="0" smtClean="0"/>
+              <a:t> og LED</a:t>
+            </a:r>
+          </a:p>
+          <a:p>
+            <a:r>
+              <a:rPr lang="nb-NO" baseline="0" dirty="0" smtClean="0"/>
+              <a:t>Quiz, bytte plass på </a:t>
+            </a:r>
+            <a:r>
+              <a:rPr lang="nb-NO" baseline="0" dirty="0" err="1" smtClean="0"/>
+              <a:t>resistor</a:t>
+            </a:r>
+            <a:r>
+              <a:rPr lang="nb-NO" baseline="0" dirty="0" smtClean="0"/>
+              <a:t> og LED</a:t>
+            </a:r>
+          </a:p>
+        </p:txBody>
+      </p:sp>
+      <p:sp>
+        <p:nvSpPr>
+          <p:cNvPr id="4" name="Slide Number Placeholder 3"/>
+          <p:cNvSpPr>
+            <a:spLocks noGrp="1"/>
+          </p:cNvSpPr>
+          <p:nvPr>
+            <p:ph type="sldNum" sz="quarter" idx="10"/>
+          </p:nvPr>
+        </p:nvSpPr>
+        <p:spPr/>
+        <p:txBody>
+          <a:bodyPr/>
+          <a:lstStyle/>
+          <a:p>
+            <a:fld id="{8EEB3E16-4FD6-4D05-BF61-9D5522FF8233}" type="slidenum">
+              <a:rPr lang="nb-NO" smtClean="0"/>
+              <a:t>20</a:t>
+            </a:fld>
+            <a:endParaRPr lang="nb-NO"/>
+          </a:p>
+        </p:txBody>
+      </p:sp>
+    </p:spTree>
+    <p:extLst>
+      <p:ext uri="{BB962C8B-B14F-4D97-AF65-F5344CB8AC3E}">
+        <p14:creationId xmlns:p14="http://schemas.microsoft.com/office/powerpoint/2010/main" val="3837673665"/>
+      </p:ext>
+    </p:extLst>
+  </p:cSld>
+  <p:clrMapOvr>
+    <a:masterClrMapping/>
+  </p:clrMapOvr>
+</p:notes>
+</file>
+
+<file path=ppt/notesSlides/notesSlide18.xml><?xml version="1.0" encoding="utf-8"?>
+<p:notes xmlns:a="http://schemas.openxmlformats.org/drawingml/2006/main" xmlns:r="http://schemas.openxmlformats.org/officeDocument/2006/relationships" xmlns:p="http://schemas.openxmlformats.org/presentationml/2006/main">
+  <p:cSld>
+    <p:spTree>
+      <p:nvGrpSpPr>
+        <p:cNvPr id="1" name=""/>
+        <p:cNvGrpSpPr/>
+        <p:nvPr/>
+      </p:nvGrpSpPr>
+      <p:grpSpPr>
+        <a:xfrm>
+          <a:off x="0" y="0"/>
+          <a:ext cx="0" cy="0"/>
+          <a:chOff x="0" y="0"/>
+          <a:chExt cx="0" cy="0"/>
+        </a:xfrm>
+      </p:grpSpPr>
+      <p:sp>
+        <p:nvSpPr>
+          <p:cNvPr id="2" name="Slide Image Placeholder 1"/>
+          <p:cNvSpPr>
+            <a:spLocks noGrp="1" noRot="1" noChangeAspect="1"/>
+          </p:cNvSpPr>
+          <p:nvPr>
+            <p:ph type="sldImg"/>
+          </p:nvPr>
+        </p:nvSpPr>
+        <p:spPr/>
+      </p:sp>
+      <p:sp>
+        <p:nvSpPr>
+          <p:cNvPr id="3" name="Notes Placeholder 2"/>
+          <p:cNvSpPr>
+            <a:spLocks noGrp="1"/>
+          </p:cNvSpPr>
+          <p:nvPr>
+            <p:ph type="body" idx="1"/>
+          </p:nvPr>
+        </p:nvSpPr>
+        <p:spPr/>
+        <p:txBody>
+          <a:bodyPr/>
+          <a:lstStyle/>
+          <a:p>
+            <a:r>
+              <a:rPr lang="nb-NO" dirty="0" smtClean="0"/>
+              <a:t>Vise og tegne</a:t>
+            </a:r>
+            <a:endParaRPr lang="nb-NO" dirty="0"/>
+          </a:p>
+        </p:txBody>
+      </p:sp>
+      <p:sp>
+        <p:nvSpPr>
+          <p:cNvPr id="4" name="Slide Number Placeholder 3"/>
+          <p:cNvSpPr>
+            <a:spLocks noGrp="1"/>
+          </p:cNvSpPr>
+          <p:nvPr>
+            <p:ph type="sldNum" sz="quarter" idx="10"/>
+          </p:nvPr>
+        </p:nvSpPr>
+        <p:spPr/>
+        <p:txBody>
+          <a:bodyPr/>
+          <a:lstStyle/>
+          <a:p>
+            <a:fld id="{8EEB3E16-4FD6-4D05-BF61-9D5522FF8233}" type="slidenum">
+              <a:rPr lang="nb-NO" smtClean="0"/>
+              <a:t>21</a:t>
+            </a:fld>
+            <a:endParaRPr lang="nb-NO"/>
+          </a:p>
+        </p:txBody>
+      </p:sp>
+    </p:spTree>
+    <p:extLst>
+      <p:ext uri="{BB962C8B-B14F-4D97-AF65-F5344CB8AC3E}">
+        <p14:creationId xmlns:p14="http://schemas.microsoft.com/office/powerpoint/2010/main" val="3795964080"/>
+      </p:ext>
+    </p:extLst>
+  </p:cSld>
+  <p:clrMapOvr>
+    <a:masterClrMapping/>
+  </p:clrMapOvr>
+</p:notes>
+</file>
+
+<file path=ppt/notesSlides/notesSlide19.xml><?xml version="1.0" encoding="utf-8"?>
+<p:notes xmlns:a="http://schemas.openxmlformats.org/drawingml/2006/main" xmlns:r="http://schemas.openxmlformats.org/officeDocument/2006/relationships" xmlns:p="http://schemas.openxmlformats.org/presentationml/2006/main">
+  <p:cSld>
+    <p:spTree>
+      <p:nvGrpSpPr>
+        <p:cNvPr id="1" name=""/>
+        <p:cNvGrpSpPr/>
+        <p:nvPr/>
+      </p:nvGrpSpPr>
+      <p:grpSpPr>
+        <a:xfrm>
+          <a:off x="0" y="0"/>
+          <a:ext cx="0" cy="0"/>
+          <a:chOff x="0" y="0"/>
+          <a:chExt cx="0" cy="0"/>
+        </a:xfrm>
+      </p:grpSpPr>
+      <p:sp>
+        <p:nvSpPr>
+          <p:cNvPr id="2" name="Slide Image Placeholder 1"/>
+          <p:cNvSpPr>
+            <a:spLocks noGrp="1" noRot="1" noChangeAspect="1"/>
+          </p:cNvSpPr>
+          <p:nvPr>
+            <p:ph type="sldImg"/>
+          </p:nvPr>
+        </p:nvSpPr>
+        <p:spPr/>
+      </p:sp>
+      <p:sp>
+        <p:nvSpPr>
+          <p:cNvPr id="3" name="Notes Placeholder 2"/>
+          <p:cNvSpPr>
+            <a:spLocks noGrp="1"/>
+          </p:cNvSpPr>
+          <p:nvPr>
+            <p:ph type="body" idx="1"/>
+          </p:nvPr>
+        </p:nvSpPr>
+        <p:spPr/>
+        <p:txBody>
+          <a:bodyPr/>
+          <a:lstStyle/>
+          <a:p>
             <a:pPr marL="228600" indent="-228600">
               <a:buAutoNum type="arabicPeriod"/>
             </a:pPr>
@@ -1615,7 +1760,7 @@
           <a:p>
             <a:fld id="{8EEB3E16-4FD6-4D05-BF61-9D5522FF8233}" type="slidenum">
               <a:rPr lang="nb-NO" smtClean="0"/>
-              <a:t>18</a:t>
+              <a:t>22</a:t>
             </a:fld>
             <a:endParaRPr lang="nb-NO"/>
           </a:p>
@@ -1678,80 +1823,13 @@
           <a:bodyPr/>
           <a:lstStyle/>
           <a:p>
-            <a:pPr marL="171450" indent="-171450">
-              <a:buFontTx/>
-              <a:buChar char="-"/>
-            </a:pPr>
             <a:r>
               <a:rPr lang="nb-NO" dirty="0" smtClean="0"/>
-              <a:t>Volt -&gt; Potensialet</a:t>
+              <a:t>Så skal vi koble</a:t>
             </a:r>
             <a:r>
               <a:rPr lang="nb-NO" baseline="0" dirty="0" smtClean="0"/>
-              <a:t> en elektrisk ladning / forsyning har til å skape energi i et elektrisk felt. F.eks. 9 </a:t>
-            </a:r>
-            <a:r>
-              <a:rPr lang="nb-NO" baseline="0" dirty="0" err="1" smtClean="0"/>
-              <a:t>voltsbatteri</a:t>
-            </a:r>
-            <a:r>
-              <a:rPr lang="nb-NO" baseline="0" dirty="0" smtClean="0"/>
-              <a:t>, 220V i veggen. Disse verdiene blir oppgitt med et negativt ladet punkt / jording som referanse. Altså forskjellen i spenning mellom to punkter.</a:t>
-            </a:r>
-          </a:p>
-          <a:p>
-            <a:pPr marL="171450" indent="-171450">
-              <a:buFontTx/>
-              <a:buChar char="-"/>
-            </a:pPr>
-            <a:r>
-              <a:rPr lang="nb-NO" baseline="0" dirty="0" smtClean="0"/>
-              <a:t>Ampere -&gt; Mengden strøm i et visst punkt i en elektrisk krets. Definert som 6.241*10</a:t>
-            </a:r>
-            <a:r>
-              <a:rPr lang="nb-NO" baseline="30000" dirty="0" smtClean="0"/>
-              <a:t>18</a:t>
-            </a:r>
-            <a:r>
-              <a:rPr lang="nb-NO" baseline="0" dirty="0" smtClean="0"/>
-              <a:t> elektroner per sekund.</a:t>
-            </a:r>
-          </a:p>
-          <a:p>
-            <a:pPr marL="171450" marR="0" indent="-171450" algn="l" defTabSz="914400" rtl="0" eaLnBrk="1" fontAlgn="auto" latinLnBrk="0" hangingPunct="1">
-              <a:lnSpc>
-                <a:spcPct val="100000"/>
-              </a:lnSpc>
-              <a:spcBef>
-                <a:spcPts val="0"/>
-              </a:spcBef>
-              <a:spcAft>
-                <a:spcPts val="0"/>
-              </a:spcAft>
-              <a:buClrTx/>
-              <a:buSzTx/>
-              <a:buFontTx/>
-              <a:buChar char="-"/>
-              <a:tabLst/>
-              <a:defRPr/>
-            </a:pPr>
-            <a:r>
-              <a:rPr lang="nb-NO" dirty="0" smtClean="0"/>
-              <a:t>Watt -&gt; Energi</a:t>
-            </a:r>
-            <a:r>
-              <a:rPr lang="nb-NO" baseline="0" dirty="0" smtClean="0"/>
-              <a:t> (volt * ampere)</a:t>
-            </a:r>
-          </a:p>
-          <a:p>
-            <a:pPr marL="171450" indent="-171450">
-              <a:buFontTx/>
-              <a:buChar char="-"/>
-            </a:pPr>
-            <a:r>
-              <a:rPr lang="nb-NO" baseline="0" dirty="0" smtClean="0"/>
-              <a:t>Ohm -&gt; et stoffs evne til å motstå strøm</a:t>
+              <a:t> disse tingene sammen og ved hjelp av strøm og kode forsøke å få ting til å skje eller hente inn informasjon fra omgivelsene…</a:t>
             </a:r>
             <a:endParaRPr lang="nb-NO" dirty="0"/>
           </a:p>
@@ -1783,7 +1861,99 @@
     </p:spTree>
     <p:extLst>
       <p:ext uri="{BB962C8B-B14F-4D97-AF65-F5344CB8AC3E}">
-        <p14:creationId xmlns:p14="http://schemas.microsoft.com/office/powerpoint/2010/main" val="3696154023"/>
+        <p14:creationId xmlns:p14="http://schemas.microsoft.com/office/powerpoint/2010/main" val="2854536353"/>
+      </p:ext>
+    </p:extLst>
+  </p:cSld>
+  <p:clrMapOvr>
+    <a:masterClrMapping/>
+  </p:clrMapOvr>
+</p:notes>
+</file>
+
+<file path=ppt/notesSlides/notesSlide20.xml><?xml version="1.0" encoding="utf-8"?>
+<p:notes xmlns:a="http://schemas.openxmlformats.org/drawingml/2006/main" xmlns:r="http://schemas.openxmlformats.org/officeDocument/2006/relationships" xmlns:p="http://schemas.openxmlformats.org/presentationml/2006/main">
+  <p:cSld>
+    <p:spTree>
+      <p:nvGrpSpPr>
+        <p:cNvPr id="1" name=""/>
+        <p:cNvGrpSpPr/>
+        <p:nvPr/>
+      </p:nvGrpSpPr>
+      <p:grpSpPr>
+        <a:xfrm>
+          <a:off x="0" y="0"/>
+          <a:ext cx="0" cy="0"/>
+          <a:chOff x="0" y="0"/>
+          <a:chExt cx="0" cy="0"/>
+        </a:xfrm>
+      </p:grpSpPr>
+      <p:sp>
+        <p:nvSpPr>
+          <p:cNvPr id="2" name="Slide Image Placeholder 1"/>
+          <p:cNvSpPr>
+            <a:spLocks noGrp="1" noRot="1" noChangeAspect="1"/>
+          </p:cNvSpPr>
+          <p:nvPr>
+            <p:ph type="sldImg"/>
+          </p:nvPr>
+        </p:nvSpPr>
+        <p:spPr/>
+      </p:sp>
+      <p:sp>
+        <p:nvSpPr>
+          <p:cNvPr id="3" name="Notes Placeholder 2"/>
+          <p:cNvSpPr>
+            <a:spLocks noGrp="1"/>
+          </p:cNvSpPr>
+          <p:nvPr>
+            <p:ph type="body" idx="1"/>
+          </p:nvPr>
+        </p:nvSpPr>
+        <p:spPr/>
+        <p:txBody>
+          <a:bodyPr/>
+          <a:lstStyle/>
+          <a:p>
+            <a:r>
+              <a:rPr lang="nb-NO" dirty="0" smtClean="0"/>
+              <a:t>Så skal vi forsøke å koble</a:t>
+            </a:r>
+            <a:r>
+              <a:rPr lang="nb-NO" baseline="0" dirty="0" smtClean="0"/>
+              <a:t> disse tingene sammen og ved hjelp av strøm og kode få ting til å skje eller hente informasjon</a:t>
+            </a:r>
+            <a:endParaRPr lang="nb-NO" dirty="0"/>
+          </a:p>
+        </p:txBody>
+      </p:sp>
+      <p:sp>
+        <p:nvSpPr>
+          <p:cNvPr id="4" name="Slide Number Placeholder 3"/>
+          <p:cNvSpPr>
+            <a:spLocks noGrp="1"/>
+          </p:cNvSpPr>
+          <p:nvPr>
+            <p:ph type="sldNum" sz="quarter" idx="10"/>
+          </p:nvPr>
+        </p:nvSpPr>
+        <p:spPr/>
+        <p:txBody>
+          <a:bodyPr/>
+          <a:lstStyle/>
+          <a:p>
+            <a:fld id="{8EEB3E16-4FD6-4D05-BF61-9D5522FF8233}" type="slidenum">
+              <a:rPr lang="nb-NO" smtClean="0"/>
+              <a:t>23</a:t>
+            </a:fld>
+            <a:endParaRPr lang="nb-NO"/>
+          </a:p>
+        </p:txBody>
+      </p:sp>
+    </p:spTree>
+    <p:extLst>
+      <p:ext uri="{BB962C8B-B14F-4D97-AF65-F5344CB8AC3E}">
+        <p14:creationId xmlns:p14="http://schemas.microsoft.com/office/powerpoint/2010/main" val="4067305941"/>
       </p:ext>
     </p:extLst>
   </p:cSld>
@@ -1839,11 +2009,7 @@
           <a:p>
             <a:r>
               <a:rPr lang="nb-NO" dirty="0" smtClean="0"/>
-              <a:t>Som</a:t>
-            </a:r>
-            <a:r>
-              <a:rPr lang="nb-NO" baseline="0" dirty="0" smtClean="0"/>
-              <a:t> et batteri. Jo mer vann, jo høyere trykk i slangen i bunnen, tilsvarende høyere spenning, og jo høyere trykk, jo mer vann kommer ut av slangen, tilsvarende strøm (ampere)</a:t>
+              <a:t>…eller lage noe annet moro</a:t>
             </a:r>
             <a:endParaRPr lang="nb-NO" dirty="0"/>
           </a:p>
@@ -1875,7 +2041,7 @@
     </p:spTree>
     <p:extLst>
       <p:ext uri="{BB962C8B-B14F-4D97-AF65-F5344CB8AC3E}">
-        <p14:creationId xmlns:p14="http://schemas.microsoft.com/office/powerpoint/2010/main" val="991391585"/>
+        <p14:creationId xmlns:p14="http://schemas.microsoft.com/office/powerpoint/2010/main" val="3691968092"/>
       </p:ext>
     </p:extLst>
   </p:cSld>
@@ -1929,15 +2095,221 @@
           <a:bodyPr/>
           <a:lstStyle/>
           <a:p>
-            <a:r>
-              <a:rPr lang="nb-NO" dirty="0" smtClean="0"/>
-              <a:t>Samme mengde vann</a:t>
-            </a:r>
-            <a:r>
-              <a:rPr lang="nb-NO" baseline="0" dirty="0" smtClean="0"/>
-              <a:t> gir samme trykk i slangen nederst, altså spenning, men med en større åpning, kommer mer strøm ut av tanken til venstre.</a:t>
-            </a:r>
-            <a:endParaRPr lang="nb-NO" dirty="0"/>
+            <a:pPr marL="171450" marR="0" lvl="1" indent="-171450" algn="l" defTabSz="914400" rtl="0" eaLnBrk="1" fontAlgn="auto" latinLnBrk="0" hangingPunct="1">
+              <a:lnSpc>
+                <a:spcPct val="100000"/>
+              </a:lnSpc>
+              <a:spcBef>
+                <a:spcPts val="0"/>
+              </a:spcBef>
+              <a:spcAft>
+                <a:spcPts val="0"/>
+              </a:spcAft>
+              <a:buClrTx/>
+              <a:buSzTx/>
+              <a:buFontTx/>
+              <a:buChar char="-"/>
+              <a:tabLst/>
+              <a:defRPr/>
+            </a:pPr>
+            <a:r>
+              <a:rPr lang="nb-NO" sz="1200" kern="1200" baseline="0" dirty="0" smtClean="0">
+                <a:solidFill>
+                  <a:schemeClr val="tx1"/>
+                </a:solidFill>
+                <a:effectLst/>
+                <a:latin typeface="+mn-lt"/>
+                <a:ea typeface="+mn-ea"/>
+                <a:cs typeface="+mn-cs"/>
+              </a:rPr>
+              <a:t>Innføring </a:t>
+            </a:r>
+            <a:r>
+              <a:rPr lang="nb-NO" sz="1200" kern="1200" baseline="0" dirty="0" smtClean="0">
+                <a:solidFill>
+                  <a:schemeClr val="tx1"/>
+                </a:solidFill>
+                <a:effectLst/>
+                <a:latin typeface="+mn-lt"/>
+                <a:ea typeface="+mn-ea"/>
+                <a:cs typeface="+mn-cs"/>
+              </a:rPr>
+              <a:t>i strøm og slikt -&gt; gå gjennom ting som strøm, spenning og motstand, inkl. ohms lov og hvordan man kan regne seg frem til de forskjellige</a:t>
+            </a:r>
+          </a:p>
+          <a:p>
+            <a:pPr marL="171450" marR="0" lvl="1" indent="-171450" algn="l" defTabSz="914400" rtl="0" eaLnBrk="1" fontAlgn="auto" latinLnBrk="0" hangingPunct="1">
+              <a:lnSpc>
+                <a:spcPct val="100000"/>
+              </a:lnSpc>
+              <a:spcBef>
+                <a:spcPts val="0"/>
+              </a:spcBef>
+              <a:spcAft>
+                <a:spcPts val="0"/>
+              </a:spcAft>
+              <a:buClrTx/>
+              <a:buSzTx/>
+              <a:buFontTx/>
+              <a:buChar char="-"/>
+              <a:tabLst/>
+              <a:defRPr/>
+            </a:pPr>
+            <a:r>
+              <a:rPr lang="nb-NO" sz="1200" kern="1200" baseline="0" dirty="0" smtClean="0">
+                <a:solidFill>
+                  <a:schemeClr val="tx1"/>
+                </a:solidFill>
+                <a:effectLst/>
+                <a:latin typeface="+mn-lt"/>
+                <a:ea typeface="+mn-ea"/>
+                <a:cs typeface="+mn-cs"/>
+              </a:rPr>
+              <a:t>Kretser -&gt; Hva er en elektrisk krets, forskjellige typer kretser, hvordan man tegner en krets</a:t>
+            </a:r>
+          </a:p>
+          <a:p>
+            <a:pPr marL="171450" marR="0" lvl="1" indent="-171450" algn="l" defTabSz="914400" rtl="0" eaLnBrk="1" fontAlgn="auto" latinLnBrk="0" hangingPunct="1">
+              <a:lnSpc>
+                <a:spcPct val="100000"/>
+              </a:lnSpc>
+              <a:spcBef>
+                <a:spcPts val="0"/>
+              </a:spcBef>
+              <a:spcAft>
+                <a:spcPts val="0"/>
+              </a:spcAft>
+              <a:buClrTx/>
+              <a:buSzTx/>
+              <a:buFontTx/>
+              <a:buChar char="-"/>
+              <a:tabLst/>
+              <a:defRPr/>
+            </a:pPr>
+            <a:r>
+              <a:rPr lang="nb-NO" sz="1200" kern="1200" baseline="0" dirty="0" err="1" smtClean="0">
+                <a:solidFill>
+                  <a:schemeClr val="tx1"/>
+                </a:solidFill>
+                <a:effectLst/>
+                <a:latin typeface="+mn-lt"/>
+                <a:ea typeface="+mn-ea"/>
+                <a:cs typeface="+mn-cs"/>
+              </a:rPr>
+              <a:t>Breadboard</a:t>
+            </a:r>
+            <a:r>
+              <a:rPr lang="nb-NO" sz="1200" kern="1200" baseline="0" dirty="0" smtClean="0">
+                <a:solidFill>
+                  <a:schemeClr val="tx1"/>
+                </a:solidFill>
+                <a:effectLst/>
+                <a:latin typeface="+mn-lt"/>
+                <a:ea typeface="+mn-ea"/>
+                <a:cs typeface="+mn-cs"/>
+              </a:rPr>
+              <a:t> -&gt; Hva er et </a:t>
+            </a:r>
+            <a:r>
+              <a:rPr lang="nb-NO" sz="1200" kern="1200" baseline="0" dirty="0" err="1" smtClean="0">
+                <a:solidFill>
+                  <a:schemeClr val="tx1"/>
+                </a:solidFill>
+                <a:effectLst/>
+                <a:latin typeface="+mn-lt"/>
+                <a:ea typeface="+mn-ea"/>
+                <a:cs typeface="+mn-cs"/>
+              </a:rPr>
+              <a:t>breadboard</a:t>
+            </a:r>
+            <a:r>
+              <a:rPr lang="nb-NO" sz="1200" kern="1200" baseline="0" dirty="0" smtClean="0">
+                <a:solidFill>
+                  <a:schemeClr val="tx1"/>
+                </a:solidFill>
+                <a:effectLst/>
+                <a:latin typeface="+mn-lt"/>
+                <a:ea typeface="+mn-ea"/>
+                <a:cs typeface="+mn-cs"/>
+              </a:rPr>
+              <a:t>? Hvordan bruker vi det?</a:t>
+            </a:r>
+          </a:p>
+          <a:p>
+            <a:pPr marL="171450" marR="0" lvl="1" indent="-171450" algn="l" defTabSz="914400" rtl="0" eaLnBrk="1" fontAlgn="auto" latinLnBrk="0" hangingPunct="1">
+              <a:lnSpc>
+                <a:spcPct val="100000"/>
+              </a:lnSpc>
+              <a:spcBef>
+                <a:spcPts val="0"/>
+              </a:spcBef>
+              <a:spcAft>
+                <a:spcPts val="0"/>
+              </a:spcAft>
+              <a:buClrTx/>
+              <a:buSzTx/>
+              <a:buFontTx/>
+              <a:buChar char="-"/>
+              <a:tabLst/>
+              <a:defRPr/>
+            </a:pPr>
+            <a:r>
+              <a:rPr lang="nb-NO" sz="1200" kern="1200" baseline="0" dirty="0" err="1" smtClean="0">
+                <a:solidFill>
+                  <a:schemeClr val="tx1"/>
+                </a:solidFill>
+                <a:effectLst/>
+                <a:latin typeface="+mn-lt"/>
+                <a:ea typeface="+mn-ea"/>
+                <a:cs typeface="+mn-cs"/>
+              </a:rPr>
+              <a:t>Arduino</a:t>
+            </a:r>
+            <a:r>
+              <a:rPr lang="nb-NO" sz="1200" kern="1200" baseline="0" dirty="0" smtClean="0">
+                <a:solidFill>
+                  <a:schemeClr val="tx1"/>
+                </a:solidFill>
+                <a:effectLst/>
+                <a:latin typeface="+mn-lt"/>
+                <a:ea typeface="+mn-ea"/>
+                <a:cs typeface="+mn-cs"/>
+              </a:rPr>
+              <a:t> -&gt; Kort om komponentene vår </a:t>
+            </a:r>
+            <a:r>
+              <a:rPr lang="nb-NO" sz="1200" kern="1200" baseline="0" dirty="0" err="1" smtClean="0">
+                <a:solidFill>
+                  <a:schemeClr val="tx1"/>
+                </a:solidFill>
+                <a:effectLst/>
+                <a:latin typeface="+mn-lt"/>
+                <a:ea typeface="+mn-ea"/>
+                <a:cs typeface="+mn-cs"/>
+              </a:rPr>
+              <a:t>Arduino</a:t>
+            </a:r>
+            <a:r>
+              <a:rPr lang="nb-NO" sz="1200" kern="1200" baseline="0" dirty="0" smtClean="0">
+                <a:solidFill>
+                  <a:schemeClr val="tx1"/>
+                </a:solidFill>
+                <a:effectLst/>
+                <a:latin typeface="+mn-lt"/>
+                <a:ea typeface="+mn-ea"/>
+                <a:cs typeface="+mn-cs"/>
+              </a:rPr>
+              <a:t> Uno består av, input og output og slikt</a:t>
+            </a:r>
+            <a:endParaRPr lang="nb-NO" sz="800" kern="1200" dirty="0" smtClean="0">
+              <a:solidFill>
+                <a:schemeClr val="tx1"/>
+              </a:solidFill>
+              <a:effectLst/>
+              <a:latin typeface="+mn-lt"/>
+              <a:ea typeface="+mn-ea"/>
+              <a:cs typeface="+mn-cs"/>
+            </a:endParaRPr>
           </a:p>
         </p:txBody>
       </p:sp>
@@ -1958,7 +2330,7 @@
           <a:p>
             <a:fld id="{8EEB3E16-4FD6-4D05-BF61-9D5522FF8233}" type="slidenum">
               <a:rPr lang="nb-NO" smtClean="0"/>
-              <a:t>6</a:t>
+              <a:t>7</a:t>
             </a:fld>
             <a:endParaRPr lang="nb-NO"/>
           </a:p>
@@ -1967,7 +2339,7 @@
     </p:spTree>
     <p:extLst>
       <p:ext uri="{BB962C8B-B14F-4D97-AF65-F5344CB8AC3E}">
-        <p14:creationId xmlns:p14="http://schemas.microsoft.com/office/powerpoint/2010/main" val="1639777105"/>
+        <p14:creationId xmlns:p14="http://schemas.microsoft.com/office/powerpoint/2010/main" val="1504841711"/>
       </p:ext>
     </p:extLst>
   </p:cSld>
@@ -2021,13 +2393,158 @@
           <a:bodyPr/>
           <a:lstStyle/>
           <a:p>
+            <a:pPr marL="171450" indent="-171450">
+              <a:buFontTx/>
+              <a:buChar char="-"/>
+            </a:pPr>
             <a:r>
               <a:rPr lang="nb-NO" dirty="0" smtClean="0"/>
-              <a:t>For å da</a:t>
+              <a:t>Volt -&gt; Potensialet</a:t>
             </a:r>
             <a:r>
               <a:rPr lang="nb-NO" baseline="0" dirty="0" smtClean="0"/>
-              <a:t> få lik mengde strøm ut av disse to tankene, må vi ha mer vann, altså høyere trykk i tanken med smalere slange.</a:t>
+              <a:t> en elektrisk ladning / forsyning har til å skape energi i et elektrisk felt. F.eks. 9 </a:t>
+            </a:r>
+            <a:r>
+              <a:rPr lang="nb-NO" baseline="0" dirty="0" err="1" smtClean="0"/>
+              <a:t>voltsbatteri</a:t>
+            </a:r>
+            <a:r>
+              <a:rPr lang="nb-NO" baseline="0" dirty="0" smtClean="0"/>
+              <a:t>, 220V i veggen. Disse verdiene blir oppgitt med et negativt ladet punkt / jording som referanse. Altså forskjellen i spenning mellom to punkter.</a:t>
+            </a:r>
+          </a:p>
+          <a:p>
+            <a:pPr marL="171450" indent="-171450">
+              <a:buFontTx/>
+              <a:buChar char="-"/>
+            </a:pPr>
+            <a:r>
+              <a:rPr lang="nb-NO" baseline="0" dirty="0" smtClean="0"/>
+              <a:t>Ampere -&gt; Mengden strøm i et visst punkt i en elektrisk krets. Definert som 6,241*10</a:t>
+            </a:r>
+            <a:r>
+              <a:rPr lang="nb-NO" baseline="30000" dirty="0" smtClean="0"/>
+              <a:t>18</a:t>
+            </a:r>
+            <a:r>
+              <a:rPr lang="nb-NO" baseline="0" dirty="0" smtClean="0"/>
+              <a:t> elektroner per sekund</a:t>
+            </a:r>
+            <a:r>
+              <a:rPr lang="nb-NO" baseline="0" dirty="0" smtClean="0"/>
+              <a:t>.</a:t>
+            </a:r>
+          </a:p>
+          <a:p>
+            <a:pPr marL="628650" lvl="1" indent="-171450">
+              <a:buFontTx/>
+              <a:buChar char="-"/>
+            </a:pPr>
+            <a:r>
+              <a:rPr lang="nb-NO" baseline="0" dirty="0" smtClean="0"/>
+              <a:t>Amperetimer (energimengde), oppladbare batterier blir ofte oppgitt i </a:t>
+            </a:r>
+            <a:r>
+              <a:rPr lang="nb-NO" baseline="0" dirty="0" err="1" smtClean="0"/>
+              <a:t>milliamperetimer</a:t>
+            </a:r>
+            <a:endParaRPr lang="nb-NO" baseline="0" dirty="0" smtClean="0"/>
+          </a:p>
+          <a:p>
+            <a:pPr marL="171450" marR="0" indent="-171450" algn="l" defTabSz="914400" rtl="0" eaLnBrk="1" fontAlgn="auto" latinLnBrk="0" hangingPunct="1">
+              <a:lnSpc>
+                <a:spcPct val="100000"/>
+              </a:lnSpc>
+              <a:spcBef>
+                <a:spcPts val="0"/>
+              </a:spcBef>
+              <a:spcAft>
+                <a:spcPts val="0"/>
+              </a:spcAft>
+              <a:buClrTx/>
+              <a:buSzTx/>
+              <a:buFontTx/>
+              <a:buChar char="-"/>
+              <a:tabLst/>
+              <a:defRPr/>
+            </a:pPr>
+            <a:r>
+              <a:rPr lang="nb-NO" dirty="0" smtClean="0"/>
+              <a:t>Watt -&gt; </a:t>
+            </a:r>
+            <a:r>
+              <a:rPr lang="nb-NO" dirty="0" smtClean="0"/>
+              <a:t>Måleenhet</a:t>
+            </a:r>
+            <a:r>
+              <a:rPr lang="nb-NO" baseline="0" dirty="0" smtClean="0"/>
+              <a:t> for energimengde (volt </a:t>
+            </a:r>
+            <a:r>
+              <a:rPr lang="nb-NO" baseline="0" dirty="0" smtClean="0"/>
+              <a:t>* ampere</a:t>
+            </a:r>
+            <a:r>
+              <a:rPr lang="nb-NO" baseline="0" dirty="0" smtClean="0"/>
+              <a:t>)</a:t>
+            </a:r>
+          </a:p>
+          <a:p>
+            <a:pPr marL="628650" marR="0" lvl="1" indent="-171450" algn="l" defTabSz="914400" rtl="0" eaLnBrk="1" fontAlgn="auto" latinLnBrk="0" hangingPunct="1">
+              <a:lnSpc>
+                <a:spcPct val="100000"/>
+              </a:lnSpc>
+              <a:spcBef>
+                <a:spcPts val="0"/>
+              </a:spcBef>
+              <a:spcAft>
+                <a:spcPts val="0"/>
+              </a:spcAft>
+              <a:buClrTx/>
+              <a:buSzTx/>
+              <a:buFontTx/>
+              <a:buChar char="-"/>
+              <a:tabLst/>
+              <a:defRPr/>
+            </a:pPr>
+            <a:r>
+              <a:rPr lang="nb-NO" baseline="0" dirty="0" smtClean="0"/>
+              <a:t>Leaf har batteri på 24kwh.</a:t>
+            </a:r>
+            <a:endParaRPr lang="nb-NO" baseline="0" dirty="0" smtClean="0"/>
+          </a:p>
+          <a:p>
+            <a:pPr marL="628650" marR="0" lvl="1" indent="-171450" algn="l" defTabSz="914400" rtl="0" eaLnBrk="1" fontAlgn="auto" latinLnBrk="0" hangingPunct="1">
+              <a:lnSpc>
+                <a:spcPct val="100000"/>
+              </a:lnSpc>
+              <a:spcBef>
+                <a:spcPts val="0"/>
+              </a:spcBef>
+              <a:spcAft>
+                <a:spcPts val="0"/>
+              </a:spcAft>
+              <a:buClrTx/>
+              <a:buSzTx/>
+              <a:buFontTx/>
+              <a:buChar char="-"/>
+              <a:tabLst/>
+              <a:defRPr/>
+            </a:pPr>
+            <a:r>
+              <a:rPr lang="nb-NO" baseline="0" dirty="0" smtClean="0"/>
+              <a:t>Jeg meldte f.eks. inn målerstanden hjemme i går, og hadde da brukt 1027kwh de siste tolv dager.</a:t>
+            </a:r>
+          </a:p>
+          <a:p>
+            <a:pPr marL="171450" indent="-171450">
+              <a:buFontTx/>
+              <a:buChar char="-"/>
+            </a:pPr>
+            <a:r>
+              <a:rPr lang="nb-NO" baseline="0" dirty="0" smtClean="0"/>
+              <a:t>Ohm -&gt; et stoffs evne til å motstå strøm</a:t>
             </a:r>
             <a:endParaRPr lang="nb-NO" dirty="0"/>
           </a:p>
@@ -2050,7 +2567,7 @@
           <a:p>
             <a:fld id="{8EEB3E16-4FD6-4D05-BF61-9D5522FF8233}" type="slidenum">
               <a:rPr lang="nb-NO" smtClean="0"/>
-              <a:t>7</a:t>
+              <a:t>8</a:t>
             </a:fld>
             <a:endParaRPr lang="nb-NO"/>
           </a:p>
@@ -2059,7 +2576,7 @@
     </p:spTree>
     <p:extLst>
       <p:ext uri="{BB962C8B-B14F-4D97-AF65-F5344CB8AC3E}">
-        <p14:creationId xmlns:p14="http://schemas.microsoft.com/office/powerpoint/2010/main" val="3956010413"/>
+        <p14:creationId xmlns:p14="http://schemas.microsoft.com/office/powerpoint/2010/main" val="3696154023"/>
       </p:ext>
     </p:extLst>
   </p:cSld>
@@ -2115,31 +2632,11 @@
           <a:p>
             <a:r>
               <a:rPr lang="nb-NO" dirty="0" smtClean="0"/>
-              <a:t>Jo smalere slange,</a:t>
+              <a:t>Som</a:t>
             </a:r>
             <a:r>
               <a:rPr lang="nb-NO" baseline="0" dirty="0" smtClean="0"/>
-              <a:t> jo høyere motstand, jo mindre vann kommer gjennom. Høyer trykk, dvs. spenning, motvirker.</a:t>
-            </a:r>
-          </a:p>
-          <a:p>
-            <a:r>
-              <a:rPr lang="nb-NO" baseline="0" dirty="0" smtClean="0"/>
-              <a:t>Georg Ohm var en tysk matematiker og fysiker som definerte det som ble kjent som Ohms lov (TEGNE!) = V = I * R </a:t>
-            </a:r>
-            <a:r>
-              <a:rPr lang="nb-NO" baseline="0" dirty="0" smtClean="0">
-                <a:sym typeface="Wingdings" panose="05000000000000000000" pitchFamily="2" charset="2"/>
-              </a:rPr>
-              <a:t> I = V/R  R = V/I. 1V = 1A * 1Ω</a:t>
-            </a:r>
-          </a:p>
-          <a:p>
-            <a:r>
-              <a:rPr lang="nb-NO" baseline="0" dirty="0" smtClean="0">
-                <a:sym typeface="Wingdings" panose="05000000000000000000" pitchFamily="2" charset="2"/>
-              </a:rPr>
-              <a:t>Altså Volt = Ampere * Ohm spenning = strøm * motstand</a:t>
+              <a:t> et batteri. Jo mer vann, jo høyere trykk i slangen i bunnen, tilsvarende høyere spenning, og jo høyere trykk, jo mer vann kommer ut av slangen, tilsvarende strøm (ampere)</a:t>
             </a:r>
             <a:endParaRPr lang="nb-NO" dirty="0"/>
           </a:p>
@@ -2162,7 +2659,7 @@
           <a:p>
             <a:fld id="{8EEB3E16-4FD6-4D05-BF61-9D5522FF8233}" type="slidenum">
               <a:rPr lang="nb-NO" smtClean="0"/>
-              <a:t>8</a:t>
+              <a:t>9</a:t>
             </a:fld>
             <a:endParaRPr lang="nb-NO"/>
           </a:p>
@@ -2171,7 +2668,7 @@
     </p:spTree>
     <p:extLst>
       <p:ext uri="{BB962C8B-B14F-4D97-AF65-F5344CB8AC3E}">
-        <p14:creationId xmlns:p14="http://schemas.microsoft.com/office/powerpoint/2010/main" val="67078760"/>
+        <p14:creationId xmlns:p14="http://schemas.microsoft.com/office/powerpoint/2010/main" val="991391585"/>
       </p:ext>
     </p:extLst>
   </p:cSld>
@@ -2227,37 +2724,11 @@
           <a:p>
             <a:r>
               <a:rPr lang="nb-NO" dirty="0" smtClean="0"/>
-              <a:t>Oversatt</a:t>
+              <a:t>Samme mengde vann</a:t>
             </a:r>
             <a:r>
               <a:rPr lang="nb-NO" baseline="0" dirty="0" smtClean="0"/>
-              <a:t> til vanntankanalogien vår. TEGNE: 1V * </a:t>
-            </a:r>
-            <a:r>
-              <a:rPr lang="nb-NO" baseline="0" dirty="0" err="1" smtClean="0"/>
-              <a:t>xA</a:t>
-            </a:r>
-            <a:r>
-              <a:rPr lang="nb-NO" baseline="0" dirty="0" smtClean="0"/>
-              <a:t> * 2Ω </a:t>
-            </a:r>
-            <a:r>
-              <a:rPr lang="nb-NO" baseline="0" dirty="0" smtClean="0">
-                <a:sym typeface="Wingdings" panose="05000000000000000000" pitchFamily="2" charset="2"/>
-              </a:rPr>
-              <a:t> </a:t>
-            </a:r>
-            <a:r>
-              <a:rPr lang="nb-NO" baseline="0" dirty="0" err="1" smtClean="0">
-                <a:sym typeface="Wingdings" panose="05000000000000000000" pitchFamily="2" charset="2"/>
-              </a:rPr>
-              <a:t>xA</a:t>
-            </a:r>
-            <a:r>
-              <a:rPr lang="nb-NO" baseline="0" dirty="0" smtClean="0">
-                <a:sym typeface="Wingdings" panose="05000000000000000000" pitchFamily="2" charset="2"/>
-              </a:rPr>
-              <a:t> = 1V / 2Ω</a:t>
+              <a:t> gir samme trykk i slangen nederst, altså spenning, men med en større åpning, kommer mer strøm ut av tanken til venstre.</a:t>
             </a:r>
             <a:endParaRPr lang="nb-NO" dirty="0"/>
           </a:p>
@@ -2280,7 +2751,7 @@
           <a:p>
             <a:fld id="{8EEB3E16-4FD6-4D05-BF61-9D5522FF8233}" type="slidenum">
               <a:rPr lang="nb-NO" smtClean="0"/>
-              <a:t>9</a:t>
+              <a:t>10</a:t>
             </a:fld>
             <a:endParaRPr lang="nb-NO"/>
           </a:p>
@@ -2289,7 +2760,7 @@
     </p:spTree>
     <p:extLst>
       <p:ext uri="{BB962C8B-B14F-4D97-AF65-F5344CB8AC3E}">
-        <p14:creationId xmlns:p14="http://schemas.microsoft.com/office/powerpoint/2010/main" val="2080682984"/>
+        <p14:creationId xmlns:p14="http://schemas.microsoft.com/office/powerpoint/2010/main" val="1639777105"/>
       </p:ext>
     </p:extLst>
   </p:cSld>
@@ -2345,25 +2816,11 @@
           <a:p>
             <a:r>
               <a:rPr lang="nb-NO" dirty="0" smtClean="0"/>
-              <a:t>Få</a:t>
+              <a:t>For å da</a:t>
             </a:r>
             <a:r>
               <a:rPr lang="nb-NO" baseline="0" dirty="0" smtClean="0"/>
-              <a:t> en LED til å lyse ved å koble den til en </a:t>
-            </a:r>
-            <a:r>
-              <a:rPr lang="nb-NO" baseline="0" dirty="0" err="1" smtClean="0"/>
-              <a:t>Arduino</a:t>
-            </a:r>
-            <a:r>
-              <a:rPr lang="nb-NO" baseline="0" dirty="0" smtClean="0"/>
-              <a:t>. Bare vise ligningen. Spenning = Motstand * Strøm </a:t>
-            </a:r>
-            <a:r>
-              <a:rPr lang="nb-NO" baseline="0" dirty="0" smtClean="0">
-                <a:sym typeface="Wingdings" panose="05000000000000000000" pitchFamily="2" charset="2"/>
-              </a:rPr>
-              <a:t> Motstand = Spenning / Strøm  5V / 0.018A = 277,8Ω. Må altså bruke 1k Ω, ev, 2x 220Ω seriekoblet. Bytte til 3V-utgang, 166,7Ω</a:t>
+              <a:t> få lik mengde strøm ut av disse to tankene, må vi ha mer vann, altså høyere trykk i tanken med smalere slange.</a:t>
             </a:r>
             <a:endParaRPr lang="nb-NO" dirty="0"/>
           </a:p>
@@ -2386,7 +2843,7 @@
           <a:p>
             <a:fld id="{8EEB3E16-4FD6-4D05-BF61-9D5522FF8233}" type="slidenum">
               <a:rPr lang="nb-NO" smtClean="0"/>
-              <a:t>10</a:t>
+              <a:t>11</a:t>
             </a:fld>
             <a:endParaRPr lang="nb-NO"/>
           </a:p>
@@ -2395,7 +2852,7 @@
     </p:spTree>
     <p:extLst>
       <p:ext uri="{BB962C8B-B14F-4D97-AF65-F5344CB8AC3E}">
-        <p14:creationId xmlns:p14="http://schemas.microsoft.com/office/powerpoint/2010/main" val="3368038656"/>
+        <p14:creationId xmlns:p14="http://schemas.microsoft.com/office/powerpoint/2010/main" val="3956010413"/>
       </p:ext>
     </p:extLst>
   </p:cSld>
@@ -2449,6 +2906,34 @@
           <a:bodyPr/>
           <a:lstStyle/>
           <a:p>
+            <a:r>
+              <a:rPr lang="nb-NO" dirty="0" smtClean="0"/>
+              <a:t>Jo smalere slange,</a:t>
+            </a:r>
+            <a:r>
+              <a:rPr lang="nb-NO" baseline="0" dirty="0" smtClean="0"/>
+              <a:t> jo høyere motstand, jo mindre vann kommer gjennom. Høyer trykk, dvs. spenning, motvirker.</a:t>
+            </a:r>
+          </a:p>
+          <a:p>
+            <a:r>
+              <a:rPr lang="nb-NO" baseline="0" dirty="0" smtClean="0"/>
+              <a:t>Georg Ohm var en tysk matematiker og fysiker som definerte det som ble kjent som Ohms lov (TEGNE!) = V = I * R </a:t>
+            </a:r>
+            <a:r>
+              <a:rPr lang="nb-NO" baseline="0" dirty="0" smtClean="0">
+                <a:sym typeface="Wingdings" panose="05000000000000000000" pitchFamily="2" charset="2"/>
+              </a:rPr>
+              <a:t> I = V/R  R = V/I. 1V = 1A * 1Ω</a:t>
+            </a:r>
+          </a:p>
+          <a:p>
+            <a:r>
+              <a:rPr lang="nb-NO" baseline="0" dirty="0" smtClean="0">
+                <a:sym typeface="Wingdings" panose="05000000000000000000" pitchFamily="2" charset="2"/>
+              </a:rPr>
+              <a:t>Altså Volt = Ampere * Ohm spenning = strøm * motstand</a:t>
+            </a:r>
             <a:endParaRPr lang="nb-NO" dirty="0"/>
           </a:p>
         </p:txBody>
@@ -2470,7 +2955,7 @@
           <a:p>
             <a:fld id="{8EEB3E16-4FD6-4D05-BF61-9D5522FF8233}" type="slidenum">
               <a:rPr lang="nb-NO" smtClean="0"/>
-              <a:t>11</a:t>
+              <a:t>12</a:t>
             </a:fld>
             <a:endParaRPr lang="nb-NO"/>
           </a:p>
@@ -2479,7 +2964,7 @@
     </p:spTree>
     <p:extLst>
       <p:ext uri="{BB962C8B-B14F-4D97-AF65-F5344CB8AC3E}">
-        <p14:creationId xmlns:p14="http://schemas.microsoft.com/office/powerpoint/2010/main" val="3661334898"/>
+        <p14:creationId xmlns:p14="http://schemas.microsoft.com/office/powerpoint/2010/main" val="67078760"/>
       </p:ext>
     </p:extLst>
   </p:cSld>
@@ -2620,7 +3105,7 @@
           <a:p>
             <a:fld id="{2F9E49A8-3045-41A6-8CC2-689B62FE881E}" type="datetimeFigureOut">
               <a:rPr lang="nb-NO" smtClean="0"/>
-              <a:t>23.02.2016</a:t>
+              <a:t>25.02.2016</a:t>
             </a:fld>
             <a:endParaRPr lang="nb-NO"/>
           </a:p>
@@ -2790,7 +3275,7 @@
           <a:p>
             <a:fld id="{2F9E49A8-3045-41A6-8CC2-689B62FE881E}" type="datetimeFigureOut">
               <a:rPr lang="nb-NO" smtClean="0"/>
-              <a:t>23.02.2016</a:t>
+              <a:t>25.02.2016</a:t>
             </a:fld>
             <a:endParaRPr lang="nb-NO"/>
           </a:p>
@@ -2970,7 +3455,7 @@
           <a:p>
             <a:fld id="{2F9E49A8-3045-41A6-8CC2-689B62FE881E}" type="datetimeFigureOut">
               <a:rPr lang="nb-NO" smtClean="0"/>
-              <a:t>23.02.2016</a:t>
+              <a:t>25.02.2016</a:t>
             </a:fld>
             <a:endParaRPr lang="nb-NO"/>
           </a:p>
@@ -3140,7 +3625,7 @@
           <a:p>
             <a:fld id="{2F9E49A8-3045-41A6-8CC2-689B62FE881E}" type="datetimeFigureOut">
               <a:rPr lang="nb-NO" smtClean="0"/>
-              <a:t>23.02.2016</a:t>
+              <a:t>25.02.2016</a:t>
             </a:fld>
             <a:endParaRPr lang="nb-NO"/>
           </a:p>
@@ -3386,7 +3871,7 @@
           <a:p>
             <a:fld id="{2F9E49A8-3045-41A6-8CC2-689B62FE881E}" type="datetimeFigureOut">
               <a:rPr lang="nb-NO" smtClean="0"/>
-              <a:t>23.02.2016</a:t>
+              <a:t>25.02.2016</a:t>
             </a:fld>
             <a:endParaRPr lang="nb-NO"/>
           </a:p>
@@ -3618,7 +4103,7 @@
           <a:p>
             <a:fld id="{2F9E49A8-3045-41A6-8CC2-689B62FE881E}" type="datetimeFigureOut">
               <a:rPr lang="nb-NO" smtClean="0"/>
-              <a:t>23.02.2016</a:t>
+              <a:t>25.02.2016</a:t>
             </a:fld>
             <a:endParaRPr lang="nb-NO"/>
           </a:p>
@@ -3985,7 +4470,7 @@
           <a:p>
             <a:fld id="{2F9E49A8-3045-41A6-8CC2-689B62FE881E}" type="datetimeFigureOut">
               <a:rPr lang="nb-NO" smtClean="0"/>
-              <a:t>23.02.2016</a:t>
+              <a:t>25.02.2016</a:t>
             </a:fld>
             <a:endParaRPr lang="nb-NO"/>
           </a:p>
@@ -4103,7 +4588,7 @@
           <a:p>
             <a:fld id="{2F9E49A8-3045-41A6-8CC2-689B62FE881E}" type="datetimeFigureOut">
               <a:rPr lang="nb-NO" smtClean="0"/>
-              <a:t>23.02.2016</a:t>
+              <a:t>25.02.2016</a:t>
             </a:fld>
             <a:endParaRPr lang="nb-NO"/>
           </a:p>
@@ -4198,7 +4683,7 @@
           <a:p>
             <a:fld id="{2F9E49A8-3045-41A6-8CC2-689B62FE881E}" type="datetimeFigureOut">
               <a:rPr lang="nb-NO" smtClean="0"/>
-              <a:t>23.02.2016</a:t>
+              <a:t>25.02.2016</a:t>
             </a:fld>
             <a:endParaRPr lang="nb-NO"/>
           </a:p>
@@ -4475,7 +4960,7 @@
           <a:p>
             <a:fld id="{2F9E49A8-3045-41A6-8CC2-689B62FE881E}" type="datetimeFigureOut">
               <a:rPr lang="nb-NO" smtClean="0"/>
-              <a:t>23.02.2016</a:t>
+              <a:t>25.02.2016</a:t>
             </a:fld>
             <a:endParaRPr lang="nb-NO"/>
           </a:p>
@@ -4728,7 +5213,7 @@
           <a:p>
             <a:fld id="{2F9E49A8-3045-41A6-8CC2-689B62FE881E}" type="datetimeFigureOut">
               <a:rPr lang="nb-NO" smtClean="0"/>
-              <a:t>23.02.2016</a:t>
+              <a:t>25.02.2016</a:t>
             </a:fld>
             <a:endParaRPr lang="nb-NO"/>
           </a:p>
@@ -4941,7 +5426,7 @@
           <a:p>
             <a:fld id="{2F9E49A8-3045-41A6-8CC2-689B62FE881E}" type="datetimeFigureOut">
               <a:rPr lang="nb-NO" smtClean="0"/>
-              <a:t>23.02.2016</a:t>
+              <a:t>25.02.2016</a:t>
             </a:fld>
             <a:endParaRPr lang="nb-NO"/>
           </a:p>
@@ -5346,1987 +5831,27 @@
           <a:chExt cx="0" cy="0"/>
         </a:xfrm>
       </p:grpSpPr>
-      <p:sp>
-        <p:nvSpPr>
-          <p:cNvPr id="2" name="Title 1"/>
-          <p:cNvSpPr>
-            <a:spLocks noGrp="1"/>
-          </p:cNvSpPr>
-          <p:nvPr>
-            <p:ph type="ctrTitle"/>
-          </p:nvPr>
-        </p:nvSpPr>
-        <p:spPr/>
-        <p:txBody>
-          <a:bodyPr/>
-          <a:lstStyle/>
-          <a:p>
-            <a:r>
-              <a:rPr lang="nb-NO" dirty="0" smtClean="0"/>
-              <a:t>Grunnkurs elektro</a:t>
-            </a:r>
-            <a:endParaRPr lang="nb-NO" dirty="0"/>
-          </a:p>
-        </p:txBody>
-      </p:sp>
-      <p:sp>
-        <p:nvSpPr>
-          <p:cNvPr id="3" name="Subtitle 2"/>
-          <p:cNvSpPr>
-            <a:spLocks noGrp="1"/>
-          </p:cNvSpPr>
-          <p:nvPr>
-            <p:ph type="subTitle" idx="1"/>
-          </p:nvPr>
-        </p:nvSpPr>
-        <p:spPr/>
-        <p:txBody>
-          <a:bodyPr/>
-          <a:lstStyle/>
-          <a:p>
-            <a:endParaRPr lang="nb-NO"/>
-          </a:p>
-        </p:txBody>
-      </p:sp>
     </p:spTree>
     <p:extLst>
       <p:ext uri="{BB962C8B-B14F-4D97-AF65-F5344CB8AC3E}">
-        <p14:creationId xmlns:p14="http://schemas.microsoft.com/office/powerpoint/2010/main" val="1959985795"/>
+        <p14:creationId xmlns:p14="http://schemas.microsoft.com/office/powerpoint/2010/main" val="2265380045"/>
       </p:ext>
     </p:extLst>
   </p:cSld>
   <p:clrMapOvr>
     <a:masterClrMapping/>
   </p:clrMapOvr>
+  <p:timing>
+    <p:tnLst>
+      <p:par>
+        <p:cTn id="1" dur="indefinite" restart="never" nodeType="tmRoot"/>
+      </p:par>
+    </p:tnLst>
+  </p:timing>
 </p:sld>
 </file>
 
 <file path=ppt/slides/slide10.xml><?xml version="1.0" encoding="utf-8"?>
-<p:sld xmlns:a="http://schemas.openxmlformats.org/drawingml/2006/main" xmlns:r="http://schemas.openxmlformats.org/officeDocument/2006/relationships" xmlns:p="http://schemas.openxmlformats.org/presentationml/2006/main">
-  <p:cSld>
-    <p:spTree>
-      <p:nvGrpSpPr>
-        <p:cNvPr id="1" name=""/>
-        <p:cNvGrpSpPr/>
-        <p:nvPr/>
-      </p:nvGrpSpPr>
-      <p:grpSpPr>
-        <a:xfrm>
-          <a:off x="0" y="0"/>
-          <a:ext cx="0" cy="0"/>
-          <a:chOff x="0" y="0"/>
-          <a:chExt cx="0" cy="0"/>
-        </a:xfrm>
-      </p:grpSpPr>
-      <p:sp>
-        <p:nvSpPr>
-          <p:cNvPr id="2" name="Title 1"/>
-          <p:cNvSpPr>
-            <a:spLocks noGrp="1"/>
-          </p:cNvSpPr>
-          <p:nvPr>
-            <p:ph type="title"/>
-          </p:nvPr>
-        </p:nvSpPr>
-        <p:spPr/>
-        <p:txBody>
-          <a:bodyPr/>
-          <a:lstStyle/>
-          <a:p>
-            <a:r>
-              <a:rPr lang="nb-NO" dirty="0" smtClean="0"/>
-              <a:t>Innføring i strøm og slikt</a:t>
-            </a:r>
-            <a:endParaRPr lang="nb-NO" dirty="0"/>
-          </a:p>
-        </p:txBody>
-      </p:sp>
-      <p:sp>
-        <p:nvSpPr>
-          <p:cNvPr id="3" name="Content Placeholder 2"/>
-          <p:cNvSpPr>
-            <a:spLocks noGrp="1"/>
-          </p:cNvSpPr>
-          <p:nvPr>
-            <p:ph idx="1"/>
-          </p:nvPr>
-        </p:nvSpPr>
-        <p:spPr/>
-        <p:txBody>
-          <a:bodyPr/>
-          <a:lstStyle/>
-          <a:p>
-            <a:r>
-              <a:rPr lang="nb-NO" dirty="0" smtClean="0"/>
-              <a:t>Eksempel: LED-pære</a:t>
-            </a:r>
-            <a:endParaRPr lang="nb-NO" dirty="0"/>
-          </a:p>
-        </p:txBody>
-      </p:sp>
-    </p:spTree>
-    <p:extLst>
-      <p:ext uri="{BB962C8B-B14F-4D97-AF65-F5344CB8AC3E}">
-        <p14:creationId xmlns:p14="http://schemas.microsoft.com/office/powerpoint/2010/main" val="1319356786"/>
-      </p:ext>
-    </p:extLst>
-  </p:cSld>
-  <p:clrMapOvr>
-    <a:masterClrMapping/>
-  </p:clrMapOvr>
-</p:sld>
-</file>
-
-<file path=ppt/slides/slide11.xml><?xml version="1.0" encoding="utf-8"?>
-<p:sld xmlns:a="http://schemas.openxmlformats.org/drawingml/2006/main" xmlns:r="http://schemas.openxmlformats.org/officeDocument/2006/relationships" xmlns:p="http://schemas.openxmlformats.org/presentationml/2006/main">
-  <p:cSld>
-    <p:spTree>
-      <p:nvGrpSpPr>
-        <p:cNvPr id="1" name=""/>
-        <p:cNvGrpSpPr/>
-        <p:nvPr/>
-      </p:nvGrpSpPr>
-      <p:grpSpPr>
-        <a:xfrm>
-          <a:off x="0" y="0"/>
-          <a:ext cx="0" cy="0"/>
-          <a:chOff x="0" y="0"/>
-          <a:chExt cx="0" cy="0"/>
-        </a:xfrm>
-      </p:grpSpPr>
-      <p:sp>
-        <p:nvSpPr>
-          <p:cNvPr id="2" name="Title 1"/>
-          <p:cNvSpPr>
-            <a:spLocks noGrp="1"/>
-          </p:cNvSpPr>
-          <p:nvPr>
-            <p:ph type="title"/>
-          </p:nvPr>
-        </p:nvSpPr>
-        <p:spPr/>
-        <p:txBody>
-          <a:bodyPr/>
-          <a:lstStyle/>
-          <a:p>
-            <a:r>
-              <a:rPr lang="nb-NO" dirty="0" smtClean="0"/>
-              <a:t>Innføring i strøm og slikt</a:t>
-            </a:r>
-            <a:endParaRPr lang="nb-NO" dirty="0"/>
-          </a:p>
-        </p:txBody>
-      </p:sp>
-      <p:sp>
-        <p:nvSpPr>
-          <p:cNvPr id="3" name="Content Placeholder 2"/>
-          <p:cNvSpPr>
-            <a:spLocks noGrp="1"/>
-          </p:cNvSpPr>
-          <p:nvPr>
-            <p:ph idx="1"/>
-          </p:nvPr>
-        </p:nvSpPr>
-        <p:spPr>
-          <a:xfrm>
-            <a:off x="838200" y="1374363"/>
-            <a:ext cx="7723909" cy="917575"/>
-          </a:xfrm>
-        </p:spPr>
-        <p:txBody>
-          <a:bodyPr>
-            <a:normAutofit/>
-          </a:bodyPr>
-          <a:lstStyle/>
-          <a:p>
-            <a:r>
-              <a:rPr lang="nb-NO" dirty="0" err="1" smtClean="0"/>
-              <a:t>Resistorverdier</a:t>
-            </a:r>
-            <a:r>
-              <a:rPr lang="nb-NO" dirty="0"/>
-              <a:t> - </a:t>
-            </a:r>
-            <a:r>
-              <a:rPr lang="nb-NO" sz="2000" dirty="0"/>
-              <a:t>http://www.ladyada.net/images/metertutorial/rescolorcode.jpg</a:t>
-            </a:r>
-            <a:endParaRPr lang="nb-NO" sz="2400" dirty="0"/>
-          </a:p>
-        </p:txBody>
-      </p:sp>
-      <p:pic>
-        <p:nvPicPr>
-          <p:cNvPr id="6146" name="Picture 2" descr="http://www.ladyada.net/images/metertutorial/rescolorcode.jpg"/>
-          <p:cNvPicPr>
-            <a:picLocks noChangeAspect="1" noChangeArrowheads="1"/>
-          </p:cNvPicPr>
-          <p:nvPr/>
-        </p:nvPicPr>
-        <p:blipFill>
-          <a:blip r:embed="rId3">
-            <a:extLst>
-              <a:ext uri="{28A0092B-C50C-407E-A947-70E740481C1C}">
-                <a14:useLocalDpi xmlns:a14="http://schemas.microsoft.com/office/drawing/2010/main" val="0"/>
-              </a:ext>
-            </a:extLst>
-          </a:blip>
-          <a:srcRect/>
-          <a:stretch>
-            <a:fillRect/>
-          </a:stretch>
-        </p:blipFill>
-        <p:spPr bwMode="auto">
-          <a:xfrm>
-            <a:off x="8245759" y="773890"/>
-            <a:ext cx="3795821" cy="5947544"/>
-          </a:xfrm>
-          <a:prstGeom prst="rect">
-            <a:avLst/>
-          </a:prstGeom>
-          <a:noFill/>
-          <a:extLst>
-            <a:ext uri="{909E8E84-426E-40DD-AFC4-6F175D3DCCD1}">
-              <a14:hiddenFill xmlns:a14="http://schemas.microsoft.com/office/drawing/2010/main">
-                <a:solidFill>
-                  <a:srgbClr val="FFFFFF"/>
-                </a:solidFill>
-              </a14:hiddenFill>
-            </a:ext>
-          </a:extLst>
-        </p:spPr>
-      </p:pic>
-      <p:pic>
-        <p:nvPicPr>
-          <p:cNvPr id="6150" name="Picture 6" descr="https://s-media-cache-ak0.pinimg.com/736x/bf/97/84/bf9784c8faf8693a35b4034d94c2af90.jpg"/>
-          <p:cNvPicPr>
-            <a:picLocks noChangeAspect="1" noChangeArrowheads="1"/>
-          </p:cNvPicPr>
-          <p:nvPr/>
-        </p:nvPicPr>
-        <p:blipFill>
-          <a:blip r:embed="rId4">
-            <a:extLst>
-              <a:ext uri="{28A0092B-C50C-407E-A947-70E740481C1C}">
-                <a14:useLocalDpi xmlns:a14="http://schemas.microsoft.com/office/drawing/2010/main" val="0"/>
-              </a:ext>
-            </a:extLst>
-          </a:blip>
-          <a:srcRect/>
-          <a:stretch>
-            <a:fillRect/>
-          </a:stretch>
-        </p:blipFill>
-        <p:spPr bwMode="auto">
-          <a:xfrm>
-            <a:off x="618711" y="2592062"/>
-            <a:ext cx="3356620" cy="1440000"/>
-          </a:xfrm>
-          <a:prstGeom prst="rect">
-            <a:avLst/>
-          </a:prstGeom>
-          <a:noFill/>
-          <a:extLst>
-            <a:ext uri="{909E8E84-426E-40DD-AFC4-6F175D3DCCD1}">
-              <a14:hiddenFill xmlns:a14="http://schemas.microsoft.com/office/drawing/2010/main">
-                <a:solidFill>
-                  <a:srgbClr val="FFFFFF"/>
-                </a:solidFill>
-              </a14:hiddenFill>
-            </a:ext>
-          </a:extLst>
-        </p:spPr>
-      </p:pic>
-      <p:pic>
-        <p:nvPicPr>
-          <p:cNvPr id="6152" name="Picture 8" descr="http://iamtechnical.com/sites/default/files/1k-ohm-resistor-color-code.jpg"/>
-          <p:cNvPicPr>
-            <a:picLocks noChangeAspect="1" noChangeArrowheads="1"/>
-          </p:cNvPicPr>
-          <p:nvPr/>
-        </p:nvPicPr>
-        <p:blipFill>
-          <a:blip r:embed="rId5">
-            <a:extLst>
-              <a:ext uri="{28A0092B-C50C-407E-A947-70E740481C1C}">
-                <a14:useLocalDpi xmlns:a14="http://schemas.microsoft.com/office/drawing/2010/main" val="0"/>
-              </a:ext>
-            </a:extLst>
-          </a:blip>
-          <a:srcRect/>
-          <a:stretch>
-            <a:fillRect/>
-          </a:stretch>
-        </p:blipFill>
-        <p:spPr bwMode="auto">
-          <a:xfrm>
-            <a:off x="4440251" y="2581176"/>
-            <a:ext cx="3311497" cy="1440000"/>
-          </a:xfrm>
-          <a:prstGeom prst="rect">
-            <a:avLst/>
-          </a:prstGeom>
-          <a:noFill/>
-          <a:extLst>
-            <a:ext uri="{909E8E84-426E-40DD-AFC4-6F175D3DCCD1}">
-              <a14:hiddenFill xmlns:a14="http://schemas.microsoft.com/office/drawing/2010/main">
-                <a:solidFill>
-                  <a:srgbClr val="FFFFFF"/>
-                </a:solidFill>
-              </a14:hiddenFill>
-            </a:ext>
-          </a:extLst>
-        </p:spPr>
-      </p:pic>
-      <p:pic>
-        <p:nvPicPr>
-          <p:cNvPr id="6154" name="Picture 10" descr="http://iamtechnical.com/sites/default/files/10k-ohm-resistor-color-code.jpg"/>
-          <p:cNvPicPr>
-            <a:picLocks noChangeAspect="1" noChangeArrowheads="1"/>
-          </p:cNvPicPr>
-          <p:nvPr/>
-        </p:nvPicPr>
-        <p:blipFill>
-          <a:blip r:embed="rId6">
-            <a:extLst>
-              <a:ext uri="{28A0092B-C50C-407E-A947-70E740481C1C}">
-                <a14:useLocalDpi xmlns:a14="http://schemas.microsoft.com/office/drawing/2010/main" val="0"/>
-              </a:ext>
-            </a:extLst>
-          </a:blip>
-          <a:srcRect/>
-          <a:stretch>
-            <a:fillRect/>
-          </a:stretch>
-        </p:blipFill>
-        <p:spPr bwMode="auto">
-          <a:xfrm>
-            <a:off x="2509338" y="4882712"/>
-            <a:ext cx="3321930" cy="1440000"/>
-          </a:xfrm>
-          <a:prstGeom prst="rect">
-            <a:avLst/>
-          </a:prstGeom>
-          <a:noFill/>
-          <a:extLst>
-            <a:ext uri="{909E8E84-426E-40DD-AFC4-6F175D3DCCD1}">
-              <a14:hiddenFill xmlns:a14="http://schemas.microsoft.com/office/drawing/2010/main">
-                <a:solidFill>
-                  <a:srgbClr val="FFFFFF"/>
-                </a:solidFill>
-              </a14:hiddenFill>
-            </a:ext>
-          </a:extLst>
-        </p:spPr>
-      </p:pic>
-    </p:spTree>
-    <p:extLst>
-      <p:ext uri="{BB962C8B-B14F-4D97-AF65-F5344CB8AC3E}">
-        <p14:creationId xmlns:p14="http://schemas.microsoft.com/office/powerpoint/2010/main" val="1460757533"/>
-      </p:ext>
-    </p:extLst>
-  </p:cSld>
-  <p:clrMapOvr>
-    <a:masterClrMapping/>
-  </p:clrMapOvr>
-</p:sld>
-</file>
-
-<file path=ppt/slides/slide12.xml><?xml version="1.0" encoding="utf-8"?>
-<p:sld xmlns:a="http://schemas.openxmlformats.org/drawingml/2006/main" xmlns:r="http://schemas.openxmlformats.org/officeDocument/2006/relationships" xmlns:p="http://schemas.openxmlformats.org/presentationml/2006/main">
-  <p:cSld>
-    <p:spTree>
-      <p:nvGrpSpPr>
-        <p:cNvPr id="1" name=""/>
-        <p:cNvGrpSpPr/>
-        <p:nvPr/>
-      </p:nvGrpSpPr>
-      <p:grpSpPr>
-        <a:xfrm>
-          <a:off x="0" y="0"/>
-          <a:ext cx="0" cy="0"/>
-          <a:chOff x="0" y="0"/>
-          <a:chExt cx="0" cy="0"/>
-        </a:xfrm>
-      </p:grpSpPr>
-      <p:sp>
-        <p:nvSpPr>
-          <p:cNvPr id="2" name="Title 1"/>
-          <p:cNvSpPr>
-            <a:spLocks noGrp="1"/>
-          </p:cNvSpPr>
-          <p:nvPr>
-            <p:ph type="title"/>
-          </p:nvPr>
-        </p:nvSpPr>
-        <p:spPr/>
-        <p:txBody>
-          <a:bodyPr/>
-          <a:lstStyle/>
-          <a:p>
-            <a:r>
-              <a:rPr lang="nb-NO" dirty="0" smtClean="0"/>
-              <a:t>Innføring i strøm og slikt</a:t>
-            </a:r>
-            <a:endParaRPr lang="nb-NO" dirty="0"/>
-          </a:p>
-        </p:txBody>
-      </p:sp>
-      <p:sp>
-        <p:nvSpPr>
-          <p:cNvPr id="4" name="TextBox 3"/>
-          <p:cNvSpPr txBox="1"/>
-          <p:nvPr/>
-        </p:nvSpPr>
-        <p:spPr>
-          <a:xfrm>
-            <a:off x="1789889" y="1857983"/>
-            <a:ext cx="184731" cy="369332"/>
-          </a:xfrm>
-          <a:prstGeom prst="rect">
-            <a:avLst/>
-          </a:prstGeom>
-          <a:noFill/>
-        </p:spPr>
-        <p:txBody>
-          <a:bodyPr wrap="none" rtlCol="0">
-            <a:spAutoFit/>
-          </a:bodyPr>
-          <a:lstStyle/>
-          <a:p>
-            <a:endParaRPr lang="nb-NO" dirty="0"/>
-          </a:p>
-        </p:txBody>
-      </p:sp>
-      <p:sp>
-        <p:nvSpPr>
-          <p:cNvPr id="5" name="TextBox 4"/>
-          <p:cNvSpPr txBox="1"/>
-          <p:nvPr/>
-        </p:nvSpPr>
-        <p:spPr>
-          <a:xfrm>
-            <a:off x="1040859" y="1469196"/>
-            <a:ext cx="3005847" cy="369332"/>
-          </a:xfrm>
-          <a:prstGeom prst="rect">
-            <a:avLst/>
-          </a:prstGeom>
-          <a:noFill/>
-        </p:spPr>
-        <p:txBody>
-          <a:bodyPr wrap="square" rtlCol="0">
-            <a:spAutoFit/>
-          </a:bodyPr>
-          <a:lstStyle/>
-          <a:p>
-            <a:r>
-              <a:rPr lang="nb-NO" dirty="0" smtClean="0"/>
-              <a:t>Elektriske skjemas</a:t>
-            </a:r>
-            <a:endParaRPr lang="nb-NO" dirty="0"/>
-          </a:p>
-        </p:txBody>
-      </p:sp>
-      <p:pic>
-        <p:nvPicPr>
-          <p:cNvPr id="6148" name="Picture 4" descr="Resistor schematic symbols"/>
-          <p:cNvPicPr>
-            <a:picLocks noChangeAspect="1" noChangeArrowheads="1"/>
-          </p:cNvPicPr>
-          <p:nvPr/>
-        </p:nvPicPr>
-        <p:blipFill>
-          <a:blip r:embed="rId3">
-            <a:extLst>
-              <a:ext uri="{28A0092B-C50C-407E-A947-70E740481C1C}">
-                <a14:useLocalDpi xmlns:a14="http://schemas.microsoft.com/office/drawing/2010/main" val="0"/>
-              </a:ext>
-            </a:extLst>
-          </a:blip>
-          <a:srcRect/>
-          <a:stretch>
-            <a:fillRect/>
-          </a:stretch>
-        </p:blipFill>
-        <p:spPr bwMode="auto">
-          <a:xfrm>
-            <a:off x="748962" y="2348933"/>
-            <a:ext cx="3810000" cy="1114425"/>
-          </a:xfrm>
-          <a:prstGeom prst="rect">
-            <a:avLst/>
-          </a:prstGeom>
-          <a:noFill/>
-          <a:extLst>
-            <a:ext uri="{909E8E84-426E-40DD-AFC4-6F175D3DCCD1}">
-              <a14:hiddenFill xmlns:a14="http://schemas.microsoft.com/office/drawing/2010/main">
-                <a:solidFill>
-                  <a:srgbClr val="FFFFFF"/>
-                </a:solidFill>
-              </a14:hiddenFill>
-            </a:ext>
-          </a:extLst>
-        </p:spPr>
-      </p:pic>
-      <p:pic>
-        <p:nvPicPr>
-          <p:cNvPr id="6150" name="Picture 6" descr="http://www.ladyada.net/images/arduino/powergndsym.jpg"/>
-          <p:cNvPicPr>
-            <a:picLocks noChangeAspect="1" noChangeArrowheads="1"/>
-          </p:cNvPicPr>
-          <p:nvPr/>
-        </p:nvPicPr>
-        <p:blipFill>
-          <a:blip r:embed="rId4">
-            <a:extLst>
-              <a:ext uri="{28A0092B-C50C-407E-A947-70E740481C1C}">
-                <a14:useLocalDpi xmlns:a14="http://schemas.microsoft.com/office/drawing/2010/main" val="0"/>
-              </a:ext>
-            </a:extLst>
-          </a:blip>
-          <a:srcRect/>
-          <a:stretch>
-            <a:fillRect/>
-          </a:stretch>
-        </p:blipFill>
-        <p:spPr bwMode="auto">
-          <a:xfrm>
-            <a:off x="930679" y="4343095"/>
-            <a:ext cx="1323975" cy="828676"/>
-          </a:xfrm>
-          <a:prstGeom prst="rect">
-            <a:avLst/>
-          </a:prstGeom>
-          <a:noFill/>
-          <a:extLst>
-            <a:ext uri="{909E8E84-426E-40DD-AFC4-6F175D3DCCD1}">
-              <a14:hiddenFill xmlns:a14="http://schemas.microsoft.com/office/drawing/2010/main">
-                <a:solidFill>
-                  <a:srgbClr val="FFFFFF"/>
-                </a:solidFill>
-              </a14:hiddenFill>
-            </a:ext>
-          </a:extLst>
-        </p:spPr>
-      </p:pic>
-      <p:pic>
-        <p:nvPicPr>
-          <p:cNvPr id="6152" name="Picture 8" descr="http://www.ladyada.net/images/arduino/ledsymbol.jpg"/>
-          <p:cNvPicPr>
-            <a:picLocks noChangeAspect="1" noChangeArrowheads="1"/>
-          </p:cNvPicPr>
-          <p:nvPr/>
-        </p:nvPicPr>
-        <p:blipFill>
-          <a:blip r:embed="rId5">
-            <a:extLst>
-              <a:ext uri="{28A0092B-C50C-407E-A947-70E740481C1C}">
-                <a14:useLocalDpi xmlns:a14="http://schemas.microsoft.com/office/drawing/2010/main" val="0"/>
-              </a:ext>
-            </a:extLst>
-          </a:blip>
-          <a:srcRect/>
-          <a:stretch>
-            <a:fillRect/>
-          </a:stretch>
-        </p:blipFill>
-        <p:spPr bwMode="auto">
-          <a:xfrm>
-            <a:off x="2712328" y="4272493"/>
-            <a:ext cx="2066925" cy="742951"/>
-          </a:xfrm>
-          <a:prstGeom prst="rect">
-            <a:avLst/>
-          </a:prstGeom>
-          <a:noFill/>
-          <a:extLst>
-            <a:ext uri="{909E8E84-426E-40DD-AFC4-6F175D3DCCD1}">
-              <a14:hiddenFill xmlns:a14="http://schemas.microsoft.com/office/drawing/2010/main">
-                <a:solidFill>
-                  <a:srgbClr val="FFFFFF"/>
-                </a:solidFill>
-              </a14:hiddenFill>
-            </a:ext>
-          </a:extLst>
-        </p:spPr>
-      </p:pic>
-      <p:pic>
-        <p:nvPicPr>
-          <p:cNvPr id="6156" name="Picture 12" descr="http://www.ladyada.net/images/arduino/lesson3sch4.jpg"/>
-          <p:cNvPicPr>
-            <a:picLocks noChangeAspect="1" noChangeArrowheads="1"/>
-          </p:cNvPicPr>
-          <p:nvPr/>
-        </p:nvPicPr>
-        <p:blipFill rotWithShape="1">
-          <a:blip r:embed="rId6">
-            <a:extLst>
-              <a:ext uri="{28A0092B-C50C-407E-A947-70E740481C1C}">
-                <a14:useLocalDpi xmlns:a14="http://schemas.microsoft.com/office/drawing/2010/main" val="0"/>
-              </a:ext>
-            </a:extLst>
-          </a:blip>
-          <a:srcRect r="52994" b="69186"/>
-          <a:stretch/>
-        </p:blipFill>
-        <p:spPr bwMode="auto">
-          <a:xfrm>
-            <a:off x="5236927" y="4057446"/>
-            <a:ext cx="788008" cy="821810"/>
-          </a:xfrm>
-          <a:prstGeom prst="rect">
-            <a:avLst/>
-          </a:prstGeom>
-          <a:noFill/>
-          <a:extLst>
-            <a:ext uri="{909E8E84-426E-40DD-AFC4-6F175D3DCCD1}">
-              <a14:hiddenFill xmlns:a14="http://schemas.microsoft.com/office/drawing/2010/main">
-                <a:solidFill>
-                  <a:srgbClr val="FFFFFF"/>
-                </a:solidFill>
-              </a14:hiddenFill>
-            </a:ext>
-          </a:extLst>
-        </p:spPr>
-      </p:pic>
-      <p:sp>
-        <p:nvSpPr>
-          <p:cNvPr id="6" name="TextBox 5"/>
-          <p:cNvSpPr txBox="1"/>
-          <p:nvPr/>
-        </p:nvSpPr>
-        <p:spPr>
-          <a:xfrm>
-            <a:off x="2029634" y="1979601"/>
-            <a:ext cx="2334639" cy="369332"/>
-          </a:xfrm>
-          <a:prstGeom prst="rect">
-            <a:avLst/>
-          </a:prstGeom>
-          <a:noFill/>
-        </p:spPr>
-        <p:txBody>
-          <a:bodyPr wrap="square" rtlCol="0">
-            <a:spAutoFit/>
-          </a:bodyPr>
-          <a:lstStyle/>
-          <a:p>
-            <a:r>
-              <a:rPr lang="nb-NO" dirty="0" err="1" smtClean="0"/>
-              <a:t>Resistor</a:t>
-            </a:r>
-            <a:endParaRPr lang="nb-NO" dirty="0"/>
-          </a:p>
-        </p:txBody>
-      </p:sp>
-      <p:sp>
-        <p:nvSpPr>
-          <p:cNvPr id="7" name="TextBox 6"/>
-          <p:cNvSpPr txBox="1"/>
-          <p:nvPr/>
-        </p:nvSpPr>
-        <p:spPr>
-          <a:xfrm>
-            <a:off x="930679" y="3973763"/>
-            <a:ext cx="1613103" cy="369332"/>
-          </a:xfrm>
-          <a:prstGeom prst="rect">
-            <a:avLst/>
-          </a:prstGeom>
-          <a:noFill/>
-        </p:spPr>
-        <p:txBody>
-          <a:bodyPr wrap="square" rtlCol="0">
-            <a:spAutoFit/>
-          </a:bodyPr>
-          <a:lstStyle/>
-          <a:p>
-            <a:r>
-              <a:rPr lang="nb-NO" dirty="0" smtClean="0"/>
-              <a:t>Strøm og jord</a:t>
-            </a:r>
-            <a:endParaRPr lang="nb-NO" dirty="0"/>
-          </a:p>
-        </p:txBody>
-      </p:sp>
-      <p:sp>
-        <p:nvSpPr>
-          <p:cNvPr id="8" name="TextBox 7"/>
-          <p:cNvSpPr txBox="1"/>
-          <p:nvPr/>
-        </p:nvSpPr>
-        <p:spPr>
-          <a:xfrm>
-            <a:off x="3282848" y="3973763"/>
-            <a:ext cx="1664951" cy="369332"/>
-          </a:xfrm>
-          <a:prstGeom prst="rect">
-            <a:avLst/>
-          </a:prstGeom>
-          <a:noFill/>
-        </p:spPr>
-        <p:txBody>
-          <a:bodyPr wrap="square" rtlCol="0">
-            <a:spAutoFit/>
-          </a:bodyPr>
-          <a:lstStyle/>
-          <a:p>
-            <a:r>
-              <a:rPr lang="nb-NO" dirty="0" smtClean="0"/>
-              <a:t>LED</a:t>
-            </a:r>
-            <a:endParaRPr lang="nb-NO" dirty="0"/>
-          </a:p>
-        </p:txBody>
-      </p:sp>
-      <p:sp>
-        <p:nvSpPr>
-          <p:cNvPr id="9" name="TextBox 8"/>
-          <p:cNvSpPr txBox="1"/>
-          <p:nvPr/>
-        </p:nvSpPr>
-        <p:spPr>
-          <a:xfrm>
-            <a:off x="5083750" y="3973763"/>
-            <a:ext cx="1385144" cy="369332"/>
-          </a:xfrm>
-          <a:prstGeom prst="rect">
-            <a:avLst/>
-          </a:prstGeom>
-          <a:noFill/>
-        </p:spPr>
-        <p:txBody>
-          <a:bodyPr wrap="square" rtlCol="0">
-            <a:spAutoFit/>
-          </a:bodyPr>
-          <a:lstStyle/>
-          <a:p>
-            <a:r>
-              <a:rPr lang="nb-NO" dirty="0" err="1" smtClean="0"/>
-              <a:t>Arduino</a:t>
-            </a:r>
-            <a:r>
-              <a:rPr lang="nb-NO" dirty="0" smtClean="0"/>
-              <a:t>-pin</a:t>
-            </a:r>
-            <a:endParaRPr lang="nb-NO" dirty="0"/>
-          </a:p>
-        </p:txBody>
-      </p:sp>
-      <p:pic>
-        <p:nvPicPr>
-          <p:cNvPr id="1026" name="Picture 2" descr="http://www.ladyada.net/images/arduino/switch1.png"/>
-          <p:cNvPicPr>
-            <a:picLocks noChangeAspect="1" noChangeArrowheads="1"/>
-          </p:cNvPicPr>
-          <p:nvPr/>
-        </p:nvPicPr>
-        <p:blipFill rotWithShape="1">
-          <a:blip r:embed="rId7">
-            <a:extLst>
-              <a:ext uri="{28A0092B-C50C-407E-A947-70E740481C1C}">
-                <a14:useLocalDpi xmlns:a14="http://schemas.microsoft.com/office/drawing/2010/main" val="0"/>
-              </a:ext>
-            </a:extLst>
-          </a:blip>
-          <a:srcRect l="55897" t="27293" r="3252" b="61248"/>
-          <a:stretch/>
-        </p:blipFill>
-        <p:spPr bwMode="auto">
-          <a:xfrm>
-            <a:off x="5356645" y="2553781"/>
-            <a:ext cx="839354" cy="556888"/>
-          </a:xfrm>
-          <a:prstGeom prst="rect">
-            <a:avLst/>
-          </a:prstGeom>
-          <a:noFill/>
-          <a:extLst>
-            <a:ext uri="{909E8E84-426E-40DD-AFC4-6F175D3DCCD1}">
-              <a14:hiddenFill xmlns:a14="http://schemas.microsoft.com/office/drawing/2010/main">
-                <a:solidFill>
-                  <a:srgbClr val="FFFFFF"/>
-                </a:solidFill>
-              </a14:hiddenFill>
-            </a:ext>
-          </a:extLst>
-        </p:spPr>
-      </p:pic>
-      <p:sp>
-        <p:nvSpPr>
-          <p:cNvPr id="3" name="TextBox 2"/>
-          <p:cNvSpPr txBox="1"/>
-          <p:nvPr/>
-        </p:nvSpPr>
-        <p:spPr>
-          <a:xfrm>
-            <a:off x="5236927" y="2136938"/>
-            <a:ext cx="852103" cy="369332"/>
-          </a:xfrm>
-          <a:prstGeom prst="rect">
-            <a:avLst/>
-          </a:prstGeom>
-          <a:noFill/>
-        </p:spPr>
-        <p:txBody>
-          <a:bodyPr wrap="square" rtlCol="0">
-            <a:spAutoFit/>
-          </a:bodyPr>
-          <a:lstStyle/>
-          <a:p>
-            <a:r>
-              <a:rPr lang="nb-NO" dirty="0" smtClean="0"/>
-              <a:t>Bryter</a:t>
-            </a:r>
-            <a:endParaRPr lang="nb-NO" dirty="0"/>
-          </a:p>
-        </p:txBody>
-      </p:sp>
-    </p:spTree>
-    <p:extLst>
-      <p:ext uri="{BB962C8B-B14F-4D97-AF65-F5344CB8AC3E}">
-        <p14:creationId xmlns:p14="http://schemas.microsoft.com/office/powerpoint/2010/main" val="3444012206"/>
-      </p:ext>
-    </p:extLst>
-  </p:cSld>
-  <p:clrMapOvr>
-    <a:masterClrMapping/>
-  </p:clrMapOvr>
-</p:sld>
-</file>
-
-<file path=ppt/slides/slide13.xml><?xml version="1.0" encoding="utf-8"?>
-<p:sld xmlns:a="http://schemas.openxmlformats.org/drawingml/2006/main" xmlns:r="http://schemas.openxmlformats.org/officeDocument/2006/relationships" xmlns:p="http://schemas.openxmlformats.org/presentationml/2006/main">
-  <p:cSld>
-    <p:spTree>
-      <p:nvGrpSpPr>
-        <p:cNvPr id="1" name=""/>
-        <p:cNvGrpSpPr/>
-        <p:nvPr/>
-      </p:nvGrpSpPr>
-      <p:grpSpPr>
-        <a:xfrm>
-          <a:off x="0" y="0"/>
-          <a:ext cx="0" cy="0"/>
-          <a:chOff x="0" y="0"/>
-          <a:chExt cx="0" cy="0"/>
-        </a:xfrm>
-      </p:grpSpPr>
-      <p:sp>
-        <p:nvSpPr>
-          <p:cNvPr id="2" name="Title 1"/>
-          <p:cNvSpPr>
-            <a:spLocks noGrp="1"/>
-          </p:cNvSpPr>
-          <p:nvPr>
-            <p:ph type="title"/>
-          </p:nvPr>
-        </p:nvSpPr>
-        <p:spPr/>
-        <p:txBody>
-          <a:bodyPr/>
-          <a:lstStyle/>
-          <a:p>
-            <a:r>
-              <a:rPr lang="nb-NO" dirty="0" smtClean="0"/>
-              <a:t>Kretser</a:t>
-            </a:r>
-            <a:endParaRPr lang="nb-NO" dirty="0"/>
-          </a:p>
-        </p:txBody>
-      </p:sp>
-      <p:pic>
-        <p:nvPicPr>
-          <p:cNvPr id="2050" name="Picture 2" descr="alt text"/>
-          <p:cNvPicPr>
-            <a:picLocks noChangeAspect="1" noChangeArrowheads="1"/>
-          </p:cNvPicPr>
-          <p:nvPr/>
-        </p:nvPicPr>
-        <p:blipFill>
-          <a:blip r:embed="rId3">
-            <a:extLst>
-              <a:ext uri="{28A0092B-C50C-407E-A947-70E740481C1C}">
-                <a14:useLocalDpi xmlns:a14="http://schemas.microsoft.com/office/drawing/2010/main" val="0"/>
-              </a:ext>
-            </a:extLst>
-          </a:blip>
-          <a:srcRect/>
-          <a:stretch>
-            <a:fillRect/>
-          </a:stretch>
-        </p:blipFill>
-        <p:spPr bwMode="auto">
-          <a:xfrm>
-            <a:off x="1684230" y="2791899"/>
-            <a:ext cx="6596130" cy="2880000"/>
-          </a:xfrm>
-          <a:prstGeom prst="rect">
-            <a:avLst/>
-          </a:prstGeom>
-          <a:noFill/>
-          <a:extLst>
-            <a:ext uri="{909E8E84-426E-40DD-AFC4-6F175D3DCCD1}">
-              <a14:hiddenFill xmlns:a14="http://schemas.microsoft.com/office/drawing/2010/main">
-                <a:solidFill>
-                  <a:srgbClr val="FFFFFF"/>
-                </a:solidFill>
-              </a14:hiddenFill>
-            </a:ext>
-          </a:extLst>
-        </p:spPr>
-      </p:pic>
-      <p:sp>
-        <p:nvSpPr>
-          <p:cNvPr id="5" name="TextBox 4"/>
-          <p:cNvSpPr txBox="1"/>
-          <p:nvPr/>
-        </p:nvSpPr>
-        <p:spPr>
-          <a:xfrm>
-            <a:off x="3417829" y="2327564"/>
-            <a:ext cx="3128933" cy="369332"/>
-          </a:xfrm>
-          <a:prstGeom prst="rect">
-            <a:avLst/>
-          </a:prstGeom>
-          <a:noFill/>
-        </p:spPr>
-        <p:txBody>
-          <a:bodyPr wrap="none" rtlCol="0">
-            <a:spAutoFit/>
-          </a:bodyPr>
-          <a:lstStyle/>
-          <a:p>
-            <a:r>
-              <a:rPr lang="nb-NO" dirty="0" smtClean="0"/>
-              <a:t>Lukket krets – slik skal det være</a:t>
-            </a:r>
-          </a:p>
-        </p:txBody>
-      </p:sp>
-    </p:spTree>
-    <p:extLst>
-      <p:ext uri="{BB962C8B-B14F-4D97-AF65-F5344CB8AC3E}">
-        <p14:creationId xmlns:p14="http://schemas.microsoft.com/office/powerpoint/2010/main" val="292277651"/>
-      </p:ext>
-    </p:extLst>
-  </p:cSld>
-  <p:clrMapOvr>
-    <a:masterClrMapping/>
-  </p:clrMapOvr>
-</p:sld>
-</file>
-
-<file path=ppt/slides/slide14.xml><?xml version="1.0" encoding="utf-8"?>
-<p:sld xmlns:a="http://schemas.openxmlformats.org/drawingml/2006/main" xmlns:r="http://schemas.openxmlformats.org/officeDocument/2006/relationships" xmlns:p="http://schemas.openxmlformats.org/presentationml/2006/main">
-  <p:cSld>
-    <p:spTree>
-      <p:nvGrpSpPr>
-        <p:cNvPr id="1" name=""/>
-        <p:cNvGrpSpPr/>
-        <p:nvPr/>
-      </p:nvGrpSpPr>
-      <p:grpSpPr>
-        <a:xfrm>
-          <a:off x="0" y="0"/>
-          <a:ext cx="0" cy="0"/>
-          <a:chOff x="0" y="0"/>
-          <a:chExt cx="0" cy="0"/>
-        </a:xfrm>
-      </p:grpSpPr>
-      <p:sp>
-        <p:nvSpPr>
-          <p:cNvPr id="2" name="Title 1"/>
-          <p:cNvSpPr>
-            <a:spLocks noGrp="1"/>
-          </p:cNvSpPr>
-          <p:nvPr>
-            <p:ph type="title"/>
-          </p:nvPr>
-        </p:nvSpPr>
-        <p:spPr/>
-        <p:txBody>
-          <a:bodyPr/>
-          <a:lstStyle/>
-          <a:p>
-            <a:r>
-              <a:rPr lang="nb-NO" dirty="0"/>
-              <a:t>Kretser</a:t>
-            </a:r>
-          </a:p>
-        </p:txBody>
-      </p:sp>
-      <p:pic>
-        <p:nvPicPr>
-          <p:cNvPr id="3074" name="Picture 2" descr="alt text"/>
-          <p:cNvPicPr>
-            <a:picLocks noChangeAspect="1" noChangeArrowheads="1"/>
-          </p:cNvPicPr>
-          <p:nvPr/>
-        </p:nvPicPr>
-        <p:blipFill>
-          <a:blip r:embed="rId3">
-            <a:extLst>
-              <a:ext uri="{28A0092B-C50C-407E-A947-70E740481C1C}">
-                <a14:useLocalDpi xmlns:a14="http://schemas.microsoft.com/office/drawing/2010/main" val="0"/>
-              </a:ext>
-            </a:extLst>
-          </a:blip>
-          <a:srcRect/>
-          <a:stretch>
-            <a:fillRect/>
-          </a:stretch>
-        </p:blipFill>
-        <p:spPr bwMode="auto">
-          <a:xfrm>
-            <a:off x="1668657" y="2696896"/>
-            <a:ext cx="5845203" cy="2880000"/>
-          </a:xfrm>
-          <a:prstGeom prst="rect">
-            <a:avLst/>
-          </a:prstGeom>
-          <a:noFill/>
-          <a:extLst>
-            <a:ext uri="{909E8E84-426E-40DD-AFC4-6F175D3DCCD1}">
-              <a14:hiddenFill xmlns:a14="http://schemas.microsoft.com/office/drawing/2010/main">
-                <a:solidFill>
-                  <a:srgbClr val="FFFFFF"/>
-                </a:solidFill>
-              </a14:hiddenFill>
-            </a:ext>
-          </a:extLst>
-        </p:spPr>
-      </p:pic>
-      <p:sp>
-        <p:nvSpPr>
-          <p:cNvPr id="5" name="TextBox 4"/>
-          <p:cNvSpPr txBox="1"/>
-          <p:nvPr/>
-        </p:nvSpPr>
-        <p:spPr>
-          <a:xfrm>
-            <a:off x="3417829" y="2327564"/>
-            <a:ext cx="2346861" cy="369332"/>
-          </a:xfrm>
-          <a:prstGeom prst="rect">
-            <a:avLst/>
-          </a:prstGeom>
-          <a:noFill/>
-        </p:spPr>
-        <p:txBody>
-          <a:bodyPr wrap="none" rtlCol="0">
-            <a:spAutoFit/>
-          </a:bodyPr>
-          <a:lstStyle/>
-          <a:p>
-            <a:r>
-              <a:rPr lang="nb-NO" dirty="0" smtClean="0"/>
-              <a:t>Åpen krets – hva skjer?</a:t>
-            </a:r>
-          </a:p>
-        </p:txBody>
-      </p:sp>
-    </p:spTree>
-    <p:extLst>
-      <p:ext uri="{BB962C8B-B14F-4D97-AF65-F5344CB8AC3E}">
-        <p14:creationId xmlns:p14="http://schemas.microsoft.com/office/powerpoint/2010/main" val="2584857807"/>
-      </p:ext>
-    </p:extLst>
-  </p:cSld>
-  <p:clrMapOvr>
-    <a:masterClrMapping/>
-  </p:clrMapOvr>
-</p:sld>
-</file>
-
-<file path=ppt/slides/slide15.xml><?xml version="1.0" encoding="utf-8"?>
-<p:sld xmlns:a="http://schemas.openxmlformats.org/drawingml/2006/main" xmlns:r="http://schemas.openxmlformats.org/officeDocument/2006/relationships" xmlns:p="http://schemas.openxmlformats.org/presentationml/2006/main">
-  <p:cSld>
-    <p:spTree>
-      <p:nvGrpSpPr>
-        <p:cNvPr id="1" name=""/>
-        <p:cNvGrpSpPr/>
-        <p:nvPr/>
-      </p:nvGrpSpPr>
-      <p:grpSpPr>
-        <a:xfrm>
-          <a:off x="0" y="0"/>
-          <a:ext cx="0" cy="0"/>
-          <a:chOff x="0" y="0"/>
-          <a:chExt cx="0" cy="0"/>
-        </a:xfrm>
-      </p:grpSpPr>
-      <p:sp>
-        <p:nvSpPr>
-          <p:cNvPr id="2" name="Title 1"/>
-          <p:cNvSpPr>
-            <a:spLocks noGrp="1"/>
-          </p:cNvSpPr>
-          <p:nvPr>
-            <p:ph type="title"/>
-          </p:nvPr>
-        </p:nvSpPr>
-        <p:spPr/>
-        <p:txBody>
-          <a:bodyPr/>
-          <a:lstStyle/>
-          <a:p>
-            <a:r>
-              <a:rPr lang="nb-NO" dirty="0"/>
-              <a:t>Kretser</a:t>
-            </a:r>
-          </a:p>
-        </p:txBody>
-      </p:sp>
-      <p:sp>
-        <p:nvSpPr>
-          <p:cNvPr id="4" name="TextBox 3"/>
-          <p:cNvSpPr txBox="1"/>
-          <p:nvPr/>
-        </p:nvSpPr>
-        <p:spPr>
-          <a:xfrm>
-            <a:off x="3417829" y="2327564"/>
-            <a:ext cx="2481577" cy="369332"/>
-          </a:xfrm>
-          <a:prstGeom prst="rect">
-            <a:avLst/>
-          </a:prstGeom>
-          <a:noFill/>
-        </p:spPr>
-        <p:txBody>
-          <a:bodyPr wrap="none" rtlCol="0">
-            <a:spAutoFit/>
-          </a:bodyPr>
-          <a:lstStyle/>
-          <a:p>
-            <a:r>
-              <a:rPr lang="nb-NO" dirty="0" smtClean="0"/>
-              <a:t>Kortslutning – hva skjer?</a:t>
-            </a:r>
-          </a:p>
-        </p:txBody>
-      </p:sp>
-      <p:pic>
-        <p:nvPicPr>
-          <p:cNvPr id="4098" name="Picture 2" descr="alt text"/>
-          <p:cNvPicPr>
-            <a:picLocks noChangeAspect="1" noChangeArrowheads="1"/>
-          </p:cNvPicPr>
-          <p:nvPr/>
-        </p:nvPicPr>
-        <p:blipFill>
-          <a:blip r:embed="rId3">
-            <a:extLst>
-              <a:ext uri="{28A0092B-C50C-407E-A947-70E740481C1C}">
-                <a14:useLocalDpi xmlns:a14="http://schemas.microsoft.com/office/drawing/2010/main" val="0"/>
-              </a:ext>
-            </a:extLst>
-          </a:blip>
-          <a:srcRect/>
-          <a:stretch>
-            <a:fillRect/>
-          </a:stretch>
-        </p:blipFill>
-        <p:spPr bwMode="auto">
-          <a:xfrm>
-            <a:off x="1494408" y="2809482"/>
-            <a:ext cx="6328417" cy="2880000"/>
-          </a:xfrm>
-          <a:prstGeom prst="rect">
-            <a:avLst/>
-          </a:prstGeom>
-          <a:noFill/>
-          <a:extLst>
-            <a:ext uri="{909E8E84-426E-40DD-AFC4-6F175D3DCCD1}">
-              <a14:hiddenFill xmlns:a14="http://schemas.microsoft.com/office/drawing/2010/main">
-                <a:solidFill>
-                  <a:srgbClr val="FFFFFF"/>
-                </a:solidFill>
-              </a14:hiddenFill>
-            </a:ext>
-          </a:extLst>
-        </p:spPr>
-      </p:pic>
-    </p:spTree>
-    <p:extLst>
-      <p:ext uri="{BB962C8B-B14F-4D97-AF65-F5344CB8AC3E}">
-        <p14:creationId xmlns:p14="http://schemas.microsoft.com/office/powerpoint/2010/main" val="1221808897"/>
-      </p:ext>
-    </p:extLst>
-  </p:cSld>
-  <p:clrMapOvr>
-    <a:masterClrMapping/>
-  </p:clrMapOvr>
-</p:sld>
-</file>
-
-<file path=ppt/slides/slide16.xml><?xml version="1.0" encoding="utf-8"?>
-<p:sld xmlns:a="http://schemas.openxmlformats.org/drawingml/2006/main" xmlns:r="http://schemas.openxmlformats.org/officeDocument/2006/relationships" xmlns:p="http://schemas.openxmlformats.org/presentationml/2006/main">
-  <p:cSld>
-    <p:spTree>
-      <p:nvGrpSpPr>
-        <p:cNvPr id="1" name=""/>
-        <p:cNvGrpSpPr/>
-        <p:nvPr/>
-      </p:nvGrpSpPr>
-      <p:grpSpPr>
-        <a:xfrm>
-          <a:off x="0" y="0"/>
-          <a:ext cx="0" cy="0"/>
-          <a:chOff x="0" y="0"/>
-          <a:chExt cx="0" cy="0"/>
-        </a:xfrm>
-      </p:grpSpPr>
-      <p:sp>
-        <p:nvSpPr>
-          <p:cNvPr id="2" name="Title 1"/>
-          <p:cNvSpPr>
-            <a:spLocks noGrp="1"/>
-          </p:cNvSpPr>
-          <p:nvPr>
-            <p:ph type="title"/>
-          </p:nvPr>
-        </p:nvSpPr>
-        <p:spPr/>
-        <p:txBody>
-          <a:bodyPr/>
-          <a:lstStyle/>
-          <a:p>
-            <a:r>
-              <a:rPr lang="nb-NO" dirty="0"/>
-              <a:t>Kretser</a:t>
-            </a:r>
-          </a:p>
-        </p:txBody>
-      </p:sp>
-      <p:sp>
-        <p:nvSpPr>
-          <p:cNvPr id="3" name="Content Placeholder 2"/>
-          <p:cNvSpPr>
-            <a:spLocks noGrp="1"/>
-          </p:cNvSpPr>
-          <p:nvPr>
-            <p:ph idx="1"/>
-          </p:nvPr>
-        </p:nvSpPr>
-        <p:spPr>
-          <a:xfrm>
-            <a:off x="2358241" y="2007898"/>
-            <a:ext cx="4707578" cy="747177"/>
-          </a:xfrm>
-        </p:spPr>
-        <p:txBody>
-          <a:bodyPr/>
-          <a:lstStyle/>
-          <a:p>
-            <a:pPr marL="0" indent="0">
-              <a:buNone/>
-            </a:pPr>
-            <a:r>
-              <a:rPr lang="nb-NO" dirty="0" smtClean="0"/>
-              <a:t>Parallellkobling </a:t>
-            </a:r>
-            <a:r>
-              <a:rPr lang="nb-NO" dirty="0" err="1" smtClean="0"/>
-              <a:t>vs</a:t>
-            </a:r>
-            <a:r>
-              <a:rPr lang="nb-NO" dirty="0" smtClean="0"/>
-              <a:t> seriekobling</a:t>
-            </a:r>
-            <a:endParaRPr lang="nb-NO" dirty="0"/>
-          </a:p>
-        </p:txBody>
-      </p:sp>
-    </p:spTree>
-    <p:extLst>
-      <p:ext uri="{BB962C8B-B14F-4D97-AF65-F5344CB8AC3E}">
-        <p14:creationId xmlns:p14="http://schemas.microsoft.com/office/powerpoint/2010/main" val="2041544060"/>
-      </p:ext>
-    </p:extLst>
-  </p:cSld>
-  <p:clrMapOvr>
-    <a:masterClrMapping/>
-  </p:clrMapOvr>
-</p:sld>
-</file>
-
-<file path=ppt/slides/slide17.xml><?xml version="1.0" encoding="utf-8"?>
-<p:sld xmlns:a="http://schemas.openxmlformats.org/drawingml/2006/main" xmlns:r="http://schemas.openxmlformats.org/officeDocument/2006/relationships" xmlns:p="http://schemas.openxmlformats.org/presentationml/2006/main">
-  <p:cSld>
-    <p:spTree>
-      <p:nvGrpSpPr>
-        <p:cNvPr id="1" name=""/>
-        <p:cNvGrpSpPr/>
-        <p:nvPr/>
-      </p:nvGrpSpPr>
-      <p:grpSpPr>
-        <a:xfrm>
-          <a:off x="0" y="0"/>
-          <a:ext cx="0" cy="0"/>
-          <a:chOff x="0" y="0"/>
-          <a:chExt cx="0" cy="0"/>
-        </a:xfrm>
-      </p:grpSpPr>
-      <p:sp>
-        <p:nvSpPr>
-          <p:cNvPr id="2" name="Title 1"/>
-          <p:cNvSpPr>
-            <a:spLocks noGrp="1"/>
-          </p:cNvSpPr>
-          <p:nvPr>
-            <p:ph type="title"/>
-          </p:nvPr>
-        </p:nvSpPr>
-        <p:spPr/>
-        <p:txBody>
-          <a:bodyPr/>
-          <a:lstStyle/>
-          <a:p>
-            <a:r>
-              <a:rPr lang="nb-NO" dirty="0" err="1" smtClean="0"/>
-              <a:t>Breadboard</a:t>
-            </a:r>
-            <a:endParaRPr lang="nb-NO" dirty="0"/>
-          </a:p>
-        </p:txBody>
-      </p:sp>
-      <p:pic>
-        <p:nvPicPr>
-          <p:cNvPr id="1026" name="Picture 2" descr="https://www.pjrc.com/store/breadboard.jpg"/>
-          <p:cNvPicPr>
-            <a:picLocks noChangeAspect="1" noChangeArrowheads="1"/>
-          </p:cNvPicPr>
-          <p:nvPr/>
-        </p:nvPicPr>
-        <p:blipFill>
-          <a:blip r:embed="rId3">
-            <a:extLst>
-              <a:ext uri="{28A0092B-C50C-407E-A947-70E740481C1C}">
-                <a14:useLocalDpi xmlns:a14="http://schemas.microsoft.com/office/drawing/2010/main" val="0"/>
-              </a:ext>
-            </a:extLst>
-          </a:blip>
-          <a:srcRect/>
-          <a:stretch>
-            <a:fillRect/>
-          </a:stretch>
-        </p:blipFill>
-        <p:spPr bwMode="auto">
-          <a:xfrm>
-            <a:off x="838200" y="1690688"/>
-            <a:ext cx="10114052" cy="4266867"/>
-          </a:xfrm>
-          <a:prstGeom prst="rect">
-            <a:avLst/>
-          </a:prstGeom>
-          <a:noFill/>
-          <a:extLst>
-            <a:ext uri="{909E8E84-426E-40DD-AFC4-6F175D3DCCD1}">
-              <a14:hiddenFill xmlns:a14="http://schemas.microsoft.com/office/drawing/2010/main">
-                <a:solidFill>
-                  <a:srgbClr val="FFFFFF"/>
-                </a:solidFill>
-              </a14:hiddenFill>
-            </a:ext>
-          </a:extLst>
-        </p:spPr>
-      </p:pic>
-    </p:spTree>
-    <p:extLst>
-      <p:ext uri="{BB962C8B-B14F-4D97-AF65-F5344CB8AC3E}">
-        <p14:creationId xmlns:p14="http://schemas.microsoft.com/office/powerpoint/2010/main" val="3970697742"/>
-      </p:ext>
-    </p:extLst>
-  </p:cSld>
-  <p:clrMapOvr>
-    <a:masterClrMapping/>
-  </p:clrMapOvr>
-</p:sld>
-</file>
-
-<file path=ppt/slides/slide18.xml><?xml version="1.0" encoding="utf-8"?>
-<p:sld xmlns:a="http://schemas.openxmlformats.org/drawingml/2006/main" xmlns:r="http://schemas.openxmlformats.org/officeDocument/2006/relationships" xmlns:p="http://schemas.openxmlformats.org/presentationml/2006/main">
-  <p:cSld>
-    <p:spTree>
-      <p:nvGrpSpPr>
-        <p:cNvPr id="1" name=""/>
-        <p:cNvGrpSpPr/>
-        <p:nvPr/>
-      </p:nvGrpSpPr>
-      <p:grpSpPr>
-        <a:xfrm>
-          <a:off x="0" y="0"/>
-          <a:ext cx="0" cy="0"/>
-          <a:chOff x="0" y="0"/>
-          <a:chExt cx="0" cy="0"/>
-        </a:xfrm>
-      </p:grpSpPr>
-      <p:sp>
-        <p:nvSpPr>
-          <p:cNvPr id="2" name="Title 1"/>
-          <p:cNvSpPr>
-            <a:spLocks noGrp="1"/>
-          </p:cNvSpPr>
-          <p:nvPr>
-            <p:ph type="title"/>
-          </p:nvPr>
-        </p:nvSpPr>
-        <p:spPr/>
-        <p:txBody>
-          <a:bodyPr/>
-          <a:lstStyle/>
-          <a:p>
-            <a:r>
-              <a:rPr lang="nb-NO" dirty="0" err="1" smtClean="0"/>
-              <a:t>Arduino</a:t>
-            </a:r>
-            <a:endParaRPr lang="nb-NO" dirty="0"/>
-          </a:p>
-        </p:txBody>
-      </p:sp>
-      <p:pic>
-        <p:nvPicPr>
-          <p:cNvPr id="2050" name="Picture 2" descr="alt text"/>
-          <p:cNvPicPr>
-            <a:picLocks noChangeAspect="1" noChangeArrowheads="1"/>
-          </p:cNvPicPr>
-          <p:nvPr/>
-        </p:nvPicPr>
-        <p:blipFill>
-          <a:blip r:embed="rId3">
-            <a:extLst>
-              <a:ext uri="{28A0092B-C50C-407E-A947-70E740481C1C}">
-                <a14:useLocalDpi xmlns:a14="http://schemas.microsoft.com/office/drawing/2010/main" val="0"/>
-              </a:ext>
-            </a:extLst>
-          </a:blip>
-          <a:srcRect/>
-          <a:stretch>
-            <a:fillRect/>
-          </a:stretch>
-        </p:blipFill>
-        <p:spPr bwMode="auto">
-          <a:xfrm>
-            <a:off x="4419349" y="462336"/>
-            <a:ext cx="5715000" cy="5715000"/>
-          </a:xfrm>
-          <a:prstGeom prst="rect">
-            <a:avLst/>
-          </a:prstGeom>
-          <a:noFill/>
-          <a:extLst>
-            <a:ext uri="{909E8E84-426E-40DD-AFC4-6F175D3DCCD1}">
-              <a14:hiddenFill xmlns:a14="http://schemas.microsoft.com/office/drawing/2010/main">
-                <a:solidFill>
-                  <a:srgbClr val="FFFFFF"/>
-                </a:solidFill>
-              </a14:hiddenFill>
-            </a:ext>
-          </a:extLst>
-        </p:spPr>
-      </p:pic>
-    </p:spTree>
-    <p:extLst>
-      <p:ext uri="{BB962C8B-B14F-4D97-AF65-F5344CB8AC3E}">
-        <p14:creationId xmlns:p14="http://schemas.microsoft.com/office/powerpoint/2010/main" val="2116030240"/>
-      </p:ext>
-    </p:extLst>
-  </p:cSld>
-  <p:clrMapOvr>
-    <a:masterClrMapping/>
-  </p:clrMapOvr>
-</p:sld>
-</file>
-
-<file path=ppt/slides/slide2.xml><?xml version="1.0" encoding="utf-8"?>
-<p:sld xmlns:a="http://schemas.openxmlformats.org/drawingml/2006/main" xmlns:r="http://schemas.openxmlformats.org/officeDocument/2006/relationships" xmlns:p="http://schemas.openxmlformats.org/presentationml/2006/main">
-  <p:cSld>
-    <p:spTree>
-      <p:nvGrpSpPr>
-        <p:cNvPr id="1" name=""/>
-        <p:cNvGrpSpPr/>
-        <p:nvPr/>
-      </p:nvGrpSpPr>
-      <p:grpSpPr>
-        <a:xfrm>
-          <a:off x="0" y="0"/>
-          <a:ext cx="0" cy="0"/>
-          <a:chOff x="0" y="0"/>
-          <a:chExt cx="0" cy="0"/>
-        </a:xfrm>
-      </p:grpSpPr>
-      <p:sp>
-        <p:nvSpPr>
-          <p:cNvPr id="2" name="Title 1"/>
-          <p:cNvSpPr>
-            <a:spLocks noGrp="1"/>
-          </p:cNvSpPr>
-          <p:nvPr>
-            <p:ph type="title"/>
-          </p:nvPr>
-        </p:nvSpPr>
-        <p:spPr/>
-        <p:txBody>
-          <a:bodyPr/>
-          <a:lstStyle/>
-          <a:p>
-            <a:r>
-              <a:rPr lang="nb-NO" dirty="0" smtClean="0"/>
-              <a:t>Oversikt</a:t>
-            </a:r>
-            <a:endParaRPr lang="nb-NO" dirty="0"/>
-          </a:p>
-        </p:txBody>
-      </p:sp>
-      <p:sp>
-        <p:nvSpPr>
-          <p:cNvPr id="3" name="Content Placeholder 2"/>
-          <p:cNvSpPr>
-            <a:spLocks noGrp="1"/>
-          </p:cNvSpPr>
-          <p:nvPr>
-            <p:ph idx="1"/>
-          </p:nvPr>
-        </p:nvSpPr>
-        <p:spPr/>
-        <p:txBody>
-          <a:bodyPr/>
-          <a:lstStyle/>
-          <a:p>
-            <a:r>
-              <a:rPr lang="nb-NO" dirty="0" smtClean="0"/>
-              <a:t>Innføring i strøm og </a:t>
-            </a:r>
-            <a:r>
-              <a:rPr lang="nb-NO" dirty="0" smtClean="0"/>
-              <a:t>slikt</a:t>
-            </a:r>
-          </a:p>
-          <a:p>
-            <a:r>
-              <a:rPr lang="nb-NO" dirty="0" smtClean="0"/>
-              <a:t>Kretser</a:t>
-            </a:r>
-            <a:endParaRPr lang="nb-NO" dirty="0" smtClean="0"/>
-          </a:p>
-          <a:p>
-            <a:r>
-              <a:rPr lang="nb-NO" dirty="0" err="1" smtClean="0"/>
-              <a:t>Breadboard</a:t>
-            </a:r>
-            <a:endParaRPr lang="nb-NO" dirty="0" smtClean="0"/>
-          </a:p>
-          <a:p>
-            <a:r>
-              <a:rPr lang="nb-NO" dirty="0" err="1" smtClean="0"/>
-              <a:t>Arduino</a:t>
-            </a:r>
-            <a:endParaRPr lang="nb-NO" dirty="0"/>
-          </a:p>
-        </p:txBody>
-      </p:sp>
-    </p:spTree>
-    <p:extLst>
-      <p:ext uri="{BB962C8B-B14F-4D97-AF65-F5344CB8AC3E}">
-        <p14:creationId xmlns:p14="http://schemas.microsoft.com/office/powerpoint/2010/main" val="4004236478"/>
-      </p:ext>
-    </p:extLst>
-  </p:cSld>
-  <p:clrMapOvr>
-    <a:masterClrMapping/>
-  </p:clrMapOvr>
-</p:sld>
-</file>
-
-<file path=ppt/slides/slide3.xml><?xml version="1.0" encoding="utf-8"?>
-<p:sld xmlns:a="http://schemas.openxmlformats.org/drawingml/2006/main" xmlns:r="http://schemas.openxmlformats.org/officeDocument/2006/relationships" xmlns:p="http://schemas.openxmlformats.org/presentationml/2006/main">
-  <p:cSld>
-    <p:spTree>
-      <p:nvGrpSpPr>
-        <p:cNvPr id="1" name=""/>
-        <p:cNvGrpSpPr/>
-        <p:nvPr/>
-      </p:nvGrpSpPr>
-      <p:grpSpPr>
-        <a:xfrm>
-          <a:off x="0" y="0"/>
-          <a:ext cx="0" cy="0"/>
-          <a:chOff x="0" y="0"/>
-          <a:chExt cx="0" cy="0"/>
-        </a:xfrm>
-      </p:grpSpPr>
-      <p:sp>
-        <p:nvSpPr>
-          <p:cNvPr id="2" name="Title 1"/>
-          <p:cNvSpPr>
-            <a:spLocks noGrp="1"/>
-          </p:cNvSpPr>
-          <p:nvPr>
-            <p:ph type="title"/>
-          </p:nvPr>
-        </p:nvSpPr>
-        <p:spPr/>
-        <p:txBody>
-          <a:bodyPr/>
-          <a:lstStyle/>
-          <a:p>
-            <a:r>
-              <a:rPr lang="nb-NO" dirty="0" smtClean="0"/>
-              <a:t>Innføring i strøm og slikt</a:t>
-            </a:r>
-            <a:endParaRPr lang="nb-NO" dirty="0"/>
-          </a:p>
-        </p:txBody>
-      </p:sp>
-      <p:sp>
-        <p:nvSpPr>
-          <p:cNvPr id="3" name="Content Placeholder 2"/>
-          <p:cNvSpPr>
-            <a:spLocks noGrp="1"/>
-          </p:cNvSpPr>
-          <p:nvPr>
-            <p:ph idx="1"/>
-          </p:nvPr>
-        </p:nvSpPr>
-        <p:spPr/>
-        <p:txBody>
-          <a:bodyPr/>
-          <a:lstStyle/>
-          <a:p>
-            <a:r>
-              <a:rPr lang="nb-NO" dirty="0" smtClean="0"/>
-              <a:t>Elektrisitet</a:t>
-            </a:r>
-          </a:p>
-          <a:p>
-            <a:r>
-              <a:rPr lang="nb-NO" dirty="0" smtClean="0"/>
-              <a:t>Spenning, strøm og motstand</a:t>
-            </a:r>
-          </a:p>
-          <a:p>
-            <a:r>
-              <a:rPr lang="nb-NO" dirty="0" smtClean="0"/>
-              <a:t>Ohms lov</a:t>
-            </a:r>
-            <a:endParaRPr lang="nb-NO" dirty="0"/>
-          </a:p>
-        </p:txBody>
-      </p:sp>
-    </p:spTree>
-    <p:extLst>
-      <p:ext uri="{BB962C8B-B14F-4D97-AF65-F5344CB8AC3E}">
-        <p14:creationId xmlns:p14="http://schemas.microsoft.com/office/powerpoint/2010/main" val="3001715251"/>
-      </p:ext>
-    </p:extLst>
-  </p:cSld>
-  <p:clrMapOvr>
-    <a:masterClrMapping/>
-  </p:clrMapOvr>
-</p:sld>
-</file>
-
-<file path=ppt/slides/slide4.xml><?xml version="1.0" encoding="utf-8"?>
-<p:sld xmlns:a="http://schemas.openxmlformats.org/drawingml/2006/main" xmlns:r="http://schemas.openxmlformats.org/officeDocument/2006/relationships" xmlns:p="http://schemas.openxmlformats.org/presentationml/2006/main">
-  <p:cSld>
-    <p:spTree>
-      <p:nvGrpSpPr>
-        <p:cNvPr id="1" name=""/>
-        <p:cNvGrpSpPr/>
-        <p:nvPr/>
-      </p:nvGrpSpPr>
-      <p:grpSpPr>
-        <a:xfrm>
-          <a:off x="0" y="0"/>
-          <a:ext cx="0" cy="0"/>
-          <a:chOff x="0" y="0"/>
-          <a:chExt cx="0" cy="0"/>
-        </a:xfrm>
-      </p:grpSpPr>
-      <p:sp>
-        <p:nvSpPr>
-          <p:cNvPr id="2" name="Title 1"/>
-          <p:cNvSpPr>
-            <a:spLocks noGrp="1"/>
-          </p:cNvSpPr>
-          <p:nvPr>
-            <p:ph type="title"/>
-          </p:nvPr>
-        </p:nvSpPr>
-        <p:spPr/>
-        <p:txBody>
-          <a:bodyPr/>
-          <a:lstStyle/>
-          <a:p>
-            <a:r>
-              <a:rPr lang="nb-NO" dirty="0" smtClean="0"/>
-              <a:t>Innføring i strøm og slikt</a:t>
-            </a:r>
-            <a:endParaRPr lang="nb-NO" dirty="0"/>
-          </a:p>
-        </p:txBody>
-      </p:sp>
-      <p:sp>
-        <p:nvSpPr>
-          <p:cNvPr id="3" name="Content Placeholder 2"/>
-          <p:cNvSpPr>
-            <a:spLocks noGrp="1"/>
-          </p:cNvSpPr>
-          <p:nvPr>
-            <p:ph idx="1"/>
-          </p:nvPr>
-        </p:nvSpPr>
-        <p:spPr>
-          <a:xfrm>
-            <a:off x="838200" y="1835353"/>
-            <a:ext cx="10515600" cy="4351338"/>
-          </a:xfrm>
-        </p:spPr>
-        <p:txBody>
-          <a:bodyPr/>
-          <a:lstStyle/>
-          <a:p>
-            <a:r>
-              <a:rPr lang="nb-NO" dirty="0" smtClean="0"/>
-              <a:t>Elektrisitet</a:t>
-            </a:r>
-          </a:p>
-          <a:p>
-            <a:pPr lvl="1"/>
-            <a:r>
-              <a:rPr lang="nb-NO" dirty="0" smtClean="0"/>
-              <a:t>Elektrisitet er fysiske fenomener knyttet til negativt eller positivt ladde partikler i ro eller i bevegelse (Wikipedia)</a:t>
-            </a:r>
-          </a:p>
-          <a:p>
-            <a:pPr lvl="2"/>
-            <a:r>
-              <a:rPr lang="nb-NO" dirty="0" smtClean="0"/>
-              <a:t>Volt (spenning)</a:t>
-            </a:r>
-          </a:p>
-          <a:p>
-            <a:pPr lvl="2"/>
-            <a:r>
-              <a:rPr lang="nb-NO" dirty="0" smtClean="0"/>
-              <a:t>Ampere</a:t>
-            </a:r>
-          </a:p>
-          <a:p>
-            <a:pPr lvl="3"/>
-            <a:r>
-              <a:rPr lang="nb-NO" dirty="0" smtClean="0"/>
-              <a:t>6.241*10</a:t>
-            </a:r>
-            <a:r>
-              <a:rPr lang="nb-NO" sz="1600" baseline="30000" dirty="0" smtClean="0"/>
-              <a:t>18</a:t>
-            </a:r>
-            <a:r>
-              <a:rPr lang="nb-NO" sz="1600" dirty="0" smtClean="0"/>
-              <a:t> elektroner per sekund</a:t>
-            </a:r>
-            <a:endParaRPr lang="nb-NO" dirty="0" smtClean="0"/>
-          </a:p>
-          <a:p>
-            <a:pPr lvl="3"/>
-            <a:r>
-              <a:rPr lang="nb-NO" dirty="0" smtClean="0"/>
-              <a:t>Amperesekunder</a:t>
-            </a:r>
-          </a:p>
-          <a:p>
-            <a:pPr lvl="2"/>
-            <a:r>
-              <a:rPr lang="nb-NO" dirty="0" smtClean="0"/>
-              <a:t>Watt</a:t>
-            </a:r>
-          </a:p>
-          <a:p>
-            <a:pPr lvl="3"/>
-            <a:r>
-              <a:rPr lang="nb-NO" dirty="0" smtClean="0"/>
-              <a:t>(Kilo)Watt-timer</a:t>
-            </a:r>
-          </a:p>
-          <a:p>
-            <a:pPr lvl="2"/>
-            <a:r>
-              <a:rPr lang="nb-NO" dirty="0" smtClean="0"/>
-              <a:t>Ohm</a:t>
-            </a:r>
-            <a:endParaRPr lang="nb-NO" dirty="0"/>
-          </a:p>
-        </p:txBody>
-      </p:sp>
-    </p:spTree>
-    <p:extLst>
-      <p:ext uri="{BB962C8B-B14F-4D97-AF65-F5344CB8AC3E}">
-        <p14:creationId xmlns:p14="http://schemas.microsoft.com/office/powerpoint/2010/main" val="3156509617"/>
-      </p:ext>
-    </p:extLst>
-  </p:cSld>
-  <p:clrMapOvr>
-    <a:masterClrMapping/>
-  </p:clrMapOvr>
-</p:sld>
-</file>
-
-<file path=ppt/slides/slide5.xml><?xml version="1.0" encoding="utf-8"?>
-<p:sld xmlns:a="http://schemas.openxmlformats.org/drawingml/2006/main" xmlns:r="http://schemas.openxmlformats.org/officeDocument/2006/relationships" xmlns:p="http://schemas.openxmlformats.org/presentationml/2006/main">
-  <p:cSld>
-    <p:spTree>
-      <p:nvGrpSpPr>
-        <p:cNvPr id="1" name=""/>
-        <p:cNvGrpSpPr/>
-        <p:nvPr/>
-      </p:nvGrpSpPr>
-      <p:grpSpPr>
-        <a:xfrm>
-          <a:off x="0" y="0"/>
-          <a:ext cx="0" cy="0"/>
-          <a:chOff x="0" y="0"/>
-          <a:chExt cx="0" cy="0"/>
-        </a:xfrm>
-      </p:grpSpPr>
-      <p:sp>
-        <p:nvSpPr>
-          <p:cNvPr id="2" name="Title 1"/>
-          <p:cNvSpPr>
-            <a:spLocks noGrp="1"/>
-          </p:cNvSpPr>
-          <p:nvPr>
-            <p:ph type="title"/>
-          </p:nvPr>
-        </p:nvSpPr>
-        <p:spPr/>
-        <p:txBody>
-          <a:bodyPr/>
-          <a:lstStyle/>
-          <a:p>
-            <a:r>
-              <a:rPr lang="nb-NO" dirty="0" smtClean="0"/>
-              <a:t>Innføring i strøm og slikt</a:t>
-            </a:r>
-            <a:endParaRPr lang="nb-NO" dirty="0"/>
-          </a:p>
-        </p:txBody>
-      </p:sp>
-      <p:pic>
-        <p:nvPicPr>
-          <p:cNvPr id="1026" name="Picture 2" descr="Voltage is like the pressure created by the water."/>
-          <p:cNvPicPr>
-            <a:picLocks noGrp="1" noChangeAspect="1" noChangeArrowheads="1"/>
-          </p:cNvPicPr>
-          <p:nvPr>
-            <p:ph idx="1"/>
-          </p:nvPr>
-        </p:nvPicPr>
-        <p:blipFill>
-          <a:blip r:embed="rId3">
-            <a:extLst>
-              <a:ext uri="{28A0092B-C50C-407E-A947-70E740481C1C}">
-                <a14:useLocalDpi xmlns:a14="http://schemas.microsoft.com/office/drawing/2010/main" val="0"/>
-              </a:ext>
-            </a:extLst>
-          </a:blip>
-          <a:srcRect/>
-          <a:stretch>
-            <a:fillRect/>
-          </a:stretch>
-        </p:blipFill>
-        <p:spPr bwMode="auto">
-          <a:xfrm>
-            <a:off x="0" y="1574417"/>
-            <a:ext cx="4340487" cy="4351338"/>
-          </a:xfrm>
-          <a:prstGeom prst="rect">
-            <a:avLst/>
-          </a:prstGeom>
-          <a:noFill/>
-          <a:extLst>
-            <a:ext uri="{909E8E84-426E-40DD-AFC4-6F175D3DCCD1}">
-              <a14:hiddenFill xmlns:a14="http://schemas.microsoft.com/office/drawing/2010/main">
-                <a:solidFill>
-                  <a:srgbClr val="FFFFFF"/>
-                </a:solidFill>
-              </a14:hiddenFill>
-            </a:ext>
-          </a:extLst>
-        </p:spPr>
-      </p:pic>
-      <p:sp>
-        <p:nvSpPr>
-          <p:cNvPr id="4" name="TextBox 3"/>
-          <p:cNvSpPr txBox="1"/>
-          <p:nvPr/>
-        </p:nvSpPr>
-        <p:spPr>
-          <a:xfrm>
-            <a:off x="3619081" y="2642716"/>
-            <a:ext cx="4953837" cy="923330"/>
-          </a:xfrm>
-          <a:prstGeom prst="rect">
-            <a:avLst/>
-          </a:prstGeom>
-          <a:noFill/>
-        </p:spPr>
-        <p:txBody>
-          <a:bodyPr wrap="square" rtlCol="0">
-            <a:spAutoFit/>
-          </a:bodyPr>
-          <a:lstStyle/>
-          <a:p>
-            <a:pPr marL="285750" indent="-285750">
-              <a:buFont typeface="Arial" panose="020B0604020202020204" pitchFamily="34" charset="0"/>
-              <a:buChar char="•"/>
-            </a:pPr>
-            <a:r>
-              <a:rPr lang="nb-NO" dirty="0" smtClean="0"/>
-              <a:t>Vann = ladning</a:t>
-            </a:r>
-          </a:p>
-          <a:p>
-            <a:pPr marL="285750" indent="-285750">
-              <a:buFont typeface="Arial" panose="020B0604020202020204" pitchFamily="34" charset="0"/>
-              <a:buChar char="•"/>
-            </a:pPr>
-            <a:r>
-              <a:rPr lang="nb-NO" dirty="0" smtClean="0"/>
-              <a:t>Trykk = Volt</a:t>
-            </a:r>
-          </a:p>
-          <a:p>
-            <a:pPr marL="285750" indent="-285750">
-              <a:buFont typeface="Arial" panose="020B0604020202020204" pitchFamily="34" charset="0"/>
-              <a:buChar char="•"/>
-            </a:pPr>
-            <a:r>
-              <a:rPr lang="nb-NO" dirty="0" smtClean="0"/>
-              <a:t>Vannstrøm = elektrisk strøm</a:t>
-            </a:r>
-            <a:endParaRPr lang="nb-NO" dirty="0"/>
-          </a:p>
-        </p:txBody>
-      </p:sp>
-    </p:spTree>
-    <p:extLst>
-      <p:ext uri="{BB962C8B-B14F-4D97-AF65-F5344CB8AC3E}">
-        <p14:creationId xmlns:p14="http://schemas.microsoft.com/office/powerpoint/2010/main" val="2920236697"/>
-      </p:ext>
-    </p:extLst>
-  </p:cSld>
-  <p:clrMapOvr>
-    <a:masterClrMapping/>
-  </p:clrMapOvr>
-</p:sld>
-</file>
-
-<file path=ppt/slides/slide6.xml><?xml version="1.0" encoding="utf-8"?>
 <p:sld xmlns:a="http://schemas.openxmlformats.org/drawingml/2006/main" xmlns:r="http://schemas.openxmlformats.org/officeDocument/2006/relationships" xmlns:p="http://schemas.openxmlformats.org/presentationml/2006/main">
   <p:cSld>
     <p:spTree>
@@ -7419,10 +5944,17 @@
   <p:clrMapOvr>
     <a:masterClrMapping/>
   </p:clrMapOvr>
+  <p:timing>
+    <p:tnLst>
+      <p:par>
+        <p:cTn id="1" dur="indefinite" restart="never" nodeType="tmRoot"/>
+      </p:par>
+    </p:tnLst>
+  </p:timing>
 </p:sld>
 </file>
 
-<file path=ppt/slides/slide7.xml><?xml version="1.0" encoding="utf-8"?>
+<file path=ppt/slides/slide11.xml><?xml version="1.0" encoding="utf-8"?>
 <p:sld xmlns:a="http://schemas.openxmlformats.org/drawingml/2006/main" xmlns:r="http://schemas.openxmlformats.org/officeDocument/2006/relationships" xmlns:p="http://schemas.openxmlformats.org/presentationml/2006/main">
   <p:cSld>
     <p:spTree>
@@ -7515,10 +6047,17 @@
   <p:clrMapOvr>
     <a:masterClrMapping/>
   </p:clrMapOvr>
+  <p:timing>
+    <p:tnLst>
+      <p:par>
+        <p:cTn id="1" dur="indefinite" restart="never" nodeType="tmRoot"/>
+      </p:par>
+    </p:tnLst>
+  </p:timing>
 </p:sld>
 </file>
 
-<file path=ppt/slides/slide8.xml><?xml version="1.0" encoding="utf-8"?>
+<file path=ppt/slides/slide12.xml><?xml version="1.0" encoding="utf-8"?>
 <p:sld xmlns:a="http://schemas.openxmlformats.org/drawingml/2006/main" xmlns:r="http://schemas.openxmlformats.org/officeDocument/2006/relationships" xmlns:p="http://schemas.openxmlformats.org/presentationml/2006/main">
   <p:cSld>
     <p:spTree>
@@ -7596,7 +6135,7 @@
         </p:nvGrpSpPr>
         <p:grpSpPr>
           <a:xfrm>
-            <a:off x="4916552" y="2614576"/>
+            <a:off x="5111761" y="3604214"/>
             <a:ext cx="3857024" cy="2723131"/>
             <a:chOff x="739906" y="2994383"/>
             <a:chExt cx="3857024" cy="2723131"/>
@@ -7842,6 +6381,43 @@
           </p:txBody>
         </p:sp>
       </p:grpSp>
+      <p:sp>
+        <p:nvSpPr>
+          <p:cNvPr id="4" name="Rectangle 3"/>
+          <p:cNvSpPr/>
+          <p:nvPr/>
+        </p:nvSpPr>
+        <p:spPr>
+          <a:xfrm>
+            <a:off x="4177587" y="2312108"/>
+            <a:ext cx="6096000" cy="923330"/>
+          </a:xfrm>
+          <a:prstGeom prst="rect">
+            <a:avLst/>
+          </a:prstGeom>
+        </p:spPr>
+        <p:txBody>
+          <a:bodyPr>
+            <a:spAutoFit/>
+          </a:bodyPr>
+          <a:lstStyle/>
+          <a:p>
+            <a:r>
+              <a:rPr lang="nb-NO" dirty="0" smtClean="0"/>
+              <a:t>Strømmen </a:t>
+            </a:r>
+            <a:r>
+              <a:rPr lang="nb-NO" dirty="0"/>
+              <a:t>gjennom en metallisk leder med konstant temperatur er proporsjonal med den elektriske potensialforskjellen (spenningen) over </a:t>
+            </a:r>
+            <a:r>
+              <a:rPr lang="nb-NO" dirty="0" smtClean="0"/>
+              <a:t>den (wikipedia)</a:t>
+            </a:r>
+            <a:endParaRPr lang="nb-NO" dirty="0"/>
+          </a:p>
+        </p:txBody>
+      </p:sp>
     </p:spTree>
     <p:extLst>
       <p:ext uri="{BB962C8B-B14F-4D97-AF65-F5344CB8AC3E}">
@@ -7852,10 +6428,17 @@
   <p:clrMapOvr>
     <a:masterClrMapping/>
   </p:clrMapOvr>
+  <p:timing>
+    <p:tnLst>
+      <p:par>
+        <p:cTn id="1" dur="indefinite" restart="never" nodeType="tmRoot"/>
+      </p:par>
+    </p:tnLst>
+  </p:timing>
 </p:sld>
 </file>
 
-<file path=ppt/slides/slide9.xml><?xml version="1.0" encoding="utf-8"?>
+<file path=ppt/slides/slide13.xml><?xml version="1.0" encoding="utf-8"?>
 <p:sld xmlns:a="http://schemas.openxmlformats.org/drawingml/2006/main" xmlns:r="http://schemas.openxmlformats.org/officeDocument/2006/relationships" xmlns:p="http://schemas.openxmlformats.org/presentationml/2006/main">
   <p:cSld>
     <p:spTree>
@@ -7946,6 +6529,3195 @@
   <p:clrMapOvr>
     <a:masterClrMapping/>
   </p:clrMapOvr>
+  <p:timing>
+    <p:tnLst>
+      <p:par>
+        <p:cTn id="1" dur="indefinite" restart="never" nodeType="tmRoot"/>
+      </p:par>
+    </p:tnLst>
+  </p:timing>
+</p:sld>
+</file>
+
+<file path=ppt/slides/slide14.xml><?xml version="1.0" encoding="utf-8"?>
+<p:sld xmlns:a="http://schemas.openxmlformats.org/drawingml/2006/main" xmlns:r="http://schemas.openxmlformats.org/officeDocument/2006/relationships" xmlns:p="http://schemas.openxmlformats.org/presentationml/2006/main">
+  <p:cSld>
+    <p:spTree>
+      <p:nvGrpSpPr>
+        <p:cNvPr id="1" name=""/>
+        <p:cNvGrpSpPr/>
+        <p:nvPr/>
+      </p:nvGrpSpPr>
+      <p:grpSpPr>
+        <a:xfrm>
+          <a:off x="0" y="0"/>
+          <a:ext cx="0" cy="0"/>
+          <a:chOff x="0" y="0"/>
+          <a:chExt cx="0" cy="0"/>
+        </a:xfrm>
+      </p:grpSpPr>
+      <p:sp>
+        <p:nvSpPr>
+          <p:cNvPr id="2" name="Title 1"/>
+          <p:cNvSpPr>
+            <a:spLocks noGrp="1"/>
+          </p:cNvSpPr>
+          <p:nvPr>
+            <p:ph type="title"/>
+          </p:nvPr>
+        </p:nvSpPr>
+        <p:spPr/>
+        <p:txBody>
+          <a:bodyPr/>
+          <a:lstStyle/>
+          <a:p>
+            <a:r>
+              <a:rPr lang="nb-NO" dirty="0" smtClean="0"/>
+              <a:t>Innføring i strøm og slikt</a:t>
+            </a:r>
+            <a:endParaRPr lang="nb-NO" dirty="0"/>
+          </a:p>
+        </p:txBody>
+      </p:sp>
+      <p:sp>
+        <p:nvSpPr>
+          <p:cNvPr id="3" name="Content Placeholder 2"/>
+          <p:cNvSpPr>
+            <a:spLocks noGrp="1"/>
+          </p:cNvSpPr>
+          <p:nvPr>
+            <p:ph idx="1"/>
+          </p:nvPr>
+        </p:nvSpPr>
+        <p:spPr>
+          <a:xfrm>
+            <a:off x="838200" y="1374363"/>
+            <a:ext cx="7723909" cy="917575"/>
+          </a:xfrm>
+        </p:spPr>
+        <p:txBody>
+          <a:bodyPr>
+            <a:normAutofit/>
+          </a:bodyPr>
+          <a:lstStyle/>
+          <a:p>
+            <a:r>
+              <a:rPr lang="nb-NO" dirty="0" err="1" smtClean="0"/>
+              <a:t>Resistorverdier</a:t>
+            </a:r>
+            <a:r>
+              <a:rPr lang="nb-NO" dirty="0"/>
+              <a:t> - </a:t>
+            </a:r>
+            <a:r>
+              <a:rPr lang="nb-NO" sz="2000" dirty="0"/>
+              <a:t>http://www.ladyada.net/images/metertutorial/rescolorcode.jpg</a:t>
+            </a:r>
+            <a:endParaRPr lang="nb-NO" sz="2400" dirty="0"/>
+          </a:p>
+        </p:txBody>
+      </p:sp>
+      <p:pic>
+        <p:nvPicPr>
+          <p:cNvPr id="6146" name="Picture 2" descr="http://www.ladyada.net/images/metertutorial/rescolorcode.jpg"/>
+          <p:cNvPicPr>
+            <a:picLocks noChangeAspect="1" noChangeArrowheads="1"/>
+          </p:cNvPicPr>
+          <p:nvPr/>
+        </p:nvPicPr>
+        <p:blipFill>
+          <a:blip r:embed="rId3">
+            <a:extLst>
+              <a:ext uri="{28A0092B-C50C-407E-A947-70E740481C1C}">
+                <a14:useLocalDpi xmlns:a14="http://schemas.microsoft.com/office/drawing/2010/main" val="0"/>
+              </a:ext>
+            </a:extLst>
+          </a:blip>
+          <a:srcRect/>
+          <a:stretch>
+            <a:fillRect/>
+          </a:stretch>
+        </p:blipFill>
+        <p:spPr bwMode="auto">
+          <a:xfrm>
+            <a:off x="8245759" y="773890"/>
+            <a:ext cx="3795821" cy="5947544"/>
+          </a:xfrm>
+          <a:prstGeom prst="rect">
+            <a:avLst/>
+          </a:prstGeom>
+          <a:noFill/>
+          <a:extLst>
+            <a:ext uri="{909E8E84-426E-40DD-AFC4-6F175D3DCCD1}">
+              <a14:hiddenFill xmlns:a14="http://schemas.microsoft.com/office/drawing/2010/main">
+                <a:solidFill>
+                  <a:srgbClr val="FFFFFF"/>
+                </a:solidFill>
+              </a14:hiddenFill>
+            </a:ext>
+          </a:extLst>
+        </p:spPr>
+      </p:pic>
+      <p:pic>
+        <p:nvPicPr>
+          <p:cNvPr id="6150" name="Picture 6" descr="https://s-media-cache-ak0.pinimg.com/736x/bf/97/84/bf9784c8faf8693a35b4034d94c2af90.jpg"/>
+          <p:cNvPicPr>
+            <a:picLocks noChangeAspect="1" noChangeArrowheads="1"/>
+          </p:cNvPicPr>
+          <p:nvPr/>
+        </p:nvPicPr>
+        <p:blipFill>
+          <a:blip r:embed="rId4">
+            <a:extLst>
+              <a:ext uri="{28A0092B-C50C-407E-A947-70E740481C1C}">
+                <a14:useLocalDpi xmlns:a14="http://schemas.microsoft.com/office/drawing/2010/main" val="0"/>
+              </a:ext>
+            </a:extLst>
+          </a:blip>
+          <a:srcRect/>
+          <a:stretch>
+            <a:fillRect/>
+          </a:stretch>
+        </p:blipFill>
+        <p:spPr bwMode="auto">
+          <a:xfrm>
+            <a:off x="618711" y="2592062"/>
+            <a:ext cx="3356620" cy="1440000"/>
+          </a:xfrm>
+          <a:prstGeom prst="rect">
+            <a:avLst/>
+          </a:prstGeom>
+          <a:noFill/>
+          <a:extLst>
+            <a:ext uri="{909E8E84-426E-40DD-AFC4-6F175D3DCCD1}">
+              <a14:hiddenFill xmlns:a14="http://schemas.microsoft.com/office/drawing/2010/main">
+                <a:solidFill>
+                  <a:srgbClr val="FFFFFF"/>
+                </a:solidFill>
+              </a14:hiddenFill>
+            </a:ext>
+          </a:extLst>
+        </p:spPr>
+      </p:pic>
+      <p:pic>
+        <p:nvPicPr>
+          <p:cNvPr id="6152" name="Picture 8" descr="http://iamtechnical.com/sites/default/files/1k-ohm-resistor-color-code.jpg"/>
+          <p:cNvPicPr>
+            <a:picLocks noChangeAspect="1" noChangeArrowheads="1"/>
+          </p:cNvPicPr>
+          <p:nvPr/>
+        </p:nvPicPr>
+        <p:blipFill>
+          <a:blip r:embed="rId5">
+            <a:extLst>
+              <a:ext uri="{28A0092B-C50C-407E-A947-70E740481C1C}">
+                <a14:useLocalDpi xmlns:a14="http://schemas.microsoft.com/office/drawing/2010/main" val="0"/>
+              </a:ext>
+            </a:extLst>
+          </a:blip>
+          <a:srcRect/>
+          <a:stretch>
+            <a:fillRect/>
+          </a:stretch>
+        </p:blipFill>
+        <p:spPr bwMode="auto">
+          <a:xfrm>
+            <a:off x="4440251" y="2581176"/>
+            <a:ext cx="3311497" cy="1440000"/>
+          </a:xfrm>
+          <a:prstGeom prst="rect">
+            <a:avLst/>
+          </a:prstGeom>
+          <a:noFill/>
+          <a:extLst>
+            <a:ext uri="{909E8E84-426E-40DD-AFC4-6F175D3DCCD1}">
+              <a14:hiddenFill xmlns:a14="http://schemas.microsoft.com/office/drawing/2010/main">
+                <a:solidFill>
+                  <a:srgbClr val="FFFFFF"/>
+                </a:solidFill>
+              </a14:hiddenFill>
+            </a:ext>
+          </a:extLst>
+        </p:spPr>
+      </p:pic>
+      <p:pic>
+        <p:nvPicPr>
+          <p:cNvPr id="6154" name="Picture 10" descr="http://iamtechnical.com/sites/default/files/10k-ohm-resistor-color-code.jpg"/>
+          <p:cNvPicPr>
+            <a:picLocks noChangeAspect="1" noChangeArrowheads="1"/>
+          </p:cNvPicPr>
+          <p:nvPr/>
+        </p:nvPicPr>
+        <p:blipFill>
+          <a:blip r:embed="rId6">
+            <a:extLst>
+              <a:ext uri="{28A0092B-C50C-407E-A947-70E740481C1C}">
+                <a14:useLocalDpi xmlns:a14="http://schemas.microsoft.com/office/drawing/2010/main" val="0"/>
+              </a:ext>
+            </a:extLst>
+          </a:blip>
+          <a:srcRect/>
+          <a:stretch>
+            <a:fillRect/>
+          </a:stretch>
+        </p:blipFill>
+        <p:spPr bwMode="auto">
+          <a:xfrm>
+            <a:off x="2509338" y="4882712"/>
+            <a:ext cx="3321930" cy="1440000"/>
+          </a:xfrm>
+          <a:prstGeom prst="rect">
+            <a:avLst/>
+          </a:prstGeom>
+          <a:noFill/>
+          <a:extLst>
+            <a:ext uri="{909E8E84-426E-40DD-AFC4-6F175D3DCCD1}">
+              <a14:hiddenFill xmlns:a14="http://schemas.microsoft.com/office/drawing/2010/main">
+                <a:solidFill>
+                  <a:srgbClr val="FFFFFF"/>
+                </a:solidFill>
+              </a14:hiddenFill>
+            </a:ext>
+          </a:extLst>
+        </p:spPr>
+      </p:pic>
+    </p:spTree>
+    <p:extLst>
+      <p:ext uri="{BB962C8B-B14F-4D97-AF65-F5344CB8AC3E}">
+        <p14:creationId xmlns:p14="http://schemas.microsoft.com/office/powerpoint/2010/main" val="1460757533"/>
+      </p:ext>
+    </p:extLst>
+  </p:cSld>
+  <p:clrMapOvr>
+    <a:masterClrMapping/>
+  </p:clrMapOvr>
+  <p:timing>
+    <p:tnLst>
+      <p:par>
+        <p:cTn id="1" dur="indefinite" restart="never" nodeType="tmRoot"/>
+      </p:par>
+    </p:tnLst>
+  </p:timing>
+</p:sld>
+</file>
+
+<file path=ppt/slides/slide15.xml><?xml version="1.0" encoding="utf-8"?>
+<p:sld xmlns:a="http://schemas.openxmlformats.org/drawingml/2006/main" xmlns:r="http://schemas.openxmlformats.org/officeDocument/2006/relationships" xmlns:p="http://schemas.openxmlformats.org/presentationml/2006/main">
+  <p:cSld>
+    <p:spTree>
+      <p:nvGrpSpPr>
+        <p:cNvPr id="1" name=""/>
+        <p:cNvGrpSpPr/>
+        <p:nvPr/>
+      </p:nvGrpSpPr>
+      <p:grpSpPr>
+        <a:xfrm>
+          <a:off x="0" y="0"/>
+          <a:ext cx="0" cy="0"/>
+          <a:chOff x="0" y="0"/>
+          <a:chExt cx="0" cy="0"/>
+        </a:xfrm>
+      </p:grpSpPr>
+      <p:sp>
+        <p:nvSpPr>
+          <p:cNvPr id="2" name="Title 1"/>
+          <p:cNvSpPr>
+            <a:spLocks noGrp="1"/>
+          </p:cNvSpPr>
+          <p:nvPr>
+            <p:ph type="title"/>
+          </p:nvPr>
+        </p:nvSpPr>
+        <p:spPr/>
+        <p:txBody>
+          <a:bodyPr/>
+          <a:lstStyle/>
+          <a:p>
+            <a:r>
+              <a:rPr lang="nb-NO" dirty="0" smtClean="0"/>
+              <a:t>Innføring i strøm og slikt</a:t>
+            </a:r>
+            <a:endParaRPr lang="nb-NO" dirty="0"/>
+          </a:p>
+        </p:txBody>
+      </p:sp>
+      <p:sp>
+        <p:nvSpPr>
+          <p:cNvPr id="3" name="Content Placeholder 2"/>
+          <p:cNvSpPr>
+            <a:spLocks noGrp="1"/>
+          </p:cNvSpPr>
+          <p:nvPr>
+            <p:ph idx="1"/>
+          </p:nvPr>
+        </p:nvSpPr>
+        <p:spPr/>
+        <p:txBody>
+          <a:bodyPr/>
+          <a:lstStyle/>
+          <a:p>
+            <a:r>
+              <a:rPr lang="nb-NO" dirty="0" smtClean="0"/>
+              <a:t>Eksempel: LED-pære</a:t>
+            </a:r>
+            <a:endParaRPr lang="nb-NO" dirty="0"/>
+          </a:p>
+        </p:txBody>
+      </p:sp>
+    </p:spTree>
+    <p:extLst>
+      <p:ext uri="{BB962C8B-B14F-4D97-AF65-F5344CB8AC3E}">
+        <p14:creationId xmlns:p14="http://schemas.microsoft.com/office/powerpoint/2010/main" val="1319356786"/>
+      </p:ext>
+    </p:extLst>
+  </p:cSld>
+  <p:clrMapOvr>
+    <a:masterClrMapping/>
+  </p:clrMapOvr>
+  <p:timing>
+    <p:tnLst>
+      <p:par>
+        <p:cTn id="1" dur="indefinite" restart="never" nodeType="tmRoot"/>
+      </p:par>
+    </p:tnLst>
+  </p:timing>
+</p:sld>
+</file>
+
+<file path=ppt/slides/slide16.xml><?xml version="1.0" encoding="utf-8"?>
+<p:sld xmlns:a="http://schemas.openxmlformats.org/drawingml/2006/main" xmlns:r="http://schemas.openxmlformats.org/officeDocument/2006/relationships" xmlns:p="http://schemas.openxmlformats.org/presentationml/2006/main">
+  <p:cSld>
+    <p:spTree>
+      <p:nvGrpSpPr>
+        <p:cNvPr id="1" name=""/>
+        <p:cNvGrpSpPr/>
+        <p:nvPr/>
+      </p:nvGrpSpPr>
+      <p:grpSpPr>
+        <a:xfrm>
+          <a:off x="0" y="0"/>
+          <a:ext cx="0" cy="0"/>
+          <a:chOff x="0" y="0"/>
+          <a:chExt cx="0" cy="0"/>
+        </a:xfrm>
+      </p:grpSpPr>
+      <p:sp>
+        <p:nvSpPr>
+          <p:cNvPr id="2" name="Title 1"/>
+          <p:cNvSpPr>
+            <a:spLocks noGrp="1"/>
+          </p:cNvSpPr>
+          <p:nvPr>
+            <p:ph type="title"/>
+          </p:nvPr>
+        </p:nvSpPr>
+        <p:spPr/>
+        <p:txBody>
+          <a:bodyPr/>
+          <a:lstStyle/>
+          <a:p>
+            <a:r>
+              <a:rPr lang="nb-NO" dirty="0" smtClean="0"/>
+              <a:t>Innføring i strøm og slikt</a:t>
+            </a:r>
+            <a:endParaRPr lang="nb-NO" dirty="0"/>
+          </a:p>
+        </p:txBody>
+      </p:sp>
+      <p:sp>
+        <p:nvSpPr>
+          <p:cNvPr id="4" name="TextBox 3"/>
+          <p:cNvSpPr txBox="1"/>
+          <p:nvPr/>
+        </p:nvSpPr>
+        <p:spPr>
+          <a:xfrm>
+            <a:off x="1789889" y="1857983"/>
+            <a:ext cx="184731" cy="369332"/>
+          </a:xfrm>
+          <a:prstGeom prst="rect">
+            <a:avLst/>
+          </a:prstGeom>
+          <a:noFill/>
+        </p:spPr>
+        <p:txBody>
+          <a:bodyPr wrap="none" rtlCol="0">
+            <a:spAutoFit/>
+          </a:bodyPr>
+          <a:lstStyle/>
+          <a:p>
+            <a:endParaRPr lang="nb-NO" dirty="0"/>
+          </a:p>
+        </p:txBody>
+      </p:sp>
+      <p:sp>
+        <p:nvSpPr>
+          <p:cNvPr id="5" name="TextBox 4"/>
+          <p:cNvSpPr txBox="1"/>
+          <p:nvPr/>
+        </p:nvSpPr>
+        <p:spPr>
+          <a:xfrm>
+            <a:off x="1040859" y="1469196"/>
+            <a:ext cx="3005847" cy="369332"/>
+          </a:xfrm>
+          <a:prstGeom prst="rect">
+            <a:avLst/>
+          </a:prstGeom>
+          <a:noFill/>
+        </p:spPr>
+        <p:txBody>
+          <a:bodyPr wrap="square" rtlCol="0">
+            <a:spAutoFit/>
+          </a:bodyPr>
+          <a:lstStyle/>
+          <a:p>
+            <a:r>
+              <a:rPr lang="nb-NO" dirty="0" smtClean="0"/>
+              <a:t>Elektriske skjemas</a:t>
+            </a:r>
+            <a:endParaRPr lang="nb-NO" dirty="0"/>
+          </a:p>
+        </p:txBody>
+      </p:sp>
+      <p:pic>
+        <p:nvPicPr>
+          <p:cNvPr id="6148" name="Picture 4" descr="Resistor schematic symbols"/>
+          <p:cNvPicPr>
+            <a:picLocks noChangeAspect="1" noChangeArrowheads="1"/>
+          </p:cNvPicPr>
+          <p:nvPr/>
+        </p:nvPicPr>
+        <p:blipFill>
+          <a:blip r:embed="rId3">
+            <a:extLst>
+              <a:ext uri="{28A0092B-C50C-407E-A947-70E740481C1C}">
+                <a14:useLocalDpi xmlns:a14="http://schemas.microsoft.com/office/drawing/2010/main" val="0"/>
+              </a:ext>
+            </a:extLst>
+          </a:blip>
+          <a:srcRect/>
+          <a:stretch>
+            <a:fillRect/>
+          </a:stretch>
+        </p:blipFill>
+        <p:spPr bwMode="auto">
+          <a:xfrm>
+            <a:off x="748962" y="2348933"/>
+            <a:ext cx="3810000" cy="1114425"/>
+          </a:xfrm>
+          <a:prstGeom prst="rect">
+            <a:avLst/>
+          </a:prstGeom>
+          <a:noFill/>
+          <a:extLst>
+            <a:ext uri="{909E8E84-426E-40DD-AFC4-6F175D3DCCD1}">
+              <a14:hiddenFill xmlns:a14="http://schemas.microsoft.com/office/drawing/2010/main">
+                <a:solidFill>
+                  <a:srgbClr val="FFFFFF"/>
+                </a:solidFill>
+              </a14:hiddenFill>
+            </a:ext>
+          </a:extLst>
+        </p:spPr>
+      </p:pic>
+      <p:pic>
+        <p:nvPicPr>
+          <p:cNvPr id="6150" name="Picture 6" descr="http://www.ladyada.net/images/arduino/powergndsym.jpg"/>
+          <p:cNvPicPr>
+            <a:picLocks noChangeAspect="1" noChangeArrowheads="1"/>
+          </p:cNvPicPr>
+          <p:nvPr/>
+        </p:nvPicPr>
+        <p:blipFill>
+          <a:blip r:embed="rId4">
+            <a:extLst>
+              <a:ext uri="{28A0092B-C50C-407E-A947-70E740481C1C}">
+                <a14:useLocalDpi xmlns:a14="http://schemas.microsoft.com/office/drawing/2010/main" val="0"/>
+              </a:ext>
+            </a:extLst>
+          </a:blip>
+          <a:srcRect/>
+          <a:stretch>
+            <a:fillRect/>
+          </a:stretch>
+        </p:blipFill>
+        <p:spPr bwMode="auto">
+          <a:xfrm>
+            <a:off x="930679" y="4343095"/>
+            <a:ext cx="1323975" cy="828676"/>
+          </a:xfrm>
+          <a:prstGeom prst="rect">
+            <a:avLst/>
+          </a:prstGeom>
+          <a:noFill/>
+          <a:extLst>
+            <a:ext uri="{909E8E84-426E-40DD-AFC4-6F175D3DCCD1}">
+              <a14:hiddenFill xmlns:a14="http://schemas.microsoft.com/office/drawing/2010/main">
+                <a:solidFill>
+                  <a:srgbClr val="FFFFFF"/>
+                </a:solidFill>
+              </a14:hiddenFill>
+            </a:ext>
+          </a:extLst>
+        </p:spPr>
+      </p:pic>
+      <p:pic>
+        <p:nvPicPr>
+          <p:cNvPr id="6152" name="Picture 8" descr="http://www.ladyada.net/images/arduino/ledsymbol.jpg"/>
+          <p:cNvPicPr>
+            <a:picLocks noChangeAspect="1" noChangeArrowheads="1"/>
+          </p:cNvPicPr>
+          <p:nvPr/>
+        </p:nvPicPr>
+        <p:blipFill>
+          <a:blip r:embed="rId5">
+            <a:extLst>
+              <a:ext uri="{28A0092B-C50C-407E-A947-70E740481C1C}">
+                <a14:useLocalDpi xmlns:a14="http://schemas.microsoft.com/office/drawing/2010/main" val="0"/>
+              </a:ext>
+            </a:extLst>
+          </a:blip>
+          <a:srcRect/>
+          <a:stretch>
+            <a:fillRect/>
+          </a:stretch>
+        </p:blipFill>
+        <p:spPr bwMode="auto">
+          <a:xfrm>
+            <a:off x="2712328" y="4272493"/>
+            <a:ext cx="2066925" cy="742951"/>
+          </a:xfrm>
+          <a:prstGeom prst="rect">
+            <a:avLst/>
+          </a:prstGeom>
+          <a:noFill/>
+          <a:extLst>
+            <a:ext uri="{909E8E84-426E-40DD-AFC4-6F175D3DCCD1}">
+              <a14:hiddenFill xmlns:a14="http://schemas.microsoft.com/office/drawing/2010/main">
+                <a:solidFill>
+                  <a:srgbClr val="FFFFFF"/>
+                </a:solidFill>
+              </a14:hiddenFill>
+            </a:ext>
+          </a:extLst>
+        </p:spPr>
+      </p:pic>
+      <p:pic>
+        <p:nvPicPr>
+          <p:cNvPr id="6156" name="Picture 12" descr="http://www.ladyada.net/images/arduino/lesson3sch4.jpg"/>
+          <p:cNvPicPr>
+            <a:picLocks noChangeAspect="1" noChangeArrowheads="1"/>
+          </p:cNvPicPr>
+          <p:nvPr/>
+        </p:nvPicPr>
+        <p:blipFill rotWithShape="1">
+          <a:blip r:embed="rId6">
+            <a:extLst>
+              <a:ext uri="{28A0092B-C50C-407E-A947-70E740481C1C}">
+                <a14:useLocalDpi xmlns:a14="http://schemas.microsoft.com/office/drawing/2010/main" val="0"/>
+              </a:ext>
+            </a:extLst>
+          </a:blip>
+          <a:srcRect r="52994" b="69186"/>
+          <a:stretch/>
+        </p:blipFill>
+        <p:spPr bwMode="auto">
+          <a:xfrm>
+            <a:off x="5236927" y="4057446"/>
+            <a:ext cx="788008" cy="821810"/>
+          </a:xfrm>
+          <a:prstGeom prst="rect">
+            <a:avLst/>
+          </a:prstGeom>
+          <a:noFill/>
+          <a:extLst>
+            <a:ext uri="{909E8E84-426E-40DD-AFC4-6F175D3DCCD1}">
+              <a14:hiddenFill xmlns:a14="http://schemas.microsoft.com/office/drawing/2010/main">
+                <a:solidFill>
+                  <a:srgbClr val="FFFFFF"/>
+                </a:solidFill>
+              </a14:hiddenFill>
+            </a:ext>
+          </a:extLst>
+        </p:spPr>
+      </p:pic>
+      <p:sp>
+        <p:nvSpPr>
+          <p:cNvPr id="6" name="TextBox 5"/>
+          <p:cNvSpPr txBox="1"/>
+          <p:nvPr/>
+        </p:nvSpPr>
+        <p:spPr>
+          <a:xfrm>
+            <a:off x="2029634" y="1979601"/>
+            <a:ext cx="2334639" cy="369332"/>
+          </a:xfrm>
+          <a:prstGeom prst="rect">
+            <a:avLst/>
+          </a:prstGeom>
+          <a:noFill/>
+        </p:spPr>
+        <p:txBody>
+          <a:bodyPr wrap="square" rtlCol="0">
+            <a:spAutoFit/>
+          </a:bodyPr>
+          <a:lstStyle/>
+          <a:p>
+            <a:r>
+              <a:rPr lang="nb-NO" dirty="0" err="1" smtClean="0"/>
+              <a:t>Resistor</a:t>
+            </a:r>
+            <a:endParaRPr lang="nb-NO" dirty="0"/>
+          </a:p>
+        </p:txBody>
+      </p:sp>
+      <p:sp>
+        <p:nvSpPr>
+          <p:cNvPr id="7" name="TextBox 6"/>
+          <p:cNvSpPr txBox="1"/>
+          <p:nvPr/>
+        </p:nvSpPr>
+        <p:spPr>
+          <a:xfrm>
+            <a:off x="930679" y="3973763"/>
+            <a:ext cx="1613103" cy="369332"/>
+          </a:xfrm>
+          <a:prstGeom prst="rect">
+            <a:avLst/>
+          </a:prstGeom>
+          <a:noFill/>
+        </p:spPr>
+        <p:txBody>
+          <a:bodyPr wrap="square" rtlCol="0">
+            <a:spAutoFit/>
+          </a:bodyPr>
+          <a:lstStyle/>
+          <a:p>
+            <a:r>
+              <a:rPr lang="nb-NO" dirty="0" smtClean="0"/>
+              <a:t>Strøm og jord</a:t>
+            </a:r>
+            <a:endParaRPr lang="nb-NO" dirty="0"/>
+          </a:p>
+        </p:txBody>
+      </p:sp>
+      <p:sp>
+        <p:nvSpPr>
+          <p:cNvPr id="8" name="TextBox 7"/>
+          <p:cNvSpPr txBox="1"/>
+          <p:nvPr/>
+        </p:nvSpPr>
+        <p:spPr>
+          <a:xfrm>
+            <a:off x="3282848" y="3973763"/>
+            <a:ext cx="1664951" cy="369332"/>
+          </a:xfrm>
+          <a:prstGeom prst="rect">
+            <a:avLst/>
+          </a:prstGeom>
+          <a:noFill/>
+        </p:spPr>
+        <p:txBody>
+          <a:bodyPr wrap="square" rtlCol="0">
+            <a:spAutoFit/>
+          </a:bodyPr>
+          <a:lstStyle/>
+          <a:p>
+            <a:r>
+              <a:rPr lang="nb-NO" dirty="0" smtClean="0"/>
+              <a:t>LED</a:t>
+            </a:r>
+            <a:endParaRPr lang="nb-NO" dirty="0"/>
+          </a:p>
+        </p:txBody>
+      </p:sp>
+      <p:sp>
+        <p:nvSpPr>
+          <p:cNvPr id="9" name="TextBox 8"/>
+          <p:cNvSpPr txBox="1"/>
+          <p:nvPr/>
+        </p:nvSpPr>
+        <p:spPr>
+          <a:xfrm>
+            <a:off x="5083750" y="3973763"/>
+            <a:ext cx="1385144" cy="369332"/>
+          </a:xfrm>
+          <a:prstGeom prst="rect">
+            <a:avLst/>
+          </a:prstGeom>
+          <a:noFill/>
+        </p:spPr>
+        <p:txBody>
+          <a:bodyPr wrap="square" rtlCol="0">
+            <a:spAutoFit/>
+          </a:bodyPr>
+          <a:lstStyle/>
+          <a:p>
+            <a:r>
+              <a:rPr lang="nb-NO" dirty="0" err="1" smtClean="0"/>
+              <a:t>Arduino</a:t>
+            </a:r>
+            <a:r>
+              <a:rPr lang="nb-NO" dirty="0" smtClean="0"/>
+              <a:t>-pin</a:t>
+            </a:r>
+            <a:endParaRPr lang="nb-NO" dirty="0"/>
+          </a:p>
+        </p:txBody>
+      </p:sp>
+      <p:pic>
+        <p:nvPicPr>
+          <p:cNvPr id="1026" name="Picture 2" descr="http://www.ladyada.net/images/arduino/switch1.png"/>
+          <p:cNvPicPr>
+            <a:picLocks noChangeAspect="1" noChangeArrowheads="1"/>
+          </p:cNvPicPr>
+          <p:nvPr/>
+        </p:nvPicPr>
+        <p:blipFill rotWithShape="1">
+          <a:blip r:embed="rId7">
+            <a:extLst>
+              <a:ext uri="{28A0092B-C50C-407E-A947-70E740481C1C}">
+                <a14:useLocalDpi xmlns:a14="http://schemas.microsoft.com/office/drawing/2010/main" val="0"/>
+              </a:ext>
+            </a:extLst>
+          </a:blip>
+          <a:srcRect l="55897" t="27293" r="3252" b="61248"/>
+          <a:stretch/>
+        </p:blipFill>
+        <p:spPr bwMode="auto">
+          <a:xfrm>
+            <a:off x="5356645" y="2553781"/>
+            <a:ext cx="839354" cy="556888"/>
+          </a:xfrm>
+          <a:prstGeom prst="rect">
+            <a:avLst/>
+          </a:prstGeom>
+          <a:noFill/>
+          <a:extLst>
+            <a:ext uri="{909E8E84-426E-40DD-AFC4-6F175D3DCCD1}">
+              <a14:hiddenFill xmlns:a14="http://schemas.microsoft.com/office/drawing/2010/main">
+                <a:solidFill>
+                  <a:srgbClr val="FFFFFF"/>
+                </a:solidFill>
+              </a14:hiddenFill>
+            </a:ext>
+          </a:extLst>
+        </p:spPr>
+      </p:pic>
+      <p:sp>
+        <p:nvSpPr>
+          <p:cNvPr id="3" name="TextBox 2"/>
+          <p:cNvSpPr txBox="1"/>
+          <p:nvPr/>
+        </p:nvSpPr>
+        <p:spPr>
+          <a:xfrm>
+            <a:off x="5236927" y="2136938"/>
+            <a:ext cx="852103" cy="369332"/>
+          </a:xfrm>
+          <a:prstGeom prst="rect">
+            <a:avLst/>
+          </a:prstGeom>
+          <a:noFill/>
+        </p:spPr>
+        <p:txBody>
+          <a:bodyPr wrap="square" rtlCol="0">
+            <a:spAutoFit/>
+          </a:bodyPr>
+          <a:lstStyle/>
+          <a:p>
+            <a:r>
+              <a:rPr lang="nb-NO" dirty="0" smtClean="0"/>
+              <a:t>Bryter</a:t>
+            </a:r>
+            <a:endParaRPr lang="nb-NO" dirty="0"/>
+          </a:p>
+        </p:txBody>
+      </p:sp>
+    </p:spTree>
+    <p:extLst>
+      <p:ext uri="{BB962C8B-B14F-4D97-AF65-F5344CB8AC3E}">
+        <p14:creationId xmlns:p14="http://schemas.microsoft.com/office/powerpoint/2010/main" val="3444012206"/>
+      </p:ext>
+    </p:extLst>
+  </p:cSld>
+  <p:clrMapOvr>
+    <a:masterClrMapping/>
+  </p:clrMapOvr>
+  <p:timing>
+    <p:tnLst>
+      <p:par>
+        <p:cTn id="1" dur="indefinite" restart="never" nodeType="tmRoot"/>
+      </p:par>
+    </p:tnLst>
+  </p:timing>
+</p:sld>
+</file>
+
+<file path=ppt/slides/slide17.xml><?xml version="1.0" encoding="utf-8"?>
+<p:sld xmlns:a="http://schemas.openxmlformats.org/drawingml/2006/main" xmlns:r="http://schemas.openxmlformats.org/officeDocument/2006/relationships" xmlns:p="http://schemas.openxmlformats.org/presentationml/2006/main">
+  <p:cSld>
+    <p:spTree>
+      <p:nvGrpSpPr>
+        <p:cNvPr id="1" name=""/>
+        <p:cNvGrpSpPr/>
+        <p:nvPr/>
+      </p:nvGrpSpPr>
+      <p:grpSpPr>
+        <a:xfrm>
+          <a:off x="0" y="0"/>
+          <a:ext cx="0" cy="0"/>
+          <a:chOff x="0" y="0"/>
+          <a:chExt cx="0" cy="0"/>
+        </a:xfrm>
+      </p:grpSpPr>
+      <p:sp>
+        <p:nvSpPr>
+          <p:cNvPr id="2" name="Title 1"/>
+          <p:cNvSpPr>
+            <a:spLocks noGrp="1"/>
+          </p:cNvSpPr>
+          <p:nvPr>
+            <p:ph type="title"/>
+          </p:nvPr>
+        </p:nvSpPr>
+        <p:spPr/>
+        <p:txBody>
+          <a:bodyPr/>
+          <a:lstStyle/>
+          <a:p>
+            <a:r>
+              <a:rPr lang="nb-NO" dirty="0" smtClean="0"/>
+              <a:t>Kretser</a:t>
+            </a:r>
+            <a:endParaRPr lang="nb-NO" dirty="0"/>
+          </a:p>
+        </p:txBody>
+      </p:sp>
+      <p:pic>
+        <p:nvPicPr>
+          <p:cNvPr id="2050" name="Picture 2" descr="alt text"/>
+          <p:cNvPicPr>
+            <a:picLocks noChangeAspect="1" noChangeArrowheads="1"/>
+          </p:cNvPicPr>
+          <p:nvPr/>
+        </p:nvPicPr>
+        <p:blipFill>
+          <a:blip r:embed="rId3">
+            <a:extLst>
+              <a:ext uri="{28A0092B-C50C-407E-A947-70E740481C1C}">
+                <a14:useLocalDpi xmlns:a14="http://schemas.microsoft.com/office/drawing/2010/main" val="0"/>
+              </a:ext>
+            </a:extLst>
+          </a:blip>
+          <a:srcRect/>
+          <a:stretch>
+            <a:fillRect/>
+          </a:stretch>
+        </p:blipFill>
+        <p:spPr bwMode="auto">
+          <a:xfrm>
+            <a:off x="1684230" y="2791899"/>
+            <a:ext cx="6596130" cy="2880000"/>
+          </a:xfrm>
+          <a:prstGeom prst="rect">
+            <a:avLst/>
+          </a:prstGeom>
+          <a:noFill/>
+          <a:extLst>
+            <a:ext uri="{909E8E84-426E-40DD-AFC4-6F175D3DCCD1}">
+              <a14:hiddenFill xmlns:a14="http://schemas.microsoft.com/office/drawing/2010/main">
+                <a:solidFill>
+                  <a:srgbClr val="FFFFFF"/>
+                </a:solidFill>
+              </a14:hiddenFill>
+            </a:ext>
+          </a:extLst>
+        </p:spPr>
+      </p:pic>
+      <p:sp>
+        <p:nvSpPr>
+          <p:cNvPr id="5" name="TextBox 4"/>
+          <p:cNvSpPr txBox="1"/>
+          <p:nvPr/>
+        </p:nvSpPr>
+        <p:spPr>
+          <a:xfrm>
+            <a:off x="3417829" y="2327564"/>
+            <a:ext cx="3128933" cy="369332"/>
+          </a:xfrm>
+          <a:prstGeom prst="rect">
+            <a:avLst/>
+          </a:prstGeom>
+          <a:noFill/>
+        </p:spPr>
+        <p:txBody>
+          <a:bodyPr wrap="none" rtlCol="0">
+            <a:spAutoFit/>
+          </a:bodyPr>
+          <a:lstStyle/>
+          <a:p>
+            <a:r>
+              <a:rPr lang="nb-NO" dirty="0" smtClean="0"/>
+              <a:t>Lukket krets – slik skal det være</a:t>
+            </a:r>
+          </a:p>
+        </p:txBody>
+      </p:sp>
+    </p:spTree>
+    <p:extLst>
+      <p:ext uri="{BB962C8B-B14F-4D97-AF65-F5344CB8AC3E}">
+        <p14:creationId xmlns:p14="http://schemas.microsoft.com/office/powerpoint/2010/main" val="292277651"/>
+      </p:ext>
+    </p:extLst>
+  </p:cSld>
+  <p:clrMapOvr>
+    <a:masterClrMapping/>
+  </p:clrMapOvr>
+  <p:timing>
+    <p:tnLst>
+      <p:par>
+        <p:cTn id="1" dur="indefinite" restart="never" nodeType="tmRoot"/>
+      </p:par>
+    </p:tnLst>
+  </p:timing>
+</p:sld>
+</file>
+
+<file path=ppt/slides/slide18.xml><?xml version="1.0" encoding="utf-8"?>
+<p:sld xmlns:a="http://schemas.openxmlformats.org/drawingml/2006/main" xmlns:r="http://schemas.openxmlformats.org/officeDocument/2006/relationships" xmlns:p="http://schemas.openxmlformats.org/presentationml/2006/main">
+  <p:cSld>
+    <p:spTree>
+      <p:nvGrpSpPr>
+        <p:cNvPr id="1" name=""/>
+        <p:cNvGrpSpPr/>
+        <p:nvPr/>
+      </p:nvGrpSpPr>
+      <p:grpSpPr>
+        <a:xfrm>
+          <a:off x="0" y="0"/>
+          <a:ext cx="0" cy="0"/>
+          <a:chOff x="0" y="0"/>
+          <a:chExt cx="0" cy="0"/>
+        </a:xfrm>
+      </p:grpSpPr>
+      <p:sp>
+        <p:nvSpPr>
+          <p:cNvPr id="2" name="Title 1"/>
+          <p:cNvSpPr>
+            <a:spLocks noGrp="1"/>
+          </p:cNvSpPr>
+          <p:nvPr>
+            <p:ph type="title"/>
+          </p:nvPr>
+        </p:nvSpPr>
+        <p:spPr/>
+        <p:txBody>
+          <a:bodyPr/>
+          <a:lstStyle/>
+          <a:p>
+            <a:r>
+              <a:rPr lang="nb-NO" dirty="0"/>
+              <a:t>Kretser</a:t>
+            </a:r>
+          </a:p>
+        </p:txBody>
+      </p:sp>
+      <p:sp>
+        <p:nvSpPr>
+          <p:cNvPr id="5" name="TextBox 4"/>
+          <p:cNvSpPr txBox="1"/>
+          <p:nvPr/>
+        </p:nvSpPr>
+        <p:spPr>
+          <a:xfrm>
+            <a:off x="3417829" y="2327564"/>
+            <a:ext cx="2346861" cy="369332"/>
+          </a:xfrm>
+          <a:prstGeom prst="rect">
+            <a:avLst/>
+          </a:prstGeom>
+          <a:noFill/>
+        </p:spPr>
+        <p:txBody>
+          <a:bodyPr wrap="none" rtlCol="0">
+            <a:spAutoFit/>
+          </a:bodyPr>
+          <a:lstStyle/>
+          <a:p>
+            <a:r>
+              <a:rPr lang="nb-NO" dirty="0" smtClean="0"/>
+              <a:t>Åpen krets – hva skjer?</a:t>
+            </a:r>
+          </a:p>
+        </p:txBody>
+      </p:sp>
+      <p:grpSp>
+        <p:nvGrpSpPr>
+          <p:cNvPr id="4" name="Group 3"/>
+          <p:cNvGrpSpPr/>
+          <p:nvPr/>
+        </p:nvGrpSpPr>
+        <p:grpSpPr>
+          <a:xfrm>
+            <a:off x="1668657" y="2696896"/>
+            <a:ext cx="5845203" cy="2880000"/>
+            <a:chOff x="1668657" y="2696896"/>
+            <a:chExt cx="5845203" cy="2880000"/>
+          </a:xfrm>
+        </p:grpSpPr>
+        <p:pic>
+          <p:nvPicPr>
+            <p:cNvPr id="3074" name="Picture 2" descr="alt text"/>
+            <p:cNvPicPr>
+              <a:picLocks noChangeAspect="1" noChangeArrowheads="1"/>
+            </p:cNvPicPr>
+            <p:nvPr/>
+          </p:nvPicPr>
+          <p:blipFill>
+            <a:blip r:embed="rId3">
+              <a:extLst>
+                <a:ext uri="{28A0092B-C50C-407E-A947-70E740481C1C}">
+                  <a14:useLocalDpi xmlns:a14="http://schemas.microsoft.com/office/drawing/2010/main" val="0"/>
+                </a:ext>
+              </a:extLst>
+            </a:blip>
+            <a:srcRect/>
+            <a:stretch>
+              <a:fillRect/>
+            </a:stretch>
+          </p:blipFill>
+          <p:spPr bwMode="auto">
+            <a:xfrm>
+              <a:off x="1668657" y="2696896"/>
+              <a:ext cx="5845203" cy="2880000"/>
+            </a:xfrm>
+            <a:prstGeom prst="rect">
+              <a:avLst/>
+            </a:prstGeom>
+            <a:noFill/>
+            <a:extLst>
+              <a:ext uri="{909E8E84-426E-40DD-AFC4-6F175D3DCCD1}">
+                <a14:hiddenFill xmlns:a14="http://schemas.microsoft.com/office/drawing/2010/main">
+                  <a:solidFill>
+                    <a:srgbClr val="FFFFFF"/>
+                  </a:solidFill>
+                </a14:hiddenFill>
+              </a:ext>
+            </a:extLst>
+          </p:spPr>
+        </p:pic>
+        <p:sp>
+          <p:nvSpPr>
+            <p:cNvPr id="3" name="TextBox 2"/>
+            <p:cNvSpPr txBox="1"/>
+            <p:nvPr/>
+          </p:nvSpPr>
+          <p:spPr>
+            <a:xfrm>
+              <a:off x="4006921" y="3616503"/>
+              <a:ext cx="1428108" cy="1448657"/>
+            </a:xfrm>
+            <a:prstGeom prst="rect">
+              <a:avLst/>
+            </a:prstGeom>
+            <a:solidFill>
+              <a:schemeClr val="bg1"/>
+            </a:solidFill>
+          </p:spPr>
+          <p:txBody>
+            <a:bodyPr wrap="square" rtlCol="0">
+              <a:spAutoFit/>
+            </a:bodyPr>
+            <a:lstStyle/>
+            <a:p>
+              <a:endParaRPr lang="nb-NO" dirty="0"/>
+            </a:p>
+          </p:txBody>
+        </p:sp>
+      </p:grpSp>
+    </p:spTree>
+    <p:extLst>
+      <p:ext uri="{BB962C8B-B14F-4D97-AF65-F5344CB8AC3E}">
+        <p14:creationId xmlns:p14="http://schemas.microsoft.com/office/powerpoint/2010/main" val="2584857807"/>
+      </p:ext>
+    </p:extLst>
+  </p:cSld>
+  <p:clrMapOvr>
+    <a:masterClrMapping/>
+  </p:clrMapOvr>
+  <p:timing>
+    <p:tnLst>
+      <p:par>
+        <p:cTn id="1" dur="indefinite" restart="never" nodeType="tmRoot"/>
+      </p:par>
+    </p:tnLst>
+  </p:timing>
+</p:sld>
+</file>
+
+<file path=ppt/slides/slide19.xml><?xml version="1.0" encoding="utf-8"?>
+<p:sld xmlns:a="http://schemas.openxmlformats.org/drawingml/2006/main" xmlns:r="http://schemas.openxmlformats.org/officeDocument/2006/relationships" xmlns:p="http://schemas.openxmlformats.org/presentationml/2006/main">
+  <p:cSld>
+    <p:spTree>
+      <p:nvGrpSpPr>
+        <p:cNvPr id="1" name=""/>
+        <p:cNvGrpSpPr/>
+        <p:nvPr/>
+      </p:nvGrpSpPr>
+      <p:grpSpPr>
+        <a:xfrm>
+          <a:off x="0" y="0"/>
+          <a:ext cx="0" cy="0"/>
+          <a:chOff x="0" y="0"/>
+          <a:chExt cx="0" cy="0"/>
+        </a:xfrm>
+      </p:grpSpPr>
+      <p:sp>
+        <p:nvSpPr>
+          <p:cNvPr id="2" name="Title 1"/>
+          <p:cNvSpPr>
+            <a:spLocks noGrp="1"/>
+          </p:cNvSpPr>
+          <p:nvPr>
+            <p:ph type="title"/>
+          </p:nvPr>
+        </p:nvSpPr>
+        <p:spPr/>
+        <p:txBody>
+          <a:bodyPr/>
+          <a:lstStyle/>
+          <a:p>
+            <a:r>
+              <a:rPr lang="nb-NO" dirty="0"/>
+              <a:t>Kretser</a:t>
+            </a:r>
+          </a:p>
+        </p:txBody>
+      </p:sp>
+      <p:sp>
+        <p:nvSpPr>
+          <p:cNvPr id="4" name="TextBox 3"/>
+          <p:cNvSpPr txBox="1"/>
+          <p:nvPr/>
+        </p:nvSpPr>
+        <p:spPr>
+          <a:xfrm>
+            <a:off x="3417829" y="2327564"/>
+            <a:ext cx="2481577" cy="369332"/>
+          </a:xfrm>
+          <a:prstGeom prst="rect">
+            <a:avLst/>
+          </a:prstGeom>
+          <a:noFill/>
+        </p:spPr>
+        <p:txBody>
+          <a:bodyPr wrap="none" rtlCol="0">
+            <a:spAutoFit/>
+          </a:bodyPr>
+          <a:lstStyle/>
+          <a:p>
+            <a:r>
+              <a:rPr lang="nb-NO" dirty="0" smtClean="0"/>
+              <a:t>Kortslutning – hva skjer?</a:t>
+            </a:r>
+          </a:p>
+        </p:txBody>
+      </p:sp>
+      <p:pic>
+        <p:nvPicPr>
+          <p:cNvPr id="4098" name="Picture 2" descr="alt text"/>
+          <p:cNvPicPr>
+            <a:picLocks noChangeAspect="1" noChangeArrowheads="1"/>
+          </p:cNvPicPr>
+          <p:nvPr/>
+        </p:nvPicPr>
+        <p:blipFill>
+          <a:blip r:embed="rId3">
+            <a:extLst>
+              <a:ext uri="{28A0092B-C50C-407E-A947-70E740481C1C}">
+                <a14:useLocalDpi xmlns:a14="http://schemas.microsoft.com/office/drawing/2010/main" val="0"/>
+              </a:ext>
+            </a:extLst>
+          </a:blip>
+          <a:srcRect/>
+          <a:stretch>
+            <a:fillRect/>
+          </a:stretch>
+        </p:blipFill>
+        <p:spPr bwMode="auto">
+          <a:xfrm>
+            <a:off x="1494408" y="2809482"/>
+            <a:ext cx="6328417" cy="2880000"/>
+          </a:xfrm>
+          <a:prstGeom prst="rect">
+            <a:avLst/>
+          </a:prstGeom>
+          <a:noFill/>
+          <a:extLst>
+            <a:ext uri="{909E8E84-426E-40DD-AFC4-6F175D3DCCD1}">
+              <a14:hiddenFill xmlns:a14="http://schemas.microsoft.com/office/drawing/2010/main">
+                <a:solidFill>
+                  <a:srgbClr val="FFFFFF"/>
+                </a:solidFill>
+              </a14:hiddenFill>
+            </a:ext>
+          </a:extLst>
+        </p:spPr>
+      </p:pic>
+    </p:spTree>
+    <p:extLst>
+      <p:ext uri="{BB962C8B-B14F-4D97-AF65-F5344CB8AC3E}">
+        <p14:creationId xmlns:p14="http://schemas.microsoft.com/office/powerpoint/2010/main" val="1221808897"/>
+      </p:ext>
+    </p:extLst>
+  </p:cSld>
+  <p:clrMapOvr>
+    <a:masterClrMapping/>
+  </p:clrMapOvr>
+  <p:timing>
+    <p:tnLst>
+      <p:par>
+        <p:cTn id="1" dur="indefinite" restart="never" nodeType="tmRoot"/>
+      </p:par>
+    </p:tnLst>
+  </p:timing>
+</p:sld>
+</file>
+
+<file path=ppt/slides/slide2.xml><?xml version="1.0" encoding="utf-8"?>
+<p:sld xmlns:a="http://schemas.openxmlformats.org/drawingml/2006/main" xmlns:r="http://schemas.openxmlformats.org/officeDocument/2006/relationships" xmlns:p="http://schemas.openxmlformats.org/presentationml/2006/main">
+  <p:cSld>
+    <p:spTree>
+      <p:nvGrpSpPr>
+        <p:cNvPr id="1" name=""/>
+        <p:cNvGrpSpPr/>
+        <p:nvPr/>
+      </p:nvGrpSpPr>
+      <p:grpSpPr>
+        <a:xfrm>
+          <a:off x="0" y="0"/>
+          <a:ext cx="0" cy="0"/>
+          <a:chOff x="0" y="0"/>
+          <a:chExt cx="0" cy="0"/>
+        </a:xfrm>
+      </p:grpSpPr>
+      <p:pic>
+        <p:nvPicPr>
+          <p:cNvPr id="2050" name="Picture 2" descr="http://makerstudio.cc/images/products/IMG_7144.JPG"/>
+          <p:cNvPicPr>
+            <a:picLocks noChangeAspect="1" noChangeArrowheads="1"/>
+          </p:cNvPicPr>
+          <p:nvPr/>
+        </p:nvPicPr>
+        <p:blipFill>
+          <a:blip r:embed="rId2">
+            <a:extLst>
+              <a:ext uri="{28A0092B-C50C-407E-A947-70E740481C1C}">
+                <a14:useLocalDpi xmlns:a14="http://schemas.microsoft.com/office/drawing/2010/main" val="0"/>
+              </a:ext>
+            </a:extLst>
+          </a:blip>
+          <a:srcRect/>
+          <a:stretch>
+            <a:fillRect/>
+          </a:stretch>
+        </p:blipFill>
+        <p:spPr bwMode="auto">
+          <a:xfrm>
+            <a:off x="1717247" y="1541820"/>
+            <a:ext cx="7620000" cy="4248151"/>
+          </a:xfrm>
+          <a:prstGeom prst="rect">
+            <a:avLst/>
+          </a:prstGeom>
+          <a:noFill/>
+          <a:extLst>
+            <a:ext uri="{909E8E84-426E-40DD-AFC4-6F175D3DCCD1}">
+              <a14:hiddenFill xmlns:a14="http://schemas.microsoft.com/office/drawing/2010/main">
+                <a:solidFill>
+                  <a:srgbClr val="FFFFFF"/>
+                </a:solidFill>
+              </a14:hiddenFill>
+            </a:ext>
+          </a:extLst>
+        </p:spPr>
+      </p:pic>
+    </p:spTree>
+    <p:extLst>
+      <p:ext uri="{BB962C8B-B14F-4D97-AF65-F5344CB8AC3E}">
+        <p14:creationId xmlns:p14="http://schemas.microsoft.com/office/powerpoint/2010/main" val="1191940085"/>
+      </p:ext>
+    </p:extLst>
+  </p:cSld>
+  <p:clrMapOvr>
+    <a:masterClrMapping/>
+  </p:clrMapOvr>
+  <p:timing>
+    <p:tnLst>
+      <p:par>
+        <p:cTn id="1" dur="indefinite" restart="never" nodeType="tmRoot"/>
+      </p:par>
+    </p:tnLst>
+  </p:timing>
+</p:sld>
+</file>
+
+<file path=ppt/slides/slide20.xml><?xml version="1.0" encoding="utf-8"?>
+<p:sld xmlns:a="http://schemas.openxmlformats.org/drawingml/2006/main" xmlns:r="http://schemas.openxmlformats.org/officeDocument/2006/relationships" xmlns:p="http://schemas.openxmlformats.org/presentationml/2006/main">
+  <p:cSld>
+    <p:spTree>
+      <p:nvGrpSpPr>
+        <p:cNvPr id="1" name=""/>
+        <p:cNvGrpSpPr/>
+        <p:nvPr/>
+      </p:nvGrpSpPr>
+      <p:grpSpPr>
+        <a:xfrm>
+          <a:off x="0" y="0"/>
+          <a:ext cx="0" cy="0"/>
+          <a:chOff x="0" y="0"/>
+          <a:chExt cx="0" cy="0"/>
+        </a:xfrm>
+      </p:grpSpPr>
+      <p:sp>
+        <p:nvSpPr>
+          <p:cNvPr id="2" name="Title 1"/>
+          <p:cNvSpPr>
+            <a:spLocks noGrp="1"/>
+          </p:cNvSpPr>
+          <p:nvPr>
+            <p:ph type="title"/>
+          </p:nvPr>
+        </p:nvSpPr>
+        <p:spPr/>
+        <p:txBody>
+          <a:bodyPr/>
+          <a:lstStyle/>
+          <a:p>
+            <a:r>
+              <a:rPr lang="nb-NO" dirty="0"/>
+              <a:t>Kretser</a:t>
+            </a:r>
+          </a:p>
+        </p:txBody>
+      </p:sp>
+      <p:sp>
+        <p:nvSpPr>
+          <p:cNvPr id="3" name="Content Placeholder 2"/>
+          <p:cNvSpPr>
+            <a:spLocks noGrp="1"/>
+          </p:cNvSpPr>
+          <p:nvPr>
+            <p:ph idx="1"/>
+          </p:nvPr>
+        </p:nvSpPr>
+        <p:spPr>
+          <a:xfrm>
+            <a:off x="2358241" y="2007898"/>
+            <a:ext cx="4707578" cy="747177"/>
+          </a:xfrm>
+        </p:spPr>
+        <p:txBody>
+          <a:bodyPr/>
+          <a:lstStyle/>
+          <a:p>
+            <a:pPr marL="0" indent="0">
+              <a:buNone/>
+            </a:pPr>
+            <a:r>
+              <a:rPr lang="nb-NO" dirty="0" smtClean="0"/>
+              <a:t>Parallellkobling </a:t>
+            </a:r>
+            <a:r>
+              <a:rPr lang="nb-NO" dirty="0" err="1" smtClean="0"/>
+              <a:t>vs</a:t>
+            </a:r>
+            <a:r>
+              <a:rPr lang="nb-NO" dirty="0" smtClean="0"/>
+              <a:t> seriekobling</a:t>
+            </a:r>
+            <a:endParaRPr lang="nb-NO" dirty="0"/>
+          </a:p>
+        </p:txBody>
+      </p:sp>
+    </p:spTree>
+    <p:extLst>
+      <p:ext uri="{BB962C8B-B14F-4D97-AF65-F5344CB8AC3E}">
+        <p14:creationId xmlns:p14="http://schemas.microsoft.com/office/powerpoint/2010/main" val="2041544060"/>
+      </p:ext>
+    </p:extLst>
+  </p:cSld>
+  <p:clrMapOvr>
+    <a:masterClrMapping/>
+  </p:clrMapOvr>
+  <p:timing>
+    <p:tnLst>
+      <p:par>
+        <p:cTn id="1" dur="indefinite" restart="never" nodeType="tmRoot"/>
+      </p:par>
+    </p:tnLst>
+  </p:timing>
+</p:sld>
+</file>
+
+<file path=ppt/slides/slide21.xml><?xml version="1.0" encoding="utf-8"?>
+<p:sld xmlns:a="http://schemas.openxmlformats.org/drawingml/2006/main" xmlns:r="http://schemas.openxmlformats.org/officeDocument/2006/relationships" xmlns:p="http://schemas.openxmlformats.org/presentationml/2006/main">
+  <p:cSld>
+    <p:spTree>
+      <p:nvGrpSpPr>
+        <p:cNvPr id="1" name=""/>
+        <p:cNvGrpSpPr/>
+        <p:nvPr/>
+      </p:nvGrpSpPr>
+      <p:grpSpPr>
+        <a:xfrm>
+          <a:off x="0" y="0"/>
+          <a:ext cx="0" cy="0"/>
+          <a:chOff x="0" y="0"/>
+          <a:chExt cx="0" cy="0"/>
+        </a:xfrm>
+      </p:grpSpPr>
+      <p:sp>
+        <p:nvSpPr>
+          <p:cNvPr id="2" name="Title 1"/>
+          <p:cNvSpPr>
+            <a:spLocks noGrp="1"/>
+          </p:cNvSpPr>
+          <p:nvPr>
+            <p:ph type="title"/>
+          </p:nvPr>
+        </p:nvSpPr>
+        <p:spPr/>
+        <p:txBody>
+          <a:bodyPr/>
+          <a:lstStyle/>
+          <a:p>
+            <a:r>
+              <a:rPr lang="nb-NO" dirty="0" err="1" smtClean="0"/>
+              <a:t>Breadboard</a:t>
+            </a:r>
+            <a:endParaRPr lang="nb-NO" dirty="0"/>
+          </a:p>
+        </p:txBody>
+      </p:sp>
+      <p:pic>
+        <p:nvPicPr>
+          <p:cNvPr id="1026" name="Picture 2" descr="https://www.pjrc.com/store/breadboard.jpg"/>
+          <p:cNvPicPr>
+            <a:picLocks noChangeAspect="1" noChangeArrowheads="1"/>
+          </p:cNvPicPr>
+          <p:nvPr/>
+        </p:nvPicPr>
+        <p:blipFill>
+          <a:blip r:embed="rId3">
+            <a:extLst>
+              <a:ext uri="{28A0092B-C50C-407E-A947-70E740481C1C}">
+                <a14:useLocalDpi xmlns:a14="http://schemas.microsoft.com/office/drawing/2010/main" val="0"/>
+              </a:ext>
+            </a:extLst>
+          </a:blip>
+          <a:srcRect/>
+          <a:stretch>
+            <a:fillRect/>
+          </a:stretch>
+        </p:blipFill>
+        <p:spPr bwMode="auto">
+          <a:xfrm>
+            <a:off x="838200" y="1690688"/>
+            <a:ext cx="10114052" cy="4266867"/>
+          </a:xfrm>
+          <a:prstGeom prst="rect">
+            <a:avLst/>
+          </a:prstGeom>
+          <a:noFill/>
+          <a:extLst>
+            <a:ext uri="{909E8E84-426E-40DD-AFC4-6F175D3DCCD1}">
+              <a14:hiddenFill xmlns:a14="http://schemas.microsoft.com/office/drawing/2010/main">
+                <a:solidFill>
+                  <a:srgbClr val="FFFFFF"/>
+                </a:solidFill>
+              </a14:hiddenFill>
+            </a:ext>
+          </a:extLst>
+        </p:spPr>
+      </p:pic>
+    </p:spTree>
+    <p:extLst>
+      <p:ext uri="{BB962C8B-B14F-4D97-AF65-F5344CB8AC3E}">
+        <p14:creationId xmlns:p14="http://schemas.microsoft.com/office/powerpoint/2010/main" val="3970697742"/>
+      </p:ext>
+    </p:extLst>
+  </p:cSld>
+  <p:clrMapOvr>
+    <a:masterClrMapping/>
+  </p:clrMapOvr>
+  <p:timing>
+    <p:tnLst>
+      <p:par>
+        <p:cTn id="1" dur="indefinite" restart="never" nodeType="tmRoot"/>
+      </p:par>
+    </p:tnLst>
+  </p:timing>
+</p:sld>
+</file>
+
+<file path=ppt/slides/slide22.xml><?xml version="1.0" encoding="utf-8"?>
+<p:sld xmlns:a="http://schemas.openxmlformats.org/drawingml/2006/main" xmlns:r="http://schemas.openxmlformats.org/officeDocument/2006/relationships" xmlns:p="http://schemas.openxmlformats.org/presentationml/2006/main">
+  <p:cSld>
+    <p:spTree>
+      <p:nvGrpSpPr>
+        <p:cNvPr id="1" name=""/>
+        <p:cNvGrpSpPr/>
+        <p:nvPr/>
+      </p:nvGrpSpPr>
+      <p:grpSpPr>
+        <a:xfrm>
+          <a:off x="0" y="0"/>
+          <a:ext cx="0" cy="0"/>
+          <a:chOff x="0" y="0"/>
+          <a:chExt cx="0" cy="0"/>
+        </a:xfrm>
+      </p:grpSpPr>
+      <p:sp>
+        <p:nvSpPr>
+          <p:cNvPr id="2" name="Title 1"/>
+          <p:cNvSpPr>
+            <a:spLocks noGrp="1"/>
+          </p:cNvSpPr>
+          <p:nvPr>
+            <p:ph type="title"/>
+          </p:nvPr>
+        </p:nvSpPr>
+        <p:spPr/>
+        <p:txBody>
+          <a:bodyPr/>
+          <a:lstStyle/>
+          <a:p>
+            <a:r>
+              <a:rPr lang="nb-NO" dirty="0" err="1" smtClean="0"/>
+              <a:t>Arduino</a:t>
+            </a:r>
+            <a:endParaRPr lang="nb-NO" dirty="0"/>
+          </a:p>
+        </p:txBody>
+      </p:sp>
+      <p:pic>
+        <p:nvPicPr>
+          <p:cNvPr id="2050" name="Picture 2" descr="alt text"/>
+          <p:cNvPicPr>
+            <a:picLocks noChangeAspect="1" noChangeArrowheads="1"/>
+          </p:cNvPicPr>
+          <p:nvPr/>
+        </p:nvPicPr>
+        <p:blipFill>
+          <a:blip r:embed="rId3">
+            <a:extLst>
+              <a:ext uri="{28A0092B-C50C-407E-A947-70E740481C1C}">
+                <a14:useLocalDpi xmlns:a14="http://schemas.microsoft.com/office/drawing/2010/main" val="0"/>
+              </a:ext>
+            </a:extLst>
+          </a:blip>
+          <a:srcRect/>
+          <a:stretch>
+            <a:fillRect/>
+          </a:stretch>
+        </p:blipFill>
+        <p:spPr bwMode="auto">
+          <a:xfrm>
+            <a:off x="4419349" y="462336"/>
+            <a:ext cx="5715000" cy="5715000"/>
+          </a:xfrm>
+          <a:prstGeom prst="rect">
+            <a:avLst/>
+          </a:prstGeom>
+          <a:noFill/>
+          <a:extLst>
+            <a:ext uri="{909E8E84-426E-40DD-AFC4-6F175D3DCCD1}">
+              <a14:hiddenFill xmlns:a14="http://schemas.microsoft.com/office/drawing/2010/main">
+                <a:solidFill>
+                  <a:srgbClr val="FFFFFF"/>
+                </a:solidFill>
+              </a14:hiddenFill>
+            </a:ext>
+          </a:extLst>
+        </p:spPr>
+      </p:pic>
+    </p:spTree>
+    <p:extLst>
+      <p:ext uri="{BB962C8B-B14F-4D97-AF65-F5344CB8AC3E}">
+        <p14:creationId xmlns:p14="http://schemas.microsoft.com/office/powerpoint/2010/main" val="2116030240"/>
+      </p:ext>
+    </p:extLst>
+  </p:cSld>
+  <p:clrMapOvr>
+    <a:masterClrMapping/>
+  </p:clrMapOvr>
+  <p:timing>
+    <p:tnLst>
+      <p:par>
+        <p:cTn id="1" dur="indefinite" restart="never" nodeType="tmRoot"/>
+      </p:par>
+    </p:tnLst>
+  </p:timing>
+</p:sld>
+</file>
+
+<file path=ppt/slides/slide23.xml><?xml version="1.0" encoding="utf-8"?>
+<p:sld xmlns:a="http://schemas.openxmlformats.org/drawingml/2006/main" xmlns:r="http://schemas.openxmlformats.org/officeDocument/2006/relationships" xmlns:p="http://schemas.openxmlformats.org/presentationml/2006/main">
+  <p:cSld>
+    <p:spTree>
+      <p:nvGrpSpPr>
+        <p:cNvPr id="1" name=""/>
+        <p:cNvGrpSpPr/>
+        <p:nvPr/>
+      </p:nvGrpSpPr>
+      <p:grpSpPr>
+        <a:xfrm>
+          <a:off x="0" y="0"/>
+          <a:ext cx="0" cy="0"/>
+          <a:chOff x="0" y="0"/>
+          <a:chExt cx="0" cy="0"/>
+        </a:xfrm>
+      </p:grpSpPr>
+      <p:pic>
+        <p:nvPicPr>
+          <p:cNvPr id="3078" name="Picture 6" descr="http://cdn.instructables.com/FGF/QB07/HX7P7I3J/FGFQB07HX7P7I3J.MEDIUM.jpg"/>
+          <p:cNvPicPr>
+            <a:picLocks noChangeAspect="1" noChangeArrowheads="1"/>
+          </p:cNvPicPr>
+          <p:nvPr/>
+        </p:nvPicPr>
+        <p:blipFill>
+          <a:blip r:embed="rId3">
+            <a:extLst>
+              <a:ext uri="{28A0092B-C50C-407E-A947-70E740481C1C}">
+                <a14:useLocalDpi xmlns:a14="http://schemas.microsoft.com/office/drawing/2010/main" val="0"/>
+              </a:ext>
+            </a:extLst>
+          </a:blip>
+          <a:srcRect/>
+          <a:stretch>
+            <a:fillRect/>
+          </a:stretch>
+        </p:blipFill>
+        <p:spPr bwMode="auto">
+          <a:xfrm>
+            <a:off x="42559" y="1222052"/>
+            <a:ext cx="4702680" cy="3405651"/>
+          </a:xfrm>
+          <a:prstGeom prst="rect">
+            <a:avLst/>
+          </a:prstGeom>
+          <a:noFill/>
+          <a:extLst>
+            <a:ext uri="{909E8E84-426E-40DD-AFC4-6F175D3DCCD1}">
+              <a14:hiddenFill xmlns:a14="http://schemas.microsoft.com/office/drawing/2010/main">
+                <a:solidFill>
+                  <a:srgbClr val="FFFFFF"/>
+                </a:solidFill>
+              </a14:hiddenFill>
+            </a:ext>
+          </a:extLst>
+        </p:spPr>
+      </p:pic>
+      <p:pic>
+        <p:nvPicPr>
+          <p:cNvPr id="3080" name="Picture 8" descr="http://a.pragprog.com/magazines/2010-07/images/leds__4z1zpv__.jpg"/>
+          <p:cNvPicPr>
+            <a:picLocks noChangeAspect="1" noChangeArrowheads="1"/>
+          </p:cNvPicPr>
+          <p:nvPr/>
+        </p:nvPicPr>
+        <p:blipFill>
+          <a:blip r:embed="rId4">
+            <a:extLst>
+              <a:ext uri="{28A0092B-C50C-407E-A947-70E740481C1C}">
+                <a14:useLocalDpi xmlns:a14="http://schemas.microsoft.com/office/drawing/2010/main" val="0"/>
+              </a:ext>
+            </a:extLst>
+          </a:blip>
+          <a:srcRect/>
+          <a:stretch>
+            <a:fillRect/>
+          </a:stretch>
+        </p:blipFill>
+        <p:spPr bwMode="auto">
+          <a:xfrm>
+            <a:off x="7799549" y="287676"/>
+            <a:ext cx="4007850" cy="2788561"/>
+          </a:xfrm>
+          <a:prstGeom prst="rect">
+            <a:avLst/>
+          </a:prstGeom>
+          <a:noFill/>
+          <a:extLst>
+            <a:ext uri="{909E8E84-426E-40DD-AFC4-6F175D3DCCD1}">
+              <a14:hiddenFill xmlns:a14="http://schemas.microsoft.com/office/drawing/2010/main">
+                <a:solidFill>
+                  <a:srgbClr val="FFFFFF"/>
+                </a:solidFill>
+              </a14:hiddenFill>
+            </a:ext>
+          </a:extLst>
+        </p:spPr>
+      </p:pic>
+      <p:pic>
+        <p:nvPicPr>
+          <p:cNvPr id="3082" name="Picture 10" descr="Image result for arduino buzzer"/>
+          <p:cNvPicPr>
+            <a:picLocks noChangeAspect="1" noChangeArrowheads="1"/>
+          </p:cNvPicPr>
+          <p:nvPr/>
+        </p:nvPicPr>
+        <p:blipFill>
+          <a:blip r:embed="rId5">
+            <a:extLst>
+              <a:ext uri="{28A0092B-C50C-407E-A947-70E740481C1C}">
+                <a14:useLocalDpi xmlns:a14="http://schemas.microsoft.com/office/drawing/2010/main" val="0"/>
+              </a:ext>
+            </a:extLst>
+          </a:blip>
+          <a:srcRect/>
+          <a:stretch>
+            <a:fillRect/>
+          </a:stretch>
+        </p:blipFill>
+        <p:spPr bwMode="auto">
+          <a:xfrm>
+            <a:off x="390417" y="4128508"/>
+            <a:ext cx="1524000" cy="1524001"/>
+          </a:xfrm>
+          <a:prstGeom prst="rect">
+            <a:avLst/>
+          </a:prstGeom>
+          <a:noFill/>
+          <a:extLst>
+            <a:ext uri="{909E8E84-426E-40DD-AFC4-6F175D3DCCD1}">
+              <a14:hiddenFill xmlns:a14="http://schemas.microsoft.com/office/drawing/2010/main">
+                <a:solidFill>
+                  <a:srgbClr val="FFFFFF"/>
+                </a:solidFill>
+              </a14:hiddenFill>
+            </a:ext>
+          </a:extLst>
+        </p:spPr>
+      </p:pic>
+      <p:pic>
+        <p:nvPicPr>
+          <p:cNvPr id="3092" name="Picture 20" descr="http://www.lucadentella.it/blog/wp-content/uploads/2012/02/28j60_module.jpg"/>
+          <p:cNvPicPr>
+            <a:picLocks noChangeAspect="1" noChangeArrowheads="1"/>
+          </p:cNvPicPr>
+          <p:nvPr/>
+        </p:nvPicPr>
+        <p:blipFill>
+          <a:blip r:embed="rId6">
+            <a:extLst>
+              <a:ext uri="{28A0092B-C50C-407E-A947-70E740481C1C}">
+                <a14:useLocalDpi xmlns:a14="http://schemas.microsoft.com/office/drawing/2010/main" val="0"/>
+              </a:ext>
+            </a:extLst>
+          </a:blip>
+          <a:srcRect/>
+          <a:stretch>
+            <a:fillRect/>
+          </a:stretch>
+        </p:blipFill>
+        <p:spPr bwMode="auto">
+          <a:xfrm>
+            <a:off x="8251612" y="3277456"/>
+            <a:ext cx="3695700" cy="2457451"/>
+          </a:xfrm>
+          <a:prstGeom prst="rect">
+            <a:avLst/>
+          </a:prstGeom>
+          <a:noFill/>
+          <a:extLst>
+            <a:ext uri="{909E8E84-426E-40DD-AFC4-6F175D3DCCD1}">
+              <a14:hiddenFill xmlns:a14="http://schemas.microsoft.com/office/drawing/2010/main">
+                <a:solidFill>
+                  <a:srgbClr val="FFFFFF"/>
+                </a:solidFill>
+              </a14:hiddenFill>
+            </a:ext>
+          </a:extLst>
+        </p:spPr>
+      </p:pic>
+      <p:pic>
+        <p:nvPicPr>
+          <p:cNvPr id="3094" name="Picture 22" descr="https://cdn.sparkfun.com/assets/c/4/a/9/d/515c7a2bce395f653d000002.png"/>
+          <p:cNvPicPr>
+            <a:picLocks noChangeAspect="1" noChangeArrowheads="1"/>
+          </p:cNvPicPr>
+          <p:nvPr/>
+        </p:nvPicPr>
+        <p:blipFill>
+          <a:blip r:embed="rId7" cstate="print">
+            <a:extLst>
+              <a:ext uri="{28A0092B-C50C-407E-A947-70E740481C1C}">
+                <a14:useLocalDpi xmlns:a14="http://schemas.microsoft.com/office/drawing/2010/main" val="0"/>
+              </a:ext>
+            </a:extLst>
+          </a:blip>
+          <a:srcRect/>
+          <a:stretch>
+            <a:fillRect/>
+          </a:stretch>
+        </p:blipFill>
+        <p:spPr bwMode="auto">
+          <a:xfrm>
+            <a:off x="4745239" y="3554376"/>
+            <a:ext cx="3198149" cy="2472018"/>
+          </a:xfrm>
+          <a:prstGeom prst="rect">
+            <a:avLst/>
+          </a:prstGeom>
+          <a:noFill/>
+          <a:extLst>
+            <a:ext uri="{909E8E84-426E-40DD-AFC4-6F175D3DCCD1}">
+              <a14:hiddenFill xmlns:a14="http://schemas.microsoft.com/office/drawing/2010/main">
+                <a:solidFill>
+                  <a:srgbClr val="FFFFFF"/>
+                </a:solidFill>
+              </a14:hiddenFill>
+            </a:ext>
+          </a:extLst>
+        </p:spPr>
+      </p:pic>
+      <p:pic>
+        <p:nvPicPr>
+          <p:cNvPr id="3096" name="Picture 24" descr="http://skpang.co.uk/catalog/images/component/semi/10988-01.jpg"/>
+          <p:cNvPicPr>
+            <a:picLocks noChangeAspect="1" noChangeArrowheads="1"/>
+          </p:cNvPicPr>
+          <p:nvPr/>
+        </p:nvPicPr>
+        <p:blipFill>
+          <a:blip r:embed="rId8" cstate="print">
+            <a:extLst>
+              <a:ext uri="{28A0092B-C50C-407E-A947-70E740481C1C}">
+                <a14:useLocalDpi xmlns:a14="http://schemas.microsoft.com/office/drawing/2010/main" val="0"/>
+              </a:ext>
+            </a:extLst>
+          </a:blip>
+          <a:srcRect/>
+          <a:stretch>
+            <a:fillRect/>
+          </a:stretch>
+        </p:blipFill>
+        <p:spPr bwMode="auto">
+          <a:xfrm>
+            <a:off x="5872063" y="436918"/>
+            <a:ext cx="2071325" cy="2071325"/>
+          </a:xfrm>
+          <a:prstGeom prst="rect">
+            <a:avLst/>
+          </a:prstGeom>
+          <a:noFill/>
+          <a:extLst>
+            <a:ext uri="{909E8E84-426E-40DD-AFC4-6F175D3DCCD1}">
+              <a14:hiddenFill xmlns:a14="http://schemas.microsoft.com/office/drawing/2010/main">
+                <a:solidFill>
+                  <a:srgbClr val="FFFFFF"/>
+                </a:solidFill>
+              </a14:hiddenFill>
+            </a:ext>
+          </a:extLst>
+        </p:spPr>
+      </p:pic>
+      <p:pic>
+        <p:nvPicPr>
+          <p:cNvPr id="3098" name="Picture 26" descr="http://media.apcmag.com/wp-content/uploads/sites/20/2013/03/apcnews2012arduino_logo_mainImage10.jpg10.jpg"/>
+          <p:cNvPicPr>
+            <a:picLocks noChangeAspect="1" noChangeArrowheads="1"/>
+          </p:cNvPicPr>
+          <p:nvPr/>
+        </p:nvPicPr>
+        <p:blipFill>
+          <a:blip r:embed="rId9">
+            <a:extLst>
+              <a:ext uri="{28A0092B-C50C-407E-A947-70E740481C1C}">
+                <a14:useLocalDpi xmlns:a14="http://schemas.microsoft.com/office/drawing/2010/main" val="0"/>
+              </a:ext>
+            </a:extLst>
+          </a:blip>
+          <a:srcRect/>
+          <a:stretch>
+            <a:fillRect/>
+          </a:stretch>
+        </p:blipFill>
+        <p:spPr bwMode="auto">
+          <a:xfrm>
+            <a:off x="2080229" y="3803018"/>
+            <a:ext cx="1883827" cy="1883827"/>
+          </a:xfrm>
+          <a:prstGeom prst="rect">
+            <a:avLst/>
+          </a:prstGeom>
+          <a:noFill/>
+          <a:extLst>
+            <a:ext uri="{909E8E84-426E-40DD-AFC4-6F175D3DCCD1}">
+              <a14:hiddenFill xmlns:a14="http://schemas.microsoft.com/office/drawing/2010/main">
+                <a:solidFill>
+                  <a:srgbClr val="FFFFFF"/>
+                </a:solidFill>
+              </a14:hiddenFill>
+            </a:ext>
+          </a:extLst>
+        </p:spPr>
+      </p:pic>
+      <p:sp>
+        <p:nvSpPr>
+          <p:cNvPr id="9" name="Title 1"/>
+          <p:cNvSpPr>
+            <a:spLocks noGrp="1"/>
+          </p:cNvSpPr>
+          <p:nvPr>
+            <p:ph type="title"/>
+          </p:nvPr>
+        </p:nvSpPr>
+        <p:spPr>
+          <a:xfrm>
+            <a:off x="252573" y="147018"/>
+            <a:ext cx="10515600" cy="1325563"/>
+          </a:xfrm>
+        </p:spPr>
+        <p:txBody>
+          <a:bodyPr/>
+          <a:lstStyle/>
+          <a:p>
+            <a:r>
+              <a:rPr lang="nb-NO" dirty="0" smtClean="0"/>
+              <a:t>Demo</a:t>
+            </a:r>
+            <a:endParaRPr lang="nb-NO" dirty="0"/>
+          </a:p>
+        </p:txBody>
+      </p:sp>
+      <p:sp>
+        <p:nvSpPr>
+          <p:cNvPr id="10" name="Content Placeholder 2"/>
+          <p:cNvSpPr>
+            <a:spLocks noGrp="1"/>
+          </p:cNvSpPr>
+          <p:nvPr>
+            <p:ph idx="1"/>
+          </p:nvPr>
+        </p:nvSpPr>
+        <p:spPr>
+          <a:xfrm>
+            <a:off x="3623215" y="524183"/>
+            <a:ext cx="2244047" cy="948397"/>
+          </a:xfrm>
+        </p:spPr>
+        <p:txBody>
+          <a:bodyPr>
+            <a:normAutofit lnSpcReduction="10000"/>
+          </a:bodyPr>
+          <a:lstStyle/>
+          <a:p>
+            <a:r>
+              <a:rPr lang="nb-NO" dirty="0" smtClean="0"/>
+              <a:t>Lys i LED</a:t>
+            </a:r>
+          </a:p>
+          <a:p>
+            <a:r>
+              <a:rPr lang="nb-NO" dirty="0" err="1" smtClean="0"/>
+              <a:t>Hello</a:t>
+            </a:r>
+            <a:r>
+              <a:rPr lang="nb-NO" dirty="0" smtClean="0"/>
+              <a:t> World!</a:t>
+            </a:r>
+            <a:endParaRPr lang="nb-NO" dirty="0"/>
+          </a:p>
+        </p:txBody>
+      </p:sp>
+    </p:spTree>
+    <p:extLst>
+      <p:ext uri="{BB962C8B-B14F-4D97-AF65-F5344CB8AC3E}">
+        <p14:creationId xmlns:p14="http://schemas.microsoft.com/office/powerpoint/2010/main" val="361083959"/>
+      </p:ext>
+    </p:extLst>
+  </p:cSld>
+  <p:clrMapOvr>
+    <a:masterClrMapping/>
+  </p:clrMapOvr>
+  <p:timing>
+    <p:tnLst>
+      <p:par>
+        <p:cTn id="1" dur="indefinite" restart="never" nodeType="tmRoot"/>
+      </p:par>
+    </p:tnLst>
+  </p:timing>
+</p:sld>
+</file>
+
+<file path=ppt/slides/slide3.xml><?xml version="1.0" encoding="utf-8"?>
+<p:sld xmlns:a="http://schemas.openxmlformats.org/drawingml/2006/main" xmlns:r="http://schemas.openxmlformats.org/officeDocument/2006/relationships" xmlns:p="http://schemas.openxmlformats.org/presentationml/2006/main">
+  <p:cSld>
+    <p:spTree>
+      <p:nvGrpSpPr>
+        <p:cNvPr id="1" name=""/>
+        <p:cNvGrpSpPr/>
+        <p:nvPr/>
+      </p:nvGrpSpPr>
+      <p:grpSpPr>
+        <a:xfrm>
+          <a:off x="0" y="0"/>
+          <a:ext cx="0" cy="0"/>
+          <a:chOff x="0" y="0"/>
+          <a:chExt cx="0" cy="0"/>
+        </a:xfrm>
+      </p:grpSpPr>
+      <p:pic>
+        <p:nvPicPr>
+          <p:cNvPr id="1026" name="Picture 2" descr="https://www.pjrc.com/store/breadboard.jpg"/>
+          <p:cNvPicPr>
+            <a:picLocks noChangeAspect="1" noChangeArrowheads="1"/>
+          </p:cNvPicPr>
+          <p:nvPr/>
+        </p:nvPicPr>
+        <p:blipFill>
+          <a:blip r:embed="rId2">
+            <a:extLst>
+              <a:ext uri="{28A0092B-C50C-407E-A947-70E740481C1C}">
+                <a14:useLocalDpi xmlns:a14="http://schemas.microsoft.com/office/drawing/2010/main" val="0"/>
+              </a:ext>
+            </a:extLst>
+          </a:blip>
+          <a:srcRect/>
+          <a:stretch>
+            <a:fillRect/>
+          </a:stretch>
+        </p:blipFill>
+        <p:spPr bwMode="auto">
+          <a:xfrm>
+            <a:off x="2446712" y="2403563"/>
+            <a:ext cx="6096000" cy="2571751"/>
+          </a:xfrm>
+          <a:prstGeom prst="rect">
+            <a:avLst/>
+          </a:prstGeom>
+          <a:noFill/>
+          <a:extLst>
+            <a:ext uri="{909E8E84-426E-40DD-AFC4-6F175D3DCCD1}">
+              <a14:hiddenFill xmlns:a14="http://schemas.microsoft.com/office/drawing/2010/main">
+                <a:solidFill>
+                  <a:srgbClr val="FFFFFF"/>
+                </a:solidFill>
+              </a14:hiddenFill>
+            </a:ext>
+          </a:extLst>
+        </p:spPr>
+      </p:pic>
+    </p:spTree>
+    <p:extLst>
+      <p:ext uri="{BB962C8B-B14F-4D97-AF65-F5344CB8AC3E}">
+        <p14:creationId xmlns:p14="http://schemas.microsoft.com/office/powerpoint/2010/main" val="2040206260"/>
+      </p:ext>
+    </p:extLst>
+  </p:cSld>
+  <p:clrMapOvr>
+    <a:masterClrMapping/>
+  </p:clrMapOvr>
+  <p:timing>
+    <p:tnLst>
+      <p:par>
+        <p:cTn id="1" dur="indefinite" restart="never" nodeType="tmRoot"/>
+      </p:par>
+    </p:tnLst>
+  </p:timing>
+</p:sld>
+</file>
+
+<file path=ppt/slides/slide4.xml><?xml version="1.0" encoding="utf-8"?>
+<p:sld xmlns:a="http://schemas.openxmlformats.org/drawingml/2006/main" xmlns:r="http://schemas.openxmlformats.org/officeDocument/2006/relationships" xmlns:p="http://schemas.openxmlformats.org/presentationml/2006/main">
+  <p:cSld>
+    <p:spTree>
+      <p:nvGrpSpPr>
+        <p:cNvPr id="1" name=""/>
+        <p:cNvGrpSpPr/>
+        <p:nvPr/>
+      </p:nvGrpSpPr>
+      <p:grpSpPr>
+        <a:xfrm>
+          <a:off x="0" y="0"/>
+          <a:ext cx="0" cy="0"/>
+          <a:chOff x="0" y="0"/>
+          <a:chExt cx="0" cy="0"/>
+        </a:xfrm>
+      </p:grpSpPr>
+      <p:pic>
+        <p:nvPicPr>
+          <p:cNvPr id="3078" name="Picture 6" descr="http://cdn.instructables.com/FGF/QB07/HX7P7I3J/FGFQB07HX7P7I3J.MEDIUM.jpg"/>
+          <p:cNvPicPr>
+            <a:picLocks noChangeAspect="1" noChangeArrowheads="1"/>
+          </p:cNvPicPr>
+          <p:nvPr/>
+        </p:nvPicPr>
+        <p:blipFill>
+          <a:blip r:embed="rId3">
+            <a:extLst>
+              <a:ext uri="{28A0092B-C50C-407E-A947-70E740481C1C}">
+                <a14:useLocalDpi xmlns:a14="http://schemas.microsoft.com/office/drawing/2010/main" val="0"/>
+              </a:ext>
+            </a:extLst>
+          </a:blip>
+          <a:srcRect/>
+          <a:stretch>
+            <a:fillRect/>
+          </a:stretch>
+        </p:blipFill>
+        <p:spPr bwMode="auto">
+          <a:xfrm>
+            <a:off x="390417" y="467707"/>
+            <a:ext cx="4702680" cy="3405651"/>
+          </a:xfrm>
+          <a:prstGeom prst="rect">
+            <a:avLst/>
+          </a:prstGeom>
+          <a:noFill/>
+          <a:extLst>
+            <a:ext uri="{909E8E84-426E-40DD-AFC4-6F175D3DCCD1}">
+              <a14:hiddenFill xmlns:a14="http://schemas.microsoft.com/office/drawing/2010/main">
+                <a:solidFill>
+                  <a:srgbClr val="FFFFFF"/>
+                </a:solidFill>
+              </a14:hiddenFill>
+            </a:ext>
+          </a:extLst>
+        </p:spPr>
+      </p:pic>
+      <p:pic>
+        <p:nvPicPr>
+          <p:cNvPr id="3080" name="Picture 8" descr="http://a.pragprog.com/magazines/2010-07/images/leds__4z1zpv__.jpg"/>
+          <p:cNvPicPr>
+            <a:picLocks noChangeAspect="1" noChangeArrowheads="1"/>
+          </p:cNvPicPr>
+          <p:nvPr/>
+        </p:nvPicPr>
+        <p:blipFill>
+          <a:blip r:embed="rId4">
+            <a:extLst>
+              <a:ext uri="{28A0092B-C50C-407E-A947-70E740481C1C}">
+                <a14:useLocalDpi xmlns:a14="http://schemas.microsoft.com/office/drawing/2010/main" val="0"/>
+              </a:ext>
+            </a:extLst>
+          </a:blip>
+          <a:srcRect/>
+          <a:stretch>
+            <a:fillRect/>
+          </a:stretch>
+        </p:blipFill>
+        <p:spPr bwMode="auto">
+          <a:xfrm>
+            <a:off x="7799549" y="287676"/>
+            <a:ext cx="4007850" cy="2788561"/>
+          </a:xfrm>
+          <a:prstGeom prst="rect">
+            <a:avLst/>
+          </a:prstGeom>
+          <a:noFill/>
+          <a:extLst>
+            <a:ext uri="{909E8E84-426E-40DD-AFC4-6F175D3DCCD1}">
+              <a14:hiddenFill xmlns:a14="http://schemas.microsoft.com/office/drawing/2010/main">
+                <a:solidFill>
+                  <a:srgbClr val="FFFFFF"/>
+                </a:solidFill>
+              </a14:hiddenFill>
+            </a:ext>
+          </a:extLst>
+        </p:spPr>
+      </p:pic>
+      <p:pic>
+        <p:nvPicPr>
+          <p:cNvPr id="3082" name="Picture 10" descr="Image result for arduino buzzer"/>
+          <p:cNvPicPr>
+            <a:picLocks noChangeAspect="1" noChangeArrowheads="1"/>
+          </p:cNvPicPr>
+          <p:nvPr/>
+        </p:nvPicPr>
+        <p:blipFill>
+          <a:blip r:embed="rId5">
+            <a:extLst>
+              <a:ext uri="{28A0092B-C50C-407E-A947-70E740481C1C}">
+                <a14:useLocalDpi xmlns:a14="http://schemas.microsoft.com/office/drawing/2010/main" val="0"/>
+              </a:ext>
+            </a:extLst>
+          </a:blip>
+          <a:srcRect/>
+          <a:stretch>
+            <a:fillRect/>
+          </a:stretch>
+        </p:blipFill>
+        <p:spPr bwMode="auto">
+          <a:xfrm>
+            <a:off x="390417" y="4128508"/>
+            <a:ext cx="1524000" cy="1524001"/>
+          </a:xfrm>
+          <a:prstGeom prst="rect">
+            <a:avLst/>
+          </a:prstGeom>
+          <a:noFill/>
+          <a:extLst>
+            <a:ext uri="{909E8E84-426E-40DD-AFC4-6F175D3DCCD1}">
+              <a14:hiddenFill xmlns:a14="http://schemas.microsoft.com/office/drawing/2010/main">
+                <a:solidFill>
+                  <a:srgbClr val="FFFFFF"/>
+                </a:solidFill>
+              </a14:hiddenFill>
+            </a:ext>
+          </a:extLst>
+        </p:spPr>
+      </p:pic>
+      <p:pic>
+        <p:nvPicPr>
+          <p:cNvPr id="3092" name="Picture 20" descr="http://www.lucadentella.it/blog/wp-content/uploads/2012/02/28j60_module.jpg"/>
+          <p:cNvPicPr>
+            <a:picLocks noChangeAspect="1" noChangeArrowheads="1"/>
+          </p:cNvPicPr>
+          <p:nvPr/>
+        </p:nvPicPr>
+        <p:blipFill>
+          <a:blip r:embed="rId6">
+            <a:extLst>
+              <a:ext uri="{28A0092B-C50C-407E-A947-70E740481C1C}">
+                <a14:useLocalDpi xmlns:a14="http://schemas.microsoft.com/office/drawing/2010/main" val="0"/>
+              </a:ext>
+            </a:extLst>
+          </a:blip>
+          <a:srcRect/>
+          <a:stretch>
+            <a:fillRect/>
+          </a:stretch>
+        </p:blipFill>
+        <p:spPr bwMode="auto">
+          <a:xfrm>
+            <a:off x="8251612" y="3277456"/>
+            <a:ext cx="3695700" cy="2457451"/>
+          </a:xfrm>
+          <a:prstGeom prst="rect">
+            <a:avLst/>
+          </a:prstGeom>
+          <a:noFill/>
+          <a:extLst>
+            <a:ext uri="{909E8E84-426E-40DD-AFC4-6F175D3DCCD1}">
+              <a14:hiddenFill xmlns:a14="http://schemas.microsoft.com/office/drawing/2010/main">
+                <a:solidFill>
+                  <a:srgbClr val="FFFFFF"/>
+                </a:solidFill>
+              </a14:hiddenFill>
+            </a:ext>
+          </a:extLst>
+        </p:spPr>
+      </p:pic>
+      <p:pic>
+        <p:nvPicPr>
+          <p:cNvPr id="3094" name="Picture 22" descr="https://cdn.sparkfun.com/assets/c/4/a/9/d/515c7a2bce395f653d000002.png"/>
+          <p:cNvPicPr>
+            <a:picLocks noChangeAspect="1" noChangeArrowheads="1"/>
+          </p:cNvPicPr>
+          <p:nvPr/>
+        </p:nvPicPr>
+        <p:blipFill>
+          <a:blip r:embed="rId7" cstate="print">
+            <a:extLst>
+              <a:ext uri="{28A0092B-C50C-407E-A947-70E740481C1C}">
+                <a14:useLocalDpi xmlns:a14="http://schemas.microsoft.com/office/drawing/2010/main" val="0"/>
+              </a:ext>
+            </a:extLst>
+          </a:blip>
+          <a:srcRect/>
+          <a:stretch>
+            <a:fillRect/>
+          </a:stretch>
+        </p:blipFill>
+        <p:spPr bwMode="auto">
+          <a:xfrm>
+            <a:off x="4601400" y="3435641"/>
+            <a:ext cx="3198149" cy="2472018"/>
+          </a:xfrm>
+          <a:prstGeom prst="rect">
+            <a:avLst/>
+          </a:prstGeom>
+          <a:noFill/>
+          <a:extLst>
+            <a:ext uri="{909E8E84-426E-40DD-AFC4-6F175D3DCCD1}">
+              <a14:hiddenFill xmlns:a14="http://schemas.microsoft.com/office/drawing/2010/main">
+                <a:solidFill>
+                  <a:srgbClr val="FFFFFF"/>
+                </a:solidFill>
+              </a14:hiddenFill>
+            </a:ext>
+          </a:extLst>
+        </p:spPr>
+      </p:pic>
+      <p:pic>
+        <p:nvPicPr>
+          <p:cNvPr id="3096" name="Picture 24" descr="http://skpang.co.uk/catalog/images/component/semi/10988-01.jpg"/>
+          <p:cNvPicPr>
+            <a:picLocks noChangeAspect="1" noChangeArrowheads="1"/>
+          </p:cNvPicPr>
+          <p:nvPr/>
+        </p:nvPicPr>
+        <p:blipFill>
+          <a:blip r:embed="rId8" cstate="print">
+            <a:extLst>
+              <a:ext uri="{28A0092B-C50C-407E-A947-70E740481C1C}">
+                <a14:useLocalDpi xmlns:a14="http://schemas.microsoft.com/office/drawing/2010/main" val="0"/>
+              </a:ext>
+            </a:extLst>
+          </a:blip>
+          <a:srcRect/>
+          <a:stretch>
+            <a:fillRect/>
+          </a:stretch>
+        </p:blipFill>
+        <p:spPr bwMode="auto">
+          <a:xfrm>
+            <a:off x="5220735" y="946834"/>
+            <a:ext cx="2071325" cy="2071325"/>
+          </a:xfrm>
+          <a:prstGeom prst="rect">
+            <a:avLst/>
+          </a:prstGeom>
+          <a:noFill/>
+          <a:extLst>
+            <a:ext uri="{909E8E84-426E-40DD-AFC4-6F175D3DCCD1}">
+              <a14:hiddenFill xmlns:a14="http://schemas.microsoft.com/office/drawing/2010/main">
+                <a:solidFill>
+                  <a:srgbClr val="FFFFFF"/>
+                </a:solidFill>
+              </a14:hiddenFill>
+            </a:ext>
+          </a:extLst>
+        </p:spPr>
+      </p:pic>
+      <p:pic>
+        <p:nvPicPr>
+          <p:cNvPr id="3098" name="Picture 26" descr="http://media.apcmag.com/wp-content/uploads/sites/20/2013/03/apcnews2012arduino_logo_mainImage10.jpg10.jpg"/>
+          <p:cNvPicPr>
+            <a:picLocks noChangeAspect="1" noChangeArrowheads="1"/>
+          </p:cNvPicPr>
+          <p:nvPr/>
+        </p:nvPicPr>
+        <p:blipFill>
+          <a:blip r:embed="rId9">
+            <a:extLst>
+              <a:ext uri="{28A0092B-C50C-407E-A947-70E740481C1C}">
+                <a14:useLocalDpi xmlns:a14="http://schemas.microsoft.com/office/drawing/2010/main" val="0"/>
+              </a:ext>
+            </a:extLst>
+          </a:blip>
+          <a:srcRect/>
+          <a:stretch>
+            <a:fillRect/>
+          </a:stretch>
+        </p:blipFill>
+        <p:spPr bwMode="auto">
+          <a:xfrm>
+            <a:off x="2080229" y="3803018"/>
+            <a:ext cx="1883827" cy="1883827"/>
+          </a:xfrm>
+          <a:prstGeom prst="rect">
+            <a:avLst/>
+          </a:prstGeom>
+          <a:noFill/>
+          <a:extLst>
+            <a:ext uri="{909E8E84-426E-40DD-AFC4-6F175D3DCCD1}">
+              <a14:hiddenFill xmlns:a14="http://schemas.microsoft.com/office/drawing/2010/main">
+                <a:solidFill>
+                  <a:srgbClr val="FFFFFF"/>
+                </a:solidFill>
+              </a14:hiddenFill>
+            </a:ext>
+          </a:extLst>
+        </p:spPr>
+      </p:pic>
+    </p:spTree>
+    <p:extLst>
+      <p:ext uri="{BB962C8B-B14F-4D97-AF65-F5344CB8AC3E}">
+        <p14:creationId xmlns:p14="http://schemas.microsoft.com/office/powerpoint/2010/main" val="4290192400"/>
+      </p:ext>
+    </p:extLst>
+  </p:cSld>
+  <p:clrMapOvr>
+    <a:masterClrMapping/>
+  </p:clrMapOvr>
+  <p:timing>
+    <p:tnLst>
+      <p:par>
+        <p:cTn id="1" dur="indefinite" restart="never" nodeType="tmRoot"/>
+      </p:par>
+    </p:tnLst>
+  </p:timing>
+</p:sld>
+</file>
+
+<file path=ppt/slides/slide5.xml><?xml version="1.0" encoding="utf-8"?>
+<p:sld xmlns:a="http://schemas.openxmlformats.org/drawingml/2006/main" xmlns:r="http://schemas.openxmlformats.org/officeDocument/2006/relationships" xmlns:p="http://schemas.openxmlformats.org/presentationml/2006/main">
+  <p:cSld>
+    <p:spTree>
+      <p:nvGrpSpPr>
+        <p:cNvPr id="1" name=""/>
+        <p:cNvGrpSpPr/>
+        <p:nvPr/>
+      </p:nvGrpSpPr>
+      <p:grpSpPr>
+        <a:xfrm>
+          <a:off x="0" y="0"/>
+          <a:ext cx="0" cy="0"/>
+          <a:chOff x="0" y="0"/>
+          <a:chExt cx="0" cy="0"/>
+        </a:xfrm>
+      </p:grpSpPr>
+      <p:pic>
+        <p:nvPicPr>
+          <p:cNvPr id="4098" name="Picture 2" descr="http://media.apcmag.com/wp-content/uploads/sites/20/2013/09/apcnews2012stompy-project8-sml_mainImage1.jpg1.jpg"/>
+          <p:cNvPicPr>
+            <a:picLocks noChangeAspect="1" noChangeArrowheads="1"/>
+          </p:cNvPicPr>
+          <p:nvPr/>
+        </p:nvPicPr>
+        <p:blipFill>
+          <a:blip r:embed="rId3" cstate="print">
+            <a:extLst>
+              <a:ext uri="{28A0092B-C50C-407E-A947-70E740481C1C}">
+                <a14:useLocalDpi xmlns:a14="http://schemas.microsoft.com/office/drawing/2010/main" val="0"/>
+              </a:ext>
+            </a:extLst>
+          </a:blip>
+          <a:srcRect/>
+          <a:stretch>
+            <a:fillRect/>
+          </a:stretch>
+        </p:blipFill>
+        <p:spPr bwMode="auto">
+          <a:xfrm>
+            <a:off x="606177" y="532726"/>
+            <a:ext cx="2392416" cy="1933072"/>
+          </a:xfrm>
+          <a:prstGeom prst="rect">
+            <a:avLst/>
+          </a:prstGeom>
+          <a:noFill/>
+          <a:extLst>
+            <a:ext uri="{909E8E84-426E-40DD-AFC4-6F175D3DCCD1}">
+              <a14:hiddenFill xmlns:a14="http://schemas.microsoft.com/office/drawing/2010/main">
+                <a:solidFill>
+                  <a:srgbClr val="FFFFFF"/>
+                </a:solidFill>
+              </a14:hiddenFill>
+            </a:ext>
+          </a:extLst>
+        </p:spPr>
+      </p:pic>
+      <p:pic>
+        <p:nvPicPr>
+          <p:cNvPr id="4100" name="Picture 4" descr="http://062d3943d52752284f55-250c061318aedd629e64a503cb52758e.r6.cf1.rackcdn.com/images/-8kPTKf4TY4j.840x0.Vdef9Kkm.jpg"/>
+          <p:cNvPicPr>
+            <a:picLocks noChangeAspect="1" noChangeArrowheads="1"/>
+          </p:cNvPicPr>
+          <p:nvPr/>
+        </p:nvPicPr>
+        <p:blipFill>
+          <a:blip r:embed="rId4">
+            <a:extLst>
+              <a:ext uri="{28A0092B-C50C-407E-A947-70E740481C1C}">
+                <a14:useLocalDpi xmlns:a14="http://schemas.microsoft.com/office/drawing/2010/main" val="0"/>
+              </a:ext>
+            </a:extLst>
+          </a:blip>
+          <a:srcRect/>
+          <a:stretch>
+            <a:fillRect/>
+          </a:stretch>
+        </p:blipFill>
+        <p:spPr bwMode="auto">
+          <a:xfrm>
+            <a:off x="3206999" y="4040545"/>
+            <a:ext cx="5003515" cy="2817455"/>
+          </a:xfrm>
+          <a:prstGeom prst="rect">
+            <a:avLst/>
+          </a:prstGeom>
+          <a:noFill/>
+          <a:extLst>
+            <a:ext uri="{909E8E84-426E-40DD-AFC4-6F175D3DCCD1}">
+              <a14:hiddenFill xmlns:a14="http://schemas.microsoft.com/office/drawing/2010/main">
+                <a:solidFill>
+                  <a:srgbClr val="FFFFFF"/>
+                </a:solidFill>
+              </a14:hiddenFill>
+            </a:ext>
+          </a:extLst>
+        </p:spPr>
+      </p:pic>
+      <p:pic>
+        <p:nvPicPr>
+          <p:cNvPr id="4102" name="Picture 6" descr="http://www.nudatech.com/blog/wp-content/uploads/2013/07/tow_vehicle-800x450.jpg"/>
+          <p:cNvPicPr>
+            <a:picLocks noChangeAspect="1" noChangeArrowheads="1"/>
+          </p:cNvPicPr>
+          <p:nvPr/>
+        </p:nvPicPr>
+        <p:blipFill>
+          <a:blip r:embed="rId5">
+            <a:extLst>
+              <a:ext uri="{28A0092B-C50C-407E-A947-70E740481C1C}">
+                <a14:useLocalDpi xmlns:a14="http://schemas.microsoft.com/office/drawing/2010/main" val="0"/>
+              </a:ext>
+            </a:extLst>
+          </a:blip>
+          <a:srcRect/>
+          <a:stretch>
+            <a:fillRect/>
+          </a:stretch>
+        </p:blipFill>
+        <p:spPr bwMode="auto">
+          <a:xfrm>
+            <a:off x="7355133" y="2744931"/>
+            <a:ext cx="4079744" cy="2294856"/>
+          </a:xfrm>
+          <a:prstGeom prst="rect">
+            <a:avLst/>
+          </a:prstGeom>
+          <a:noFill/>
+          <a:extLst>
+            <a:ext uri="{909E8E84-426E-40DD-AFC4-6F175D3DCCD1}">
+              <a14:hiddenFill xmlns:a14="http://schemas.microsoft.com/office/drawing/2010/main">
+                <a:solidFill>
+                  <a:srgbClr val="FFFFFF"/>
+                </a:solidFill>
+              </a14:hiddenFill>
+            </a:ext>
+          </a:extLst>
+        </p:spPr>
+      </p:pic>
+      <p:pic>
+        <p:nvPicPr>
+          <p:cNvPr id="4104" name="Picture 8" descr="http://www.nudatech.com/blog/wp-content/uploads/2013/01/inebriator.jpg"/>
+          <p:cNvPicPr>
+            <a:picLocks noChangeAspect="1" noChangeArrowheads="1"/>
+          </p:cNvPicPr>
+          <p:nvPr/>
+        </p:nvPicPr>
+        <p:blipFill>
+          <a:blip r:embed="rId6">
+            <a:extLst>
+              <a:ext uri="{28A0092B-C50C-407E-A947-70E740481C1C}">
+                <a14:useLocalDpi xmlns:a14="http://schemas.microsoft.com/office/drawing/2010/main" val="0"/>
+              </a:ext>
+            </a:extLst>
+          </a:blip>
+          <a:srcRect/>
+          <a:stretch>
+            <a:fillRect/>
+          </a:stretch>
+        </p:blipFill>
+        <p:spPr bwMode="auto">
+          <a:xfrm>
+            <a:off x="8210514" y="178122"/>
+            <a:ext cx="3253584" cy="2287676"/>
+          </a:xfrm>
+          <a:prstGeom prst="rect">
+            <a:avLst/>
+          </a:prstGeom>
+          <a:noFill/>
+          <a:extLst>
+            <a:ext uri="{909E8E84-426E-40DD-AFC4-6F175D3DCCD1}">
+              <a14:hiddenFill xmlns:a14="http://schemas.microsoft.com/office/drawing/2010/main">
+                <a:solidFill>
+                  <a:srgbClr val="FFFFFF"/>
+                </a:solidFill>
+              </a14:hiddenFill>
+            </a:ext>
+          </a:extLst>
+        </p:spPr>
+      </p:pic>
+      <p:pic>
+        <p:nvPicPr>
+          <p:cNvPr id="4106" name="Picture 10" descr="http://cdn.instructables.com/FPL/W46N/GTIEWU6A/FPLW46NGTIEWU6A.RECT2100.jpg"/>
+          <p:cNvPicPr>
+            <a:picLocks noChangeAspect="1" noChangeArrowheads="1"/>
+          </p:cNvPicPr>
+          <p:nvPr/>
+        </p:nvPicPr>
+        <p:blipFill>
+          <a:blip r:embed="rId7" cstate="print">
+            <a:extLst>
+              <a:ext uri="{28A0092B-C50C-407E-A947-70E740481C1C}">
+                <a14:useLocalDpi xmlns:a14="http://schemas.microsoft.com/office/drawing/2010/main" val="0"/>
+              </a:ext>
+            </a:extLst>
+          </a:blip>
+          <a:srcRect/>
+          <a:stretch>
+            <a:fillRect/>
+          </a:stretch>
+        </p:blipFill>
+        <p:spPr bwMode="auto">
+          <a:xfrm>
+            <a:off x="3699064" y="157574"/>
+            <a:ext cx="3810979" cy="3174117"/>
+          </a:xfrm>
+          <a:prstGeom prst="rect">
+            <a:avLst/>
+          </a:prstGeom>
+          <a:noFill/>
+          <a:extLst>
+            <a:ext uri="{909E8E84-426E-40DD-AFC4-6F175D3DCCD1}">
+              <a14:hiddenFill xmlns:a14="http://schemas.microsoft.com/office/drawing/2010/main">
+                <a:solidFill>
+                  <a:srgbClr val="FFFFFF"/>
+                </a:solidFill>
+              </a14:hiddenFill>
+            </a:ext>
+          </a:extLst>
+        </p:spPr>
+      </p:pic>
+      <p:pic>
+        <p:nvPicPr>
+          <p:cNvPr id="4108" name="Picture 12" descr="http://a5.files.readwrite.com/image/upload/c_fit,cs_srgb,dpr_1.0,q_80,w_460/MTIyMzAxOTkxOTI1MDgzNDE3.jpg"/>
+          <p:cNvPicPr>
+            <a:picLocks noChangeAspect="1" noChangeArrowheads="1"/>
+          </p:cNvPicPr>
+          <p:nvPr/>
+        </p:nvPicPr>
+        <p:blipFill>
+          <a:blip r:embed="rId8">
+            <a:extLst>
+              <a:ext uri="{28A0092B-C50C-407E-A947-70E740481C1C}">
+                <a14:useLocalDpi xmlns:a14="http://schemas.microsoft.com/office/drawing/2010/main" val="0"/>
+              </a:ext>
+            </a:extLst>
+          </a:blip>
+          <a:srcRect/>
+          <a:stretch>
+            <a:fillRect/>
+          </a:stretch>
+        </p:blipFill>
+        <p:spPr bwMode="auto">
+          <a:xfrm>
+            <a:off x="317954" y="3331691"/>
+            <a:ext cx="3106151" cy="2626723"/>
+          </a:xfrm>
+          <a:prstGeom prst="rect">
+            <a:avLst/>
+          </a:prstGeom>
+          <a:noFill/>
+          <a:extLst>
+            <a:ext uri="{909E8E84-426E-40DD-AFC4-6F175D3DCCD1}">
+              <a14:hiddenFill xmlns:a14="http://schemas.microsoft.com/office/drawing/2010/main">
+                <a:solidFill>
+                  <a:srgbClr val="FFFFFF"/>
+                </a:solidFill>
+              </a14:hiddenFill>
+            </a:ext>
+          </a:extLst>
+        </p:spPr>
+      </p:pic>
+    </p:spTree>
+    <p:extLst>
+      <p:ext uri="{BB962C8B-B14F-4D97-AF65-F5344CB8AC3E}">
+        <p14:creationId xmlns:p14="http://schemas.microsoft.com/office/powerpoint/2010/main" val="266381222"/>
+      </p:ext>
+    </p:extLst>
+  </p:cSld>
+  <p:clrMapOvr>
+    <a:masterClrMapping/>
+  </p:clrMapOvr>
+  <p:timing>
+    <p:tnLst>
+      <p:par>
+        <p:cTn id="1" dur="indefinite" restart="never" nodeType="tmRoot"/>
+      </p:par>
+    </p:tnLst>
+  </p:timing>
+</p:sld>
+</file>
+
+<file path=ppt/slides/slide6.xml><?xml version="1.0" encoding="utf-8"?>
+<p:sld xmlns:a="http://schemas.openxmlformats.org/drawingml/2006/main" xmlns:r="http://schemas.openxmlformats.org/officeDocument/2006/relationships" xmlns:p="http://schemas.openxmlformats.org/presentationml/2006/main">
+  <p:cSld>
+    <p:spTree>
+      <p:nvGrpSpPr>
+        <p:cNvPr id="1" name=""/>
+        <p:cNvGrpSpPr/>
+        <p:nvPr/>
+      </p:nvGrpSpPr>
+      <p:grpSpPr>
+        <a:xfrm>
+          <a:off x="0" y="0"/>
+          <a:ext cx="0" cy="0"/>
+          <a:chOff x="0" y="0"/>
+          <a:chExt cx="0" cy="0"/>
+        </a:xfrm>
+      </p:grpSpPr>
+      <p:sp>
+        <p:nvSpPr>
+          <p:cNvPr id="2" name="Title 1"/>
+          <p:cNvSpPr>
+            <a:spLocks noGrp="1"/>
+          </p:cNvSpPr>
+          <p:nvPr>
+            <p:ph type="ctrTitle"/>
+          </p:nvPr>
+        </p:nvSpPr>
+        <p:spPr/>
+        <p:txBody>
+          <a:bodyPr/>
+          <a:lstStyle/>
+          <a:p>
+            <a:r>
+              <a:rPr lang="nb-NO" dirty="0" smtClean="0"/>
+              <a:t>Grunnkurs elektro</a:t>
+            </a:r>
+            <a:endParaRPr lang="nb-NO" dirty="0"/>
+          </a:p>
+        </p:txBody>
+      </p:sp>
+    </p:spTree>
+    <p:extLst>
+      <p:ext uri="{BB962C8B-B14F-4D97-AF65-F5344CB8AC3E}">
+        <p14:creationId xmlns:p14="http://schemas.microsoft.com/office/powerpoint/2010/main" val="1959985795"/>
+      </p:ext>
+    </p:extLst>
+  </p:cSld>
+  <p:clrMapOvr>
+    <a:masterClrMapping/>
+  </p:clrMapOvr>
+  <p:timing>
+    <p:tnLst>
+      <p:par>
+        <p:cTn id="1" dur="indefinite" restart="never" nodeType="tmRoot"/>
+      </p:par>
+    </p:tnLst>
+  </p:timing>
+</p:sld>
+</file>
+
+<file path=ppt/slides/slide7.xml><?xml version="1.0" encoding="utf-8"?>
+<p:sld xmlns:a="http://schemas.openxmlformats.org/drawingml/2006/main" xmlns:r="http://schemas.openxmlformats.org/officeDocument/2006/relationships" xmlns:p="http://schemas.openxmlformats.org/presentationml/2006/main">
+  <p:cSld>
+    <p:spTree>
+      <p:nvGrpSpPr>
+        <p:cNvPr id="1" name=""/>
+        <p:cNvGrpSpPr/>
+        <p:nvPr/>
+      </p:nvGrpSpPr>
+      <p:grpSpPr>
+        <a:xfrm>
+          <a:off x="0" y="0"/>
+          <a:ext cx="0" cy="0"/>
+          <a:chOff x="0" y="0"/>
+          <a:chExt cx="0" cy="0"/>
+        </a:xfrm>
+      </p:grpSpPr>
+      <p:sp>
+        <p:nvSpPr>
+          <p:cNvPr id="2" name="Title 1"/>
+          <p:cNvSpPr>
+            <a:spLocks noGrp="1"/>
+          </p:cNvSpPr>
+          <p:nvPr>
+            <p:ph type="title"/>
+          </p:nvPr>
+        </p:nvSpPr>
+        <p:spPr/>
+        <p:txBody>
+          <a:bodyPr/>
+          <a:lstStyle/>
+          <a:p>
+            <a:r>
+              <a:rPr lang="nb-NO" dirty="0" smtClean="0"/>
+              <a:t>Oversikt</a:t>
+            </a:r>
+            <a:endParaRPr lang="nb-NO" dirty="0"/>
+          </a:p>
+        </p:txBody>
+      </p:sp>
+      <p:sp>
+        <p:nvSpPr>
+          <p:cNvPr id="3" name="Content Placeholder 2"/>
+          <p:cNvSpPr>
+            <a:spLocks noGrp="1"/>
+          </p:cNvSpPr>
+          <p:nvPr>
+            <p:ph idx="1"/>
+          </p:nvPr>
+        </p:nvSpPr>
+        <p:spPr/>
+        <p:txBody>
+          <a:bodyPr/>
+          <a:lstStyle/>
+          <a:p>
+            <a:r>
+              <a:rPr lang="nb-NO" dirty="0" smtClean="0"/>
+              <a:t>Innføring i strøm og slikt</a:t>
+            </a:r>
+          </a:p>
+          <a:p>
+            <a:r>
+              <a:rPr lang="nb-NO" dirty="0" smtClean="0"/>
+              <a:t>Kretser</a:t>
+            </a:r>
+          </a:p>
+          <a:p>
+            <a:r>
+              <a:rPr lang="nb-NO" dirty="0" err="1" smtClean="0"/>
+              <a:t>Breadboard</a:t>
+            </a:r>
+            <a:endParaRPr lang="nb-NO" dirty="0" smtClean="0"/>
+          </a:p>
+          <a:p>
+            <a:r>
+              <a:rPr lang="nb-NO" dirty="0" err="1" smtClean="0"/>
+              <a:t>Arduino</a:t>
+            </a:r>
+            <a:endParaRPr lang="nb-NO" dirty="0" smtClean="0"/>
+          </a:p>
+          <a:p>
+            <a:r>
+              <a:rPr lang="nb-NO" dirty="0" smtClean="0"/>
+              <a:t>Demo</a:t>
+            </a:r>
+            <a:endParaRPr lang="nb-NO" dirty="0"/>
+          </a:p>
+        </p:txBody>
+      </p:sp>
+    </p:spTree>
+    <p:extLst>
+      <p:ext uri="{BB962C8B-B14F-4D97-AF65-F5344CB8AC3E}">
+        <p14:creationId xmlns:p14="http://schemas.microsoft.com/office/powerpoint/2010/main" val="4004236478"/>
+      </p:ext>
+    </p:extLst>
+  </p:cSld>
+  <p:clrMapOvr>
+    <a:masterClrMapping/>
+  </p:clrMapOvr>
+  <p:timing>
+    <p:tnLst>
+      <p:par>
+        <p:cTn id="1" dur="indefinite" restart="never" nodeType="tmRoot"/>
+      </p:par>
+    </p:tnLst>
+  </p:timing>
+</p:sld>
+</file>
+
+<file path=ppt/slides/slide8.xml><?xml version="1.0" encoding="utf-8"?>
+<p:sld xmlns:a="http://schemas.openxmlformats.org/drawingml/2006/main" xmlns:r="http://schemas.openxmlformats.org/officeDocument/2006/relationships" xmlns:p="http://schemas.openxmlformats.org/presentationml/2006/main">
+  <p:cSld>
+    <p:spTree>
+      <p:nvGrpSpPr>
+        <p:cNvPr id="1" name=""/>
+        <p:cNvGrpSpPr/>
+        <p:nvPr/>
+      </p:nvGrpSpPr>
+      <p:grpSpPr>
+        <a:xfrm>
+          <a:off x="0" y="0"/>
+          <a:ext cx="0" cy="0"/>
+          <a:chOff x="0" y="0"/>
+          <a:chExt cx="0" cy="0"/>
+        </a:xfrm>
+      </p:grpSpPr>
+      <p:sp>
+        <p:nvSpPr>
+          <p:cNvPr id="2" name="Title 1"/>
+          <p:cNvSpPr>
+            <a:spLocks noGrp="1"/>
+          </p:cNvSpPr>
+          <p:nvPr>
+            <p:ph type="title"/>
+          </p:nvPr>
+        </p:nvSpPr>
+        <p:spPr/>
+        <p:txBody>
+          <a:bodyPr/>
+          <a:lstStyle/>
+          <a:p>
+            <a:r>
+              <a:rPr lang="nb-NO" dirty="0" smtClean="0"/>
+              <a:t>Innføring i strøm og slikt</a:t>
+            </a:r>
+            <a:endParaRPr lang="nb-NO" dirty="0"/>
+          </a:p>
+        </p:txBody>
+      </p:sp>
+      <p:sp>
+        <p:nvSpPr>
+          <p:cNvPr id="3" name="Content Placeholder 2"/>
+          <p:cNvSpPr>
+            <a:spLocks noGrp="1"/>
+          </p:cNvSpPr>
+          <p:nvPr>
+            <p:ph idx="1"/>
+          </p:nvPr>
+        </p:nvSpPr>
+        <p:spPr>
+          <a:xfrm>
+            <a:off x="838200" y="1835353"/>
+            <a:ext cx="10515600" cy="4351338"/>
+          </a:xfrm>
+        </p:spPr>
+        <p:txBody>
+          <a:bodyPr/>
+          <a:lstStyle/>
+          <a:p>
+            <a:r>
+              <a:rPr lang="nb-NO" dirty="0" smtClean="0"/>
+              <a:t>Elektrisitet</a:t>
+            </a:r>
+          </a:p>
+          <a:p>
+            <a:pPr lvl="1"/>
+            <a:r>
+              <a:rPr lang="nb-NO" dirty="0" smtClean="0"/>
+              <a:t>Elektrisitet er fysiske fenomener knyttet til negativt eller positivt ladde partikler i ro eller i bevegelse (Wikipedia)</a:t>
+            </a:r>
+          </a:p>
+          <a:p>
+            <a:pPr lvl="2"/>
+            <a:r>
+              <a:rPr lang="nb-NO" dirty="0" smtClean="0"/>
+              <a:t>Volt (spenning)</a:t>
+            </a:r>
+          </a:p>
+          <a:p>
+            <a:pPr lvl="2"/>
+            <a:r>
+              <a:rPr lang="nb-NO" dirty="0" smtClean="0"/>
+              <a:t>Ampere</a:t>
+            </a:r>
+          </a:p>
+          <a:p>
+            <a:pPr lvl="3"/>
+            <a:r>
+              <a:rPr lang="nb-NO" dirty="0" smtClean="0"/>
+              <a:t>6,241*10</a:t>
+            </a:r>
+            <a:r>
+              <a:rPr lang="nb-NO" sz="1600" baseline="30000" dirty="0" smtClean="0"/>
+              <a:t>18</a:t>
+            </a:r>
+            <a:r>
+              <a:rPr lang="nb-NO" sz="1600" dirty="0" smtClean="0"/>
+              <a:t> elektroner per sekund</a:t>
+            </a:r>
+            <a:endParaRPr lang="nb-NO" dirty="0" smtClean="0"/>
+          </a:p>
+          <a:p>
+            <a:pPr lvl="3"/>
+            <a:r>
+              <a:rPr lang="nb-NO" dirty="0" smtClean="0"/>
+              <a:t>Amperetimer</a:t>
+            </a:r>
+            <a:endParaRPr lang="nb-NO" dirty="0" smtClean="0"/>
+          </a:p>
+          <a:p>
+            <a:pPr lvl="2"/>
+            <a:r>
+              <a:rPr lang="nb-NO" dirty="0" smtClean="0"/>
+              <a:t>Watt</a:t>
+            </a:r>
+          </a:p>
+          <a:p>
+            <a:pPr lvl="3"/>
+            <a:r>
+              <a:rPr lang="nb-NO" dirty="0" smtClean="0"/>
+              <a:t>(Kilo)Watt-timer</a:t>
+            </a:r>
+          </a:p>
+          <a:p>
+            <a:pPr lvl="2"/>
+            <a:r>
+              <a:rPr lang="nb-NO" dirty="0" smtClean="0"/>
+              <a:t>Ohm</a:t>
+            </a:r>
+            <a:endParaRPr lang="nb-NO" dirty="0"/>
+          </a:p>
+        </p:txBody>
+      </p:sp>
+    </p:spTree>
+    <p:extLst>
+      <p:ext uri="{BB962C8B-B14F-4D97-AF65-F5344CB8AC3E}">
+        <p14:creationId xmlns:p14="http://schemas.microsoft.com/office/powerpoint/2010/main" val="3156509617"/>
+      </p:ext>
+    </p:extLst>
+  </p:cSld>
+  <p:clrMapOvr>
+    <a:masterClrMapping/>
+  </p:clrMapOvr>
+  <p:timing>
+    <p:tnLst>
+      <p:par>
+        <p:cTn id="1" dur="indefinite" restart="never" nodeType="tmRoot"/>
+      </p:par>
+    </p:tnLst>
+  </p:timing>
+</p:sld>
+</file>
+
+<file path=ppt/slides/slide9.xml><?xml version="1.0" encoding="utf-8"?>
+<p:sld xmlns:a="http://schemas.openxmlformats.org/drawingml/2006/main" xmlns:r="http://schemas.openxmlformats.org/officeDocument/2006/relationships" xmlns:p="http://schemas.openxmlformats.org/presentationml/2006/main">
+  <p:cSld>
+    <p:spTree>
+      <p:nvGrpSpPr>
+        <p:cNvPr id="1" name=""/>
+        <p:cNvGrpSpPr/>
+        <p:nvPr/>
+      </p:nvGrpSpPr>
+      <p:grpSpPr>
+        <a:xfrm>
+          <a:off x="0" y="0"/>
+          <a:ext cx="0" cy="0"/>
+          <a:chOff x="0" y="0"/>
+          <a:chExt cx="0" cy="0"/>
+        </a:xfrm>
+      </p:grpSpPr>
+      <p:sp>
+        <p:nvSpPr>
+          <p:cNvPr id="2" name="Title 1"/>
+          <p:cNvSpPr>
+            <a:spLocks noGrp="1"/>
+          </p:cNvSpPr>
+          <p:nvPr>
+            <p:ph type="title"/>
+          </p:nvPr>
+        </p:nvSpPr>
+        <p:spPr/>
+        <p:txBody>
+          <a:bodyPr/>
+          <a:lstStyle/>
+          <a:p>
+            <a:r>
+              <a:rPr lang="nb-NO" dirty="0" smtClean="0"/>
+              <a:t>Innføring i strøm og slikt</a:t>
+            </a:r>
+            <a:endParaRPr lang="nb-NO" dirty="0"/>
+          </a:p>
+        </p:txBody>
+      </p:sp>
+      <p:pic>
+        <p:nvPicPr>
+          <p:cNvPr id="1026" name="Picture 2" descr="Voltage is like the pressure created by the water."/>
+          <p:cNvPicPr>
+            <a:picLocks noGrp="1" noChangeAspect="1" noChangeArrowheads="1"/>
+          </p:cNvPicPr>
+          <p:nvPr>
+            <p:ph idx="1"/>
+          </p:nvPr>
+        </p:nvPicPr>
+        <p:blipFill>
+          <a:blip r:embed="rId3">
+            <a:extLst>
+              <a:ext uri="{28A0092B-C50C-407E-A947-70E740481C1C}">
+                <a14:useLocalDpi xmlns:a14="http://schemas.microsoft.com/office/drawing/2010/main" val="0"/>
+              </a:ext>
+            </a:extLst>
+          </a:blip>
+          <a:srcRect/>
+          <a:stretch>
+            <a:fillRect/>
+          </a:stretch>
+        </p:blipFill>
+        <p:spPr bwMode="auto">
+          <a:xfrm>
+            <a:off x="0" y="1574417"/>
+            <a:ext cx="4340487" cy="4351338"/>
+          </a:xfrm>
+          <a:prstGeom prst="rect">
+            <a:avLst/>
+          </a:prstGeom>
+          <a:noFill/>
+          <a:extLst>
+            <a:ext uri="{909E8E84-426E-40DD-AFC4-6F175D3DCCD1}">
+              <a14:hiddenFill xmlns:a14="http://schemas.microsoft.com/office/drawing/2010/main">
+                <a:solidFill>
+                  <a:srgbClr val="FFFFFF"/>
+                </a:solidFill>
+              </a14:hiddenFill>
+            </a:ext>
+          </a:extLst>
+        </p:spPr>
+      </p:pic>
+      <p:sp>
+        <p:nvSpPr>
+          <p:cNvPr id="4" name="TextBox 3"/>
+          <p:cNvSpPr txBox="1"/>
+          <p:nvPr/>
+        </p:nvSpPr>
+        <p:spPr>
+          <a:xfrm>
+            <a:off x="3619081" y="2642716"/>
+            <a:ext cx="4953837" cy="923330"/>
+          </a:xfrm>
+          <a:prstGeom prst="rect">
+            <a:avLst/>
+          </a:prstGeom>
+          <a:noFill/>
+        </p:spPr>
+        <p:txBody>
+          <a:bodyPr wrap="square" rtlCol="0">
+            <a:spAutoFit/>
+          </a:bodyPr>
+          <a:lstStyle/>
+          <a:p>
+            <a:pPr marL="285750" indent="-285750">
+              <a:buFont typeface="Arial" panose="020B0604020202020204" pitchFamily="34" charset="0"/>
+              <a:buChar char="•"/>
+            </a:pPr>
+            <a:r>
+              <a:rPr lang="nb-NO" dirty="0" smtClean="0"/>
+              <a:t>Vann = ladning</a:t>
+            </a:r>
+          </a:p>
+          <a:p>
+            <a:pPr marL="285750" indent="-285750">
+              <a:buFont typeface="Arial" panose="020B0604020202020204" pitchFamily="34" charset="0"/>
+              <a:buChar char="•"/>
+            </a:pPr>
+            <a:r>
+              <a:rPr lang="nb-NO" dirty="0" smtClean="0"/>
+              <a:t>Trykk = Volt</a:t>
+            </a:r>
+          </a:p>
+          <a:p>
+            <a:pPr marL="285750" indent="-285750">
+              <a:buFont typeface="Arial" panose="020B0604020202020204" pitchFamily="34" charset="0"/>
+              <a:buChar char="•"/>
+            </a:pPr>
+            <a:r>
+              <a:rPr lang="nb-NO" dirty="0" smtClean="0"/>
+              <a:t>Vannstrøm = elektrisk strøm</a:t>
+            </a:r>
+            <a:endParaRPr lang="nb-NO" dirty="0"/>
+          </a:p>
+        </p:txBody>
+      </p:sp>
+    </p:spTree>
+    <p:extLst>
+      <p:ext uri="{BB962C8B-B14F-4D97-AF65-F5344CB8AC3E}">
+        <p14:creationId xmlns:p14="http://schemas.microsoft.com/office/powerpoint/2010/main" val="2920236697"/>
+      </p:ext>
+    </p:extLst>
+  </p:cSld>
+  <p:clrMapOvr>
+    <a:masterClrMapping/>
+  </p:clrMapOvr>
+  <p:timing>
+    <p:tnLst>
+      <p:par>
+        <p:cTn id="1" dur="indefinite" restart="never" nodeType="tmRoot"/>
+      </p:par>
+    </p:tnLst>
+  </p:timing>
 </p:sld>
 </file>
 
